--- a/GitGithub.pptx
+++ b/GitGithub.pptx
@@ -7280,41 +7280,61 @@
         </p:spPr>
         <p:txBody>
           <a:bodyPr>
-            <a:normAutofit fontScale="25000" lnSpcReduction="20000"/>
+            <a:normAutofit fontScale="92500" lnSpcReduction="20000"/>
           </a:bodyPr>
           <a:lstStyle/>
           <a:p>
             <a:r>
-              <a:rPr lang="tr-TR" sz="4000" dirty="0"/>
-              <a:t>Takım halinde aynı projede çalışabilme</a:t>
-            </a:r>
-          </a:p>
-          <a:p>
+              <a:rPr lang="en-US" sz="4000" dirty="0">
+                <a:solidFill>
+                  <a:srgbClr val="C00000"/>
+                </a:solidFill>
+              </a:rPr>
+              <a:t>G</a:t>
+            </a:r>
             <a:r>
               <a:rPr lang="en-TR" sz="4000" dirty="0">
                 <a:solidFill>
                   <a:srgbClr val="C00000"/>
                 </a:solidFill>
               </a:rPr>
-              <a:t>Yazılım mimarisi üzerinden anlatma</a:t>
-            </a:r>
-          </a:p>
-          <a:p>
-            <a:r>
-              <a:rPr lang="en-US" sz="4000" dirty="0" err="1">
+              <a:t>it tarafından takip edilmesini istemediğiniz durumlarda kullanılır.</a:t>
+            </a:r>
+          </a:p>
+          <a:p>
+            <a:r>
+              <a:rPr lang="en-US" sz="4000" dirty="0">
                 <a:solidFill>
                   <a:srgbClr val="C00000"/>
                 </a:solidFill>
               </a:rPr>
-              <a:t>mkdir</a:t>
-            </a:r>
+              <a:t>c</a:t>
+            </a:r>
+            <a:r>
+              <a:rPr lang="en-TR" sz="4000" dirty="0">
+                <a:solidFill>
+                  <a:srgbClr val="C00000"/>
+                </a:solidFill>
+              </a:rPr>
+              <a:t>at &gt;&gt; .gitignore</a:t>
+            </a:r>
+          </a:p>
+          <a:p>
             <a:r>
               <a:rPr lang="en-US" sz="4000" dirty="0">
                 <a:solidFill>
                   <a:srgbClr val="C00000"/>
                 </a:solidFill>
               </a:rPr>
-              <a:t> proje</a:t>
+              <a:t>N</a:t>
+            </a:r>
+            <a:r>
+              <a:rPr lang="en-TR" sz="4000" dirty="0">
+                <a:solidFill>
+                  <a:srgbClr val="C00000"/>
+                </a:solidFill>
+              </a:rPr>
+              <a:t>ew.txt</a:t>
             </a:r>
           </a:p>
           <a:p>
@@ -7332,7 +7352,7 @@
                   <a:srgbClr val="C00000"/>
                 </a:solidFill>
               </a:rPr>
-              <a:t>it init</a:t>
+              <a:t>it add .</a:t>
             </a:r>
           </a:p>
           <a:p>
@@ -7350,7 +7370,7 @@
                   <a:srgbClr val="C00000"/>
                 </a:solidFill>
               </a:rPr>
-              <a:t>it add .</a:t>
+              <a:t>it commit –m “update”</a:t>
             </a:r>
           </a:p>
           <a:p>
@@ -7368,246 +7388,8 @@
                   <a:srgbClr val="C00000"/>
                 </a:solidFill>
               </a:rPr>
-              <a:t>it commit –m “update”</a:t>
-            </a:r>
-          </a:p>
-          <a:p>
-            <a:r>
-              <a:rPr lang="en-US" sz="4000" dirty="0">
-                <a:solidFill>
-                  <a:srgbClr val="C00000"/>
-                </a:solidFill>
-              </a:rPr>
-              <a:t>g</a:t>
-            </a:r>
-            <a:r>
-              <a:rPr lang="en-TR" sz="4000" dirty="0">
-                <a:solidFill>
-                  <a:srgbClr val="C00000"/>
-                </a:solidFill>
-              </a:rPr>
-              <a:t>it log</a:t>
-            </a:r>
-          </a:p>
-          <a:p>
-            <a:r>
-              <a:rPr lang="en-US" sz="4000" dirty="0">
-                <a:solidFill>
-                  <a:srgbClr val="C00000"/>
-                </a:solidFill>
-              </a:rPr>
-              <a:t>g</a:t>
-            </a:r>
-            <a:r>
-              <a:rPr lang="en-TR" sz="4000" dirty="0">
-                <a:solidFill>
-                  <a:srgbClr val="C00000"/>
-                </a:solidFill>
-              </a:rPr>
-              <a:t>it branch renk</a:t>
-            </a:r>
-          </a:p>
-          <a:p>
-            <a:r>
-              <a:rPr lang="en-US" sz="4000" dirty="0">
-                <a:solidFill>
-                  <a:srgbClr val="C00000"/>
-                </a:solidFill>
-              </a:rPr>
-              <a:t>g</a:t>
-            </a:r>
-            <a:r>
-              <a:rPr lang="en-TR" sz="4000" dirty="0">
-                <a:solidFill>
-                  <a:srgbClr val="C00000"/>
-                </a:solidFill>
-              </a:rPr>
-              <a:t>it branch : Yanında * olan dal aktif dal</a:t>
-            </a:r>
-          </a:p>
-          <a:p>
-            <a:r>
-              <a:rPr lang="en-US" sz="4000" dirty="0">
-                <a:solidFill>
-                  <a:srgbClr val="C00000"/>
-                </a:solidFill>
-              </a:rPr>
-              <a:t>g</a:t>
-            </a:r>
-            <a:r>
-              <a:rPr lang="en-TR" sz="4000" dirty="0">
-                <a:solidFill>
-                  <a:srgbClr val="C00000"/>
-                </a:solidFill>
-              </a:rPr>
-              <a:t>it checkout renk</a:t>
-            </a:r>
-          </a:p>
-          <a:p>
-            <a:r>
-              <a:rPr lang="en-US" sz="4000" dirty="0">
-                <a:solidFill>
-                  <a:srgbClr val="C00000"/>
-                </a:solidFill>
-              </a:rPr>
-              <a:t>g</a:t>
-            </a:r>
-            <a:r>
-              <a:rPr lang="en-TR" sz="4000" dirty="0">
-                <a:solidFill>
-                  <a:srgbClr val="C00000"/>
-                </a:solidFill>
-              </a:rPr>
-              <a:t>it branch : Değişikliği belirt</a:t>
-            </a:r>
-          </a:p>
-          <a:p>
-            <a:r>
-              <a:rPr lang="en-TR" sz="4000" dirty="0">
-                <a:solidFill>
-                  <a:srgbClr val="C00000"/>
-                </a:solidFill>
-              </a:rPr>
-              <a:t>Dosya içerisinde değişiklik yap</a:t>
-            </a:r>
-          </a:p>
-          <a:p>
-            <a:r>
-              <a:rPr lang="en-US" sz="4000" dirty="0">
-                <a:solidFill>
-                  <a:srgbClr val="C00000"/>
-                </a:solidFill>
-              </a:rPr>
-              <a:t>g</a:t>
-            </a:r>
-            <a:r>
-              <a:rPr lang="en-TR" sz="4000" dirty="0">
-                <a:solidFill>
-                  <a:srgbClr val="C00000"/>
-                </a:solidFill>
-              </a:rPr>
-              <a:t>it log : Değişikliği belirt</a:t>
-            </a:r>
-          </a:p>
-          <a:p>
-            <a:r>
-              <a:rPr lang="en-US" sz="4000" dirty="0">
-                <a:solidFill>
-                  <a:srgbClr val="C00000"/>
-                </a:solidFill>
-              </a:rPr>
-              <a:t>g</a:t>
-            </a:r>
-            <a:r>
-              <a:rPr lang="en-TR" sz="4000" dirty="0">
-                <a:solidFill>
-                  <a:srgbClr val="C00000"/>
-                </a:solidFill>
-              </a:rPr>
-              <a:t>it status</a:t>
-            </a:r>
-          </a:p>
-          <a:p>
-            <a:r>
-              <a:rPr lang="en-US" sz="4000" dirty="0">
-                <a:solidFill>
-                  <a:srgbClr val="C00000"/>
-                </a:solidFill>
-              </a:rPr>
-              <a:t>g</a:t>
-            </a:r>
-            <a:r>
-              <a:rPr lang="en-TR" sz="4000" dirty="0">
-                <a:solidFill>
-                  <a:srgbClr val="C00000"/>
-                </a:solidFill>
-              </a:rPr>
-              <a:t>it add .</a:t>
-            </a:r>
-            <a:endParaRPr lang="en-US" sz="4000" dirty="0">
-              <a:solidFill>
-                <a:srgbClr val="C00000"/>
-              </a:solidFill>
-            </a:endParaRPr>
-          </a:p>
-          <a:p>
-            <a:r>
-              <a:rPr lang="en-US" sz="4000" dirty="0">
-                <a:solidFill>
-                  <a:srgbClr val="C00000"/>
-                </a:solidFill>
-              </a:rPr>
-              <a:t>g</a:t>
-            </a:r>
-            <a:r>
-              <a:rPr lang="en-TR" sz="4000" dirty="0">
-                <a:solidFill>
-                  <a:srgbClr val="C00000"/>
-                </a:solidFill>
-              </a:rPr>
-              <a:t>it commit –m “degisti”</a:t>
-            </a:r>
-          </a:p>
-          <a:p>
-            <a:r>
-              <a:rPr lang="en-US" sz="4000" dirty="0">
-                <a:solidFill>
-                  <a:srgbClr val="C00000"/>
-                </a:solidFill>
-              </a:rPr>
-              <a:t>g</a:t>
-            </a:r>
-            <a:r>
-              <a:rPr lang="en-TR" sz="4000" dirty="0">
-                <a:solidFill>
-                  <a:srgbClr val="C00000"/>
-                </a:solidFill>
-              </a:rPr>
-              <a:t>it log : Commit eklemeyi göster</a:t>
-            </a:r>
-          </a:p>
-          <a:p>
-            <a:r>
-              <a:rPr lang="en-US" sz="4000" dirty="0">
-                <a:solidFill>
-                  <a:srgbClr val="C00000"/>
-                </a:solidFill>
-              </a:rPr>
-              <a:t>g</a:t>
-            </a:r>
-            <a:r>
-              <a:rPr lang="en-TR" sz="4000" dirty="0">
-                <a:solidFill>
-                  <a:srgbClr val="C00000"/>
-                </a:solidFill>
-              </a:rPr>
-              <a:t>it checkout master</a:t>
-            </a:r>
-          </a:p>
-          <a:p>
-            <a:r>
-              <a:rPr lang="en-US" sz="4000" dirty="0">
-                <a:solidFill>
-                  <a:srgbClr val="C00000"/>
-                </a:solidFill>
-              </a:rPr>
-              <a:t>g</a:t>
-            </a:r>
-            <a:r>
-              <a:rPr lang="en-TR" sz="4000" dirty="0">
-                <a:solidFill>
-                  <a:srgbClr val="C00000"/>
-                </a:solidFill>
-              </a:rPr>
-              <a:t>it merge renk : Merge işlemi yapılır.</a:t>
-            </a:r>
-          </a:p>
-          <a:p>
-            <a:endParaRPr lang="en-TR" sz="4000" dirty="0">
-              <a:solidFill>
-                <a:srgbClr val="C00000"/>
-              </a:solidFill>
-            </a:endParaRPr>
+              <a:t>it push</a:t>
+            </a:r>
           </a:p>
         </p:txBody>
       </p:sp>

--- a/GitGithub.pptx
+++ b/GitGithub.pptx
@@ -5,7 +5,7 @@
     <p:sldMasterId id="2147483969" r:id="rId1"/>
   </p:sldMasterIdLst>
   <p:notesMasterIdLst>
-    <p:notesMasterId r:id="rId17"/>
+    <p:notesMasterId r:id="rId19"/>
   </p:notesMasterIdLst>
   <p:sldIdLst>
     <p:sldId id="256" r:id="rId2"/>
@@ -23,6 +23,8 @@
     <p:sldId id="268" r:id="rId14"/>
     <p:sldId id="269" r:id="rId15"/>
     <p:sldId id="270" r:id="rId16"/>
+    <p:sldId id="271" r:id="rId17"/>
+    <p:sldId id="272" r:id="rId18"/>
   </p:sldIdLst>
   <p:sldSz cx="12192000" cy="6858000"/>
   <p:notesSz cx="6858000" cy="9144000"/>
@@ -7280,7 +7282,7 @@
         </p:spPr>
         <p:txBody>
           <a:bodyPr>
-            <a:normAutofit fontScale="92500" lnSpcReduction="20000"/>
+            <a:normAutofit fontScale="70000" lnSpcReduction="20000"/>
           </a:bodyPr>
           <a:lstStyle/>
           <a:p>
@@ -7320,21 +7322,52 @@
             </a:r>
           </a:p>
           <a:p>
-            <a:r>
-              <a:rPr lang="en-US" sz="4000" dirty="0">
+            <a:pPr lvl="1"/>
+            <a:r>
+              <a:rPr lang="en-US" sz="3800" dirty="0" err="1">
                 <a:solidFill>
                   <a:srgbClr val="C00000"/>
                 </a:solidFill>
               </a:rPr>
-              <a:t>N</a:t>
-            </a:r>
-            <a:r>
-              <a:rPr lang="en-TR" sz="4000" dirty="0">
+              <a:t>new.txt</a:t>
+            </a:r>
+            <a:endParaRPr lang="en-US" sz="3800" dirty="0">
+              <a:solidFill>
+                <a:srgbClr val="C00000"/>
+              </a:solidFill>
+            </a:endParaRPr>
+          </a:p>
+          <a:p>
+            <a:pPr lvl="1"/>
+            <a:r>
+              <a:rPr lang="en-US" sz="3800" dirty="0">
                 <a:solidFill>
                   <a:srgbClr val="C00000"/>
                 </a:solidFill>
               </a:rPr>
-              <a:t>ew.txt</a:t>
+              <a:t>doc/*</a:t>
+            </a:r>
+          </a:p>
+          <a:p>
+            <a:pPr lvl="1"/>
+            <a:r>
+              <a:rPr lang="en-US" sz="3800" dirty="0">
+                <a:solidFill>
+                  <a:srgbClr val="C00000"/>
+                </a:solidFill>
+              </a:rPr>
+              <a:t>*.txt</a:t>
+            </a:r>
+          </a:p>
+          <a:p>
+            <a:pPr lvl="1"/>
+            <a:r>
+              <a:rPr lang="en-US" sz="3800" dirty="0">
+                <a:solidFill>
+                  <a:srgbClr val="C00000"/>
+                </a:solidFill>
+              </a:rPr>
+              <a:t>**.txt</a:t>
             </a:r>
           </a:p>
           <a:p>
@@ -7390,6 +7423,230 @@
               </a:rPr>
               <a:t>it push</a:t>
             </a:r>
+          </a:p>
+        </p:txBody>
+      </p:sp>
+    </p:spTree>
+    <p:extLst>
+      <p:ext uri="{BB962C8B-B14F-4D97-AF65-F5344CB8AC3E}">
+        <p14:creationId xmlns:p14="http://schemas.microsoft.com/office/powerpoint/2010/main" val="563179808"/>
+      </p:ext>
+    </p:extLst>
+  </p:cSld>
+  <p:clrMapOvr>
+    <a:masterClrMapping/>
+  </p:clrMapOvr>
+</p:sld>
+</file>
+
+<file path=ppt/slides/slide16.xml><?xml version="1.0" encoding="utf-8"?>
+<p:sld xmlns:a="http://schemas.openxmlformats.org/drawingml/2006/main" xmlns:r="http://schemas.openxmlformats.org/officeDocument/2006/relationships" xmlns:p="http://schemas.openxmlformats.org/presentationml/2006/main">
+  <p:cSld>
+    <p:spTree>
+      <p:nvGrpSpPr>
+        <p:cNvPr id="1" name=""/>
+        <p:cNvGrpSpPr/>
+        <p:nvPr/>
+      </p:nvGrpSpPr>
+      <p:grpSpPr>
+        <a:xfrm>
+          <a:off x="0" y="0"/>
+          <a:ext cx="0" cy="0"/>
+          <a:chOff x="0" y="0"/>
+          <a:chExt cx="0" cy="0"/>
+        </a:xfrm>
+      </p:grpSpPr>
+      <p:pic>
+        <p:nvPicPr>
+          <p:cNvPr id="4" name="Picture 4" descr="Techpro Education | Online It Courses &amp; Bootcamps">
+            <a:extLst>
+              <a:ext uri="{FF2B5EF4-FFF2-40B4-BE49-F238E27FC236}">
+                <a16:creationId xmlns:a16="http://schemas.microsoft.com/office/drawing/2014/main" id="{E33B55B5-34C1-9987-660E-4BF674EB9809}"/>
+              </a:ext>
+            </a:extLst>
+          </p:cNvPr>
+          <p:cNvPicPr>
+            <a:picLocks noChangeAspect="1" noChangeArrowheads="1"/>
+          </p:cNvPicPr>
+          <p:nvPr/>
+        </p:nvPicPr>
+        <p:blipFill>
+          <a:blip r:embed="rId2">
+            <a:alphaModFix amt="11000"/>
+            <a:extLst>
+              <a:ext uri="{28A0092B-C50C-407E-A947-70E740481C1C}">
+                <a14:useLocalDpi xmlns:a14="http://schemas.microsoft.com/office/drawing/2010/main" val="0"/>
+              </a:ext>
+            </a:extLst>
+          </a:blip>
+          <a:srcRect/>
+          <a:stretch>
+            <a:fillRect/>
+          </a:stretch>
+        </p:blipFill>
+        <p:spPr bwMode="auto">
+          <a:xfrm>
+            <a:off x="2815081" y="551941"/>
+            <a:ext cx="5754117" cy="5754117"/>
+          </a:xfrm>
+          <a:prstGeom prst="rect">
+            <a:avLst/>
+          </a:prstGeom>
+          <a:noFill/>
+          <a:extLst>
+            <a:ext uri="{909E8E84-426E-40DD-AFC4-6F175D3DCCD1}">
+              <a14:hiddenFill xmlns:a14="http://schemas.microsoft.com/office/drawing/2010/main">
+                <a:solidFill>
+                  <a:srgbClr val="FFFFFF"/>
+                </a:solidFill>
+              </a14:hiddenFill>
+            </a:ext>
+          </a:extLst>
+        </p:spPr>
+      </p:pic>
+      <p:sp>
+        <p:nvSpPr>
+          <p:cNvPr id="3" name="Title 1">
+            <a:extLst>
+              <a:ext uri="{FF2B5EF4-FFF2-40B4-BE49-F238E27FC236}">
+                <a16:creationId xmlns:a16="http://schemas.microsoft.com/office/drawing/2014/main" id="{87B6C64E-0795-6DBE-C426-84C825AB1E29}"/>
+              </a:ext>
+            </a:extLst>
+          </p:cNvPr>
+          <p:cNvSpPr>
+            <a:spLocks noGrp="1"/>
+          </p:cNvSpPr>
+          <p:nvPr>
+            <p:ph type="title"/>
+          </p:nvPr>
+        </p:nvSpPr>
+        <p:spPr>
+          <a:xfrm>
+            <a:off x="420624" y="365125"/>
+            <a:ext cx="10543032" cy="1325563"/>
+          </a:xfrm>
+        </p:spPr>
+        <p:txBody>
+          <a:bodyPr/>
+          <a:lstStyle/>
+          <a:p>
+            <a:r>
+              <a:rPr lang="en-TR" b="1" dirty="0"/>
+              <a:t>Github Yararlı Linkler</a:t>
+            </a:r>
+          </a:p>
+        </p:txBody>
+      </p:sp>
+      <p:sp>
+        <p:nvSpPr>
+          <p:cNvPr id="5" name="Content Placeholder 2">
+            <a:extLst>
+              <a:ext uri="{FF2B5EF4-FFF2-40B4-BE49-F238E27FC236}">
+                <a16:creationId xmlns:a16="http://schemas.microsoft.com/office/drawing/2014/main" id="{AD4D72CB-A20C-6D7D-55C4-D224825053B4}"/>
+              </a:ext>
+            </a:extLst>
+          </p:cNvPr>
+          <p:cNvSpPr>
+            <a:spLocks noGrp="1"/>
+          </p:cNvSpPr>
+          <p:nvPr>
+            <p:ph idx="1"/>
+          </p:nvPr>
+        </p:nvSpPr>
+        <p:spPr>
+          <a:xfrm>
+            <a:off x="420625" y="1825625"/>
+            <a:ext cx="10543031" cy="4206383"/>
+          </a:xfrm>
+        </p:spPr>
+        <p:txBody>
+          <a:bodyPr>
+            <a:normAutofit/>
+          </a:bodyPr>
+          <a:lstStyle/>
+          <a:p>
+            <a:r>
+              <a:rPr lang="tr-TR" sz="4000" dirty="0" err="1">
+                <a:solidFill>
+                  <a:srgbClr val="C00000"/>
+                </a:solidFill>
+              </a:rPr>
+              <a:t>Github.com</a:t>
+            </a:r>
+            <a:r>
+              <a:rPr lang="tr-TR" sz="4000" dirty="0">
+                <a:solidFill>
+                  <a:srgbClr val="C00000"/>
+                </a:solidFill>
+              </a:rPr>
+              <a:t> -&gt; </a:t>
+            </a:r>
+            <a:r>
+              <a:rPr lang="tr-TR" sz="4000" dirty="0" err="1">
+                <a:solidFill>
+                  <a:srgbClr val="C00000"/>
+                </a:solidFill>
+              </a:rPr>
+              <a:t>Github.dev</a:t>
+            </a:r>
+            <a:endParaRPr lang="tr-TR" sz="4000" dirty="0">
+              <a:solidFill>
+                <a:srgbClr val="C00000"/>
+              </a:solidFill>
+            </a:endParaRPr>
+          </a:p>
+          <a:p>
+            <a:r>
+              <a:rPr lang="tr-TR" sz="4000" dirty="0">
+                <a:solidFill>
+                  <a:srgbClr val="C00000"/>
+                </a:solidFill>
+              </a:rPr>
+              <a:t>Arama çubuğuna </a:t>
+            </a:r>
+            <a:br>
+              <a:rPr lang="tr-TR" sz="4000" dirty="0">
+                <a:solidFill>
+                  <a:srgbClr val="C00000"/>
+                </a:solidFill>
+              </a:rPr>
+            </a:br>
+            <a:r>
+              <a:rPr lang="tr-TR" sz="4000" dirty="0" err="1">
+                <a:solidFill>
+                  <a:srgbClr val="C00000"/>
+                </a:solidFill>
+              </a:rPr>
+              <a:t>awesome-cybersecurity</a:t>
+            </a:r>
+            <a:r>
+              <a:rPr lang="tr-TR" sz="4000" dirty="0">
+                <a:solidFill>
+                  <a:srgbClr val="C00000"/>
+                </a:solidFill>
+              </a:rPr>
+              <a:t> | </a:t>
+            </a:r>
+            <a:r>
+              <a:rPr lang="tr-TR" sz="4000" dirty="0" err="1">
+                <a:solidFill>
+                  <a:srgbClr val="C00000"/>
+                </a:solidFill>
+              </a:rPr>
+              <a:t>awesome-devops</a:t>
+            </a:r>
+            <a:endParaRPr lang="tr-TR" sz="4000" dirty="0">
+              <a:solidFill>
+                <a:srgbClr val="C00000"/>
+              </a:solidFill>
+            </a:endParaRPr>
+          </a:p>
+          <a:p>
+            <a:endParaRPr lang="en-TR" sz="4000" dirty="0">
+              <a:solidFill>
+                <a:srgbClr val="C00000"/>
+              </a:solidFill>
+            </a:endParaRPr>
           </a:p>
         </p:txBody>
       </p:sp>
@@ -7614,7 +7871,430 @@
     </p:spTree>
     <p:extLst>
       <p:ext uri="{BB962C8B-B14F-4D97-AF65-F5344CB8AC3E}">
-        <p14:creationId xmlns:p14="http://schemas.microsoft.com/office/powerpoint/2010/main" val="563179808"/>
+        <p14:creationId xmlns:p14="http://schemas.microsoft.com/office/powerpoint/2010/main" val="3129742757"/>
+      </p:ext>
+    </p:extLst>
+  </p:cSld>
+  <p:clrMapOvr>
+    <a:masterClrMapping/>
+  </p:clrMapOvr>
+</p:sld>
+</file>
+
+<file path=ppt/slides/slide17.xml><?xml version="1.0" encoding="utf-8"?>
+<p:sld xmlns:a="http://schemas.openxmlformats.org/drawingml/2006/main" xmlns:r="http://schemas.openxmlformats.org/officeDocument/2006/relationships" xmlns:p="http://schemas.openxmlformats.org/presentationml/2006/main">
+  <p:cSld>
+    <p:spTree>
+      <p:nvGrpSpPr>
+        <p:cNvPr id="1" name=""/>
+        <p:cNvGrpSpPr/>
+        <p:nvPr/>
+      </p:nvGrpSpPr>
+      <p:grpSpPr>
+        <a:xfrm>
+          <a:off x="0" y="0"/>
+          <a:ext cx="0" cy="0"/>
+          <a:chOff x="0" y="0"/>
+          <a:chExt cx="0" cy="0"/>
+        </a:xfrm>
+      </p:grpSpPr>
+      <p:pic>
+        <p:nvPicPr>
+          <p:cNvPr id="4" name="Picture 4" descr="Techpro Education | Online It Courses &amp; Bootcamps">
+            <a:extLst>
+              <a:ext uri="{FF2B5EF4-FFF2-40B4-BE49-F238E27FC236}">
+                <a16:creationId xmlns:a16="http://schemas.microsoft.com/office/drawing/2014/main" id="{E33B55B5-34C1-9987-660E-4BF674EB9809}"/>
+              </a:ext>
+            </a:extLst>
+          </p:cNvPr>
+          <p:cNvPicPr>
+            <a:picLocks noChangeAspect="1" noChangeArrowheads="1"/>
+          </p:cNvPicPr>
+          <p:nvPr/>
+        </p:nvPicPr>
+        <p:blipFill>
+          <a:blip r:embed="rId2">
+            <a:alphaModFix amt="11000"/>
+            <a:extLst>
+              <a:ext uri="{28A0092B-C50C-407E-A947-70E740481C1C}">
+                <a14:useLocalDpi xmlns:a14="http://schemas.microsoft.com/office/drawing/2010/main" val="0"/>
+              </a:ext>
+            </a:extLst>
+          </a:blip>
+          <a:srcRect/>
+          <a:stretch>
+            <a:fillRect/>
+          </a:stretch>
+        </p:blipFill>
+        <p:spPr bwMode="auto">
+          <a:xfrm>
+            <a:off x="2815081" y="551941"/>
+            <a:ext cx="5754117" cy="5754117"/>
+          </a:xfrm>
+          <a:prstGeom prst="rect">
+            <a:avLst/>
+          </a:prstGeom>
+          <a:noFill/>
+          <a:extLst>
+            <a:ext uri="{909E8E84-426E-40DD-AFC4-6F175D3DCCD1}">
+              <a14:hiddenFill xmlns:a14="http://schemas.microsoft.com/office/drawing/2010/main">
+                <a:solidFill>
+                  <a:srgbClr val="FFFFFF"/>
+                </a:solidFill>
+              </a14:hiddenFill>
+            </a:ext>
+          </a:extLst>
+        </p:spPr>
+      </p:pic>
+      <p:sp>
+        <p:nvSpPr>
+          <p:cNvPr id="3" name="Title 1">
+            <a:extLst>
+              <a:ext uri="{FF2B5EF4-FFF2-40B4-BE49-F238E27FC236}">
+                <a16:creationId xmlns:a16="http://schemas.microsoft.com/office/drawing/2014/main" id="{87B6C64E-0795-6DBE-C426-84C825AB1E29}"/>
+              </a:ext>
+            </a:extLst>
+          </p:cNvPr>
+          <p:cNvSpPr>
+            <a:spLocks noGrp="1"/>
+          </p:cNvSpPr>
+          <p:nvPr>
+            <p:ph type="title"/>
+          </p:nvPr>
+        </p:nvSpPr>
+        <p:spPr>
+          <a:xfrm>
+            <a:off x="420624" y="365125"/>
+            <a:ext cx="10543032" cy="1325563"/>
+          </a:xfrm>
+        </p:spPr>
+        <p:txBody>
+          <a:bodyPr/>
+          <a:lstStyle/>
+          <a:p>
+            <a:r>
+              <a:rPr lang="en-TR" b="1" dirty="0"/>
+              <a:t>Other Version Control Systems</a:t>
+            </a:r>
+          </a:p>
+        </p:txBody>
+      </p:sp>
+      <p:sp>
+        <p:nvSpPr>
+          <p:cNvPr id="2" name="Content Placeholder 2">
+            <a:extLst>
+              <a:ext uri="{FF2B5EF4-FFF2-40B4-BE49-F238E27FC236}">
+                <a16:creationId xmlns:a16="http://schemas.microsoft.com/office/drawing/2014/main" id="{05BB9F8A-F0D4-E0C1-63D2-A89CF3C6087E}"/>
+              </a:ext>
+            </a:extLst>
+          </p:cNvPr>
+          <p:cNvSpPr txBox="1">
+            <a:spLocks/>
+          </p:cNvSpPr>
+          <p:nvPr/>
+        </p:nvSpPr>
+        <p:spPr>
+          <a:xfrm>
+            <a:off x="573025" y="1978026"/>
+            <a:ext cx="5933181" cy="2367178"/>
+          </a:xfrm>
+          <a:prstGeom prst="rect">
+            <a:avLst/>
+          </a:prstGeom>
+        </p:spPr>
+        <p:txBody>
+          <a:bodyPr vert="horz" lIns="91440" tIns="45720" rIns="91440" bIns="45720" rtlCol="0">
+            <a:normAutofit/>
+          </a:bodyPr>
+          <a:lstStyle>
+            <a:lvl1pPr marL="228600" indent="-228600" algn="l" defTabSz="914400" rtl="0" eaLnBrk="1" latinLnBrk="0" hangingPunct="1">
+              <a:lnSpc>
+                <a:spcPct val="100000"/>
+              </a:lnSpc>
+              <a:spcBef>
+                <a:spcPts val="1000"/>
+              </a:spcBef>
+              <a:buClr>
+                <a:schemeClr val="accent2"/>
+              </a:buClr>
+              <a:buFont typeface="Wingdings 2" panose="05020102010507070707" pitchFamily="18" charset="2"/>
+              <a:buChar char=""/>
+              <a:defRPr sz="2400" kern="1200">
+                <a:solidFill>
+                  <a:schemeClr val="tx2"/>
+                </a:solidFill>
+                <a:latin typeface="+mn-lt"/>
+                <a:ea typeface="+mn-ea"/>
+                <a:cs typeface="+mn-cs"/>
+              </a:defRPr>
+            </a:lvl1pPr>
+            <a:lvl2pPr marL="685800" indent="-228600" algn="l" defTabSz="914400" rtl="0" eaLnBrk="1" latinLnBrk="0" hangingPunct="1">
+              <a:lnSpc>
+                <a:spcPct val="100000"/>
+              </a:lnSpc>
+              <a:spcBef>
+                <a:spcPts val="500"/>
+              </a:spcBef>
+              <a:buClr>
+                <a:schemeClr val="accent2"/>
+              </a:buClr>
+              <a:buFont typeface="Wingdings 2" panose="05020102010507070707" pitchFamily="18" charset="2"/>
+              <a:buChar char=""/>
+              <a:defRPr sz="2200" kern="1200">
+                <a:solidFill>
+                  <a:schemeClr val="tx2"/>
+                </a:solidFill>
+                <a:latin typeface="+mn-lt"/>
+                <a:ea typeface="+mn-ea"/>
+                <a:cs typeface="+mn-cs"/>
+              </a:defRPr>
+            </a:lvl2pPr>
+            <a:lvl3pPr marL="1143000" indent="-228600" algn="l" defTabSz="914400" rtl="0" eaLnBrk="1" latinLnBrk="0" hangingPunct="1">
+              <a:lnSpc>
+                <a:spcPct val="100000"/>
+              </a:lnSpc>
+              <a:spcBef>
+                <a:spcPts val="500"/>
+              </a:spcBef>
+              <a:buClr>
+                <a:schemeClr val="accent2"/>
+              </a:buClr>
+              <a:buFont typeface="Wingdings 2" panose="05020102010507070707" pitchFamily="18" charset="2"/>
+              <a:buChar char=""/>
+              <a:defRPr sz="1800" kern="1200">
+                <a:solidFill>
+                  <a:schemeClr val="tx2"/>
+                </a:solidFill>
+                <a:latin typeface="+mn-lt"/>
+                <a:ea typeface="+mn-ea"/>
+                <a:cs typeface="+mn-cs"/>
+              </a:defRPr>
+            </a:lvl3pPr>
+            <a:lvl4pPr marL="1600200" indent="-228600" algn="l" defTabSz="914400" rtl="0" eaLnBrk="1" latinLnBrk="0" hangingPunct="1">
+              <a:lnSpc>
+                <a:spcPct val="100000"/>
+              </a:lnSpc>
+              <a:spcBef>
+                <a:spcPts val="500"/>
+              </a:spcBef>
+              <a:buClr>
+                <a:schemeClr val="accent2"/>
+              </a:buClr>
+              <a:buFont typeface="Wingdings 2" panose="05020102010507070707" pitchFamily="18" charset="2"/>
+              <a:buChar char=""/>
+              <a:defRPr sz="1600" kern="1200">
+                <a:solidFill>
+                  <a:schemeClr val="tx2"/>
+                </a:solidFill>
+                <a:latin typeface="+mn-lt"/>
+                <a:ea typeface="+mn-ea"/>
+                <a:cs typeface="+mn-cs"/>
+              </a:defRPr>
+            </a:lvl4pPr>
+            <a:lvl5pPr marL="2057400" indent="-228600" algn="l" defTabSz="914400" rtl="0" eaLnBrk="1" latinLnBrk="0" hangingPunct="1">
+              <a:lnSpc>
+                <a:spcPct val="100000"/>
+              </a:lnSpc>
+              <a:spcBef>
+                <a:spcPts val="500"/>
+              </a:spcBef>
+              <a:buClr>
+                <a:schemeClr val="accent2"/>
+              </a:buClr>
+              <a:buFont typeface="Wingdings 2" panose="05020102010507070707" pitchFamily="18" charset="2"/>
+              <a:buChar char=""/>
+              <a:defRPr sz="1400" kern="1200">
+                <a:solidFill>
+                  <a:schemeClr val="tx2"/>
+                </a:solidFill>
+                <a:latin typeface="+mn-lt"/>
+                <a:ea typeface="+mn-ea"/>
+                <a:cs typeface="+mn-cs"/>
+              </a:defRPr>
+            </a:lvl5pPr>
+            <a:lvl6pPr marL="2514600" indent="-228600" algn="l" defTabSz="914400" rtl="0" eaLnBrk="1" latinLnBrk="0" hangingPunct="1">
+              <a:lnSpc>
+                <a:spcPct val="90000"/>
+              </a:lnSpc>
+              <a:spcBef>
+                <a:spcPts val="500"/>
+              </a:spcBef>
+              <a:buFont typeface="Arial" panose="020B0604020202020204" pitchFamily="34" charset="0"/>
+              <a:buChar char="•"/>
+              <a:defRPr sz="1800" kern="1200">
+                <a:solidFill>
+                  <a:schemeClr val="tx1"/>
+                </a:solidFill>
+                <a:latin typeface="+mn-lt"/>
+                <a:ea typeface="+mn-ea"/>
+                <a:cs typeface="+mn-cs"/>
+              </a:defRPr>
+            </a:lvl6pPr>
+            <a:lvl7pPr marL="2971800" indent="-228600" algn="l" defTabSz="914400" rtl="0" eaLnBrk="1" latinLnBrk="0" hangingPunct="1">
+              <a:lnSpc>
+                <a:spcPct val="90000"/>
+              </a:lnSpc>
+              <a:spcBef>
+                <a:spcPts val="500"/>
+              </a:spcBef>
+              <a:buFont typeface="Arial" panose="020B0604020202020204" pitchFamily="34" charset="0"/>
+              <a:buChar char="•"/>
+              <a:defRPr sz="1800" kern="1200">
+                <a:solidFill>
+                  <a:schemeClr val="tx1"/>
+                </a:solidFill>
+                <a:latin typeface="+mn-lt"/>
+                <a:ea typeface="+mn-ea"/>
+                <a:cs typeface="+mn-cs"/>
+              </a:defRPr>
+            </a:lvl7pPr>
+            <a:lvl8pPr marL="3429000" indent="-228600" algn="l" defTabSz="914400" rtl="0" eaLnBrk="1" latinLnBrk="0" hangingPunct="1">
+              <a:lnSpc>
+                <a:spcPct val="90000"/>
+              </a:lnSpc>
+              <a:spcBef>
+                <a:spcPts val="500"/>
+              </a:spcBef>
+              <a:buFont typeface="Arial" panose="020B0604020202020204" pitchFamily="34" charset="0"/>
+              <a:buChar char="•"/>
+              <a:defRPr sz="1800" kern="1200">
+                <a:solidFill>
+                  <a:schemeClr val="tx1"/>
+                </a:solidFill>
+                <a:latin typeface="+mn-lt"/>
+                <a:ea typeface="+mn-ea"/>
+                <a:cs typeface="+mn-cs"/>
+              </a:defRPr>
+            </a:lvl8pPr>
+            <a:lvl9pPr marL="3886200" indent="-228600" algn="l" defTabSz="914400" rtl="0" eaLnBrk="1" latinLnBrk="0" hangingPunct="1">
+              <a:lnSpc>
+                <a:spcPct val="90000"/>
+              </a:lnSpc>
+              <a:spcBef>
+                <a:spcPts val="500"/>
+              </a:spcBef>
+              <a:buFont typeface="Arial" panose="020B0604020202020204" pitchFamily="34" charset="0"/>
+              <a:buChar char="•"/>
+              <a:defRPr sz="1800" kern="1200">
+                <a:solidFill>
+                  <a:schemeClr val="tx1"/>
+                </a:solidFill>
+                <a:latin typeface="+mn-lt"/>
+                <a:ea typeface="+mn-ea"/>
+                <a:cs typeface="+mn-cs"/>
+              </a:defRPr>
+            </a:lvl9pPr>
+          </a:lstStyle>
+          <a:p>
+            <a:endParaRPr lang="tr-TR" sz="4000" dirty="0"/>
+          </a:p>
+          <a:p>
+            <a:endParaRPr lang="en-TR" sz="4000" dirty="0">
+              <a:solidFill>
+                <a:srgbClr val="C00000"/>
+              </a:solidFill>
+            </a:endParaRPr>
+          </a:p>
+        </p:txBody>
+      </p:sp>
+      <p:pic>
+        <p:nvPicPr>
+          <p:cNvPr id="5122" name="Picture 2" descr="Press kit | GitLab">
+            <a:extLst>
+              <a:ext uri="{FF2B5EF4-FFF2-40B4-BE49-F238E27FC236}">
+                <a16:creationId xmlns:a16="http://schemas.microsoft.com/office/drawing/2014/main" id="{CFDB47D3-42FB-5C49-F4F1-AA2B862FD0BB}"/>
+              </a:ext>
+            </a:extLst>
+          </p:cNvPr>
+          <p:cNvPicPr>
+            <a:picLocks noChangeAspect="1" noChangeArrowheads="1"/>
+          </p:cNvPicPr>
+          <p:nvPr/>
+        </p:nvPicPr>
+        <p:blipFill>
+          <a:blip r:embed="rId3">
+            <a:extLst>
+              <a:ext uri="{28A0092B-C50C-407E-A947-70E740481C1C}">
+                <a14:useLocalDpi xmlns:a14="http://schemas.microsoft.com/office/drawing/2010/main" val="0"/>
+              </a:ext>
+            </a:extLst>
+          </a:blip>
+          <a:srcRect/>
+          <a:stretch>
+            <a:fillRect/>
+          </a:stretch>
+        </p:blipFill>
+        <p:spPr bwMode="auto">
+          <a:xfrm>
+            <a:off x="7304776" y="1988070"/>
+            <a:ext cx="3917283" cy="856730"/>
+          </a:xfrm>
+          <a:prstGeom prst="rect">
+            <a:avLst/>
+          </a:prstGeom>
+          <a:noFill/>
+          <a:extLst>
+            <a:ext uri="{909E8E84-426E-40DD-AFC4-6F175D3DCCD1}">
+              <a14:hiddenFill xmlns:a14="http://schemas.microsoft.com/office/drawing/2010/main">
+                <a:solidFill>
+                  <a:srgbClr val="FFFFFF"/>
+                </a:solidFill>
+              </a14:hiddenFill>
+            </a:ext>
+          </a:extLst>
+        </p:spPr>
+      </p:pic>
+      <p:pic>
+        <p:nvPicPr>
+          <p:cNvPr id="5124" name="Picture 4" descr="Download Bitbucket Logo in SVG Vector or PNG File Format ...">
+            <a:extLst>
+              <a:ext uri="{FF2B5EF4-FFF2-40B4-BE49-F238E27FC236}">
+                <a16:creationId xmlns:a16="http://schemas.microsoft.com/office/drawing/2014/main" id="{829E67F4-7F80-8B9C-5528-5E2D2B816F46}"/>
+              </a:ext>
+            </a:extLst>
+          </p:cNvPr>
+          <p:cNvPicPr>
+            <a:picLocks noChangeAspect="1" noChangeArrowheads="1"/>
+          </p:cNvPicPr>
+          <p:nvPr/>
+        </p:nvPicPr>
+        <p:blipFill>
+          <a:blip r:embed="rId4">
+            <a:extLst>
+              <a:ext uri="{28A0092B-C50C-407E-A947-70E740481C1C}">
+                <a14:useLocalDpi xmlns:a14="http://schemas.microsoft.com/office/drawing/2010/main" val="0"/>
+              </a:ext>
+            </a:extLst>
+          </a:blip>
+          <a:srcRect/>
+          <a:stretch>
+            <a:fillRect/>
+          </a:stretch>
+        </p:blipFill>
+        <p:spPr bwMode="auto">
+          <a:xfrm>
+            <a:off x="969941" y="2165858"/>
+            <a:ext cx="6210300" cy="4140200"/>
+          </a:xfrm>
+          <a:prstGeom prst="rect">
+            <a:avLst/>
+          </a:prstGeom>
+          <a:noFill/>
+          <a:extLst>
+            <a:ext uri="{909E8E84-426E-40DD-AFC4-6F175D3DCCD1}">
+              <a14:hiddenFill xmlns:a14="http://schemas.microsoft.com/office/drawing/2010/main">
+                <a:solidFill>
+                  <a:srgbClr val="FFFFFF"/>
+                </a:solidFill>
+              </a14:hiddenFill>
+            </a:ext>
+          </a:extLst>
+        </p:spPr>
+      </p:pic>
+    </p:spTree>
+    <p:extLst>
+      <p:ext uri="{BB962C8B-B14F-4D97-AF65-F5344CB8AC3E}">
+        <p14:creationId xmlns:p14="http://schemas.microsoft.com/office/powerpoint/2010/main" val="1520413502"/>
       </p:ext>
     </p:extLst>
   </p:cSld>

--- a/GitGithub.pptx
+++ b/GitGithub.pptx
@@ -7879,7 +7879,7 @@
               <a:t> </a:t>
             </a:r>
             <a:r>
-              <a:rPr lang="tr-TR" sz="4000">
+              <a:rPr lang="tr-TR" sz="4000" dirty="0" err="1">
                 <a:solidFill>
                   <a:srgbClr val="C00000"/>
                 </a:solidFill>

--- a/GitGithub.pptx
+++ b/GitGithub.pptx
@@ -5,7 +5,7 @@
     <p:sldMasterId id="2147483969" r:id="rId1"/>
   </p:sldMasterIdLst>
   <p:notesMasterIdLst>
-    <p:notesMasterId r:id="rId31"/>
+    <p:notesMasterId r:id="rId32"/>
   </p:notesMasterIdLst>
   <p:sldIdLst>
     <p:sldId id="256" r:id="rId2"/>
@@ -27,16 +27,17 @@
     <p:sldId id="288" r:id="rId18"/>
     <p:sldId id="303" r:id="rId19"/>
     <p:sldId id="304" r:id="rId20"/>
-    <p:sldId id="305" r:id="rId21"/>
-    <p:sldId id="306" r:id="rId22"/>
-    <p:sldId id="307" r:id="rId23"/>
-    <p:sldId id="302" r:id="rId24"/>
-    <p:sldId id="289" r:id="rId25"/>
-    <p:sldId id="290" r:id="rId26"/>
-    <p:sldId id="271" r:id="rId27"/>
-    <p:sldId id="272" r:id="rId28"/>
-    <p:sldId id="276" r:id="rId29"/>
-    <p:sldId id="277" r:id="rId30"/>
+    <p:sldId id="308" r:id="rId21"/>
+    <p:sldId id="305" r:id="rId22"/>
+    <p:sldId id="306" r:id="rId23"/>
+    <p:sldId id="307" r:id="rId24"/>
+    <p:sldId id="302" r:id="rId25"/>
+    <p:sldId id="289" r:id="rId26"/>
+    <p:sldId id="290" r:id="rId27"/>
+    <p:sldId id="309" r:id="rId28"/>
+    <p:sldId id="310" r:id="rId29"/>
+    <p:sldId id="271" r:id="rId30"/>
+    <p:sldId id="272" r:id="rId31"/>
   </p:sldIdLst>
   <p:sldSz cx="12192000" cy="6858000"/>
   <p:notesSz cx="6858000" cy="9144000"/>
@@ -976,7 +977,7 @@
           <a:p>
             <a:fld id="{13276A65-8439-B544-9D9A-BA1E71117E1D}" type="slidenum">
               <a:rPr lang="en-TR" smtClean="0"/>
-              <a:t>24</a:t>
+              <a:t>25</a:t>
             </a:fld>
             <a:endParaRPr lang="en-TR"/>
           </a:p>
@@ -986,6 +987,151 @@
     <p:extLst>
       <p:ext uri="{BB962C8B-B14F-4D97-AF65-F5344CB8AC3E}">
         <p14:creationId xmlns:p14="http://schemas.microsoft.com/office/powerpoint/2010/main" val="2951919691"/>
+      </p:ext>
+    </p:extLst>
+  </p:cSld>
+  <p:clrMapOvr>
+    <a:masterClrMapping/>
+  </p:clrMapOvr>
+</p:notes>
+</file>
+
+<file path=ppt/notesSlides/notesSlide13.xml><?xml version="1.0" encoding="utf-8"?>
+<p:notes xmlns:a="http://schemas.openxmlformats.org/drawingml/2006/main" xmlns:r="http://schemas.openxmlformats.org/officeDocument/2006/relationships" xmlns:p="http://schemas.openxmlformats.org/presentationml/2006/main">
+  <p:cSld>
+    <p:spTree>
+      <p:nvGrpSpPr>
+        <p:cNvPr id="1" name=""/>
+        <p:cNvGrpSpPr/>
+        <p:nvPr/>
+      </p:nvGrpSpPr>
+      <p:grpSpPr>
+        <a:xfrm>
+          <a:off x="0" y="0"/>
+          <a:ext cx="0" cy="0"/>
+          <a:chOff x="0" y="0"/>
+          <a:chExt cx="0" cy="0"/>
+        </a:xfrm>
+      </p:grpSpPr>
+      <p:sp>
+        <p:nvSpPr>
+          <p:cNvPr id="2" name="Slide Image Placeholder 1"/>
+          <p:cNvSpPr>
+            <a:spLocks noGrp="1" noRot="1" noChangeAspect="1"/>
+          </p:cNvSpPr>
+          <p:nvPr>
+            <p:ph type="sldImg"/>
+          </p:nvPr>
+        </p:nvSpPr>
+        <p:spPr/>
+      </p:sp>
+      <p:sp>
+        <p:nvSpPr>
+          <p:cNvPr id="3" name="Notes Placeholder 2"/>
+          <p:cNvSpPr>
+            <a:spLocks noGrp="1"/>
+          </p:cNvSpPr>
+          <p:nvPr>
+            <p:ph type="body" idx="1"/>
+          </p:nvPr>
+        </p:nvSpPr>
+        <p:spPr/>
+        <p:txBody>
+          <a:bodyPr/>
+          <a:lstStyle/>
+          <a:p>
+            <a:pPr marL="0" marR="0" lvl="0" indent="0" algn="l" defTabSz="914400" rtl="0" eaLnBrk="1" fontAlgn="auto" latinLnBrk="0" hangingPunct="1">
+              <a:lnSpc>
+                <a:spcPct val="100000"/>
+              </a:lnSpc>
+              <a:spcBef>
+                <a:spcPts val="0"/>
+              </a:spcBef>
+              <a:spcAft>
+                <a:spcPts val="0"/>
+              </a:spcAft>
+              <a:buClrTx/>
+              <a:buSzTx/>
+              <a:buFontTx/>
+              <a:buNone/>
+              <a:tabLst/>
+              <a:defRPr/>
+            </a:pPr>
+            <a:r>
+              <a:rPr lang="en-US" sz="1200" b="1" dirty="0">
+                <a:solidFill>
+                  <a:srgbClr val="C00000"/>
+                </a:solidFill>
+              </a:rPr>
+              <a:t>Kurulum Linki</a:t>
+            </a:r>
+            <a:endParaRPr lang="en-US" sz="1200" b="1" dirty="0">
+              <a:solidFill>
+                <a:schemeClr val="tx2"/>
+              </a:solidFill>
+            </a:endParaRPr>
+          </a:p>
+          <a:p>
+            <a:pPr marL="0" marR="0" lvl="0" indent="0" algn="l" defTabSz="914400" rtl="0" eaLnBrk="1" fontAlgn="auto" latinLnBrk="0" hangingPunct="1">
+              <a:lnSpc>
+                <a:spcPct val="100000"/>
+              </a:lnSpc>
+              <a:spcBef>
+                <a:spcPts val="0"/>
+              </a:spcBef>
+              <a:spcAft>
+                <a:spcPts val="0"/>
+              </a:spcAft>
+              <a:buClrTx/>
+              <a:buSzTx/>
+              <a:buFontTx/>
+              <a:buNone/>
+              <a:tabLst/>
+              <a:defRPr/>
+            </a:pPr>
+            <a:r>
+              <a:rPr lang="en-US" sz="1200" b="1" dirty="0">
+                <a:solidFill>
+                  <a:schemeClr val="tx2"/>
+                </a:solidFill>
+              </a:rPr>
+              <a:t>https://desktop.github.com/</a:t>
+            </a:r>
+            <a:endParaRPr lang="en-TR" sz="1200" b="1" dirty="0">
+              <a:solidFill>
+                <a:schemeClr val="tx2"/>
+              </a:solidFill>
+            </a:endParaRPr>
+          </a:p>
+        </p:txBody>
+      </p:sp>
+      <p:sp>
+        <p:nvSpPr>
+          <p:cNvPr id="4" name="Slide Number Placeholder 3"/>
+          <p:cNvSpPr>
+            <a:spLocks noGrp="1"/>
+          </p:cNvSpPr>
+          <p:nvPr>
+            <p:ph type="sldNum" sz="quarter" idx="5"/>
+          </p:nvPr>
+        </p:nvSpPr>
+        <p:spPr/>
+        <p:txBody>
+          <a:bodyPr/>
+          <a:lstStyle/>
+          <a:p>
+            <a:fld id="{13276A65-8439-B544-9D9A-BA1E71117E1D}" type="slidenum">
+              <a:rPr lang="en-TR" smtClean="0"/>
+              <a:t>27</a:t>
+            </a:fld>
+            <a:endParaRPr lang="en-TR"/>
+          </a:p>
+        </p:txBody>
+      </p:sp>
+    </p:spTree>
+    <p:extLst>
+      <p:ext uri="{BB962C8B-B14F-4D97-AF65-F5344CB8AC3E}">
+        <p14:creationId xmlns:p14="http://schemas.microsoft.com/office/powerpoint/2010/main" val="2736805190"/>
       </p:ext>
     </p:extLst>
   </p:cSld>
@@ -9635,113 +9781,161 @@
           </a:xfrm>
         </p:spPr>
         <p:txBody>
-          <a:bodyPr/>
-          <a:lstStyle/>
-          <a:p>
-            <a:r>
-              <a:rPr lang="en-TR" b="1" dirty="0"/>
-              <a:t>Github Clone</a:t>
-            </a:r>
-          </a:p>
-        </p:txBody>
-      </p:sp>
-      <p:sp>
-        <p:nvSpPr>
-          <p:cNvPr id="5" name="Content Placeholder 2">
-            <a:extLst>
-              <a:ext uri="{FF2B5EF4-FFF2-40B4-BE49-F238E27FC236}">
-                <a16:creationId xmlns:a16="http://schemas.microsoft.com/office/drawing/2014/main" id="{AD4D72CB-A20C-6D7D-55C4-D224825053B4}"/>
-              </a:ext>
-            </a:extLst>
-          </p:cNvPr>
-          <p:cNvSpPr>
-            <a:spLocks noGrp="1"/>
-          </p:cNvSpPr>
-          <p:nvPr>
-            <p:ph idx="1"/>
-          </p:nvPr>
-        </p:nvSpPr>
-        <p:spPr>
-          <a:xfrm>
-            <a:off x="420626" y="1825625"/>
-            <a:ext cx="6294500" cy="4206383"/>
-          </a:xfrm>
-        </p:spPr>
-        <p:txBody>
           <a:bodyPr>
-            <a:normAutofit fontScale="70000" lnSpcReduction="20000"/>
+            <a:normAutofit/>
           </a:bodyPr>
           <a:lstStyle/>
           <a:p>
             <a:r>
+              <a:rPr lang="en-TR" b="1" dirty="0"/>
+              <a:t>Github </a:t>
+            </a:r>
+            <a:r>
+              <a:rPr lang="en-US" b="1" dirty="0"/>
+              <a:t>SSH Key &amp; Token Oluşturma</a:t>
+            </a:r>
+            <a:endParaRPr lang="en-TR" b="1" dirty="0"/>
+          </a:p>
+        </p:txBody>
+      </p:sp>
+      <p:sp>
+        <p:nvSpPr>
+          <p:cNvPr id="5" name="Content Placeholder 2">
+            <a:extLst>
+              <a:ext uri="{FF2B5EF4-FFF2-40B4-BE49-F238E27FC236}">
+                <a16:creationId xmlns:a16="http://schemas.microsoft.com/office/drawing/2014/main" id="{AD4D72CB-A20C-6D7D-55C4-D224825053B4}"/>
+              </a:ext>
+            </a:extLst>
+          </p:cNvPr>
+          <p:cNvSpPr>
+            <a:spLocks noGrp="1"/>
+          </p:cNvSpPr>
+          <p:nvPr>
+            <p:ph idx="1"/>
+          </p:nvPr>
+        </p:nvSpPr>
+        <p:spPr>
+          <a:xfrm>
+            <a:off x="420626" y="1825625"/>
+            <a:ext cx="7494650" cy="4206383"/>
+          </a:xfrm>
+        </p:spPr>
+        <p:txBody>
+          <a:bodyPr>
+            <a:normAutofit fontScale="85000" lnSpcReduction="20000"/>
+          </a:bodyPr>
+          <a:lstStyle/>
+          <a:p>
+            <a:r>
               <a:rPr lang="tr-TR" sz="3200" dirty="0"/>
-              <a:t>GitHub’ dan </a:t>
-            </a:r>
-            <a:r>
-              <a:rPr lang="tr-TR" sz="3200" b="1" dirty="0">
-                <a:highlight>
-                  <a:srgbClr val="FFFF00"/>
-                </a:highlight>
+              <a:t>GitHub’ da SSH anahtar çifti oluşturarak, SSH protokolünü kullanarak GitHub’ a güvenli bir şekilde erişebilirsiniz</a:t>
+            </a:r>
+            <a:r>
+              <a:rPr lang="en-US" sz="3200" dirty="0"/>
+              <a:t>.</a:t>
+            </a:r>
+          </a:p>
+          <a:p>
+            <a:pPr lvl="1"/>
+            <a:r>
+              <a:rPr lang="en-US" sz="3000" dirty="0">
+                <a:solidFill>
+                  <a:srgbClr val="C00000"/>
+                </a:solidFill>
               </a:rPr>
-              <a:t>git clone</a:t>
-            </a:r>
-            <a:r>
-              <a:rPr lang="tr-TR" sz="3200" dirty="0"/>
-              <a:t> komutunu kullanarak bir repo’ yu kopyalamak, o repo’ nun tam bir kopyasını lokal bilgisayarınıza indirmenizi sağlar.</a:t>
+              <a:t>ssh-keygen</a:t>
+            </a:r>
+          </a:p>
+          <a:p>
+            <a:r>
+              <a:rPr lang="en-US" sz="3200" dirty="0"/>
+              <a:t>Örnek Token Kullanımı; komut satırında bir depoyu klonlamak için aşağıdaki komutu girersiniz git clone. Daha sonra kullanıcı adınızı ve şifrenizi girmeniz istenecektir. Parolanız istendiğinde, parola yerine kişisel erişim belirtecinizi girin.</a:t>
             </a:r>
           </a:p>
           <a:p>
             <a:pPr lvl="1"/>
             <a:r>
-              <a:rPr lang="tr-TR" sz="3000" dirty="0"/>
-              <a:t>GitHub’ da tarayıcınızı açın ve repo’ nun sayfasına gidin.</a:t>
-            </a:r>
-          </a:p>
-          <a:p>
-            <a:pPr lvl="1"/>
-            <a:r>
-              <a:rPr lang="tr-TR" sz="3200" dirty="0"/>
-              <a:t>Sayfanın sağ üst köşesinde yeşil bir "Code" düğmesi göreceksiniz. Üzerine tıklayın.</a:t>
-            </a:r>
-          </a:p>
-          <a:p>
-            <a:pPr lvl="1"/>
-            <a:r>
-              <a:rPr lang="tr-TR" sz="3200" dirty="0"/>
-              <a:t>Açılan menüden HTTPS veya SSH seçeneklerinden birini seçin. Genellikle başlangıç için HTTPS seçeneği daha uygun olabilir. URL'yi kopyalamak için "Copy" düğmesini tıklayın.</a:t>
-            </a:r>
-          </a:p>
-          <a:p>
-            <a:pPr lvl="1"/>
-            <a:r>
-              <a:rPr lang="tr-TR" sz="3200" dirty="0"/>
-              <a:t>Terminali veya Git Bash’ i açın ve gitmek istediğiniz klasörü açın.</a:t>
-            </a:r>
-          </a:p>
-          <a:p>
-            <a:pPr lvl="2"/>
-            <a:r>
-              <a:rPr lang="tr-TR" sz="2600" dirty="0">
+              <a:rPr lang="en-US" sz="2600" dirty="0">
                 <a:solidFill>
                   <a:srgbClr val="C00000"/>
                 </a:solidFill>
               </a:rPr>
-              <a:t>git clone &lt;git_url&gt; </a:t>
-            </a:r>
-            <a:endParaRPr lang="en-TR" sz="2600" dirty="0">
+              <a:t>git clone </a:t>
+            </a:r>
+            <a:r>
+              <a:rPr lang="en-US" sz="2400" dirty="0">
+                <a:solidFill>
+                  <a:srgbClr val="C00000"/>
+                </a:solidFill>
+                <a:hlinkClick r:id="rId3">
+                  <a:extLst>
+                    <a:ext uri="{A12FA001-AC4F-418D-AE19-62706E023703}">
+                      <ahyp:hlinkClr xmlns:ahyp="http://schemas.microsoft.com/office/drawing/2018/hyperlinkcolor" val="tx"/>
+                    </a:ext>
+                  </a:extLst>
+                </a:hlinkClick>
+              </a:rPr>
+              <a:t>https://github.com/USERNAME/REPO.git</a:t>
+            </a:r>
+            <a:endParaRPr lang="en-US" sz="2400" dirty="0">
               <a:solidFill>
                 <a:srgbClr val="C00000"/>
               </a:solidFill>
             </a:endParaRPr>
           </a:p>
+          <a:p>
+            <a:pPr lvl="2"/>
+            <a:r>
+              <a:rPr lang="en-US" sz="2400" dirty="0">
+                <a:solidFill>
+                  <a:schemeClr val="tx1"/>
+                </a:solidFill>
+              </a:rPr>
+              <a:t>Username: </a:t>
+            </a:r>
+            <a:r>
+              <a:rPr lang="en-US" sz="2400" dirty="0">
+                <a:solidFill>
+                  <a:srgbClr val="C00000"/>
+                </a:solidFill>
+              </a:rPr>
+              <a:t>YOUR_USERNAME</a:t>
+            </a:r>
+          </a:p>
+          <a:p>
+            <a:pPr lvl="2"/>
+            <a:r>
+              <a:rPr lang="en-US" sz="2400" dirty="0">
+                <a:solidFill>
+                  <a:schemeClr val="tx1"/>
+                </a:solidFill>
+              </a:rPr>
+              <a:t>Password: </a:t>
+            </a:r>
+            <a:r>
+              <a:rPr lang="en-US" sz="2400" dirty="0">
+                <a:solidFill>
+                  <a:srgbClr val="C00000"/>
+                </a:solidFill>
+              </a:rPr>
+              <a:t>YOUR_PERSONAL_ACCESS_TOKEN</a:t>
+            </a:r>
+          </a:p>
+          <a:p>
+            <a:endParaRPr lang="en-TR" sz="3200" dirty="0">
+              <a:solidFill>
+                <a:srgbClr val="C00000"/>
+              </a:solidFill>
+            </a:endParaRPr>
+          </a:p>
         </p:txBody>
       </p:sp>
       <p:pic>
         <p:nvPicPr>
-          <p:cNvPr id="4098" name="Picture 2" descr="How to Install Git and Clone a GitHub Repository | Linode Docs">
-            <a:extLst>
-              <a:ext uri="{FF2B5EF4-FFF2-40B4-BE49-F238E27FC236}">
-                <a16:creationId xmlns:a16="http://schemas.microsoft.com/office/drawing/2014/main" id="{9ADEDB4C-A110-9E8D-6FD5-9A4149C16E5A}"/>
+          <p:cNvPr id="7170" name="Picture 2" descr="Adding SSH Keys to Your GitHub Account - DEV Community">
+            <a:extLst>
+              <a:ext uri="{FF2B5EF4-FFF2-40B4-BE49-F238E27FC236}">
+                <a16:creationId xmlns:a16="http://schemas.microsoft.com/office/drawing/2014/main" id="{5D40BDD7-6626-7B2E-4FCF-A48B878F3EEE}"/>
               </a:ext>
             </a:extLst>
           </p:cNvPr>
@@ -9751,7 +9945,7 @@
           <p:nvPr/>
         </p:nvPicPr>
         <p:blipFill>
-          <a:blip r:embed="rId3">
+          <a:blip r:embed="rId4">
             <a:extLst>
               <a:ext uri="{28A0092B-C50C-407E-A947-70E740481C1C}">
                 <a14:useLocalDpi xmlns:a14="http://schemas.microsoft.com/office/drawing/2010/main" val="0"/>
@@ -9765,8 +9959,8 @@
         </p:blipFill>
         <p:spPr bwMode="auto">
           <a:xfrm>
-            <a:off x="7146017" y="2196052"/>
-            <a:ext cx="4643963" cy="2465896"/>
+            <a:off x="7915276" y="2982580"/>
+            <a:ext cx="4103814" cy="1723815"/>
           </a:xfrm>
           <a:prstGeom prst="rect">
             <a:avLst/>
@@ -9786,7 +9980,7 @@
     </p:spTree>
     <p:extLst>
       <p:ext uri="{BB962C8B-B14F-4D97-AF65-F5344CB8AC3E}">
-        <p14:creationId xmlns:p14="http://schemas.microsoft.com/office/powerpoint/2010/main" val="2455034124"/>
+        <p14:creationId xmlns:p14="http://schemas.microsoft.com/office/powerpoint/2010/main" val="1865183689"/>
       </p:ext>
     </p:extLst>
   </p:cSld>
@@ -9889,7 +10083,7 @@
           <a:p>
             <a:r>
               <a:rPr lang="en-TR" b="1" dirty="0"/>
-              <a:t>Github Pull</a:t>
+              <a:t>Github Clone</a:t>
             </a:r>
           </a:p>
         </p:txBody>
@@ -9918,13 +10112,13 @@
         </p:spPr>
         <p:txBody>
           <a:bodyPr>
-            <a:normAutofit fontScale="77500" lnSpcReduction="20000"/>
+            <a:normAutofit fontScale="70000" lnSpcReduction="20000"/>
           </a:bodyPr>
           <a:lstStyle/>
           <a:p>
             <a:r>
               <a:rPr lang="tr-TR" sz="3200" dirty="0"/>
-              <a:t>GitHub’ da </a:t>
+              <a:t>GitHub’ dan </a:t>
             </a:r>
             <a:r>
               <a:rPr lang="tr-TR" sz="3200" b="1" dirty="0">
@@ -9932,42 +10126,65 @@
                   <a:srgbClr val="FFFF00"/>
                 </a:highlight>
               </a:rPr>
-              <a:t>git pull</a:t>
+              <a:t>git clone</a:t>
             </a:r>
             <a:r>
               <a:rPr lang="tr-TR" sz="3200" dirty="0"/>
-              <a:t> komutunu kullanarak, lokalde bulunan bir repo ile GitHub’ daki uzak repo arasındaki değişiklikleri senkronize edebilirsiniz. Bu işlem, GitHub’ daki güncellemeleri lokaldeki çalışma kopyanıza entegre etmenizi sağlar. </a:t>
+              <a:t> komutunu kullanarak bir repo’ yu kopyalamak, o repo’ nun tam bir kopyasını lokal bilgisayarınıza indirmenizi sağlar.</a:t>
             </a:r>
           </a:p>
           <a:p>
             <a:pPr lvl="1"/>
             <a:r>
-              <a:rPr lang="en-US" sz="3000" dirty="0">
+              <a:rPr lang="tr-TR" sz="3000" dirty="0"/>
+              <a:t>GitHub’ da tarayıcınızı açın ve repo’ nun sayfasına gidin.</a:t>
+            </a:r>
+          </a:p>
+          <a:p>
+            <a:pPr lvl="1"/>
+            <a:r>
+              <a:rPr lang="tr-TR" sz="3200" dirty="0"/>
+              <a:t>Sayfanın sağ üst köşesinde yeşil bir "Code" düğmesi göreceksiniz. Üzerine tıklayın.</a:t>
+            </a:r>
+          </a:p>
+          <a:p>
+            <a:pPr lvl="1"/>
+            <a:r>
+              <a:rPr lang="tr-TR" sz="3200" dirty="0"/>
+              <a:t>Açılan menüden HTTPS veya SSH seçeneklerinden birini seçin. Genellikle başlangıç için HTTPS seçeneği daha uygun olabilir. URL'yi kopyalamak için "Copy" düğmesini tıklayın.</a:t>
+            </a:r>
+          </a:p>
+          <a:p>
+            <a:pPr lvl="1"/>
+            <a:r>
+              <a:rPr lang="tr-TR" sz="3200" dirty="0"/>
+              <a:t>Terminali veya Git Bash’ i açın ve gitmek istediğiniz klasörü açın.</a:t>
+            </a:r>
+          </a:p>
+          <a:p>
+            <a:pPr lvl="2"/>
+            <a:r>
+              <a:rPr lang="tr-TR" sz="2600" dirty="0">
                 <a:solidFill>
                   <a:srgbClr val="C00000"/>
                 </a:solidFill>
               </a:rPr>
-              <a:t>git pull</a:t>
-            </a:r>
-          </a:p>
-          <a:p>
-            <a:r>
-              <a:rPr lang="en-US" sz="3200" dirty="0"/>
-              <a:t>Bu komut, lokaldeki çalışma kopyanızı GitHub’ daki uzak repo ile senkronize eder. Eğer uzak repo ile local repo arasında farklılıklar varsa, git pull komutu bu farklılıkları birleştirir veya günceller.</a:t>
-            </a:r>
-          </a:p>
-          <a:p>
-            <a:pPr lvl="1"/>
-            <a:endParaRPr lang="en-TR" sz="3000" dirty="0"/>
+              <a:t>git clone &lt;git_url&gt; </a:t>
+            </a:r>
+            <a:endParaRPr lang="en-TR" sz="2600" dirty="0">
+              <a:solidFill>
+                <a:srgbClr val="C00000"/>
+              </a:solidFill>
+            </a:endParaRPr>
           </a:p>
         </p:txBody>
       </p:sp>
       <p:pic>
         <p:nvPicPr>
-          <p:cNvPr id="5122" name="Picture 2" descr="How to do Git push pull requests - YouTube">
-            <a:extLst>
-              <a:ext uri="{FF2B5EF4-FFF2-40B4-BE49-F238E27FC236}">
-                <a16:creationId xmlns:a16="http://schemas.microsoft.com/office/drawing/2014/main" id="{AAE8EE21-3B31-B801-1E36-B6C801EA1C74}"/>
+          <p:cNvPr id="4098" name="Picture 2" descr="How to Install Git and Clone a GitHub Repository | Linode Docs">
+            <a:extLst>
+              <a:ext uri="{FF2B5EF4-FFF2-40B4-BE49-F238E27FC236}">
+                <a16:creationId xmlns:a16="http://schemas.microsoft.com/office/drawing/2014/main" id="{9ADEDB4C-A110-9E8D-6FD5-9A4149C16E5A}"/>
               </a:ext>
             </a:extLst>
           </p:cNvPr>
@@ -9991,8 +10208,8 @@
         </p:blipFill>
         <p:spPr bwMode="auto">
           <a:xfrm>
-            <a:off x="7103400" y="2400053"/>
-            <a:ext cx="4547038" cy="2557709"/>
+            <a:off x="7146017" y="2196052"/>
+            <a:ext cx="4643963" cy="2465896"/>
           </a:xfrm>
           <a:prstGeom prst="rect">
             <a:avLst/>
@@ -10012,7 +10229,7 @@
     </p:spTree>
     <p:extLst>
       <p:ext uri="{BB962C8B-B14F-4D97-AF65-F5344CB8AC3E}">
-        <p14:creationId xmlns:p14="http://schemas.microsoft.com/office/powerpoint/2010/main" val="2664004737"/>
+        <p14:creationId xmlns:p14="http://schemas.microsoft.com/office/powerpoint/2010/main" val="2455034124"/>
       </p:ext>
     </p:extLst>
   </p:cSld>
@@ -10115,7 +10332,7 @@
           <a:p>
             <a:r>
               <a:rPr lang="en-TR" b="1" dirty="0"/>
-              <a:t>Github Push</a:t>
+              <a:t>Github Pull</a:t>
             </a:r>
           </a:p>
         </p:txBody>
@@ -10144,43 +10361,56 @@
         </p:spPr>
         <p:txBody>
           <a:bodyPr>
-            <a:normAutofit fontScale="85000" lnSpcReduction="20000"/>
+            <a:normAutofit fontScale="77500" lnSpcReduction="20000"/>
           </a:bodyPr>
           <a:lstStyle/>
           <a:p>
-            <a:pPr algn="just"/>
             <a:r>
               <a:rPr lang="tr-TR" sz="3200" dirty="0"/>
-              <a:t>Bir </a:t>
-            </a:r>
+              <a:t>GitHub’ da </a:t>
+            </a:r>
+            <a:r>
+              <a:rPr lang="tr-TR" sz="3200" b="1" dirty="0">
+                <a:highlight>
+                  <a:srgbClr val="FFFF00"/>
+                </a:highlight>
+              </a:rPr>
+              <a:t>git pull</a:t>
+            </a:r>
+            <a:r>
+              <a:rPr lang="tr-TR" sz="3200" dirty="0"/>
+              <a:t> komutunu kullanarak, lokalde bulunan bir repo ile GitHub’ daki uzak repo arasındaki değişiklikleri senkronize edebilirsiniz. Bu işlem, GitHub’ daki güncellemeleri lokaldeki çalışma kopyanıza entegre etmenizi sağlar. </a:t>
+            </a:r>
+          </a:p>
+          <a:p>
+            <a:pPr lvl="1"/>
+            <a:r>
+              <a:rPr lang="en-US" sz="3000" dirty="0">
+                <a:solidFill>
+                  <a:srgbClr val="C00000"/>
+                </a:solidFill>
+              </a:rPr>
+              <a:t>git pull</a:t>
+            </a:r>
+          </a:p>
+          <a:p>
             <a:r>
               <a:rPr lang="en-US" sz="3200" dirty="0"/>
-              <a:t>projede karşılaşılan sorunları, hataları veya önerileri takip etmek ve yönetmek için kullanılan bir özelliktir. </a:t>
-            </a:r>
-          </a:p>
-          <a:p>
-            <a:pPr algn="just"/>
-            <a:r>
-              <a:rPr lang="en-US" sz="3200" dirty="0"/>
-              <a:t>Kullanıcılar, projenin GitHub sayfasında issues bölümünden yeni bir issue açabilir, mevcut issue’ ları takip edebilir, yorumlar ekleyebilir ve issue’ ları kapatılana kadar ilerleyişini izleyebilir. </a:t>
-            </a:r>
-          </a:p>
-          <a:p>
-            <a:pPr algn="just"/>
-            <a:r>
-              <a:rPr lang="en-US" sz="3200" dirty="0"/>
-              <a:t>Bu, proje ekibi ve katkıda bulunanlar arasında iletişimi kolaylaştırarak projenin geliştirilmesine katkıda bulunur.</a:t>
-            </a:r>
-            <a:endParaRPr lang="en-TR" sz="3200" dirty="0"/>
+              <a:t>Bu komut, lokaldeki çalışma kopyanızı GitHub’ daki uzak repo ile senkronize eder. Eğer uzak repo ile local repo arasında farklılıklar varsa, git pull komutu bu farklılıkları birleştirir veya günceller.</a:t>
+            </a:r>
+          </a:p>
+          <a:p>
+            <a:pPr lvl="1"/>
+            <a:endParaRPr lang="en-TR" sz="3000" dirty="0"/>
           </a:p>
         </p:txBody>
       </p:sp>
       <p:pic>
         <p:nvPicPr>
-          <p:cNvPr id="2050" name="Picture 2" descr="Best Practices for Using GitHub Issues - Rewind">
-            <a:extLst>
-              <a:ext uri="{FF2B5EF4-FFF2-40B4-BE49-F238E27FC236}">
-                <a16:creationId xmlns:a16="http://schemas.microsoft.com/office/drawing/2014/main" id="{FB98E1D2-143B-2D5B-69F2-FB2BF5E83803}"/>
+          <p:cNvPr id="5122" name="Picture 2" descr="How to do Git push pull requests - YouTube">
+            <a:extLst>
+              <a:ext uri="{FF2B5EF4-FFF2-40B4-BE49-F238E27FC236}">
+                <a16:creationId xmlns:a16="http://schemas.microsoft.com/office/drawing/2014/main" id="{AAE8EE21-3B31-B801-1E36-B6C801EA1C74}"/>
               </a:ext>
             </a:extLst>
           </p:cNvPr>
@@ -10204,8 +10434,8 @@
         </p:blipFill>
         <p:spPr bwMode="auto">
           <a:xfrm>
-            <a:off x="7442012" y="2228866"/>
-            <a:ext cx="4329362" cy="3399899"/>
+            <a:off x="7103400" y="2400053"/>
+            <a:ext cx="4547038" cy="2557709"/>
           </a:xfrm>
           <a:prstGeom prst="rect">
             <a:avLst/>
@@ -10225,7 +10455,7 @@
     </p:spTree>
     <p:extLst>
       <p:ext uri="{BB962C8B-B14F-4D97-AF65-F5344CB8AC3E}">
-        <p14:creationId xmlns:p14="http://schemas.microsoft.com/office/powerpoint/2010/main" val="1061848493"/>
+        <p14:creationId xmlns:p14="http://schemas.microsoft.com/office/powerpoint/2010/main" val="2664004737"/>
       </p:ext>
     </p:extLst>
   </p:cSld>
@@ -10328,7 +10558,7 @@
           <a:p>
             <a:r>
               <a:rPr lang="en-TR" b="1" dirty="0"/>
-              <a:t>Github Proje Oluşturma</a:t>
+              <a:t>Github Push</a:t>
             </a:r>
           </a:p>
         </p:txBody>
@@ -10351,97 +10581,45 @@
         </p:nvSpPr>
         <p:spPr>
           <a:xfrm>
-            <a:off x="420626" y="1825625"/>
-            <a:ext cx="7780399" cy="4206383"/>
+            <a:off x="420625" y="1825625"/>
+            <a:ext cx="8956293" cy="4206383"/>
           </a:xfrm>
         </p:spPr>
         <p:txBody>
           <a:bodyPr>
-            <a:normAutofit fontScale="77500" lnSpcReduction="20000"/>
+            <a:normAutofit/>
           </a:bodyPr>
           <a:lstStyle/>
           <a:p>
             <a:pPr algn="just"/>
             <a:r>
-              <a:rPr lang="tr-TR" sz="4000" dirty="0"/>
-              <a:t>Github web sitesinden hesabınızı oluşturduktan sonra ilk Repository oluşturarak local oturumunuz ile entegre edebilirsiniz</a:t>
-            </a:r>
-            <a:r>
-              <a:rPr lang="en-TR" sz="4000" dirty="0"/>
-              <a:t>.</a:t>
-            </a:r>
-          </a:p>
-          <a:p>
-            <a:pPr marL="0" indent="0">
-              <a:buNone/>
-            </a:pPr>
-            <a:r>
-              <a:rPr lang="en-US" sz="4000" dirty="0">
+              <a:rPr lang="tr-TR" sz="3200" dirty="0"/>
+              <a:t>Lokaldeki değişiklikleri GitHub veya başka bir uzak repo üzerine yükleyebilirsiniz. Bu işlem, yerelde yaptığınız commit’ leri uzak repo ile paylaşmanızı sağlar.</a:t>
+            </a:r>
+          </a:p>
+          <a:p>
+            <a:pPr lvl="1" algn="just"/>
+            <a:r>
+              <a:rPr lang="en-US" sz="3000" b="1" dirty="0">
                 <a:solidFill>
                   <a:srgbClr val="C00000"/>
                 </a:solidFill>
               </a:rPr>
-              <a:t># Local ile Github Repo İlişkilendirme</a:t>
-            </a:r>
-          </a:p>
-          <a:p>
-            <a:pPr lvl="1"/>
-            <a:r>
-              <a:rPr lang="en-US" sz="2300" dirty="0"/>
-              <a:t>echo "# a" &gt;&gt; README.md</a:t>
-            </a:r>
-          </a:p>
-          <a:p>
-            <a:pPr lvl="1"/>
-            <a:r>
-              <a:rPr lang="en-US" sz="2300" dirty="0"/>
-              <a:t>git init</a:t>
-            </a:r>
-          </a:p>
-          <a:p>
-            <a:pPr lvl="1"/>
-            <a:r>
-              <a:rPr lang="en-US" sz="2300" dirty="0"/>
-              <a:t>git add README.md</a:t>
-            </a:r>
-          </a:p>
-          <a:p>
-            <a:pPr lvl="1"/>
-            <a:r>
-              <a:rPr lang="en-US" sz="2300" dirty="0"/>
-              <a:t>git commit -m "first commit"</a:t>
-            </a:r>
-          </a:p>
-          <a:p>
-            <a:pPr lvl="1"/>
-            <a:r>
-              <a:rPr lang="en-US" sz="2300" dirty="0"/>
-              <a:t>git branch -M main</a:t>
-            </a:r>
-          </a:p>
-          <a:p>
-            <a:pPr lvl="1"/>
-            <a:r>
-              <a:rPr lang="en-US" sz="2300" dirty="0"/>
-              <a:t>git remote add origin https://github.com/&lt;username&gt;/&lt;repo_name&gt;.git</a:t>
-            </a:r>
-          </a:p>
-          <a:p>
-            <a:pPr lvl="1"/>
-            <a:r>
-              <a:rPr lang="en-US" sz="2300" dirty="0"/>
-              <a:t>git push -u origin main</a:t>
-            </a:r>
-            <a:endParaRPr lang="en-TR" sz="2300" dirty="0"/>
+              <a:t>git push</a:t>
+            </a:r>
+          </a:p>
+          <a:p>
+            <a:pPr lvl="1" algn="just"/>
+            <a:endParaRPr lang="en-TR" sz="3000" dirty="0"/>
           </a:p>
         </p:txBody>
       </p:sp>
       <p:pic>
         <p:nvPicPr>
-          <p:cNvPr id="3074" name="Picture 2" descr="Git - Maintaining a Project">
-            <a:extLst>
-              <a:ext uri="{FF2B5EF4-FFF2-40B4-BE49-F238E27FC236}">
-                <a16:creationId xmlns:a16="http://schemas.microsoft.com/office/drawing/2014/main" id="{FE6ACB6E-40A6-E348-61CA-26982FCB7778}"/>
+          <p:cNvPr id="6146" name="Picture 2" descr="Git Push - javatpoint">
+            <a:extLst>
+              <a:ext uri="{FF2B5EF4-FFF2-40B4-BE49-F238E27FC236}">
+                <a16:creationId xmlns:a16="http://schemas.microsoft.com/office/drawing/2014/main" id="{2E95B5C1-7E5E-3F26-6D90-6D0016471661}"/>
               </a:ext>
             </a:extLst>
           </p:cNvPr>
@@ -10465,8 +10643,8 @@
         </p:blipFill>
         <p:spPr bwMode="auto">
           <a:xfrm>
-            <a:off x="7979475" y="2684630"/>
-            <a:ext cx="3975420" cy="2488372"/>
+            <a:off x="7554111" y="3614491"/>
+            <a:ext cx="4424633" cy="1954213"/>
           </a:xfrm>
           <a:prstGeom prst="rect">
             <a:avLst/>
@@ -10486,7 +10664,7 @@
     </p:spTree>
     <p:extLst>
       <p:ext uri="{BB962C8B-B14F-4D97-AF65-F5344CB8AC3E}">
-        <p14:creationId xmlns:p14="http://schemas.microsoft.com/office/powerpoint/2010/main" val="2879462409"/>
+        <p14:creationId xmlns:p14="http://schemas.microsoft.com/office/powerpoint/2010/main" val="1061848493"/>
       </p:ext>
     </p:extLst>
   </p:cSld>
@@ -10513,179 +10691,12 @@
           <a:chExt cx="0" cy="0"/>
         </a:xfrm>
       </p:grpSpPr>
-      <p:sp>
-        <p:nvSpPr>
-          <p:cNvPr id="2" name="Title 1">
-            <a:extLst>
-              <a:ext uri="{FF2B5EF4-FFF2-40B4-BE49-F238E27FC236}">
-                <a16:creationId xmlns:a16="http://schemas.microsoft.com/office/drawing/2014/main" id="{C1E5738B-027B-A246-F4A7-201E7F4C3236}"/>
-              </a:ext>
-            </a:extLst>
-          </p:cNvPr>
-          <p:cNvSpPr>
-            <a:spLocks noGrp="1"/>
-          </p:cNvSpPr>
-          <p:nvPr>
-            <p:ph type="ctrTitle"/>
-          </p:nvPr>
-        </p:nvSpPr>
-        <p:spPr>
-          <a:xfrm>
-            <a:off x="5989319" y="576263"/>
-            <a:ext cx="5054196" cy="2967606"/>
-          </a:xfrm>
-        </p:spPr>
-        <p:txBody>
-          <a:bodyPr anchor="b">
-            <a:normAutofit/>
-          </a:bodyPr>
-          <a:lstStyle/>
-          <a:p>
-            <a:pPr algn="l"/>
-            <a:r>
-              <a:rPr lang="en-TR" sz="6600" dirty="0">
-                <a:solidFill>
-                  <a:srgbClr val="C00000"/>
-                </a:solidFill>
-              </a:rPr>
-              <a:t>Git</a:t>
-            </a:r>
-            <a:br>
-              <a:rPr lang="en-TR" sz="4800" dirty="0">
-                <a:solidFill>
-                  <a:srgbClr val="C00000"/>
-                </a:solidFill>
-              </a:rPr>
-            </a:br>
-            <a:r>
-              <a:rPr lang="en-TR" sz="6600" dirty="0">
-                <a:solidFill>
-                  <a:srgbClr val="C00000"/>
-                </a:solidFill>
-              </a:rPr>
-              <a:t>Github</a:t>
-            </a:r>
-          </a:p>
-        </p:txBody>
-      </p:sp>
-      <p:sp>
-        <p:nvSpPr>
-          <p:cNvPr id="3" name="Subtitle 2">
-            <a:extLst>
-              <a:ext uri="{FF2B5EF4-FFF2-40B4-BE49-F238E27FC236}">
-                <a16:creationId xmlns:a16="http://schemas.microsoft.com/office/drawing/2014/main" id="{5F15582A-A49F-2033-70C2-DB99A372C7FC}"/>
-              </a:ext>
-            </a:extLst>
-          </p:cNvPr>
-          <p:cNvSpPr>
-            <a:spLocks noGrp="1"/>
-          </p:cNvSpPr>
-          <p:nvPr>
-            <p:ph type="subTitle" idx="1"/>
-          </p:nvPr>
-        </p:nvSpPr>
-        <p:spPr>
-          <a:xfrm>
-            <a:off x="5989319" y="3764975"/>
-            <a:ext cx="5054196" cy="2192683"/>
-          </a:xfrm>
-        </p:spPr>
-        <p:txBody>
-          <a:bodyPr>
-            <a:normAutofit/>
-          </a:bodyPr>
-          <a:lstStyle/>
-          <a:p>
-            <a:pPr algn="l"/>
-            <a:r>
-              <a:rPr lang="en-US" sz="2800" b="1" dirty="0"/>
-              <a:t>3. Ders</a:t>
-            </a:r>
-            <a:br>
-              <a:rPr lang="en-US" sz="2800" b="1" dirty="0"/>
-            </a:br>
-            <a:r>
-              <a:rPr lang="en-US" sz="2800" b="1" dirty="0"/>
-              <a:t>15.07.2023</a:t>
-            </a:r>
-          </a:p>
-          <a:p>
-            <a:pPr algn="l"/>
-            <a:r>
-              <a:rPr lang="en-US" sz="2200" dirty="0">
-                <a:solidFill>
-                  <a:schemeClr val="tx2">
-                    <a:lumMod val="60000"/>
-                    <a:lumOff val="40000"/>
-                  </a:schemeClr>
-                </a:solidFill>
-              </a:rPr>
-              <a:t>B149 AWS &amp; DevOps</a:t>
-            </a:r>
-            <a:br>
-              <a:rPr lang="en-US" sz="2200" dirty="0">
-                <a:solidFill>
-                  <a:schemeClr val="tx2">
-                    <a:lumMod val="60000"/>
-                    <a:lumOff val="40000"/>
-                  </a:schemeClr>
-                </a:solidFill>
-              </a:rPr>
-            </a:br>
-            <a:r>
-              <a:rPr lang="en-US" sz="2200" dirty="0">
-                <a:solidFill>
-                  <a:schemeClr val="tx2">
-                    <a:lumMod val="60000"/>
-                    <a:lumOff val="40000"/>
-                  </a:schemeClr>
-                </a:solidFill>
-              </a:rPr>
-              <a:t>B146 Cyber Security</a:t>
-            </a:r>
-            <a:endParaRPr lang="en-US" sz="2200" dirty="0"/>
-          </a:p>
-          <a:p>
-            <a:pPr algn="l"/>
-            <a:endParaRPr lang="en-TR" sz="2200" dirty="0"/>
-          </a:p>
-        </p:txBody>
-      </p:sp>
       <p:pic>
         <p:nvPicPr>
-          <p:cNvPr id="16" name="Picture 3" descr="A colorful light bulb with business icons">
-            <a:extLst>
-              <a:ext uri="{FF2B5EF4-FFF2-40B4-BE49-F238E27FC236}">
-                <a16:creationId xmlns:a16="http://schemas.microsoft.com/office/drawing/2014/main" id="{225EE30B-71B7-236B-E02F-D7A3C2383EDD}"/>
-              </a:ext>
-            </a:extLst>
-          </p:cNvPr>
-          <p:cNvPicPr>
-            <a:picLocks noChangeAspect="1"/>
-          </p:cNvPicPr>
-          <p:nvPr/>
-        </p:nvPicPr>
-        <p:blipFill rotWithShape="1">
-          <a:blip r:embed="rId3"/>
-          <a:srcRect l="17908" r="26093" b="1"/>
-          <a:stretch/>
-        </p:blipFill>
-        <p:spPr>
-          <a:xfrm>
-            <a:off x="-6472" y="10"/>
-            <a:ext cx="5486394" cy="6857982"/>
-          </a:xfrm>
-          <a:prstGeom prst="rect">
-            <a:avLst/>
-          </a:prstGeom>
-        </p:spPr>
-      </p:pic>
-      <p:pic>
-        <p:nvPicPr>
-          <p:cNvPr id="1030" name="Picture 6" descr="Institutional | Techpro Education">
-            <a:extLst>
-              <a:ext uri="{FF2B5EF4-FFF2-40B4-BE49-F238E27FC236}">
-                <a16:creationId xmlns:a16="http://schemas.microsoft.com/office/drawing/2014/main" id="{FC920835-2593-77EA-3C70-51EB45776591}"/>
+          <p:cNvPr id="4" name="Picture 4" descr="Techpro Education | Online It Courses &amp; Bootcamps">
+            <a:extLst>
+              <a:ext uri="{FF2B5EF4-FFF2-40B4-BE49-F238E27FC236}">
+                <a16:creationId xmlns:a16="http://schemas.microsoft.com/office/drawing/2014/main" id="{E33B55B5-34C1-9987-660E-4BF674EB9809}"/>
               </a:ext>
             </a:extLst>
           </p:cNvPr>
@@ -10695,7 +10706,8 @@
           <p:nvPr/>
         </p:nvPicPr>
         <p:blipFill>
-          <a:blip r:embed="rId4">
+          <a:blip r:embed="rId2">
+            <a:alphaModFix amt="11000"/>
             <a:extLst>
               <a:ext uri="{28A0092B-C50C-407E-A947-70E740481C1C}">
                 <a14:useLocalDpi xmlns:a14="http://schemas.microsoft.com/office/drawing/2010/main" val="0"/>
@@ -10709,8 +10721,8 @@
         </p:blipFill>
         <p:spPr bwMode="auto">
           <a:xfrm>
-            <a:off x="9562707" y="685799"/>
-            <a:ext cx="1941969" cy="901701"/>
+            <a:off x="2815081" y="551941"/>
+            <a:ext cx="5754117" cy="5754117"/>
           </a:xfrm>
           <a:prstGeom prst="rect">
             <a:avLst/>
@@ -10727,10 +10739,193 @@
           </a:extLst>
         </p:spPr>
       </p:pic>
+      <p:sp>
+        <p:nvSpPr>
+          <p:cNvPr id="3" name="Title 1">
+            <a:extLst>
+              <a:ext uri="{FF2B5EF4-FFF2-40B4-BE49-F238E27FC236}">
+                <a16:creationId xmlns:a16="http://schemas.microsoft.com/office/drawing/2014/main" id="{87B6C64E-0795-6DBE-C426-84C825AB1E29}"/>
+              </a:ext>
+            </a:extLst>
+          </p:cNvPr>
+          <p:cNvSpPr>
+            <a:spLocks noGrp="1"/>
+          </p:cNvSpPr>
+          <p:nvPr>
+            <p:ph type="title"/>
+          </p:nvPr>
+        </p:nvSpPr>
+        <p:spPr>
+          <a:xfrm>
+            <a:off x="420624" y="365125"/>
+            <a:ext cx="10543032" cy="1325563"/>
+          </a:xfrm>
+        </p:spPr>
+        <p:txBody>
+          <a:bodyPr/>
+          <a:lstStyle/>
+          <a:p>
+            <a:r>
+              <a:rPr lang="en-TR" b="1" dirty="0"/>
+              <a:t>Github Proje Oluşturma</a:t>
+            </a:r>
+          </a:p>
+        </p:txBody>
+      </p:sp>
+      <p:sp>
+        <p:nvSpPr>
+          <p:cNvPr id="5" name="Content Placeholder 2">
+            <a:extLst>
+              <a:ext uri="{FF2B5EF4-FFF2-40B4-BE49-F238E27FC236}">
+                <a16:creationId xmlns:a16="http://schemas.microsoft.com/office/drawing/2014/main" id="{AD4D72CB-A20C-6D7D-55C4-D224825053B4}"/>
+              </a:ext>
+            </a:extLst>
+          </p:cNvPr>
+          <p:cNvSpPr>
+            <a:spLocks noGrp="1"/>
+          </p:cNvSpPr>
+          <p:nvPr>
+            <p:ph idx="1"/>
+          </p:nvPr>
+        </p:nvSpPr>
+        <p:spPr>
+          <a:xfrm>
+            <a:off x="420626" y="1825625"/>
+            <a:ext cx="7780399" cy="4206383"/>
+          </a:xfrm>
+        </p:spPr>
+        <p:txBody>
+          <a:bodyPr>
+            <a:normAutofit fontScale="77500" lnSpcReduction="20000"/>
+          </a:bodyPr>
+          <a:lstStyle/>
+          <a:p>
+            <a:pPr algn="just"/>
+            <a:r>
+              <a:rPr lang="tr-TR" sz="4000" dirty="0"/>
+              <a:t>Github web sitesinden hesabınızı oluşturduktan sonra ilk Repository oluşturarak local oturumunuz ile entegre edebilirsiniz</a:t>
+            </a:r>
+            <a:r>
+              <a:rPr lang="en-TR" sz="4000" dirty="0"/>
+              <a:t>.</a:t>
+            </a:r>
+          </a:p>
+          <a:p>
+            <a:pPr marL="0" indent="0">
+              <a:buNone/>
+            </a:pPr>
+            <a:r>
+              <a:rPr lang="en-US" sz="4000" dirty="0">
+                <a:solidFill>
+                  <a:srgbClr val="C00000"/>
+                </a:solidFill>
+              </a:rPr>
+              <a:t># Local ile Github Repo İlişkilendirme</a:t>
+            </a:r>
+          </a:p>
+          <a:p>
+            <a:pPr lvl="1"/>
+            <a:r>
+              <a:rPr lang="en-US" sz="2300" dirty="0"/>
+              <a:t>echo "# a" &gt;&gt; README.md</a:t>
+            </a:r>
+          </a:p>
+          <a:p>
+            <a:pPr lvl="1"/>
+            <a:r>
+              <a:rPr lang="en-US" sz="2300" dirty="0"/>
+              <a:t>git init</a:t>
+            </a:r>
+          </a:p>
+          <a:p>
+            <a:pPr lvl="1"/>
+            <a:r>
+              <a:rPr lang="en-US" sz="2300" dirty="0"/>
+              <a:t>git add README.md</a:t>
+            </a:r>
+          </a:p>
+          <a:p>
+            <a:pPr lvl="1"/>
+            <a:r>
+              <a:rPr lang="en-US" sz="2300" dirty="0"/>
+              <a:t>git commit -m "first commit"</a:t>
+            </a:r>
+          </a:p>
+          <a:p>
+            <a:pPr lvl="1"/>
+            <a:r>
+              <a:rPr lang="en-US" sz="2300" dirty="0"/>
+              <a:t>git branch -M main</a:t>
+            </a:r>
+          </a:p>
+          <a:p>
+            <a:pPr lvl="1"/>
+            <a:r>
+              <a:rPr lang="en-US" sz="2300" dirty="0"/>
+              <a:t>git remote add origin https://github.com/&lt;username&gt;/&lt;repo_name&gt;.git</a:t>
+            </a:r>
+          </a:p>
+          <a:p>
+            <a:pPr lvl="1"/>
+            <a:r>
+              <a:rPr lang="en-US" sz="2300" dirty="0"/>
+              <a:t>git push -u origin main</a:t>
+            </a:r>
+            <a:endParaRPr lang="en-TR" sz="2300" dirty="0"/>
+          </a:p>
+        </p:txBody>
+      </p:sp>
+      <p:pic>
+        <p:nvPicPr>
+          <p:cNvPr id="3074" name="Picture 2" descr="Git - Maintaining a Project">
+            <a:extLst>
+              <a:ext uri="{FF2B5EF4-FFF2-40B4-BE49-F238E27FC236}">
+                <a16:creationId xmlns:a16="http://schemas.microsoft.com/office/drawing/2014/main" id="{FE6ACB6E-40A6-E348-61CA-26982FCB7778}"/>
+              </a:ext>
+            </a:extLst>
+          </p:cNvPr>
+          <p:cNvPicPr>
+            <a:picLocks noChangeAspect="1" noChangeArrowheads="1"/>
+          </p:cNvPicPr>
+          <p:nvPr/>
+        </p:nvPicPr>
+        <p:blipFill>
+          <a:blip r:embed="rId3">
+            <a:extLst>
+              <a:ext uri="{28A0092B-C50C-407E-A947-70E740481C1C}">
+                <a14:useLocalDpi xmlns:a14="http://schemas.microsoft.com/office/drawing/2010/main" val="0"/>
+              </a:ext>
+            </a:extLst>
+          </a:blip>
+          <a:srcRect/>
+          <a:stretch>
+            <a:fillRect/>
+          </a:stretch>
+        </p:blipFill>
+        <p:spPr bwMode="auto">
+          <a:xfrm>
+            <a:off x="7979475" y="2684630"/>
+            <a:ext cx="3975420" cy="2488372"/>
+          </a:xfrm>
+          <a:prstGeom prst="rect">
+            <a:avLst/>
+          </a:prstGeom>
+          <a:noFill/>
+          <a:extLst>
+            <a:ext uri="{909E8E84-426E-40DD-AFC4-6F175D3DCCD1}">
+              <a14:hiddenFill xmlns:a14="http://schemas.microsoft.com/office/drawing/2010/main">
+                <a:solidFill>
+                  <a:srgbClr val="FFFFFF"/>
+                </a:solidFill>
+              </a14:hiddenFill>
+            </a:ext>
+          </a:extLst>
+        </p:spPr>
+      </p:pic>
     </p:spTree>
     <p:extLst>
       <p:ext uri="{BB962C8B-B14F-4D97-AF65-F5344CB8AC3E}">
-        <p14:creationId xmlns:p14="http://schemas.microsoft.com/office/powerpoint/2010/main" val="1989029220"/>
+        <p14:creationId xmlns:p14="http://schemas.microsoft.com/office/powerpoint/2010/main" val="2879462409"/>
       </p:ext>
     </p:extLst>
   </p:cSld>
@@ -10762,7 +10957,7 @@
           <p:cNvPr id="2" name="Title 1">
             <a:extLst>
               <a:ext uri="{FF2B5EF4-FFF2-40B4-BE49-F238E27FC236}">
-                <a16:creationId xmlns:a16="http://schemas.microsoft.com/office/drawing/2014/main" id="{6B7DCCED-E2F4-5AF6-37CF-35D1887C6475}"/>
+                <a16:creationId xmlns:a16="http://schemas.microsoft.com/office/drawing/2014/main" id="{C1E5738B-027B-A246-F4A7-201E7F4C3236}"/>
               </a:ext>
             </a:extLst>
           </p:cNvPr>
@@ -10770,27 +10965,166 @@
             <a:spLocks noGrp="1"/>
           </p:cNvSpPr>
           <p:nvPr>
-            <p:ph type="title"/>
-          </p:nvPr>
-        </p:nvSpPr>
-        <p:spPr/>
-        <p:txBody>
-          <a:bodyPr/>
+            <p:ph type="ctrTitle"/>
+          </p:nvPr>
+        </p:nvSpPr>
+        <p:spPr>
+          <a:xfrm>
+            <a:off x="5989319" y="576263"/>
+            <a:ext cx="5054196" cy="2967606"/>
+          </a:xfrm>
+        </p:spPr>
+        <p:txBody>
+          <a:bodyPr anchor="b">
+            <a:normAutofit/>
+          </a:bodyPr>
           <a:lstStyle/>
           <a:p>
-            <a:r>
-              <a:rPr lang="en-TR" b="1" dirty="0"/>
-              <a:t>Bugün ne yapıyoruz?</a:t>
-            </a:r>
+            <a:pPr algn="l"/>
+            <a:r>
+              <a:rPr lang="en-TR" sz="6600" dirty="0">
+                <a:solidFill>
+                  <a:srgbClr val="C00000"/>
+                </a:solidFill>
+              </a:rPr>
+              <a:t>Git</a:t>
+            </a:r>
+            <a:br>
+              <a:rPr lang="en-TR" sz="4800" dirty="0">
+                <a:solidFill>
+                  <a:srgbClr val="C00000"/>
+                </a:solidFill>
+              </a:rPr>
+            </a:br>
+            <a:r>
+              <a:rPr lang="en-TR" sz="6600" dirty="0">
+                <a:solidFill>
+                  <a:srgbClr val="C00000"/>
+                </a:solidFill>
+              </a:rPr>
+              <a:t>Github</a:t>
+            </a:r>
+          </a:p>
+        </p:txBody>
+      </p:sp>
+      <p:sp>
+        <p:nvSpPr>
+          <p:cNvPr id="3" name="Subtitle 2">
+            <a:extLst>
+              <a:ext uri="{FF2B5EF4-FFF2-40B4-BE49-F238E27FC236}">
+                <a16:creationId xmlns:a16="http://schemas.microsoft.com/office/drawing/2014/main" id="{5F15582A-A49F-2033-70C2-DB99A372C7FC}"/>
+              </a:ext>
+            </a:extLst>
+          </p:cNvPr>
+          <p:cNvSpPr>
+            <a:spLocks noGrp="1"/>
+          </p:cNvSpPr>
+          <p:nvPr>
+            <p:ph type="subTitle" idx="1"/>
+          </p:nvPr>
+        </p:nvSpPr>
+        <p:spPr>
+          <a:xfrm>
+            <a:off x="5989319" y="3764975"/>
+            <a:ext cx="5054196" cy="2192683"/>
+          </a:xfrm>
+        </p:spPr>
+        <p:txBody>
+          <a:bodyPr>
+            <a:normAutofit/>
+          </a:bodyPr>
+          <a:lstStyle/>
+          <a:p>
+            <a:pPr algn="l"/>
+            <a:r>
+              <a:rPr lang="en-US" sz="2800" b="1" dirty="0"/>
+              <a:t>3. Ders</a:t>
+            </a:r>
+            <a:br>
+              <a:rPr lang="en-US" sz="2800" b="1" dirty="0"/>
+            </a:br>
+            <a:r>
+              <a:rPr lang="en-US" sz="2800" b="1" dirty="0"/>
+              <a:t>15.07.2023</a:t>
+            </a:r>
+          </a:p>
+          <a:p>
+            <a:pPr algn="l"/>
+            <a:r>
+              <a:rPr lang="en-US" sz="2200" dirty="0">
+                <a:solidFill>
+                  <a:schemeClr val="tx2">
+                    <a:lumMod val="60000"/>
+                    <a:lumOff val="40000"/>
+                  </a:schemeClr>
+                </a:solidFill>
+              </a:rPr>
+              <a:t>B149 AWS &amp; DevOps</a:t>
+            </a:r>
+            <a:br>
+              <a:rPr lang="en-US" sz="2200" dirty="0">
+                <a:solidFill>
+                  <a:schemeClr val="tx2">
+                    <a:lumMod val="60000"/>
+                    <a:lumOff val="40000"/>
+                  </a:schemeClr>
+                </a:solidFill>
+              </a:rPr>
+            </a:br>
+            <a:r>
+              <a:rPr lang="en-US" sz="2200" dirty="0">
+                <a:solidFill>
+                  <a:schemeClr val="tx2">
+                    <a:lumMod val="60000"/>
+                    <a:lumOff val="40000"/>
+                  </a:schemeClr>
+                </a:solidFill>
+              </a:rPr>
+              <a:t>B146 Cyber Security</a:t>
+            </a:r>
+            <a:endParaRPr lang="en-US" sz="2200" dirty="0"/>
+          </a:p>
+          <a:p>
+            <a:pPr algn="l"/>
+            <a:endParaRPr lang="en-TR" sz="2200" dirty="0"/>
           </a:p>
         </p:txBody>
       </p:sp>
       <p:pic>
         <p:nvPicPr>
-          <p:cNvPr id="4" name="Picture 4" descr="Techpro Education | Online It Courses &amp; Bootcamps">
-            <a:extLst>
-              <a:ext uri="{FF2B5EF4-FFF2-40B4-BE49-F238E27FC236}">
-                <a16:creationId xmlns:a16="http://schemas.microsoft.com/office/drawing/2014/main" id="{E33B55B5-34C1-9987-660E-4BF674EB9809}"/>
+          <p:cNvPr id="16" name="Picture 3" descr="A colorful light bulb with business icons">
+            <a:extLst>
+              <a:ext uri="{FF2B5EF4-FFF2-40B4-BE49-F238E27FC236}">
+                <a16:creationId xmlns:a16="http://schemas.microsoft.com/office/drawing/2014/main" id="{225EE30B-71B7-236B-E02F-D7A3C2383EDD}"/>
+              </a:ext>
+            </a:extLst>
+          </p:cNvPr>
+          <p:cNvPicPr>
+            <a:picLocks noChangeAspect="1"/>
+          </p:cNvPicPr>
+          <p:nvPr/>
+        </p:nvPicPr>
+        <p:blipFill rotWithShape="1">
+          <a:blip r:embed="rId3"/>
+          <a:srcRect l="17908" r="26093" b="1"/>
+          <a:stretch/>
+        </p:blipFill>
+        <p:spPr>
+          <a:xfrm>
+            <a:off x="-6472" y="10"/>
+            <a:ext cx="5486394" cy="6857982"/>
+          </a:xfrm>
+          <a:prstGeom prst="rect">
+            <a:avLst/>
+          </a:prstGeom>
+        </p:spPr>
+      </p:pic>
+      <p:pic>
+        <p:nvPicPr>
+          <p:cNvPr id="1030" name="Picture 6" descr="Institutional | Techpro Education">
+            <a:extLst>
+              <a:ext uri="{FF2B5EF4-FFF2-40B4-BE49-F238E27FC236}">
+                <a16:creationId xmlns:a16="http://schemas.microsoft.com/office/drawing/2014/main" id="{FC920835-2593-77EA-3C70-51EB45776591}"/>
               </a:ext>
             </a:extLst>
           </p:cNvPr>
@@ -10800,8 +11134,7 @@
           <p:nvPr/>
         </p:nvPicPr>
         <p:blipFill>
-          <a:blip r:embed="rId2">
-            <a:alphaModFix amt="11000"/>
+          <a:blip r:embed="rId4">
             <a:extLst>
               <a:ext uri="{28A0092B-C50C-407E-A947-70E740481C1C}">
                 <a14:useLocalDpi xmlns:a14="http://schemas.microsoft.com/office/drawing/2010/main" val="0"/>
@@ -10815,8 +11148,8 @@
         </p:blipFill>
         <p:spPr bwMode="auto">
           <a:xfrm>
-            <a:off x="2815081" y="551941"/>
-            <a:ext cx="5754117" cy="5754117"/>
+            <a:off x="9562707" y="685799"/>
+            <a:ext cx="1941969" cy="901701"/>
           </a:xfrm>
           <a:prstGeom prst="rect">
             <a:avLst/>
@@ -10833,132 +11166,10 @@
           </a:extLst>
         </p:spPr>
       </p:pic>
-      <p:sp>
-        <p:nvSpPr>
-          <p:cNvPr id="3" name="Content Placeholder 2">
-            <a:extLst>
-              <a:ext uri="{FF2B5EF4-FFF2-40B4-BE49-F238E27FC236}">
-                <a16:creationId xmlns:a16="http://schemas.microsoft.com/office/drawing/2014/main" id="{3BC2725C-CB06-63E9-488B-11108EB6647E}"/>
-              </a:ext>
-            </a:extLst>
-          </p:cNvPr>
-          <p:cNvSpPr>
-            <a:spLocks noGrp="1"/>
-          </p:cNvSpPr>
-          <p:nvPr>
-            <p:ph idx="1"/>
-          </p:nvPr>
-        </p:nvSpPr>
-        <p:spPr/>
-        <p:txBody>
-          <a:bodyPr>
-            <a:normAutofit/>
-          </a:bodyPr>
-          <a:lstStyle/>
-          <a:p>
-            <a:r>
-              <a:rPr lang="tr-TR" sz="4000" dirty="0"/>
-              <a:t>Github Desktop Kurulum</a:t>
-            </a:r>
-          </a:p>
-          <a:p>
-            <a:r>
-              <a:rPr lang="tr-TR" sz="4000" dirty="0"/>
-              <a:t>Github </a:t>
-            </a:r>
-            <a:r>
-              <a:rPr lang="tr-TR" sz="4000" dirty="0" err="1"/>
-              <a:t>Readme.md</a:t>
-            </a:r>
-            <a:r>
-              <a:rPr lang="tr-TR" sz="4000" dirty="0"/>
-              <a:t> Oluşturma</a:t>
-            </a:r>
-          </a:p>
-          <a:p>
-            <a:r>
-              <a:rPr lang="tr-TR" sz="4000" dirty="0"/>
-              <a:t>Tüm Ders Depoları Oluşturma</a:t>
-            </a:r>
-          </a:p>
-          <a:p>
-            <a:r>
-              <a:rPr lang="tr-TR" sz="4000" dirty="0"/>
-              <a:t>Yararlı Linkler</a:t>
-            </a:r>
-          </a:p>
-          <a:p>
-            <a:r>
-              <a:rPr lang="tr-TR" sz="4000" dirty="0" err="1"/>
-              <a:t>GitLab</a:t>
-            </a:r>
-            <a:r>
-              <a:rPr lang="tr-TR" sz="4000" dirty="0"/>
-              <a:t> ve </a:t>
-            </a:r>
-            <a:r>
-              <a:rPr lang="tr-TR" sz="4000" dirty="0" err="1"/>
-              <a:t>Bitbucket</a:t>
-            </a:r>
-            <a:r>
-              <a:rPr lang="tr-TR" sz="4000" dirty="0"/>
-              <a:t> </a:t>
-            </a:r>
-            <a:endParaRPr lang="en-TR" sz="4000" dirty="0"/>
-          </a:p>
-        </p:txBody>
-      </p:sp>
-      <p:pic>
-        <p:nvPicPr>
-          <p:cNvPr id="1028" name="Picture 4" descr="Of Git and GitHub, Master and Main - BiTE Interactive">
-            <a:extLst>
-              <a:ext uri="{FF2B5EF4-FFF2-40B4-BE49-F238E27FC236}">
-                <a16:creationId xmlns:a16="http://schemas.microsoft.com/office/drawing/2014/main" id="{7712ED1A-FB03-FFEC-3F4A-5B7EA07F7F88}"/>
-              </a:ext>
-            </a:extLst>
-          </p:cNvPr>
-          <p:cNvPicPr>
-            <a:picLocks noChangeAspect="1" noChangeArrowheads="1"/>
-          </p:cNvPicPr>
-          <p:nvPr/>
-        </p:nvPicPr>
-        <p:blipFill>
-          <a:blip r:embed="rId3">
-            <a:extLst>
-              <a:ext uri="{28A0092B-C50C-407E-A947-70E740481C1C}">
-                <a14:useLocalDpi xmlns:a14="http://schemas.microsoft.com/office/drawing/2010/main" val="0"/>
-              </a:ext>
-            </a:extLst>
-          </a:blip>
-          <a:srcRect/>
-          <a:stretch>
-            <a:fillRect/>
-          </a:stretch>
-        </p:blipFill>
-        <p:spPr bwMode="auto">
-          <a:xfrm>
-            <a:off x="7193281" y="2040465"/>
-            <a:ext cx="4421954" cy="3321078"/>
-          </a:xfrm>
-          <a:prstGeom prst="rect">
-            <a:avLst/>
-          </a:prstGeom>
-          <a:noFill/>
-          <a:extLst>
-            <a:ext uri="{909E8E84-426E-40DD-AFC4-6F175D3DCCD1}">
-              <a14:hiddenFill xmlns:a14="http://schemas.microsoft.com/office/drawing/2010/main">
-                <a:solidFill>
-                  <a:srgbClr val="FFFFFF"/>
-                </a:solidFill>
-              </a14:hiddenFill>
-            </a:ext>
-          </a:extLst>
-        </p:spPr>
-      </p:pic>
     </p:spTree>
     <p:extLst>
       <p:ext uri="{BB962C8B-B14F-4D97-AF65-F5344CB8AC3E}">
-        <p14:creationId xmlns:p14="http://schemas.microsoft.com/office/powerpoint/2010/main" val="1548472447"/>
+        <p14:creationId xmlns:p14="http://schemas.microsoft.com/office/powerpoint/2010/main" val="1989029220"/>
       </p:ext>
     </p:extLst>
   </p:cSld>
@@ -10985,6 +11196,34 @@
           <a:chExt cx="0" cy="0"/>
         </a:xfrm>
       </p:grpSpPr>
+      <p:sp>
+        <p:nvSpPr>
+          <p:cNvPr id="2" name="Title 1">
+            <a:extLst>
+              <a:ext uri="{FF2B5EF4-FFF2-40B4-BE49-F238E27FC236}">
+                <a16:creationId xmlns:a16="http://schemas.microsoft.com/office/drawing/2014/main" id="{6B7DCCED-E2F4-5AF6-37CF-35D1887C6475}"/>
+              </a:ext>
+            </a:extLst>
+          </p:cNvPr>
+          <p:cNvSpPr>
+            <a:spLocks noGrp="1"/>
+          </p:cNvSpPr>
+          <p:nvPr>
+            <p:ph type="title"/>
+          </p:nvPr>
+        </p:nvSpPr>
+        <p:spPr/>
+        <p:txBody>
+          <a:bodyPr/>
+          <a:lstStyle/>
+          <a:p>
+            <a:r>
+              <a:rPr lang="en-TR" b="1" dirty="0"/>
+              <a:t>Bugün ne yapıyoruz?</a:t>
+            </a:r>
+          </a:p>
+        </p:txBody>
+      </p:sp>
       <p:pic>
         <p:nvPicPr>
           <p:cNvPr id="4" name="Picture 4" descr="Techpro Education | Online It Courses &amp; Bootcamps">
@@ -11035,10 +11274,10 @@
       </p:pic>
       <p:sp>
         <p:nvSpPr>
-          <p:cNvPr id="3" name="Title 1">
-            <a:extLst>
-              <a:ext uri="{FF2B5EF4-FFF2-40B4-BE49-F238E27FC236}">
-                <a16:creationId xmlns:a16="http://schemas.microsoft.com/office/drawing/2014/main" id="{87B6C64E-0795-6DBE-C426-84C825AB1E29}"/>
+          <p:cNvPr id="3" name="Content Placeholder 2">
+            <a:extLst>
+              <a:ext uri="{FF2B5EF4-FFF2-40B4-BE49-F238E27FC236}">
+                <a16:creationId xmlns:a16="http://schemas.microsoft.com/office/drawing/2014/main" id="{3BC2725C-CB06-63E9-488B-11108EB6647E}"/>
               </a:ext>
             </a:extLst>
           </p:cNvPr>
@@ -11046,48 +11285,10 @@
             <a:spLocks noGrp="1"/>
           </p:cNvSpPr>
           <p:nvPr>
-            <p:ph type="title"/>
-          </p:nvPr>
-        </p:nvSpPr>
-        <p:spPr>
-          <a:xfrm>
-            <a:off x="420624" y="365125"/>
-            <a:ext cx="10543032" cy="1325563"/>
-          </a:xfrm>
-        </p:spPr>
-        <p:txBody>
-          <a:bodyPr/>
-          <a:lstStyle/>
-          <a:p>
-            <a:r>
-              <a:rPr lang="en-TR" b="1" dirty="0"/>
-              <a:t>Github Yararlı Linkler</a:t>
-            </a:r>
-          </a:p>
-        </p:txBody>
-      </p:sp>
-      <p:sp>
-        <p:nvSpPr>
-          <p:cNvPr id="5" name="Content Placeholder 2">
-            <a:extLst>
-              <a:ext uri="{FF2B5EF4-FFF2-40B4-BE49-F238E27FC236}">
-                <a16:creationId xmlns:a16="http://schemas.microsoft.com/office/drawing/2014/main" id="{AD4D72CB-A20C-6D7D-55C4-D224825053B4}"/>
-              </a:ext>
-            </a:extLst>
-          </p:cNvPr>
-          <p:cNvSpPr>
-            <a:spLocks noGrp="1"/>
-          </p:cNvSpPr>
-          <p:nvPr>
             <p:ph idx="1"/>
           </p:nvPr>
         </p:nvSpPr>
-        <p:spPr>
-          <a:xfrm>
-            <a:off x="420625" y="1825625"/>
-            <a:ext cx="10543031" cy="4206383"/>
-          </a:xfrm>
-        </p:spPr>
+        <p:spPr/>
         <p:txBody>
           <a:bodyPr>
             <a:normAutofit/>
@@ -11095,335 +11296,108 @@
           <a:lstStyle/>
           <a:p>
             <a:r>
-              <a:rPr lang="tr-TR" sz="4000" dirty="0">
-                <a:solidFill>
-                  <a:srgbClr val="C00000"/>
-                </a:solidFill>
-              </a:rPr>
-              <a:t>Github.com -&gt; </a:t>
-            </a:r>
-            <a:r>
-              <a:rPr lang="tr-TR" sz="4000" dirty="0" err="1">
-                <a:solidFill>
-                  <a:srgbClr val="C00000"/>
-                </a:solidFill>
-              </a:rPr>
-              <a:t>Github.dev</a:t>
-            </a:r>
-            <a:endParaRPr lang="tr-TR" sz="4000" dirty="0">
-              <a:solidFill>
-                <a:srgbClr val="C00000"/>
-              </a:solidFill>
-            </a:endParaRPr>
-          </a:p>
-          <a:p>
-            <a:r>
-              <a:rPr lang="tr-TR" sz="4000" dirty="0">
-                <a:solidFill>
-                  <a:srgbClr val="C00000"/>
-                </a:solidFill>
-              </a:rPr>
-              <a:t>Arama çubuğuna </a:t>
-            </a:r>
-            <a:br>
-              <a:rPr lang="tr-TR" sz="4000" dirty="0">
-                <a:solidFill>
-                  <a:srgbClr val="C00000"/>
-                </a:solidFill>
-              </a:rPr>
-            </a:br>
-            <a:r>
-              <a:rPr lang="tr-TR" sz="4000" dirty="0" err="1">
-                <a:solidFill>
-                  <a:srgbClr val="C00000"/>
-                </a:solidFill>
-              </a:rPr>
-              <a:t>awesome-cybersecurity</a:t>
-            </a:r>
-            <a:r>
-              <a:rPr lang="tr-TR" sz="4000" dirty="0">
-                <a:solidFill>
-                  <a:srgbClr val="C00000"/>
-                </a:solidFill>
-              </a:rPr>
-              <a:t> | </a:t>
-            </a:r>
-            <a:r>
-              <a:rPr lang="tr-TR" sz="4000" dirty="0" err="1">
-                <a:solidFill>
-                  <a:srgbClr val="C00000"/>
-                </a:solidFill>
-              </a:rPr>
-              <a:t>awesome-devops</a:t>
-            </a:r>
-            <a:endParaRPr lang="tr-TR" sz="4000" dirty="0">
-              <a:solidFill>
-                <a:srgbClr val="C00000"/>
-              </a:solidFill>
-            </a:endParaRPr>
-          </a:p>
-          <a:p>
-            <a:r>
-              <a:rPr lang="tr-TR" sz="4000" dirty="0" err="1">
-                <a:solidFill>
-                  <a:srgbClr val="C00000"/>
-                </a:solidFill>
-              </a:rPr>
-              <a:t>Readme</a:t>
-            </a:r>
-            <a:r>
-              <a:rPr lang="tr-TR" sz="4000" dirty="0">
-                <a:solidFill>
-                  <a:srgbClr val="C00000"/>
-                </a:solidFill>
-              </a:rPr>
+              <a:rPr lang="tr-TR" sz="4000" dirty="0"/>
+              <a:t>Github Desktop Kurulum</a:t>
+            </a:r>
+          </a:p>
+          <a:p>
+            <a:r>
+              <a:rPr lang="tr-TR" sz="4000" dirty="0"/>
+              <a:t>Github </a:t>
+            </a:r>
+            <a:r>
+              <a:rPr lang="tr-TR" sz="4000" dirty="0" err="1"/>
+              <a:t>Readme.md</a:t>
+            </a:r>
+            <a:r>
+              <a:rPr lang="tr-TR" sz="4000" dirty="0"/>
+              <a:t> Oluşturma</a:t>
+            </a:r>
+          </a:p>
+          <a:p>
+            <a:r>
+              <a:rPr lang="tr-TR" sz="4000" dirty="0"/>
+              <a:t>Tüm Ders Depoları Oluşturma</a:t>
+            </a:r>
+          </a:p>
+          <a:p>
+            <a:r>
+              <a:rPr lang="tr-TR" sz="4000" dirty="0"/>
+              <a:t>Yararlı Linkler</a:t>
+            </a:r>
+          </a:p>
+          <a:p>
+            <a:r>
+              <a:rPr lang="tr-TR" sz="4000" dirty="0" err="1"/>
+              <a:t>GitLab</a:t>
+            </a:r>
+            <a:r>
+              <a:rPr lang="tr-TR" sz="4000" dirty="0"/>
+              <a:t> ve </a:t>
+            </a:r>
+            <a:r>
+              <a:rPr lang="tr-TR" sz="4000" dirty="0" err="1"/>
+              <a:t>Bitbucket</a:t>
+            </a:r>
+            <a:r>
+              <a:rPr lang="tr-TR" sz="4000" dirty="0"/>
               <a:t> </a:t>
             </a:r>
-            <a:r>
-              <a:rPr lang="tr-TR" sz="4000" dirty="0" err="1">
-                <a:solidFill>
-                  <a:srgbClr val="C00000"/>
-                </a:solidFill>
-              </a:rPr>
-              <a:t>Generator</a:t>
-            </a:r>
-            <a:endParaRPr lang="tr-TR" sz="4000" dirty="0">
-              <a:solidFill>
-                <a:srgbClr val="C00000"/>
-              </a:solidFill>
-            </a:endParaRPr>
-          </a:p>
-          <a:p>
-            <a:endParaRPr lang="en-TR" sz="4000" dirty="0">
-              <a:solidFill>
-                <a:srgbClr val="C00000"/>
-              </a:solidFill>
-            </a:endParaRPr>
-          </a:p>
-        </p:txBody>
-      </p:sp>
-      <p:sp>
-        <p:nvSpPr>
-          <p:cNvPr id="2" name="Content Placeholder 2">
-            <a:extLst>
-              <a:ext uri="{FF2B5EF4-FFF2-40B4-BE49-F238E27FC236}">
-                <a16:creationId xmlns:a16="http://schemas.microsoft.com/office/drawing/2014/main" id="{05BB9F8A-F0D4-E0C1-63D2-A89CF3C6087E}"/>
-              </a:ext>
-            </a:extLst>
-          </p:cNvPr>
-          <p:cNvSpPr txBox="1">
-            <a:spLocks/>
-          </p:cNvSpPr>
+            <a:endParaRPr lang="en-TR" sz="4000" dirty="0"/>
+          </a:p>
+        </p:txBody>
+      </p:sp>
+      <p:pic>
+        <p:nvPicPr>
+          <p:cNvPr id="1028" name="Picture 4" descr="Of Git and GitHub, Master and Main - BiTE Interactive">
+            <a:extLst>
+              <a:ext uri="{FF2B5EF4-FFF2-40B4-BE49-F238E27FC236}">
+                <a16:creationId xmlns:a16="http://schemas.microsoft.com/office/drawing/2014/main" id="{7712ED1A-FB03-FFEC-3F4A-5B7EA07F7F88}"/>
+              </a:ext>
+            </a:extLst>
+          </p:cNvPr>
+          <p:cNvPicPr>
+            <a:picLocks noChangeAspect="1" noChangeArrowheads="1"/>
+          </p:cNvPicPr>
           <p:nvPr/>
-        </p:nvSpPr>
-        <p:spPr>
-          <a:xfrm>
-            <a:off x="573025" y="1978026"/>
-            <a:ext cx="5933181" cy="2367178"/>
+        </p:nvPicPr>
+        <p:blipFill>
+          <a:blip r:embed="rId3">
+            <a:extLst>
+              <a:ext uri="{28A0092B-C50C-407E-A947-70E740481C1C}">
+                <a14:useLocalDpi xmlns:a14="http://schemas.microsoft.com/office/drawing/2010/main" val="0"/>
+              </a:ext>
+            </a:extLst>
+          </a:blip>
+          <a:srcRect/>
+          <a:stretch>
+            <a:fillRect/>
+          </a:stretch>
+        </p:blipFill>
+        <p:spPr bwMode="auto">
+          <a:xfrm>
+            <a:off x="7193281" y="2040465"/>
+            <a:ext cx="4421954" cy="3321078"/>
           </a:xfrm>
           <a:prstGeom prst="rect">
             <a:avLst/>
           </a:prstGeom>
-        </p:spPr>
-        <p:txBody>
-          <a:bodyPr vert="horz" lIns="91440" tIns="45720" rIns="91440" bIns="45720" rtlCol="0">
-            <a:normAutofit/>
-          </a:bodyPr>
-          <a:lstStyle>
-            <a:lvl1pPr marL="228600" indent="-228600" algn="l" defTabSz="914400" rtl="0" eaLnBrk="1" latinLnBrk="0" hangingPunct="1">
-              <a:lnSpc>
-                <a:spcPct val="100000"/>
-              </a:lnSpc>
-              <a:spcBef>
-                <a:spcPts val="1000"/>
-              </a:spcBef>
-              <a:buClr>
-                <a:schemeClr val="accent2"/>
-              </a:buClr>
-              <a:buFont typeface="Wingdings 2" panose="05020102010507070707" pitchFamily="18" charset="2"/>
-              <a:buChar char=""/>
-              <a:defRPr sz="2400" kern="1200">
-                <a:solidFill>
-                  <a:schemeClr val="tx2"/>
-                </a:solidFill>
-                <a:latin typeface="+mn-lt"/>
-                <a:ea typeface="+mn-ea"/>
-                <a:cs typeface="+mn-cs"/>
-              </a:defRPr>
-            </a:lvl1pPr>
-            <a:lvl2pPr marL="685800" indent="-228600" algn="l" defTabSz="914400" rtl="0" eaLnBrk="1" latinLnBrk="0" hangingPunct="1">
-              <a:lnSpc>
-                <a:spcPct val="100000"/>
-              </a:lnSpc>
-              <a:spcBef>
-                <a:spcPts val="500"/>
-              </a:spcBef>
-              <a:buClr>
-                <a:schemeClr val="accent2"/>
-              </a:buClr>
-              <a:buFont typeface="Wingdings 2" panose="05020102010507070707" pitchFamily="18" charset="2"/>
-              <a:buChar char=""/>
-              <a:defRPr sz="2200" kern="1200">
-                <a:solidFill>
-                  <a:schemeClr val="tx2"/>
-                </a:solidFill>
-                <a:latin typeface="+mn-lt"/>
-                <a:ea typeface="+mn-ea"/>
-                <a:cs typeface="+mn-cs"/>
-              </a:defRPr>
-            </a:lvl2pPr>
-            <a:lvl3pPr marL="1143000" indent="-228600" algn="l" defTabSz="914400" rtl="0" eaLnBrk="1" latinLnBrk="0" hangingPunct="1">
-              <a:lnSpc>
-                <a:spcPct val="100000"/>
-              </a:lnSpc>
-              <a:spcBef>
-                <a:spcPts val="500"/>
-              </a:spcBef>
-              <a:buClr>
-                <a:schemeClr val="accent2"/>
-              </a:buClr>
-              <a:buFont typeface="Wingdings 2" panose="05020102010507070707" pitchFamily="18" charset="2"/>
-              <a:buChar char=""/>
-              <a:defRPr sz="1800" kern="1200">
-                <a:solidFill>
-                  <a:schemeClr val="tx2"/>
-                </a:solidFill>
-                <a:latin typeface="+mn-lt"/>
-                <a:ea typeface="+mn-ea"/>
-                <a:cs typeface="+mn-cs"/>
-              </a:defRPr>
-            </a:lvl3pPr>
-            <a:lvl4pPr marL="1600200" indent="-228600" algn="l" defTabSz="914400" rtl="0" eaLnBrk="1" latinLnBrk="0" hangingPunct="1">
-              <a:lnSpc>
-                <a:spcPct val="100000"/>
-              </a:lnSpc>
-              <a:spcBef>
-                <a:spcPts val="500"/>
-              </a:spcBef>
-              <a:buClr>
-                <a:schemeClr val="accent2"/>
-              </a:buClr>
-              <a:buFont typeface="Wingdings 2" panose="05020102010507070707" pitchFamily="18" charset="2"/>
-              <a:buChar char=""/>
-              <a:defRPr sz="1600" kern="1200">
-                <a:solidFill>
-                  <a:schemeClr val="tx2"/>
-                </a:solidFill>
-                <a:latin typeface="+mn-lt"/>
-                <a:ea typeface="+mn-ea"/>
-                <a:cs typeface="+mn-cs"/>
-              </a:defRPr>
-            </a:lvl4pPr>
-            <a:lvl5pPr marL="2057400" indent="-228600" algn="l" defTabSz="914400" rtl="0" eaLnBrk="1" latinLnBrk="0" hangingPunct="1">
-              <a:lnSpc>
-                <a:spcPct val="100000"/>
-              </a:lnSpc>
-              <a:spcBef>
-                <a:spcPts val="500"/>
-              </a:spcBef>
-              <a:buClr>
-                <a:schemeClr val="accent2"/>
-              </a:buClr>
-              <a:buFont typeface="Wingdings 2" panose="05020102010507070707" pitchFamily="18" charset="2"/>
-              <a:buChar char=""/>
-              <a:defRPr sz="1400" kern="1200">
-                <a:solidFill>
-                  <a:schemeClr val="tx2"/>
-                </a:solidFill>
-                <a:latin typeface="+mn-lt"/>
-                <a:ea typeface="+mn-ea"/>
-                <a:cs typeface="+mn-cs"/>
-              </a:defRPr>
-            </a:lvl5pPr>
-            <a:lvl6pPr marL="2514600" indent="-228600" algn="l" defTabSz="914400" rtl="0" eaLnBrk="1" latinLnBrk="0" hangingPunct="1">
-              <a:lnSpc>
-                <a:spcPct val="90000"/>
-              </a:lnSpc>
-              <a:spcBef>
-                <a:spcPts val="500"/>
-              </a:spcBef>
-              <a:buFont typeface="Arial" panose="020B0604020202020204" pitchFamily="34" charset="0"/>
-              <a:buChar char="•"/>
-              <a:defRPr sz="1800" kern="1200">
-                <a:solidFill>
-                  <a:schemeClr val="tx1"/>
-                </a:solidFill>
-                <a:latin typeface="+mn-lt"/>
-                <a:ea typeface="+mn-ea"/>
-                <a:cs typeface="+mn-cs"/>
-              </a:defRPr>
-            </a:lvl6pPr>
-            <a:lvl7pPr marL="2971800" indent="-228600" algn="l" defTabSz="914400" rtl="0" eaLnBrk="1" latinLnBrk="0" hangingPunct="1">
-              <a:lnSpc>
-                <a:spcPct val="90000"/>
-              </a:lnSpc>
-              <a:spcBef>
-                <a:spcPts val="500"/>
-              </a:spcBef>
-              <a:buFont typeface="Arial" panose="020B0604020202020204" pitchFamily="34" charset="0"/>
-              <a:buChar char="•"/>
-              <a:defRPr sz="1800" kern="1200">
-                <a:solidFill>
-                  <a:schemeClr val="tx1"/>
-                </a:solidFill>
-                <a:latin typeface="+mn-lt"/>
-                <a:ea typeface="+mn-ea"/>
-                <a:cs typeface="+mn-cs"/>
-              </a:defRPr>
-            </a:lvl7pPr>
-            <a:lvl8pPr marL="3429000" indent="-228600" algn="l" defTabSz="914400" rtl="0" eaLnBrk="1" latinLnBrk="0" hangingPunct="1">
-              <a:lnSpc>
-                <a:spcPct val="90000"/>
-              </a:lnSpc>
-              <a:spcBef>
-                <a:spcPts val="500"/>
-              </a:spcBef>
-              <a:buFont typeface="Arial" panose="020B0604020202020204" pitchFamily="34" charset="0"/>
-              <a:buChar char="•"/>
-              <a:defRPr sz="1800" kern="1200">
-                <a:solidFill>
-                  <a:schemeClr val="tx1"/>
-                </a:solidFill>
-                <a:latin typeface="+mn-lt"/>
-                <a:ea typeface="+mn-ea"/>
-                <a:cs typeface="+mn-cs"/>
-              </a:defRPr>
-            </a:lvl8pPr>
-            <a:lvl9pPr marL="3886200" indent="-228600" algn="l" defTabSz="914400" rtl="0" eaLnBrk="1" latinLnBrk="0" hangingPunct="1">
-              <a:lnSpc>
-                <a:spcPct val="90000"/>
-              </a:lnSpc>
-              <a:spcBef>
-                <a:spcPts val="500"/>
-              </a:spcBef>
-              <a:buFont typeface="Arial" panose="020B0604020202020204" pitchFamily="34" charset="0"/>
-              <a:buChar char="•"/>
-              <a:defRPr sz="1800" kern="1200">
-                <a:solidFill>
-                  <a:schemeClr val="tx1"/>
-                </a:solidFill>
-                <a:latin typeface="+mn-lt"/>
-                <a:ea typeface="+mn-ea"/>
-                <a:cs typeface="+mn-cs"/>
-              </a:defRPr>
-            </a:lvl9pPr>
-          </a:lstStyle>
-          <a:p>
-            <a:endParaRPr lang="tr-TR" sz="4000" dirty="0"/>
-          </a:p>
-          <a:p>
-            <a:endParaRPr lang="en-TR" sz="4000" dirty="0">
-              <a:solidFill>
-                <a:srgbClr val="C00000"/>
-              </a:solidFill>
-            </a:endParaRPr>
-          </a:p>
-        </p:txBody>
-      </p:sp>
+          <a:noFill/>
+          <a:extLst>
+            <a:ext uri="{909E8E84-426E-40DD-AFC4-6F175D3DCCD1}">
+              <a14:hiddenFill xmlns:a14="http://schemas.microsoft.com/office/drawing/2010/main">
+                <a:solidFill>
+                  <a:srgbClr val="FFFFFF"/>
+                </a:solidFill>
+              </a14:hiddenFill>
+            </a:ext>
+          </a:extLst>
+        </p:spPr>
+      </p:pic>
     </p:spTree>
     <p:extLst>
       <p:ext uri="{BB962C8B-B14F-4D97-AF65-F5344CB8AC3E}">
-        <p14:creationId xmlns:p14="http://schemas.microsoft.com/office/powerpoint/2010/main" val="3129742757"/>
+        <p14:creationId xmlns:p14="http://schemas.microsoft.com/office/powerpoint/2010/main" val="1548472447"/>
       </p:ext>
     </p:extLst>
   </p:cSld>
@@ -11450,6 +11424,34 @@
           <a:chExt cx="0" cy="0"/>
         </a:xfrm>
       </p:grpSpPr>
+      <p:sp>
+        <p:nvSpPr>
+          <p:cNvPr id="2" name="Title 1">
+            <a:extLst>
+              <a:ext uri="{FF2B5EF4-FFF2-40B4-BE49-F238E27FC236}">
+                <a16:creationId xmlns:a16="http://schemas.microsoft.com/office/drawing/2014/main" id="{6B7DCCED-E2F4-5AF6-37CF-35D1887C6475}"/>
+              </a:ext>
+            </a:extLst>
+          </p:cNvPr>
+          <p:cNvSpPr>
+            <a:spLocks noGrp="1"/>
+          </p:cNvSpPr>
+          <p:nvPr>
+            <p:ph type="title"/>
+          </p:nvPr>
+        </p:nvSpPr>
+        <p:spPr/>
+        <p:txBody>
+          <a:bodyPr/>
+          <a:lstStyle/>
+          <a:p>
+            <a:r>
+              <a:rPr lang="en-TR" b="1" dirty="0"/>
+              <a:t>Github Desktop Kurulumu</a:t>
+            </a:r>
+          </a:p>
+        </p:txBody>
+      </p:sp>
       <p:pic>
         <p:nvPicPr>
           <p:cNvPr id="4" name="Picture 4" descr="Techpro Education | Online It Courses &amp; Bootcamps">
@@ -11465,7 +11467,7 @@
           <p:nvPr/>
         </p:nvPicPr>
         <p:blipFill>
-          <a:blip r:embed="rId2">
+          <a:blip r:embed="rId3">
             <a:alphaModFix amt="11000"/>
             <a:extLst>
               <a:ext uri="{28A0092B-C50C-407E-A947-70E740481C1C}">
@@ -11500,261 +11502,55 @@
       </p:pic>
       <p:sp>
         <p:nvSpPr>
-          <p:cNvPr id="3" name="Title 1">
-            <a:extLst>
-              <a:ext uri="{FF2B5EF4-FFF2-40B4-BE49-F238E27FC236}">
-                <a16:creationId xmlns:a16="http://schemas.microsoft.com/office/drawing/2014/main" id="{87B6C64E-0795-6DBE-C426-84C825AB1E29}"/>
-              </a:ext>
-            </a:extLst>
-          </p:cNvPr>
-          <p:cNvSpPr>
-            <a:spLocks noGrp="1"/>
-          </p:cNvSpPr>
-          <p:nvPr>
-            <p:ph type="title"/>
-          </p:nvPr>
-        </p:nvSpPr>
-        <p:spPr>
-          <a:xfrm>
-            <a:off x="420624" y="365125"/>
-            <a:ext cx="10543032" cy="1325563"/>
-          </a:xfrm>
-        </p:spPr>
-        <p:txBody>
-          <a:bodyPr/>
-          <a:lstStyle/>
-          <a:p>
-            <a:r>
-              <a:rPr lang="en-TR" b="1" dirty="0"/>
-              <a:t>Other Version Control Systems</a:t>
-            </a:r>
-          </a:p>
-        </p:txBody>
-      </p:sp>
-      <p:sp>
-        <p:nvSpPr>
-          <p:cNvPr id="2" name="Content Placeholder 2">
-            <a:extLst>
-              <a:ext uri="{FF2B5EF4-FFF2-40B4-BE49-F238E27FC236}">
-                <a16:creationId xmlns:a16="http://schemas.microsoft.com/office/drawing/2014/main" id="{05BB9F8A-F0D4-E0C1-63D2-A89CF3C6087E}"/>
-              </a:ext>
-            </a:extLst>
-          </p:cNvPr>
-          <p:cNvSpPr txBox="1">
-            <a:spLocks/>
+          <p:cNvPr id="7" name="AutoShape 2">
+            <a:extLst>
+              <a:ext uri="{FF2B5EF4-FFF2-40B4-BE49-F238E27FC236}">
+                <a16:creationId xmlns:a16="http://schemas.microsoft.com/office/drawing/2014/main" id="{88280B46-2E3B-CD5E-BE78-B8DA5334B6C7}"/>
+              </a:ext>
+            </a:extLst>
+          </p:cNvPr>
+          <p:cNvSpPr>
+            <a:spLocks noChangeAspect="1" noChangeArrowheads="1"/>
           </p:cNvSpPr>
           <p:nvPr/>
         </p:nvSpPr>
-        <p:spPr>
-          <a:xfrm>
-            <a:off x="573025" y="1978026"/>
-            <a:ext cx="5933181" cy="2367178"/>
+        <p:spPr bwMode="auto">
+          <a:xfrm>
+            <a:off x="5943600" y="3276600"/>
+            <a:ext cx="304800" cy="304800"/>
           </a:xfrm>
           <a:prstGeom prst="rect">
             <a:avLst/>
           </a:prstGeom>
-        </p:spPr>
-        <p:txBody>
-          <a:bodyPr vert="horz" lIns="91440" tIns="45720" rIns="91440" bIns="45720" rtlCol="0">
-            <a:normAutofit/>
+          <a:noFill/>
+          <a:extLst>
+            <a:ext uri="{909E8E84-426E-40DD-AFC4-6F175D3DCCD1}">
+              <a14:hiddenFill xmlns:a14="http://schemas.microsoft.com/office/drawing/2010/main">
+                <a:solidFill>
+                  <a:srgbClr val="FFFFFF"/>
+                </a:solidFill>
+              </a14:hiddenFill>
+            </a:ext>
+          </a:extLst>
+        </p:spPr>
+        <p:txBody>
+          <a:bodyPr vert="horz" wrap="square" lIns="91440" tIns="45720" rIns="91440" bIns="45720" numCol="1" anchor="t" anchorCtr="0" compatLnSpc="1">
+            <a:prstTxWarp prst="textNoShape">
+              <a:avLst/>
+            </a:prstTxWarp>
           </a:bodyPr>
-          <a:lstStyle>
-            <a:lvl1pPr marL="228600" indent="-228600" algn="l" defTabSz="914400" rtl="0" eaLnBrk="1" latinLnBrk="0" hangingPunct="1">
-              <a:lnSpc>
-                <a:spcPct val="100000"/>
-              </a:lnSpc>
-              <a:spcBef>
-                <a:spcPts val="1000"/>
-              </a:spcBef>
-              <a:buClr>
-                <a:schemeClr val="accent2"/>
-              </a:buClr>
-              <a:buFont typeface="Wingdings 2" panose="05020102010507070707" pitchFamily="18" charset="2"/>
-              <a:buChar char=""/>
-              <a:defRPr sz="2400" kern="1200">
-                <a:solidFill>
-                  <a:schemeClr val="tx2"/>
-                </a:solidFill>
-                <a:latin typeface="+mn-lt"/>
-                <a:ea typeface="+mn-ea"/>
-                <a:cs typeface="+mn-cs"/>
-              </a:defRPr>
-            </a:lvl1pPr>
-            <a:lvl2pPr marL="685800" indent="-228600" algn="l" defTabSz="914400" rtl="0" eaLnBrk="1" latinLnBrk="0" hangingPunct="1">
-              <a:lnSpc>
-                <a:spcPct val="100000"/>
-              </a:lnSpc>
-              <a:spcBef>
-                <a:spcPts val="500"/>
-              </a:spcBef>
-              <a:buClr>
-                <a:schemeClr val="accent2"/>
-              </a:buClr>
-              <a:buFont typeface="Wingdings 2" panose="05020102010507070707" pitchFamily="18" charset="2"/>
-              <a:buChar char=""/>
-              <a:defRPr sz="2200" kern="1200">
-                <a:solidFill>
-                  <a:schemeClr val="tx2"/>
-                </a:solidFill>
-                <a:latin typeface="+mn-lt"/>
-                <a:ea typeface="+mn-ea"/>
-                <a:cs typeface="+mn-cs"/>
-              </a:defRPr>
-            </a:lvl2pPr>
-            <a:lvl3pPr marL="1143000" indent="-228600" algn="l" defTabSz="914400" rtl="0" eaLnBrk="1" latinLnBrk="0" hangingPunct="1">
-              <a:lnSpc>
-                <a:spcPct val="100000"/>
-              </a:lnSpc>
-              <a:spcBef>
-                <a:spcPts val="500"/>
-              </a:spcBef>
-              <a:buClr>
-                <a:schemeClr val="accent2"/>
-              </a:buClr>
-              <a:buFont typeface="Wingdings 2" panose="05020102010507070707" pitchFamily="18" charset="2"/>
-              <a:buChar char=""/>
-              <a:defRPr sz="1800" kern="1200">
-                <a:solidFill>
-                  <a:schemeClr val="tx2"/>
-                </a:solidFill>
-                <a:latin typeface="+mn-lt"/>
-                <a:ea typeface="+mn-ea"/>
-                <a:cs typeface="+mn-cs"/>
-              </a:defRPr>
-            </a:lvl3pPr>
-            <a:lvl4pPr marL="1600200" indent="-228600" algn="l" defTabSz="914400" rtl="0" eaLnBrk="1" latinLnBrk="0" hangingPunct="1">
-              <a:lnSpc>
-                <a:spcPct val="100000"/>
-              </a:lnSpc>
-              <a:spcBef>
-                <a:spcPts val="500"/>
-              </a:spcBef>
-              <a:buClr>
-                <a:schemeClr val="accent2"/>
-              </a:buClr>
-              <a:buFont typeface="Wingdings 2" panose="05020102010507070707" pitchFamily="18" charset="2"/>
-              <a:buChar char=""/>
-              <a:defRPr sz="1600" kern="1200">
-                <a:solidFill>
-                  <a:schemeClr val="tx2"/>
-                </a:solidFill>
-                <a:latin typeface="+mn-lt"/>
-                <a:ea typeface="+mn-ea"/>
-                <a:cs typeface="+mn-cs"/>
-              </a:defRPr>
-            </a:lvl4pPr>
-            <a:lvl5pPr marL="2057400" indent="-228600" algn="l" defTabSz="914400" rtl="0" eaLnBrk="1" latinLnBrk="0" hangingPunct="1">
-              <a:lnSpc>
-                <a:spcPct val="100000"/>
-              </a:lnSpc>
-              <a:spcBef>
-                <a:spcPts val="500"/>
-              </a:spcBef>
-              <a:buClr>
-                <a:schemeClr val="accent2"/>
-              </a:buClr>
-              <a:buFont typeface="Wingdings 2" panose="05020102010507070707" pitchFamily="18" charset="2"/>
-              <a:buChar char=""/>
-              <a:defRPr sz="1400" kern="1200">
-                <a:solidFill>
-                  <a:schemeClr val="tx2"/>
-                </a:solidFill>
-                <a:latin typeface="+mn-lt"/>
-                <a:ea typeface="+mn-ea"/>
-                <a:cs typeface="+mn-cs"/>
-              </a:defRPr>
-            </a:lvl5pPr>
-            <a:lvl6pPr marL="2514600" indent="-228600" algn="l" defTabSz="914400" rtl="0" eaLnBrk="1" latinLnBrk="0" hangingPunct="1">
-              <a:lnSpc>
-                <a:spcPct val="90000"/>
-              </a:lnSpc>
-              <a:spcBef>
-                <a:spcPts val="500"/>
-              </a:spcBef>
-              <a:buFont typeface="Arial" panose="020B0604020202020204" pitchFamily="34" charset="0"/>
-              <a:buChar char="•"/>
-              <a:defRPr sz="1800" kern="1200">
-                <a:solidFill>
-                  <a:schemeClr val="tx1"/>
-                </a:solidFill>
-                <a:latin typeface="+mn-lt"/>
-                <a:ea typeface="+mn-ea"/>
-                <a:cs typeface="+mn-cs"/>
-              </a:defRPr>
-            </a:lvl6pPr>
-            <a:lvl7pPr marL="2971800" indent="-228600" algn="l" defTabSz="914400" rtl="0" eaLnBrk="1" latinLnBrk="0" hangingPunct="1">
-              <a:lnSpc>
-                <a:spcPct val="90000"/>
-              </a:lnSpc>
-              <a:spcBef>
-                <a:spcPts val="500"/>
-              </a:spcBef>
-              <a:buFont typeface="Arial" panose="020B0604020202020204" pitchFamily="34" charset="0"/>
-              <a:buChar char="•"/>
-              <a:defRPr sz="1800" kern="1200">
-                <a:solidFill>
-                  <a:schemeClr val="tx1"/>
-                </a:solidFill>
-                <a:latin typeface="+mn-lt"/>
-                <a:ea typeface="+mn-ea"/>
-                <a:cs typeface="+mn-cs"/>
-              </a:defRPr>
-            </a:lvl7pPr>
-            <a:lvl8pPr marL="3429000" indent="-228600" algn="l" defTabSz="914400" rtl="0" eaLnBrk="1" latinLnBrk="0" hangingPunct="1">
-              <a:lnSpc>
-                <a:spcPct val="90000"/>
-              </a:lnSpc>
-              <a:spcBef>
-                <a:spcPts val="500"/>
-              </a:spcBef>
-              <a:buFont typeface="Arial" panose="020B0604020202020204" pitchFamily="34" charset="0"/>
-              <a:buChar char="•"/>
-              <a:defRPr sz="1800" kern="1200">
-                <a:solidFill>
-                  <a:schemeClr val="tx1"/>
-                </a:solidFill>
-                <a:latin typeface="+mn-lt"/>
-                <a:ea typeface="+mn-ea"/>
-                <a:cs typeface="+mn-cs"/>
-              </a:defRPr>
-            </a:lvl8pPr>
-            <a:lvl9pPr marL="3886200" indent="-228600" algn="l" defTabSz="914400" rtl="0" eaLnBrk="1" latinLnBrk="0" hangingPunct="1">
-              <a:lnSpc>
-                <a:spcPct val="90000"/>
-              </a:lnSpc>
-              <a:spcBef>
-                <a:spcPts val="500"/>
-              </a:spcBef>
-              <a:buFont typeface="Arial" panose="020B0604020202020204" pitchFamily="34" charset="0"/>
-              <a:buChar char="•"/>
-              <a:defRPr sz="1800" kern="1200">
-                <a:solidFill>
-                  <a:schemeClr val="tx1"/>
-                </a:solidFill>
-                <a:latin typeface="+mn-lt"/>
-                <a:ea typeface="+mn-ea"/>
-                <a:cs typeface="+mn-cs"/>
-              </a:defRPr>
-            </a:lvl9pPr>
-          </a:lstStyle>
-          <a:p>
-            <a:endParaRPr lang="tr-TR" sz="4000" dirty="0"/>
-          </a:p>
-          <a:p>
-            <a:endParaRPr lang="en-TR" sz="4000" dirty="0">
-              <a:solidFill>
-                <a:srgbClr val="C00000"/>
-              </a:solidFill>
-            </a:endParaRPr>
+          <a:lstStyle/>
+          <a:p>
+            <a:endParaRPr lang="en-TR"/>
           </a:p>
         </p:txBody>
       </p:sp>
       <p:pic>
         <p:nvPicPr>
-          <p:cNvPr id="5122" name="Picture 2" descr="Press kit | GitLab">
-            <a:extLst>
-              <a:ext uri="{FF2B5EF4-FFF2-40B4-BE49-F238E27FC236}">
-                <a16:creationId xmlns:a16="http://schemas.microsoft.com/office/drawing/2014/main" id="{CFDB47D3-42FB-5C49-F4F1-AA2B862FD0BB}"/>
+          <p:cNvPr id="3084" name="Picture 12" descr="Jual Logo Apple untuk Macbook - 3M Clear Matte - Jakarta Barat -  Warungkomplit | Tokopedia">
+            <a:extLst>
+              <a:ext uri="{FF2B5EF4-FFF2-40B4-BE49-F238E27FC236}">
+                <a16:creationId xmlns:a16="http://schemas.microsoft.com/office/drawing/2014/main" id="{497C0734-5E5D-8A6B-973B-B29828F15BA3}"/>
               </a:ext>
             </a:extLst>
           </p:cNvPr>
@@ -11764,7 +11560,7 @@
           <p:nvPr/>
         </p:nvPicPr>
         <p:blipFill>
-          <a:blip r:embed="rId3">
+          <a:blip r:embed="rId4">
             <a:extLst>
               <a:ext uri="{28A0092B-C50C-407E-A947-70E740481C1C}">
                 <a14:useLocalDpi xmlns:a14="http://schemas.microsoft.com/office/drawing/2010/main" val="0"/>
@@ -11778,8 +11574,8 @@
         </p:blipFill>
         <p:spPr bwMode="auto">
           <a:xfrm>
-            <a:off x="7304776" y="1988070"/>
-            <a:ext cx="3917283" cy="856730"/>
+            <a:off x="8572443" y="1135154"/>
+            <a:ext cx="1739714" cy="1737302"/>
           </a:xfrm>
           <a:prstGeom prst="rect">
             <a:avLst/>
@@ -11798,10 +11594,10 @@
       </p:pic>
       <p:pic>
         <p:nvPicPr>
-          <p:cNvPr id="5124" name="Picture 4" descr="Download Bitbucket Logo in SVG Vector or PNG File Format ...">
-            <a:extLst>
-              <a:ext uri="{FF2B5EF4-FFF2-40B4-BE49-F238E27FC236}">
-                <a16:creationId xmlns:a16="http://schemas.microsoft.com/office/drawing/2014/main" id="{829E67F4-7F80-8B9C-5528-5E2D2B816F46}"/>
+          <p:cNvPr id="3086" name="Picture 14">
+            <a:extLst>
+              <a:ext uri="{FF2B5EF4-FFF2-40B4-BE49-F238E27FC236}">
+                <a16:creationId xmlns:a16="http://schemas.microsoft.com/office/drawing/2014/main" id="{FE57CFA2-CB30-CC3E-1B59-27D2846F5EFA}"/>
               </a:ext>
             </a:extLst>
           </p:cNvPr>
@@ -11811,7 +11607,7 @@
           <p:nvPr/>
         </p:nvPicPr>
         <p:blipFill>
-          <a:blip r:embed="rId4">
+          <a:blip r:embed="rId5">
             <a:extLst>
               <a:ext uri="{28A0092B-C50C-407E-A947-70E740481C1C}">
                 <a14:useLocalDpi xmlns:a14="http://schemas.microsoft.com/office/drawing/2010/main" val="0"/>
@@ -11825,8 +11621,8 @@
         </p:blipFill>
         <p:spPr bwMode="auto">
           <a:xfrm>
-            <a:off x="969941" y="2165858"/>
-            <a:ext cx="6210300" cy="4140200"/>
+            <a:off x="1821632" y="1370963"/>
+            <a:ext cx="1621026" cy="1621026"/>
           </a:xfrm>
           <a:prstGeom prst="rect">
             <a:avLst/>
@@ -11843,10 +11639,113 @@
           </a:extLst>
         </p:spPr>
       </p:pic>
+      <p:sp>
+        <p:nvSpPr>
+          <p:cNvPr id="10" name="TextBox 9">
+            <a:extLst>
+              <a:ext uri="{FF2B5EF4-FFF2-40B4-BE49-F238E27FC236}">
+                <a16:creationId xmlns:a16="http://schemas.microsoft.com/office/drawing/2014/main" id="{B8ADBFB7-3E23-29E9-F6AA-902B5705C408}"/>
+              </a:ext>
+            </a:extLst>
+          </p:cNvPr>
+          <p:cNvSpPr txBox="1"/>
+          <p:nvPr/>
+        </p:nvSpPr>
+        <p:spPr>
+          <a:xfrm>
+            <a:off x="2647041" y="2684214"/>
+            <a:ext cx="6897917" cy="1446550"/>
+          </a:xfrm>
+          <a:prstGeom prst="rect">
+            <a:avLst/>
+          </a:prstGeom>
+          <a:noFill/>
+        </p:spPr>
+        <p:txBody>
+          <a:bodyPr wrap="square" rtlCol="0">
+            <a:spAutoFit/>
+          </a:bodyPr>
+          <a:lstStyle/>
+          <a:p>
+            <a:pPr algn="ctr"/>
+            <a:r>
+              <a:rPr lang="en-US" sz="4400" b="1" dirty="0">
+                <a:solidFill>
+                  <a:srgbClr val="C00000"/>
+                </a:solidFill>
+              </a:rPr>
+              <a:t>Kurulum Linki</a:t>
+            </a:r>
+          </a:p>
+          <a:p>
+            <a:pPr algn="ctr"/>
+            <a:r>
+              <a:rPr lang="en-US" sz="4400" b="1" dirty="0">
+                <a:solidFill>
+                  <a:schemeClr val="tx2"/>
+                </a:solidFill>
+              </a:rPr>
+              <a:t>https://desktop.github.com/</a:t>
+            </a:r>
+            <a:endParaRPr lang="en-TR" sz="4400" b="1" dirty="0">
+              <a:solidFill>
+                <a:schemeClr val="tx2"/>
+              </a:solidFill>
+            </a:endParaRPr>
+          </a:p>
+        </p:txBody>
+      </p:sp>
+      <p:pic>
+        <p:nvPicPr>
+          <p:cNvPr id="8194" name="Picture 2">
+            <a:extLst>
+              <a:ext uri="{FF2B5EF4-FFF2-40B4-BE49-F238E27FC236}">
+                <a16:creationId xmlns:a16="http://schemas.microsoft.com/office/drawing/2014/main" id="{C91F425D-B901-2E39-B4C7-3DF6745FA3E8}"/>
+              </a:ext>
+            </a:extLst>
+          </p:cNvPr>
+          <p:cNvPicPr>
+            <a:picLocks noChangeAspect="1" noChangeArrowheads="1"/>
+          </p:cNvPicPr>
+          <p:nvPr/>
+        </p:nvPicPr>
+        <p:blipFill>
+          <a:blip r:embed="rId6">
+            <a:extLst>
+              <a:ext uri="{28A0092B-C50C-407E-A947-70E740481C1C}">
+                <a14:useLocalDpi xmlns:a14="http://schemas.microsoft.com/office/drawing/2010/main" val="0"/>
+              </a:ext>
+            </a:extLst>
+          </a:blip>
+          <a:srcRect/>
+          <a:stretch>
+            <a:fillRect/>
+          </a:stretch>
+        </p:blipFill>
+        <p:spPr bwMode="auto">
+          <a:xfrm>
+            <a:off x="5180975" y="4056865"/>
+            <a:ext cx="2134850" cy="2134850"/>
+          </a:xfrm>
+          <a:prstGeom prst="rect">
+            <a:avLst/>
+          </a:prstGeom>
+          <a:noFill/>
+          <a:extLst>
+            <a:ext uri="{909E8E84-426E-40DD-AFC4-6F175D3DCCD1}">
+              <a14:hiddenFill xmlns:a14="http://schemas.microsoft.com/office/drawing/2010/main">
+                <a:solidFill>
+                  <a:srgbClr val="FFFFFF"/>
+                </a:solidFill>
+              </a14:hiddenFill>
+            </a:ext>
+          </a:extLst>
+        </p:spPr>
+      </p:pic>
     </p:spTree>
     <p:extLst>
       <p:ext uri="{BB962C8B-B14F-4D97-AF65-F5344CB8AC3E}">
-        <p14:creationId xmlns:p14="http://schemas.microsoft.com/office/powerpoint/2010/main" val="1520413502"/>
+        <p14:creationId xmlns:p14="http://schemas.microsoft.com/office/powerpoint/2010/main" val="3581937710"/>
       </p:ext>
     </p:extLst>
   </p:cSld>
@@ -11891,30 +11790,12 @@
         </p:nvSpPr>
         <p:spPr/>
         <p:txBody>
-          <a:bodyPr>
-            <a:normAutofit fontScale="90000"/>
-          </a:bodyPr>
+          <a:bodyPr/>
           <a:lstStyle/>
           <a:p>
             <a:r>
-              <a:rPr lang="en-US" b="1" dirty="0"/>
-              <a:t>Temel Git ve GitHub </a:t>
-            </a:r>
-            <a:r>
-              <a:rPr lang="en-US" b="1" dirty="0" err="1"/>
-              <a:t>terimleri</a:t>
-            </a:r>
-            <a:r>
-              <a:rPr lang="en-US" b="1" dirty="0"/>
-              <a:t> ve </a:t>
-            </a:r>
-            <a:r>
-              <a:rPr lang="en-US" b="1" dirty="0" err="1"/>
-              <a:t>kavramları</a:t>
-            </a:r>
-            <a:r>
-              <a:rPr lang="en-US" b="1" dirty="0"/>
-              <a:t> nelerdir?</a:t>
+              <a:rPr lang="en-TR" b="1" dirty="0"/>
+              <a:t>Github Readme.md Dosyası Oluşturma</a:t>
             </a:r>
           </a:p>
         </p:txBody>
@@ -11967,273 +11848,80 @@
           </a:extLst>
         </p:spPr>
       </p:pic>
-      <p:sp>
-        <p:nvSpPr>
-          <p:cNvPr id="3" name="Content Placeholder 2">
-            <a:extLst>
-              <a:ext uri="{FF2B5EF4-FFF2-40B4-BE49-F238E27FC236}">
-                <a16:creationId xmlns:a16="http://schemas.microsoft.com/office/drawing/2014/main" id="{3BC2725C-CB06-63E9-488B-11108EB6647E}"/>
-              </a:ext>
-            </a:extLst>
-          </p:cNvPr>
-          <p:cNvSpPr>
-            <a:spLocks noGrp="1"/>
-          </p:cNvSpPr>
-          <p:nvPr>
-            <p:ph idx="1"/>
-          </p:nvPr>
-        </p:nvSpPr>
-        <p:spPr/>
-        <p:txBody>
-          <a:bodyPr>
-            <a:normAutofit fontScale="25000" lnSpcReduction="20000"/>
+      <p:pic>
+        <p:nvPicPr>
+          <p:cNvPr id="7" name="Picture 6">
+            <a:extLst>
+              <a:ext uri="{FF2B5EF4-FFF2-40B4-BE49-F238E27FC236}">
+                <a16:creationId xmlns:a16="http://schemas.microsoft.com/office/drawing/2014/main" id="{AAA663EE-7C19-8F0C-77D7-860D6515192A}"/>
+              </a:ext>
+            </a:extLst>
+          </p:cNvPr>
+          <p:cNvPicPr>
+            <a:picLocks noChangeAspect="1"/>
+          </p:cNvPicPr>
+          <p:nvPr/>
+        </p:nvPicPr>
+        <p:blipFill>
+          <a:blip r:embed="rId3"/>
+          <a:stretch>
+            <a:fillRect/>
+          </a:stretch>
+        </p:blipFill>
+        <p:spPr>
+          <a:xfrm>
+            <a:off x="3697289" y="2275463"/>
+            <a:ext cx="4797422" cy="3612177"/>
+          </a:xfrm>
+          <a:prstGeom prst="rect">
+            <a:avLst/>
+          </a:prstGeom>
+        </p:spPr>
+      </p:pic>
+      <p:sp>
+        <p:nvSpPr>
+          <p:cNvPr id="8" name="TextBox 7">
+            <a:extLst>
+              <a:ext uri="{FF2B5EF4-FFF2-40B4-BE49-F238E27FC236}">
+                <a16:creationId xmlns:a16="http://schemas.microsoft.com/office/drawing/2014/main" id="{86E26375-159F-ECAB-C09F-F835A009342B}"/>
+              </a:ext>
+            </a:extLst>
+          </p:cNvPr>
+          <p:cNvSpPr txBox="1"/>
+          <p:nvPr/>
+        </p:nvSpPr>
+        <p:spPr>
+          <a:xfrm>
+            <a:off x="4107592" y="1690688"/>
+            <a:ext cx="3686175" cy="584775"/>
+          </a:xfrm>
+          <a:prstGeom prst="rect">
+            <a:avLst/>
+          </a:prstGeom>
+          <a:noFill/>
+        </p:spPr>
+        <p:txBody>
+          <a:bodyPr wrap="square" rtlCol="0">
+            <a:spAutoFit/>
           </a:bodyPr>
           <a:lstStyle/>
           <a:p>
-            <a:r>
-              <a:rPr lang="tr-TR" sz="4000" dirty="0"/>
-              <a:t>Git ve GitHub kullanırken karşılaşabileceğiniz temel terimler ve kavramlar şunlardır:</a:t>
-            </a:r>
-          </a:p>
-          <a:p>
-            <a:r>
-              <a:rPr lang="tr-TR" sz="4000" dirty="0"/>
-              <a:t>**Git Terimleri:**</a:t>
-            </a:r>
-          </a:p>
-          <a:p>
-            <a:r>
-              <a:rPr lang="tr-TR" sz="4000" dirty="0"/>
-              <a:t>1. **Repository (Depo):** Git tarafından yönetilen projenin tüm dosyalarının ve geçmişinin depolandığı yerdir.</a:t>
-            </a:r>
-          </a:p>
-          <a:p>
-            <a:r>
-              <a:rPr lang="tr-TR" sz="4000" dirty="0"/>
-              <a:t>2. **</a:t>
-            </a:r>
-            <a:r>
-              <a:rPr lang="tr-TR" sz="4000" dirty="0" err="1"/>
-              <a:t>Commit</a:t>
-            </a:r>
-            <a:r>
-              <a:rPr lang="tr-TR" sz="4000" dirty="0"/>
-              <a:t>:** Değişikliklerin projeye eklenmesi ve kaydedilmesi işlemidir. Bir </a:t>
-            </a:r>
-            <a:r>
-              <a:rPr lang="tr-TR" sz="4000" dirty="0" err="1"/>
-              <a:t>commit</a:t>
-            </a:r>
-            <a:r>
-              <a:rPr lang="tr-TR" sz="4000" dirty="0"/>
-              <a:t>, projedeki belirli bir durumu temsil eder.</a:t>
-            </a:r>
-          </a:p>
-          <a:p>
-            <a:r>
-              <a:rPr lang="tr-TR" sz="4000" dirty="0"/>
-              <a:t>3. **</a:t>
-            </a:r>
-            <a:r>
-              <a:rPr lang="tr-TR" sz="4000" dirty="0" err="1"/>
-              <a:t>Branch</a:t>
-            </a:r>
-            <a:r>
-              <a:rPr lang="tr-TR" sz="4000" dirty="0"/>
-              <a:t> (Dal):** Ana projeden ayrılan ve kendi bağımsız değişikliklerin yapıldığı bir çalışma alanıdır. Projeyi farklı yönlere geliştirmek için dallar kullanılır.</a:t>
-            </a:r>
-          </a:p>
-          <a:p>
-            <a:r>
-              <a:rPr lang="tr-TR" sz="4000" dirty="0"/>
-              <a:t>4. **</a:t>
-            </a:r>
-            <a:r>
-              <a:rPr lang="tr-TR" sz="4000" dirty="0" err="1"/>
-              <a:t>Merge</a:t>
-            </a:r>
-            <a:r>
-              <a:rPr lang="tr-TR" sz="4000" dirty="0"/>
-              <a:t>:** Farklı dallardaki değişikliklerin birleştirilerek ana dala uygulanması işlemidir.</a:t>
-            </a:r>
-          </a:p>
-          <a:p>
-            <a:r>
-              <a:rPr lang="tr-TR" sz="4000" dirty="0"/>
-              <a:t>5. **Pull:** Uzaktaki bir depodan en son değişiklikleri almak için kullanılan bir işlemdir. Yerel depodaki değişikliklerle uzaktaki değişiklikler birleştirilir.</a:t>
-            </a:r>
-          </a:p>
-          <a:p>
-            <a:r>
-              <a:rPr lang="tr-TR" sz="4000" dirty="0"/>
-              <a:t>6. **</a:t>
-            </a:r>
-            <a:r>
-              <a:rPr lang="tr-TR" sz="4000" dirty="0" err="1"/>
-              <a:t>Push</a:t>
-            </a:r>
-            <a:r>
-              <a:rPr lang="tr-TR" sz="4000" dirty="0"/>
-              <a:t>:** Yerel depodaki değişikliklerin uzaktaki bir depoya gönderilmesi işlemidir.</a:t>
-            </a:r>
-          </a:p>
-          <a:p>
-            <a:r>
-              <a:rPr lang="tr-TR" sz="4000" dirty="0"/>
-              <a:t>7. **</a:t>
-            </a:r>
-            <a:r>
-              <a:rPr lang="tr-TR" sz="4000" dirty="0" err="1"/>
-              <a:t>Fetch</a:t>
-            </a:r>
-            <a:r>
-              <a:rPr lang="tr-TR" sz="4000" dirty="0"/>
-              <a:t>:** Uzaktaki depodaki en son değişiklikleri yerel depoya getirmek için kullanılan bir işlemdir. Ancak, yerel değişikliklerle birleştirme yapmaz.</a:t>
-            </a:r>
-          </a:p>
-          <a:p>
-            <a:r>
-              <a:rPr lang="tr-TR" sz="4000" dirty="0"/>
-              <a:t>8. **Pull </a:t>
-            </a:r>
-            <a:r>
-              <a:rPr lang="tr-TR" sz="4000" dirty="0" err="1"/>
-              <a:t>Request</a:t>
-            </a:r>
-            <a:r>
-              <a:rPr lang="tr-TR" sz="4000" dirty="0"/>
-              <a:t>:** Yapılan değişikliklerin projenin ana dalına birleştirilmesi için diğer geliştiricilerin incelemesini ve onayını talep etmek için kullanılan bir mekanizmadır.</a:t>
-            </a:r>
-          </a:p>
-          <a:p>
-            <a:r>
-              <a:rPr lang="tr-TR" sz="4000" dirty="0"/>
-              <a:t>**GitHub Terimleri:**</a:t>
-            </a:r>
-          </a:p>
-          <a:p>
-            <a:r>
-              <a:rPr lang="tr-TR" sz="4000" dirty="0"/>
-              <a:t>1. **Repository (Depo):** GitHub üzerindeki projenin depolandığı yerdir. Git deposunun bulut tabanlı bir kopyasıdır.</a:t>
-            </a:r>
-          </a:p>
-          <a:p>
-            <a:r>
-              <a:rPr lang="tr-TR" sz="4000" dirty="0"/>
-              <a:t>2. **</a:t>
-            </a:r>
-            <a:r>
-              <a:rPr lang="tr-TR" sz="4000" dirty="0" err="1"/>
-              <a:t>Fork</a:t>
-            </a:r>
-            <a:r>
-              <a:rPr lang="tr-TR" sz="4000" dirty="0"/>
-              <a:t>:** Bir depoyu kendi GitHub hesabınıza kopyalamak ve üzerinde değişiklik yapabilmek için kullanılan bir işlemdir.</a:t>
-            </a:r>
-          </a:p>
-          <a:p>
-            <a:r>
-              <a:rPr lang="tr-TR" sz="4000" dirty="0"/>
-              <a:t>3. **</a:t>
-            </a:r>
-            <a:r>
-              <a:rPr lang="tr-TR" sz="4000" dirty="0" err="1"/>
-              <a:t>Issue</a:t>
-            </a:r>
-            <a:r>
-              <a:rPr lang="tr-TR" sz="4000" dirty="0"/>
-              <a:t>:** Bir projede düzeltilmesi gereken hataları, önerileri veya geliştirmeleri takip etmek için kullanılan bir özelliktir.</a:t>
-            </a:r>
-          </a:p>
-          <a:p>
-            <a:r>
-              <a:rPr lang="tr-TR" sz="4000" dirty="0"/>
-              <a:t>4. **Pull </a:t>
-            </a:r>
-            <a:r>
-              <a:rPr lang="tr-TR" sz="4000" dirty="0" err="1"/>
-              <a:t>Request</a:t>
-            </a:r>
-            <a:r>
-              <a:rPr lang="tr-TR" sz="4000" dirty="0"/>
-              <a:t>:** Yaptığınız değişiklikleri orijinal projeye birleştirmek için talepte bulunduğunuz mekanizmadır. Diğer geliştiricilerin incelemesi ve onayı gerekebilir.</a:t>
-            </a:r>
-          </a:p>
-          <a:p>
-            <a:r>
-              <a:rPr lang="tr-TR" sz="4000" dirty="0"/>
-              <a:t>5. **</a:t>
-            </a:r>
-            <a:r>
-              <a:rPr lang="tr-TR" sz="4000" dirty="0" err="1"/>
-              <a:t>Merge</a:t>
-            </a:r>
-            <a:r>
-              <a:rPr lang="tr-TR" sz="4000" dirty="0"/>
-              <a:t> </a:t>
-            </a:r>
-            <a:r>
-              <a:rPr lang="tr-TR" sz="4000" dirty="0" err="1"/>
-              <a:t>Conflict</a:t>
-            </a:r>
-            <a:r>
-              <a:rPr lang="tr-TR" sz="4000" dirty="0"/>
-              <a:t>:** Farklı dallardaki değişikliklerin birleştirilirken çakışma yaşanması durumudur. Manuel olarak çözülmesi gereken bir durumdur.</a:t>
-            </a:r>
-          </a:p>
-          <a:p>
-            <a:r>
-              <a:rPr lang="tr-TR" sz="4000" dirty="0"/>
-              <a:t>6. **Repository </a:t>
-            </a:r>
-            <a:r>
-              <a:rPr lang="tr-TR" sz="4000" dirty="0" err="1"/>
-              <a:t>Owner</a:t>
-            </a:r>
-            <a:r>
-              <a:rPr lang="tr-TR" sz="4000" dirty="0"/>
-              <a:t>:** Bir depoya sahip olan kişidir. Orijinal depoyu oluşturan ve yöneten kişidir.</a:t>
-            </a:r>
-          </a:p>
-          <a:p>
-            <a:r>
-              <a:rPr lang="tr-TR" sz="4000" dirty="0"/>
-              <a:t>7. **</a:t>
-            </a:r>
-            <a:r>
-              <a:rPr lang="tr-TR" sz="4000" dirty="0" err="1"/>
-              <a:t>Collaborator</a:t>
-            </a:r>
-            <a:r>
-              <a:rPr lang="tr-TR" sz="4000" dirty="0"/>
-              <a:t> (İşbirlikçi):** Bir depoya katkıda bulunma izni olan diğer kullanıcılardır. Proje üzerinde değişiklik yapabilir ve pull </a:t>
-            </a:r>
-            <a:r>
-              <a:rPr lang="tr-TR" sz="4000" dirty="0" err="1"/>
-              <a:t>request</a:t>
-            </a:r>
-            <a:r>
-              <a:rPr lang="tr-TR" sz="4000" dirty="0"/>
-              <a:t> oluşturabilirler.</a:t>
-            </a:r>
-          </a:p>
-          <a:p>
-            <a:r>
-              <a:rPr lang="tr-TR" sz="4000" dirty="0"/>
-              <a:t>Bu terimler, Git ve GitHub kullanımında sık sık karşılaşacağınız temel kavramları temsil etmektedir. Daha fazla terim ve detaylı açıklamalar için ilgili dokümantasyonları ve kaynakları inceleyebilirsiniz.</a:t>
-            </a:r>
-            <a:endParaRPr lang="en-TR" sz="4000" dirty="0">
-              <a:solidFill>
-                <a:srgbClr val="C00000"/>
-              </a:solidFill>
-            </a:endParaRPr>
+            <a:pPr algn="ctr"/>
+            <a:r>
+              <a:rPr lang="tr-TR" sz="3200" b="1" dirty="0">
+                <a:solidFill>
+                  <a:srgbClr val="C00000"/>
+                </a:solidFill>
+              </a:rPr>
+              <a:t>Readme Generator</a:t>
+            </a:r>
           </a:p>
         </p:txBody>
       </p:sp>
     </p:spTree>
     <p:extLst>
       <p:ext uri="{BB962C8B-B14F-4D97-AF65-F5344CB8AC3E}">
-        <p14:creationId xmlns:p14="http://schemas.microsoft.com/office/powerpoint/2010/main" val="148915379"/>
+        <p14:creationId xmlns:p14="http://schemas.microsoft.com/office/powerpoint/2010/main" val="237697515"/>
       </p:ext>
     </p:extLst>
   </p:cSld>
@@ -12260,48 +11948,6 @@
           <a:chExt cx="0" cy="0"/>
         </a:xfrm>
       </p:grpSpPr>
-      <p:sp>
-        <p:nvSpPr>
-          <p:cNvPr id="2" name="Title 1">
-            <a:extLst>
-              <a:ext uri="{FF2B5EF4-FFF2-40B4-BE49-F238E27FC236}">
-                <a16:creationId xmlns:a16="http://schemas.microsoft.com/office/drawing/2014/main" id="{6B7DCCED-E2F4-5AF6-37CF-35D1887C6475}"/>
-              </a:ext>
-            </a:extLst>
-          </p:cNvPr>
-          <p:cNvSpPr>
-            <a:spLocks noGrp="1"/>
-          </p:cNvSpPr>
-          <p:nvPr>
-            <p:ph type="title"/>
-          </p:nvPr>
-        </p:nvSpPr>
-        <p:spPr/>
-        <p:txBody>
-          <a:bodyPr>
-            <a:normAutofit/>
-          </a:bodyPr>
-          <a:lstStyle/>
-          <a:p>
-            <a:r>
-              <a:rPr lang="en-US" b="1" dirty="0" err="1"/>
-              <a:t>Git'in</a:t>
-            </a:r>
-            <a:r>
-              <a:rPr lang="en-US" b="1" dirty="0"/>
-              <a:t> temel çalışma </a:t>
-            </a:r>
-            <a:r>
-              <a:rPr lang="en-US" b="1" dirty="0" err="1"/>
-              <a:t>mantığı</a:t>
-            </a:r>
-            <a:r>
-              <a:rPr lang="en-US" b="1" dirty="0"/>
-              <a:t> nedir?</a:t>
-            </a:r>
-          </a:p>
-        </p:txBody>
-      </p:sp>
       <p:pic>
         <p:nvPicPr>
           <p:cNvPr id="4" name="Picture 4" descr="Techpro Education | Online It Courses &amp; Bootcamps">
@@ -12352,10 +11998,10 @@
       </p:pic>
       <p:sp>
         <p:nvSpPr>
-          <p:cNvPr id="3" name="Content Placeholder 2">
-            <a:extLst>
-              <a:ext uri="{FF2B5EF4-FFF2-40B4-BE49-F238E27FC236}">
-                <a16:creationId xmlns:a16="http://schemas.microsoft.com/office/drawing/2014/main" id="{3BC2725C-CB06-63E9-488B-11108EB6647E}"/>
+          <p:cNvPr id="3" name="Title 1">
+            <a:extLst>
+              <a:ext uri="{FF2B5EF4-FFF2-40B4-BE49-F238E27FC236}">
+                <a16:creationId xmlns:a16="http://schemas.microsoft.com/office/drawing/2014/main" id="{87B6C64E-0795-6DBE-C426-84C825AB1E29}"/>
               </a:ext>
             </a:extLst>
           </p:cNvPr>
@@ -12363,195 +12009,86 @@
             <a:spLocks noGrp="1"/>
           </p:cNvSpPr>
           <p:nvPr>
+            <p:ph type="title"/>
+          </p:nvPr>
+        </p:nvSpPr>
+        <p:spPr>
+          <a:xfrm>
+            <a:off x="420624" y="365125"/>
+            <a:ext cx="10543032" cy="1325563"/>
+          </a:xfrm>
+        </p:spPr>
+        <p:txBody>
+          <a:bodyPr/>
+          <a:lstStyle/>
+          <a:p>
+            <a:r>
+              <a:rPr lang="en-TR" b="1" dirty="0"/>
+              <a:t>Github Yararlı Linkler</a:t>
+            </a:r>
+          </a:p>
+        </p:txBody>
+      </p:sp>
+      <p:sp>
+        <p:nvSpPr>
+          <p:cNvPr id="5" name="Content Placeholder 2">
+            <a:extLst>
+              <a:ext uri="{FF2B5EF4-FFF2-40B4-BE49-F238E27FC236}">
+                <a16:creationId xmlns:a16="http://schemas.microsoft.com/office/drawing/2014/main" id="{AD4D72CB-A20C-6D7D-55C4-D224825053B4}"/>
+              </a:ext>
+            </a:extLst>
+          </p:cNvPr>
+          <p:cNvSpPr>
+            <a:spLocks noGrp="1"/>
+          </p:cNvSpPr>
+          <p:nvPr>
             <p:ph idx="1"/>
           </p:nvPr>
         </p:nvSpPr>
-        <p:spPr/>
+        <p:spPr>
+          <a:xfrm>
+            <a:off x="420625" y="1825625"/>
+            <a:ext cx="10543031" cy="4206383"/>
+          </a:xfrm>
+        </p:spPr>
         <p:txBody>
           <a:bodyPr>
-            <a:normAutofit fontScale="32500" lnSpcReduction="20000"/>
+            <a:normAutofit/>
           </a:bodyPr>
           <a:lstStyle/>
           <a:p>
             <a:r>
-              <a:rPr lang="tr-TR" sz="4000" dirty="0" err="1"/>
-              <a:t>Git'in</a:t>
-            </a:r>
-            <a:r>
-              <a:rPr lang="tr-TR" sz="4000" dirty="0"/>
-              <a:t> temel çalışma mantığı, dağıtık bir sürüm kontrol sistemi olarak kodun yönetimini ve takibini sağlamaktır. İşte </a:t>
-            </a:r>
-            <a:r>
-              <a:rPr lang="tr-TR" sz="4000" dirty="0" err="1"/>
-              <a:t>Git'in</a:t>
-            </a:r>
-            <a:r>
-              <a:rPr lang="tr-TR" sz="4000" dirty="0"/>
-              <a:t> temel çalışma mantığı:</a:t>
-            </a:r>
-          </a:p>
-          <a:p>
-            <a:r>
-              <a:rPr lang="tr-TR" sz="4000" dirty="0"/>
-              <a:t>1. **Depo (Repository):** Git, projenin tüm dosyalarının ve geçmişinin saklandığı bir depo oluşturur. Bu depo, projenin tüm sürümlerini ve değişikliklerini içerir.</a:t>
-            </a:r>
-          </a:p>
-          <a:p>
-            <a:r>
-              <a:rPr lang="tr-TR" sz="4000" dirty="0"/>
-              <a:t>2. **İş İstasyonu (</a:t>
-            </a:r>
-            <a:r>
-              <a:rPr lang="tr-TR" sz="4000" dirty="0" err="1"/>
-              <a:t>Working</a:t>
-            </a:r>
-            <a:r>
-              <a:rPr lang="tr-TR" sz="4000" dirty="0"/>
-              <a:t> Directory):** İş istasyonu, projenin yerel bir kopyasını temsil eder. Bu kopyada, projenin mevcut durumu ve dosyaları bulunur.</a:t>
-            </a:r>
-          </a:p>
-          <a:p>
-            <a:r>
-              <a:rPr lang="tr-TR" sz="4000" dirty="0"/>
-              <a:t>3. **Index (</a:t>
-            </a:r>
-            <a:r>
-              <a:rPr lang="tr-TR" sz="4000" dirty="0" err="1"/>
-              <a:t>Staging</a:t>
-            </a:r>
-            <a:r>
-              <a:rPr lang="tr-TR" sz="4000" dirty="0"/>
-              <a:t> </a:t>
-            </a:r>
-            <a:r>
-              <a:rPr lang="tr-TR" sz="4000" dirty="0" err="1"/>
-              <a:t>Area</a:t>
-            </a:r>
-            <a:r>
-              <a:rPr lang="tr-TR" sz="4000" dirty="0"/>
-              <a:t>):** Index, iş istasyonundaki değişikliklerin geçici olarak saklandığı bir ara alan olarak kullanılır. Burada, yeni veya değiştirilen dosyaların durumu kaydedilir ve bir sonraki </a:t>
-            </a:r>
-            <a:r>
-              <a:rPr lang="tr-TR" sz="4000" dirty="0" err="1"/>
-              <a:t>commit</a:t>
-            </a:r>
-            <a:r>
-              <a:rPr lang="tr-TR" sz="4000" dirty="0"/>
-              <a:t> için hazırlık yapılır.</a:t>
-            </a:r>
-          </a:p>
-          <a:p>
-            <a:r>
-              <a:rPr lang="tr-TR" sz="4000" dirty="0"/>
-              <a:t>4. **</a:t>
-            </a:r>
-            <a:r>
-              <a:rPr lang="tr-TR" sz="4000" dirty="0" err="1"/>
-              <a:t>Commit</a:t>
-            </a:r>
-            <a:r>
-              <a:rPr lang="tr-TR" sz="4000" dirty="0"/>
-              <a:t>:** </a:t>
-            </a:r>
-            <a:r>
-              <a:rPr lang="tr-TR" sz="4000" dirty="0" err="1"/>
-              <a:t>Commit</a:t>
-            </a:r>
-            <a:r>
-              <a:rPr lang="tr-TR" sz="4000" dirty="0"/>
-              <a:t>, projede yapılan değişikliklerin kalıcı olarak kaydedildiği bir işlemdir. </a:t>
-            </a:r>
-            <a:r>
-              <a:rPr lang="tr-TR" sz="4000" dirty="0" err="1"/>
-              <a:t>Commit</a:t>
-            </a:r>
-            <a:r>
-              <a:rPr lang="tr-TR" sz="4000" dirty="0"/>
-              <a:t>, iş istasyonundaki değişiklikleri alır, </a:t>
-            </a:r>
-            <a:r>
-              <a:rPr lang="tr-TR" sz="4000" dirty="0" err="1"/>
-              <a:t>indexe</a:t>
-            </a:r>
-            <a:r>
-              <a:rPr lang="tr-TR" sz="4000" dirty="0"/>
-              <a:t> ekler ve bir kimlik (</a:t>
-            </a:r>
-            <a:r>
-              <a:rPr lang="tr-TR" sz="4000" dirty="0" err="1"/>
-              <a:t>commit</a:t>
-            </a:r>
-            <a:r>
-              <a:rPr lang="tr-TR" sz="4000" dirty="0"/>
-              <a:t> </a:t>
-            </a:r>
-            <a:r>
-              <a:rPr lang="tr-TR" sz="4000" dirty="0" err="1"/>
-              <a:t>hash</a:t>
-            </a:r>
-            <a:r>
-              <a:rPr lang="tr-TR" sz="4000" dirty="0"/>
-              <a:t>) ile birlikte depoya kaydeder. Her </a:t>
-            </a:r>
-            <a:r>
-              <a:rPr lang="tr-TR" sz="4000" dirty="0" err="1"/>
-              <a:t>commit</a:t>
-            </a:r>
-            <a:r>
-              <a:rPr lang="tr-TR" sz="4000" dirty="0"/>
-              <a:t>, projenin belirli bir durumunu temsil eder.</a:t>
-            </a:r>
-          </a:p>
-          <a:p>
-            <a:r>
-              <a:rPr lang="tr-TR" sz="4000" dirty="0"/>
-              <a:t>5. **Dal (</a:t>
-            </a:r>
-            <a:r>
-              <a:rPr lang="tr-TR" sz="4000" dirty="0" err="1"/>
-              <a:t>Branch</a:t>
-            </a:r>
-            <a:r>
-              <a:rPr lang="tr-TR" sz="4000" dirty="0"/>
-              <a:t>):** Dal, projenin bağımsız çalışma alanlarıdır. Ana dal (genellikle "</a:t>
-            </a:r>
-            <a:r>
-              <a:rPr lang="tr-TR" sz="4000" dirty="0" err="1"/>
-              <a:t>master</a:t>
-            </a:r>
-            <a:r>
-              <a:rPr lang="tr-TR" sz="4000" dirty="0"/>
-              <a:t>" veya "main" olarak adlandırılır) projenin ana sürümünü temsil ederken, diğer dallar yeni özelliklerin eklenmesi, hataların düzeltilmesi veya denemelerin yapılması için kullanılır. Bir dal, ana daldan ayrılıp kendi değişikliklerini içerebilir.</a:t>
-            </a:r>
-          </a:p>
-          <a:p>
-            <a:r>
-              <a:rPr lang="tr-TR" sz="4000" dirty="0"/>
-              <a:t>6. **Birleştirme (</a:t>
-            </a:r>
-            <a:r>
-              <a:rPr lang="tr-TR" sz="4000" dirty="0" err="1"/>
-              <a:t>Merge</a:t>
-            </a:r>
-            <a:r>
-              <a:rPr lang="tr-TR" sz="4000" dirty="0"/>
-              <a:t>):** Farklı dallardaki değişikliklerin birleştirilmesi işlemidir. Birleştirme, bir dalın değişikliklerini başka bir dala uygulayarak bu dalları birleştirir. Bu, farklı geliştiricilerin aynı projede çalışırken yaptıkları değişiklikleri birleştirmek için yaygın olarak kullanılır.</a:t>
-            </a:r>
-          </a:p>
-          <a:p>
-            <a:r>
-              <a:rPr lang="tr-TR" sz="4000" dirty="0"/>
-              <a:t>7. **Uzak Depo (Remote Repository):** Uzak depo, projenin merkezi bir kopyasını barındıran ve farklı kullanıcılar arasında işbirliği yapmayı sağlayan bir sunucudur. GitHub gibi hizmetler, projenin uzak depolarını sağlar ve diğer geliştiricilerle paylaşmanızı ve işbirliği yapmanızı kolaylaştırır.</a:t>
-            </a:r>
-          </a:p>
-          <a:p>
-            <a:r>
-              <a:rPr lang="tr-TR" sz="4000" dirty="0" err="1"/>
-              <a:t>Git'in</a:t>
-            </a:r>
-            <a:r>
-              <a:rPr lang="tr-TR" sz="4000" dirty="0"/>
-              <a:t> temel çalışma mantığı, projenin geçmişini takip etmek, değişiklikleri yönetmek ve işbirliği yapmak için esnek bir yapı sunar. Bu şekilde, projenin düzenli ve izlenebilir bir şekilde geliştirilmesi sağlanır.</a:t>
+              <a:rPr lang="tr-TR" sz="4000" dirty="0">
+                <a:solidFill>
+                  <a:srgbClr val="C00000"/>
+                </a:solidFill>
+              </a:rPr>
+              <a:t>Github.com -&gt; Github.dev</a:t>
+            </a:r>
+          </a:p>
+          <a:p>
+            <a:r>
+              <a:rPr lang="tr-TR" sz="4000" dirty="0">
+                <a:solidFill>
+                  <a:srgbClr val="C00000"/>
+                </a:solidFill>
+              </a:rPr>
+              <a:t>Arama çubuğuna </a:t>
+            </a:r>
+            <a:br>
+              <a:rPr lang="tr-TR" sz="4000" dirty="0">
+                <a:solidFill>
+                  <a:srgbClr val="C00000"/>
+                </a:solidFill>
+              </a:rPr>
+            </a:br>
+            <a:r>
+              <a:rPr lang="tr-TR" sz="4000" dirty="0">
+                <a:solidFill>
+                  <a:srgbClr val="C00000"/>
+                </a:solidFill>
+              </a:rPr>
+              <a:t>awesome-cybersecurity | awesome-devops</a:t>
             </a:r>
             <a:endParaRPr lang="en-TR" sz="4000" dirty="0">
               <a:solidFill>
@@ -12561,10 +12098,228 @@
           </a:p>
         </p:txBody>
       </p:sp>
+      <p:sp>
+        <p:nvSpPr>
+          <p:cNvPr id="2" name="Content Placeholder 2">
+            <a:extLst>
+              <a:ext uri="{FF2B5EF4-FFF2-40B4-BE49-F238E27FC236}">
+                <a16:creationId xmlns:a16="http://schemas.microsoft.com/office/drawing/2014/main" id="{05BB9F8A-F0D4-E0C1-63D2-A89CF3C6087E}"/>
+              </a:ext>
+            </a:extLst>
+          </p:cNvPr>
+          <p:cNvSpPr txBox="1">
+            <a:spLocks/>
+          </p:cNvSpPr>
+          <p:nvPr/>
+        </p:nvSpPr>
+        <p:spPr>
+          <a:xfrm>
+            <a:off x="573025" y="1978026"/>
+            <a:ext cx="5933181" cy="2367178"/>
+          </a:xfrm>
+          <a:prstGeom prst="rect">
+            <a:avLst/>
+          </a:prstGeom>
+        </p:spPr>
+        <p:txBody>
+          <a:bodyPr vert="horz" lIns="91440" tIns="45720" rIns="91440" bIns="45720" rtlCol="0">
+            <a:normAutofit/>
+          </a:bodyPr>
+          <a:lstStyle>
+            <a:lvl1pPr marL="228600" indent="-228600" algn="l" defTabSz="914400" rtl="0" eaLnBrk="1" latinLnBrk="0" hangingPunct="1">
+              <a:lnSpc>
+                <a:spcPct val="100000"/>
+              </a:lnSpc>
+              <a:spcBef>
+                <a:spcPts val="1000"/>
+              </a:spcBef>
+              <a:buClr>
+                <a:schemeClr val="accent2"/>
+              </a:buClr>
+              <a:buFont typeface="Wingdings 2" panose="05020102010507070707" pitchFamily="18" charset="2"/>
+              <a:buChar char=""/>
+              <a:defRPr sz="2400" kern="1200">
+                <a:solidFill>
+                  <a:schemeClr val="tx2"/>
+                </a:solidFill>
+                <a:latin typeface="+mn-lt"/>
+                <a:ea typeface="+mn-ea"/>
+                <a:cs typeface="+mn-cs"/>
+              </a:defRPr>
+            </a:lvl1pPr>
+            <a:lvl2pPr marL="685800" indent="-228600" algn="l" defTabSz="914400" rtl="0" eaLnBrk="1" latinLnBrk="0" hangingPunct="1">
+              <a:lnSpc>
+                <a:spcPct val="100000"/>
+              </a:lnSpc>
+              <a:spcBef>
+                <a:spcPts val="500"/>
+              </a:spcBef>
+              <a:buClr>
+                <a:schemeClr val="accent2"/>
+              </a:buClr>
+              <a:buFont typeface="Wingdings 2" panose="05020102010507070707" pitchFamily="18" charset="2"/>
+              <a:buChar char=""/>
+              <a:defRPr sz="2200" kern="1200">
+                <a:solidFill>
+                  <a:schemeClr val="tx2"/>
+                </a:solidFill>
+                <a:latin typeface="+mn-lt"/>
+                <a:ea typeface="+mn-ea"/>
+                <a:cs typeface="+mn-cs"/>
+              </a:defRPr>
+            </a:lvl2pPr>
+            <a:lvl3pPr marL="1143000" indent="-228600" algn="l" defTabSz="914400" rtl="0" eaLnBrk="1" latinLnBrk="0" hangingPunct="1">
+              <a:lnSpc>
+                <a:spcPct val="100000"/>
+              </a:lnSpc>
+              <a:spcBef>
+                <a:spcPts val="500"/>
+              </a:spcBef>
+              <a:buClr>
+                <a:schemeClr val="accent2"/>
+              </a:buClr>
+              <a:buFont typeface="Wingdings 2" panose="05020102010507070707" pitchFamily="18" charset="2"/>
+              <a:buChar char=""/>
+              <a:defRPr sz="1800" kern="1200">
+                <a:solidFill>
+                  <a:schemeClr val="tx2"/>
+                </a:solidFill>
+                <a:latin typeface="+mn-lt"/>
+                <a:ea typeface="+mn-ea"/>
+                <a:cs typeface="+mn-cs"/>
+              </a:defRPr>
+            </a:lvl3pPr>
+            <a:lvl4pPr marL="1600200" indent="-228600" algn="l" defTabSz="914400" rtl="0" eaLnBrk="1" latinLnBrk="0" hangingPunct="1">
+              <a:lnSpc>
+                <a:spcPct val="100000"/>
+              </a:lnSpc>
+              <a:spcBef>
+                <a:spcPts val="500"/>
+              </a:spcBef>
+              <a:buClr>
+                <a:schemeClr val="accent2"/>
+              </a:buClr>
+              <a:buFont typeface="Wingdings 2" panose="05020102010507070707" pitchFamily="18" charset="2"/>
+              <a:buChar char=""/>
+              <a:defRPr sz="1600" kern="1200">
+                <a:solidFill>
+                  <a:schemeClr val="tx2"/>
+                </a:solidFill>
+                <a:latin typeface="+mn-lt"/>
+                <a:ea typeface="+mn-ea"/>
+                <a:cs typeface="+mn-cs"/>
+              </a:defRPr>
+            </a:lvl4pPr>
+            <a:lvl5pPr marL="2057400" indent="-228600" algn="l" defTabSz="914400" rtl="0" eaLnBrk="1" latinLnBrk="0" hangingPunct="1">
+              <a:lnSpc>
+                <a:spcPct val="100000"/>
+              </a:lnSpc>
+              <a:spcBef>
+                <a:spcPts val="500"/>
+              </a:spcBef>
+              <a:buClr>
+                <a:schemeClr val="accent2"/>
+              </a:buClr>
+              <a:buFont typeface="Wingdings 2" panose="05020102010507070707" pitchFamily="18" charset="2"/>
+              <a:buChar char=""/>
+              <a:defRPr sz="1400" kern="1200">
+                <a:solidFill>
+                  <a:schemeClr val="tx2"/>
+                </a:solidFill>
+                <a:latin typeface="+mn-lt"/>
+                <a:ea typeface="+mn-ea"/>
+                <a:cs typeface="+mn-cs"/>
+              </a:defRPr>
+            </a:lvl5pPr>
+            <a:lvl6pPr marL="2514600" indent="-228600" algn="l" defTabSz="914400" rtl="0" eaLnBrk="1" latinLnBrk="0" hangingPunct="1">
+              <a:lnSpc>
+                <a:spcPct val="90000"/>
+              </a:lnSpc>
+              <a:spcBef>
+                <a:spcPts val="500"/>
+              </a:spcBef>
+              <a:buFont typeface="Arial" panose="020B0604020202020204" pitchFamily="34" charset="0"/>
+              <a:buChar char="•"/>
+              <a:defRPr sz="1800" kern="1200">
+                <a:solidFill>
+                  <a:schemeClr val="tx1"/>
+                </a:solidFill>
+                <a:latin typeface="+mn-lt"/>
+                <a:ea typeface="+mn-ea"/>
+                <a:cs typeface="+mn-cs"/>
+              </a:defRPr>
+            </a:lvl6pPr>
+            <a:lvl7pPr marL="2971800" indent="-228600" algn="l" defTabSz="914400" rtl="0" eaLnBrk="1" latinLnBrk="0" hangingPunct="1">
+              <a:lnSpc>
+                <a:spcPct val="90000"/>
+              </a:lnSpc>
+              <a:spcBef>
+                <a:spcPts val="500"/>
+              </a:spcBef>
+              <a:buFont typeface="Arial" panose="020B0604020202020204" pitchFamily="34" charset="0"/>
+              <a:buChar char="•"/>
+              <a:defRPr sz="1800" kern="1200">
+                <a:solidFill>
+                  <a:schemeClr val="tx1"/>
+                </a:solidFill>
+                <a:latin typeface="+mn-lt"/>
+                <a:ea typeface="+mn-ea"/>
+                <a:cs typeface="+mn-cs"/>
+              </a:defRPr>
+            </a:lvl7pPr>
+            <a:lvl8pPr marL="3429000" indent="-228600" algn="l" defTabSz="914400" rtl="0" eaLnBrk="1" latinLnBrk="0" hangingPunct="1">
+              <a:lnSpc>
+                <a:spcPct val="90000"/>
+              </a:lnSpc>
+              <a:spcBef>
+                <a:spcPts val="500"/>
+              </a:spcBef>
+              <a:buFont typeface="Arial" panose="020B0604020202020204" pitchFamily="34" charset="0"/>
+              <a:buChar char="•"/>
+              <a:defRPr sz="1800" kern="1200">
+                <a:solidFill>
+                  <a:schemeClr val="tx1"/>
+                </a:solidFill>
+                <a:latin typeface="+mn-lt"/>
+                <a:ea typeface="+mn-ea"/>
+                <a:cs typeface="+mn-cs"/>
+              </a:defRPr>
+            </a:lvl8pPr>
+            <a:lvl9pPr marL="3886200" indent="-228600" algn="l" defTabSz="914400" rtl="0" eaLnBrk="1" latinLnBrk="0" hangingPunct="1">
+              <a:lnSpc>
+                <a:spcPct val="90000"/>
+              </a:lnSpc>
+              <a:spcBef>
+                <a:spcPts val="500"/>
+              </a:spcBef>
+              <a:buFont typeface="Arial" panose="020B0604020202020204" pitchFamily="34" charset="0"/>
+              <a:buChar char="•"/>
+              <a:defRPr sz="1800" kern="1200">
+                <a:solidFill>
+                  <a:schemeClr val="tx1"/>
+                </a:solidFill>
+                <a:latin typeface="+mn-lt"/>
+                <a:ea typeface="+mn-ea"/>
+                <a:cs typeface="+mn-cs"/>
+              </a:defRPr>
+            </a:lvl9pPr>
+          </a:lstStyle>
+          <a:p>
+            <a:endParaRPr lang="tr-TR" sz="4000" dirty="0"/>
+          </a:p>
+          <a:p>
+            <a:endParaRPr lang="en-TR" sz="4000" dirty="0">
+              <a:solidFill>
+                <a:srgbClr val="C00000"/>
+              </a:solidFill>
+            </a:endParaRPr>
+          </a:p>
+        </p:txBody>
+      </p:sp>
     </p:spTree>
     <p:extLst>
       <p:ext uri="{BB962C8B-B14F-4D97-AF65-F5344CB8AC3E}">
-        <p14:creationId xmlns:p14="http://schemas.microsoft.com/office/powerpoint/2010/main" val="2010550305"/>
+        <p14:creationId xmlns:p14="http://schemas.microsoft.com/office/powerpoint/2010/main" val="3129742757"/>
       </p:ext>
     </p:extLst>
   </p:cSld>
@@ -12798,6 +12553,429 @@
     <p:extLst>
       <p:ext uri="{BB962C8B-B14F-4D97-AF65-F5344CB8AC3E}">
         <p14:creationId xmlns:p14="http://schemas.microsoft.com/office/powerpoint/2010/main" val="386491537"/>
+      </p:ext>
+    </p:extLst>
+  </p:cSld>
+  <p:clrMapOvr>
+    <a:masterClrMapping/>
+  </p:clrMapOvr>
+</p:sld>
+</file>
+
+<file path=ppt/slides/slide30.xml><?xml version="1.0" encoding="utf-8"?>
+<p:sld xmlns:a="http://schemas.openxmlformats.org/drawingml/2006/main" xmlns:r="http://schemas.openxmlformats.org/officeDocument/2006/relationships" xmlns:p="http://schemas.openxmlformats.org/presentationml/2006/main">
+  <p:cSld>
+    <p:spTree>
+      <p:nvGrpSpPr>
+        <p:cNvPr id="1" name=""/>
+        <p:cNvGrpSpPr/>
+        <p:nvPr/>
+      </p:nvGrpSpPr>
+      <p:grpSpPr>
+        <a:xfrm>
+          <a:off x="0" y="0"/>
+          <a:ext cx="0" cy="0"/>
+          <a:chOff x="0" y="0"/>
+          <a:chExt cx="0" cy="0"/>
+        </a:xfrm>
+      </p:grpSpPr>
+      <p:pic>
+        <p:nvPicPr>
+          <p:cNvPr id="4" name="Picture 4" descr="Techpro Education | Online It Courses &amp; Bootcamps">
+            <a:extLst>
+              <a:ext uri="{FF2B5EF4-FFF2-40B4-BE49-F238E27FC236}">
+                <a16:creationId xmlns:a16="http://schemas.microsoft.com/office/drawing/2014/main" id="{E33B55B5-34C1-9987-660E-4BF674EB9809}"/>
+              </a:ext>
+            </a:extLst>
+          </p:cNvPr>
+          <p:cNvPicPr>
+            <a:picLocks noChangeAspect="1" noChangeArrowheads="1"/>
+          </p:cNvPicPr>
+          <p:nvPr/>
+        </p:nvPicPr>
+        <p:blipFill>
+          <a:blip r:embed="rId2">
+            <a:alphaModFix amt="11000"/>
+            <a:extLst>
+              <a:ext uri="{28A0092B-C50C-407E-A947-70E740481C1C}">
+                <a14:useLocalDpi xmlns:a14="http://schemas.microsoft.com/office/drawing/2010/main" val="0"/>
+              </a:ext>
+            </a:extLst>
+          </a:blip>
+          <a:srcRect/>
+          <a:stretch>
+            <a:fillRect/>
+          </a:stretch>
+        </p:blipFill>
+        <p:spPr bwMode="auto">
+          <a:xfrm>
+            <a:off x="2815081" y="551941"/>
+            <a:ext cx="5754117" cy="5754117"/>
+          </a:xfrm>
+          <a:prstGeom prst="rect">
+            <a:avLst/>
+          </a:prstGeom>
+          <a:noFill/>
+          <a:extLst>
+            <a:ext uri="{909E8E84-426E-40DD-AFC4-6F175D3DCCD1}">
+              <a14:hiddenFill xmlns:a14="http://schemas.microsoft.com/office/drawing/2010/main">
+                <a:solidFill>
+                  <a:srgbClr val="FFFFFF"/>
+                </a:solidFill>
+              </a14:hiddenFill>
+            </a:ext>
+          </a:extLst>
+        </p:spPr>
+      </p:pic>
+      <p:sp>
+        <p:nvSpPr>
+          <p:cNvPr id="3" name="Title 1">
+            <a:extLst>
+              <a:ext uri="{FF2B5EF4-FFF2-40B4-BE49-F238E27FC236}">
+                <a16:creationId xmlns:a16="http://schemas.microsoft.com/office/drawing/2014/main" id="{87B6C64E-0795-6DBE-C426-84C825AB1E29}"/>
+              </a:ext>
+            </a:extLst>
+          </p:cNvPr>
+          <p:cNvSpPr>
+            <a:spLocks noGrp="1"/>
+          </p:cNvSpPr>
+          <p:nvPr>
+            <p:ph type="title"/>
+          </p:nvPr>
+        </p:nvSpPr>
+        <p:spPr>
+          <a:xfrm>
+            <a:off x="420624" y="365125"/>
+            <a:ext cx="10543032" cy="1325563"/>
+          </a:xfrm>
+        </p:spPr>
+        <p:txBody>
+          <a:bodyPr/>
+          <a:lstStyle/>
+          <a:p>
+            <a:r>
+              <a:rPr lang="en-TR" b="1" dirty="0"/>
+              <a:t>Other Version Control Systems</a:t>
+            </a:r>
+          </a:p>
+        </p:txBody>
+      </p:sp>
+      <p:sp>
+        <p:nvSpPr>
+          <p:cNvPr id="2" name="Content Placeholder 2">
+            <a:extLst>
+              <a:ext uri="{FF2B5EF4-FFF2-40B4-BE49-F238E27FC236}">
+                <a16:creationId xmlns:a16="http://schemas.microsoft.com/office/drawing/2014/main" id="{05BB9F8A-F0D4-E0C1-63D2-A89CF3C6087E}"/>
+              </a:ext>
+            </a:extLst>
+          </p:cNvPr>
+          <p:cNvSpPr txBox="1">
+            <a:spLocks/>
+          </p:cNvSpPr>
+          <p:nvPr/>
+        </p:nvSpPr>
+        <p:spPr>
+          <a:xfrm>
+            <a:off x="573025" y="1978026"/>
+            <a:ext cx="5933181" cy="2367178"/>
+          </a:xfrm>
+          <a:prstGeom prst="rect">
+            <a:avLst/>
+          </a:prstGeom>
+        </p:spPr>
+        <p:txBody>
+          <a:bodyPr vert="horz" lIns="91440" tIns="45720" rIns="91440" bIns="45720" rtlCol="0">
+            <a:normAutofit/>
+          </a:bodyPr>
+          <a:lstStyle>
+            <a:lvl1pPr marL="228600" indent="-228600" algn="l" defTabSz="914400" rtl="0" eaLnBrk="1" latinLnBrk="0" hangingPunct="1">
+              <a:lnSpc>
+                <a:spcPct val="100000"/>
+              </a:lnSpc>
+              <a:spcBef>
+                <a:spcPts val="1000"/>
+              </a:spcBef>
+              <a:buClr>
+                <a:schemeClr val="accent2"/>
+              </a:buClr>
+              <a:buFont typeface="Wingdings 2" panose="05020102010507070707" pitchFamily="18" charset="2"/>
+              <a:buChar char=""/>
+              <a:defRPr sz="2400" kern="1200">
+                <a:solidFill>
+                  <a:schemeClr val="tx2"/>
+                </a:solidFill>
+                <a:latin typeface="+mn-lt"/>
+                <a:ea typeface="+mn-ea"/>
+                <a:cs typeface="+mn-cs"/>
+              </a:defRPr>
+            </a:lvl1pPr>
+            <a:lvl2pPr marL="685800" indent="-228600" algn="l" defTabSz="914400" rtl="0" eaLnBrk="1" latinLnBrk="0" hangingPunct="1">
+              <a:lnSpc>
+                <a:spcPct val="100000"/>
+              </a:lnSpc>
+              <a:spcBef>
+                <a:spcPts val="500"/>
+              </a:spcBef>
+              <a:buClr>
+                <a:schemeClr val="accent2"/>
+              </a:buClr>
+              <a:buFont typeface="Wingdings 2" panose="05020102010507070707" pitchFamily="18" charset="2"/>
+              <a:buChar char=""/>
+              <a:defRPr sz="2200" kern="1200">
+                <a:solidFill>
+                  <a:schemeClr val="tx2"/>
+                </a:solidFill>
+                <a:latin typeface="+mn-lt"/>
+                <a:ea typeface="+mn-ea"/>
+                <a:cs typeface="+mn-cs"/>
+              </a:defRPr>
+            </a:lvl2pPr>
+            <a:lvl3pPr marL="1143000" indent="-228600" algn="l" defTabSz="914400" rtl="0" eaLnBrk="1" latinLnBrk="0" hangingPunct="1">
+              <a:lnSpc>
+                <a:spcPct val="100000"/>
+              </a:lnSpc>
+              <a:spcBef>
+                <a:spcPts val="500"/>
+              </a:spcBef>
+              <a:buClr>
+                <a:schemeClr val="accent2"/>
+              </a:buClr>
+              <a:buFont typeface="Wingdings 2" panose="05020102010507070707" pitchFamily="18" charset="2"/>
+              <a:buChar char=""/>
+              <a:defRPr sz="1800" kern="1200">
+                <a:solidFill>
+                  <a:schemeClr val="tx2"/>
+                </a:solidFill>
+                <a:latin typeface="+mn-lt"/>
+                <a:ea typeface="+mn-ea"/>
+                <a:cs typeface="+mn-cs"/>
+              </a:defRPr>
+            </a:lvl3pPr>
+            <a:lvl4pPr marL="1600200" indent="-228600" algn="l" defTabSz="914400" rtl="0" eaLnBrk="1" latinLnBrk="0" hangingPunct="1">
+              <a:lnSpc>
+                <a:spcPct val="100000"/>
+              </a:lnSpc>
+              <a:spcBef>
+                <a:spcPts val="500"/>
+              </a:spcBef>
+              <a:buClr>
+                <a:schemeClr val="accent2"/>
+              </a:buClr>
+              <a:buFont typeface="Wingdings 2" panose="05020102010507070707" pitchFamily="18" charset="2"/>
+              <a:buChar char=""/>
+              <a:defRPr sz="1600" kern="1200">
+                <a:solidFill>
+                  <a:schemeClr val="tx2"/>
+                </a:solidFill>
+                <a:latin typeface="+mn-lt"/>
+                <a:ea typeface="+mn-ea"/>
+                <a:cs typeface="+mn-cs"/>
+              </a:defRPr>
+            </a:lvl4pPr>
+            <a:lvl5pPr marL="2057400" indent="-228600" algn="l" defTabSz="914400" rtl="0" eaLnBrk="1" latinLnBrk="0" hangingPunct="1">
+              <a:lnSpc>
+                <a:spcPct val="100000"/>
+              </a:lnSpc>
+              <a:spcBef>
+                <a:spcPts val="500"/>
+              </a:spcBef>
+              <a:buClr>
+                <a:schemeClr val="accent2"/>
+              </a:buClr>
+              <a:buFont typeface="Wingdings 2" panose="05020102010507070707" pitchFamily="18" charset="2"/>
+              <a:buChar char=""/>
+              <a:defRPr sz="1400" kern="1200">
+                <a:solidFill>
+                  <a:schemeClr val="tx2"/>
+                </a:solidFill>
+                <a:latin typeface="+mn-lt"/>
+                <a:ea typeface="+mn-ea"/>
+                <a:cs typeface="+mn-cs"/>
+              </a:defRPr>
+            </a:lvl5pPr>
+            <a:lvl6pPr marL="2514600" indent="-228600" algn="l" defTabSz="914400" rtl="0" eaLnBrk="1" latinLnBrk="0" hangingPunct="1">
+              <a:lnSpc>
+                <a:spcPct val="90000"/>
+              </a:lnSpc>
+              <a:spcBef>
+                <a:spcPts val="500"/>
+              </a:spcBef>
+              <a:buFont typeface="Arial" panose="020B0604020202020204" pitchFamily="34" charset="0"/>
+              <a:buChar char="•"/>
+              <a:defRPr sz="1800" kern="1200">
+                <a:solidFill>
+                  <a:schemeClr val="tx1"/>
+                </a:solidFill>
+                <a:latin typeface="+mn-lt"/>
+                <a:ea typeface="+mn-ea"/>
+                <a:cs typeface="+mn-cs"/>
+              </a:defRPr>
+            </a:lvl6pPr>
+            <a:lvl7pPr marL="2971800" indent="-228600" algn="l" defTabSz="914400" rtl="0" eaLnBrk="1" latinLnBrk="0" hangingPunct="1">
+              <a:lnSpc>
+                <a:spcPct val="90000"/>
+              </a:lnSpc>
+              <a:spcBef>
+                <a:spcPts val="500"/>
+              </a:spcBef>
+              <a:buFont typeface="Arial" panose="020B0604020202020204" pitchFamily="34" charset="0"/>
+              <a:buChar char="•"/>
+              <a:defRPr sz="1800" kern="1200">
+                <a:solidFill>
+                  <a:schemeClr val="tx1"/>
+                </a:solidFill>
+                <a:latin typeface="+mn-lt"/>
+                <a:ea typeface="+mn-ea"/>
+                <a:cs typeface="+mn-cs"/>
+              </a:defRPr>
+            </a:lvl7pPr>
+            <a:lvl8pPr marL="3429000" indent="-228600" algn="l" defTabSz="914400" rtl="0" eaLnBrk="1" latinLnBrk="0" hangingPunct="1">
+              <a:lnSpc>
+                <a:spcPct val="90000"/>
+              </a:lnSpc>
+              <a:spcBef>
+                <a:spcPts val="500"/>
+              </a:spcBef>
+              <a:buFont typeface="Arial" panose="020B0604020202020204" pitchFamily="34" charset="0"/>
+              <a:buChar char="•"/>
+              <a:defRPr sz="1800" kern="1200">
+                <a:solidFill>
+                  <a:schemeClr val="tx1"/>
+                </a:solidFill>
+                <a:latin typeface="+mn-lt"/>
+                <a:ea typeface="+mn-ea"/>
+                <a:cs typeface="+mn-cs"/>
+              </a:defRPr>
+            </a:lvl8pPr>
+            <a:lvl9pPr marL="3886200" indent="-228600" algn="l" defTabSz="914400" rtl="0" eaLnBrk="1" latinLnBrk="0" hangingPunct="1">
+              <a:lnSpc>
+                <a:spcPct val="90000"/>
+              </a:lnSpc>
+              <a:spcBef>
+                <a:spcPts val="500"/>
+              </a:spcBef>
+              <a:buFont typeface="Arial" panose="020B0604020202020204" pitchFamily="34" charset="0"/>
+              <a:buChar char="•"/>
+              <a:defRPr sz="1800" kern="1200">
+                <a:solidFill>
+                  <a:schemeClr val="tx1"/>
+                </a:solidFill>
+                <a:latin typeface="+mn-lt"/>
+                <a:ea typeface="+mn-ea"/>
+                <a:cs typeface="+mn-cs"/>
+              </a:defRPr>
+            </a:lvl9pPr>
+          </a:lstStyle>
+          <a:p>
+            <a:endParaRPr lang="tr-TR" sz="4000" dirty="0"/>
+          </a:p>
+          <a:p>
+            <a:endParaRPr lang="en-TR" sz="4000" dirty="0">
+              <a:solidFill>
+                <a:srgbClr val="C00000"/>
+              </a:solidFill>
+            </a:endParaRPr>
+          </a:p>
+        </p:txBody>
+      </p:sp>
+      <p:pic>
+        <p:nvPicPr>
+          <p:cNvPr id="5122" name="Picture 2" descr="Press kit | GitLab">
+            <a:extLst>
+              <a:ext uri="{FF2B5EF4-FFF2-40B4-BE49-F238E27FC236}">
+                <a16:creationId xmlns:a16="http://schemas.microsoft.com/office/drawing/2014/main" id="{CFDB47D3-42FB-5C49-F4F1-AA2B862FD0BB}"/>
+              </a:ext>
+            </a:extLst>
+          </p:cNvPr>
+          <p:cNvPicPr>
+            <a:picLocks noChangeAspect="1" noChangeArrowheads="1"/>
+          </p:cNvPicPr>
+          <p:nvPr/>
+        </p:nvPicPr>
+        <p:blipFill>
+          <a:blip r:embed="rId3">
+            <a:extLst>
+              <a:ext uri="{28A0092B-C50C-407E-A947-70E740481C1C}">
+                <a14:useLocalDpi xmlns:a14="http://schemas.microsoft.com/office/drawing/2010/main" val="0"/>
+              </a:ext>
+            </a:extLst>
+          </a:blip>
+          <a:srcRect/>
+          <a:stretch>
+            <a:fillRect/>
+          </a:stretch>
+        </p:blipFill>
+        <p:spPr bwMode="auto">
+          <a:xfrm>
+            <a:off x="7304776" y="1988070"/>
+            <a:ext cx="3917283" cy="856730"/>
+          </a:xfrm>
+          <a:prstGeom prst="rect">
+            <a:avLst/>
+          </a:prstGeom>
+          <a:noFill/>
+          <a:extLst>
+            <a:ext uri="{909E8E84-426E-40DD-AFC4-6F175D3DCCD1}">
+              <a14:hiddenFill xmlns:a14="http://schemas.microsoft.com/office/drawing/2010/main">
+                <a:solidFill>
+                  <a:srgbClr val="FFFFFF"/>
+                </a:solidFill>
+              </a14:hiddenFill>
+            </a:ext>
+          </a:extLst>
+        </p:spPr>
+      </p:pic>
+      <p:pic>
+        <p:nvPicPr>
+          <p:cNvPr id="5124" name="Picture 4" descr="Download Bitbucket Logo in SVG Vector or PNG File Format ...">
+            <a:extLst>
+              <a:ext uri="{FF2B5EF4-FFF2-40B4-BE49-F238E27FC236}">
+                <a16:creationId xmlns:a16="http://schemas.microsoft.com/office/drawing/2014/main" id="{829E67F4-7F80-8B9C-5528-5E2D2B816F46}"/>
+              </a:ext>
+            </a:extLst>
+          </p:cNvPr>
+          <p:cNvPicPr>
+            <a:picLocks noChangeAspect="1" noChangeArrowheads="1"/>
+          </p:cNvPicPr>
+          <p:nvPr/>
+        </p:nvPicPr>
+        <p:blipFill>
+          <a:blip r:embed="rId4">
+            <a:extLst>
+              <a:ext uri="{28A0092B-C50C-407E-A947-70E740481C1C}">
+                <a14:useLocalDpi xmlns:a14="http://schemas.microsoft.com/office/drawing/2010/main" val="0"/>
+              </a:ext>
+            </a:extLst>
+          </a:blip>
+          <a:srcRect/>
+          <a:stretch>
+            <a:fillRect/>
+          </a:stretch>
+        </p:blipFill>
+        <p:spPr bwMode="auto">
+          <a:xfrm>
+            <a:off x="969941" y="2165858"/>
+            <a:ext cx="6210300" cy="4140200"/>
+          </a:xfrm>
+          <a:prstGeom prst="rect">
+            <a:avLst/>
+          </a:prstGeom>
+          <a:noFill/>
+          <a:extLst>
+            <a:ext uri="{909E8E84-426E-40DD-AFC4-6F175D3DCCD1}">
+              <a14:hiddenFill xmlns:a14="http://schemas.microsoft.com/office/drawing/2010/main">
+                <a:solidFill>
+                  <a:srgbClr val="FFFFFF"/>
+                </a:solidFill>
+              </a14:hiddenFill>
+            </a:ext>
+          </a:extLst>
+        </p:spPr>
+      </p:pic>
+    </p:spTree>
+    <p:extLst>
+      <p:ext uri="{BB962C8B-B14F-4D97-AF65-F5344CB8AC3E}">
+        <p14:creationId xmlns:p14="http://schemas.microsoft.com/office/powerpoint/2010/main" val="1520413502"/>
       </p:ext>
     </p:extLst>
   </p:cSld>

--- a/GitGithub.pptx
+++ b/GitGithub.pptx
@@ -5,7 +5,7 @@
     <p:sldMasterId id="2147483969" r:id="rId1"/>
   </p:sldMasterIdLst>
   <p:notesMasterIdLst>
-    <p:notesMasterId r:id="rId33"/>
+    <p:notesMasterId r:id="rId36"/>
   </p:notesMasterIdLst>
   <p:sldIdLst>
     <p:sldId id="334" r:id="rId2"/>
@@ -24,21 +24,24 @@
     <p:sldId id="335" r:id="rId15"/>
     <p:sldId id="287" r:id="rId16"/>
     <p:sldId id="288" r:id="rId17"/>
-    <p:sldId id="303" r:id="rId18"/>
-    <p:sldId id="304" r:id="rId19"/>
-    <p:sldId id="308" r:id="rId20"/>
-    <p:sldId id="307" r:id="rId21"/>
-    <p:sldId id="302" r:id="rId22"/>
-    <p:sldId id="306" r:id="rId23"/>
-    <p:sldId id="305" r:id="rId24"/>
-    <p:sldId id="336" r:id="rId25"/>
-    <p:sldId id="289" r:id="rId26"/>
-    <p:sldId id="290" r:id="rId27"/>
-    <p:sldId id="309" r:id="rId28"/>
-    <p:sldId id="310" r:id="rId29"/>
-    <p:sldId id="311" r:id="rId30"/>
-    <p:sldId id="271" r:id="rId31"/>
-    <p:sldId id="272" r:id="rId32"/>
+    <p:sldId id="338" r:id="rId18"/>
+    <p:sldId id="339" r:id="rId19"/>
+    <p:sldId id="303" r:id="rId20"/>
+    <p:sldId id="304" r:id="rId21"/>
+    <p:sldId id="308" r:id="rId22"/>
+    <p:sldId id="307" r:id="rId23"/>
+    <p:sldId id="302" r:id="rId24"/>
+    <p:sldId id="305" r:id="rId25"/>
+    <p:sldId id="306" r:id="rId26"/>
+    <p:sldId id="337" r:id="rId27"/>
+    <p:sldId id="336" r:id="rId28"/>
+    <p:sldId id="289" r:id="rId29"/>
+    <p:sldId id="290" r:id="rId30"/>
+    <p:sldId id="309" r:id="rId31"/>
+    <p:sldId id="310" r:id="rId32"/>
+    <p:sldId id="311" r:id="rId33"/>
+    <p:sldId id="271" r:id="rId34"/>
+    <p:sldId id="272" r:id="rId35"/>
   </p:sldIdLst>
   <p:sldSz cx="12192000" cy="6858000"/>
   <p:notesSz cx="6858000" cy="9144000"/>
@@ -233,7 +236,7 @@
           <a:p>
             <a:fld id="{49E6A955-1F53-C242-810C-E2D982803750}" type="datetimeFigureOut">
               <a:rPr lang="en-TR" smtClean="0"/>
-              <a:t>14.07.2023</a:t>
+              <a:t>15.07.2023</a:t>
             </a:fld>
             <a:endParaRPr lang="en-TR"/>
           </a:p>
@@ -1302,6 +1305,90 @@
           <a:p>
             <a:fld id="{13276A65-8439-B544-9D9A-BA1E71117E1D}" type="slidenum">
               <a:rPr lang="en-TR" smtClean="0"/>
+              <a:t>15</a:t>
+            </a:fld>
+            <a:endParaRPr lang="en-TR"/>
+          </a:p>
+        </p:txBody>
+      </p:sp>
+    </p:spTree>
+    <p:extLst>
+      <p:ext uri="{BB962C8B-B14F-4D97-AF65-F5344CB8AC3E}">
+        <p14:creationId xmlns:p14="http://schemas.microsoft.com/office/powerpoint/2010/main" val="3536798106"/>
+      </p:ext>
+    </p:extLst>
+  </p:cSld>
+  <p:clrMapOvr>
+    <a:masterClrMapping/>
+  </p:clrMapOvr>
+</p:notes>
+</file>
+
+<file path=ppt/notesSlides/notesSlide14.xml><?xml version="1.0" encoding="utf-8"?>
+<p:notes xmlns:a="http://schemas.openxmlformats.org/drawingml/2006/main" xmlns:r="http://schemas.openxmlformats.org/officeDocument/2006/relationships" xmlns:p="http://schemas.openxmlformats.org/presentationml/2006/main">
+  <p:cSld>
+    <p:spTree>
+      <p:nvGrpSpPr>
+        <p:cNvPr id="1" name=""/>
+        <p:cNvGrpSpPr/>
+        <p:nvPr/>
+      </p:nvGrpSpPr>
+      <p:grpSpPr>
+        <a:xfrm>
+          <a:off x="0" y="0"/>
+          <a:ext cx="0" cy="0"/>
+          <a:chOff x="0" y="0"/>
+          <a:chExt cx="0" cy="0"/>
+        </a:xfrm>
+      </p:grpSpPr>
+      <p:sp>
+        <p:nvSpPr>
+          <p:cNvPr id="2" name="Slide Image Placeholder 1"/>
+          <p:cNvSpPr>
+            <a:spLocks noGrp="1" noRot="1" noChangeAspect="1"/>
+          </p:cNvSpPr>
+          <p:nvPr>
+            <p:ph type="sldImg"/>
+          </p:nvPr>
+        </p:nvSpPr>
+        <p:spPr/>
+      </p:sp>
+      <p:sp>
+        <p:nvSpPr>
+          <p:cNvPr id="3" name="Notes Placeholder 2"/>
+          <p:cNvSpPr>
+            <a:spLocks noGrp="1"/>
+          </p:cNvSpPr>
+          <p:nvPr>
+            <p:ph type="body" idx="1"/>
+          </p:nvPr>
+        </p:nvSpPr>
+        <p:spPr/>
+        <p:txBody>
+          <a:bodyPr/>
+          <a:lstStyle/>
+          <a:p>
+            <a:endParaRPr lang="en-TR" dirty="0"/>
+          </a:p>
+        </p:txBody>
+      </p:sp>
+      <p:sp>
+        <p:nvSpPr>
+          <p:cNvPr id="4" name="Slide Number Placeholder 3"/>
+          <p:cNvSpPr>
+            <a:spLocks noGrp="1"/>
+          </p:cNvSpPr>
+          <p:nvPr>
+            <p:ph type="sldNum" sz="quarter" idx="5"/>
+          </p:nvPr>
+        </p:nvSpPr>
+        <p:spPr/>
+        <p:txBody>
+          <a:bodyPr/>
+          <a:lstStyle/>
+          <a:p>
+            <a:fld id="{13276A65-8439-B544-9D9A-BA1E71117E1D}" type="slidenum">
+              <a:rPr lang="en-TR" smtClean="0"/>
               <a:t>16</a:t>
             </a:fld>
             <a:endParaRPr lang="en-TR"/>
@@ -1321,7 +1408,7 @@
 </p:notes>
 </file>
 
-<file path=ppt/notesSlides/notesSlide14.xml><?xml version="1.0" encoding="utf-8"?>
+<file path=ppt/notesSlides/notesSlide15.xml><?xml version="1.0" encoding="utf-8"?>
 <p:notes xmlns:a="http://schemas.openxmlformats.org/drawingml/2006/main" xmlns:r="http://schemas.openxmlformats.org/officeDocument/2006/relationships" xmlns:p="http://schemas.openxmlformats.org/presentationml/2006/main" showMasterSp="0" showMasterPhAnim="0">
   <p:cSld>
     <p:spTree>
@@ -1448,90 +1535,6 @@
 </p:notes>
 </file>
 
-<file path=ppt/notesSlides/notesSlide15.xml><?xml version="1.0" encoding="utf-8"?>
-<p:notes xmlns:a="http://schemas.openxmlformats.org/drawingml/2006/main" xmlns:r="http://schemas.openxmlformats.org/officeDocument/2006/relationships" xmlns:p="http://schemas.openxmlformats.org/presentationml/2006/main">
-  <p:cSld>
-    <p:spTree>
-      <p:nvGrpSpPr>
-        <p:cNvPr id="1" name=""/>
-        <p:cNvGrpSpPr/>
-        <p:nvPr/>
-      </p:nvGrpSpPr>
-      <p:grpSpPr>
-        <a:xfrm>
-          <a:off x="0" y="0"/>
-          <a:ext cx="0" cy="0"/>
-          <a:chOff x="0" y="0"/>
-          <a:chExt cx="0" cy="0"/>
-        </a:xfrm>
-      </p:grpSpPr>
-      <p:sp>
-        <p:nvSpPr>
-          <p:cNvPr id="2" name="Slide Image Placeholder 1"/>
-          <p:cNvSpPr>
-            <a:spLocks noGrp="1" noRot="1" noChangeAspect="1"/>
-          </p:cNvSpPr>
-          <p:nvPr>
-            <p:ph type="sldImg"/>
-          </p:nvPr>
-        </p:nvSpPr>
-        <p:spPr/>
-      </p:sp>
-      <p:sp>
-        <p:nvSpPr>
-          <p:cNvPr id="3" name="Notes Placeholder 2"/>
-          <p:cNvSpPr>
-            <a:spLocks noGrp="1"/>
-          </p:cNvSpPr>
-          <p:nvPr>
-            <p:ph type="body" idx="1"/>
-          </p:nvPr>
-        </p:nvSpPr>
-        <p:spPr/>
-        <p:txBody>
-          <a:bodyPr/>
-          <a:lstStyle/>
-          <a:p>
-            <a:endParaRPr lang="en-TR" dirty="0"/>
-          </a:p>
-        </p:txBody>
-      </p:sp>
-      <p:sp>
-        <p:nvSpPr>
-          <p:cNvPr id="4" name="Slide Number Placeholder 3"/>
-          <p:cNvSpPr>
-            <a:spLocks noGrp="1"/>
-          </p:cNvSpPr>
-          <p:nvPr>
-            <p:ph type="sldNum" sz="quarter" idx="5"/>
-          </p:nvPr>
-        </p:nvSpPr>
-        <p:spPr/>
-        <p:txBody>
-          <a:bodyPr/>
-          <a:lstStyle/>
-          <a:p>
-            <a:fld id="{13276A65-8439-B544-9D9A-BA1E71117E1D}" type="slidenum">
-              <a:rPr lang="en-TR" smtClean="0"/>
-              <a:t>25</a:t>
-            </a:fld>
-            <a:endParaRPr lang="en-TR"/>
-          </a:p>
-        </p:txBody>
-      </p:sp>
-    </p:spTree>
-    <p:extLst>
-      <p:ext uri="{BB962C8B-B14F-4D97-AF65-F5344CB8AC3E}">
-        <p14:creationId xmlns:p14="http://schemas.microsoft.com/office/powerpoint/2010/main" val="2951919691"/>
-      </p:ext>
-    </p:extLst>
-  </p:cSld>
-  <p:clrMapOvr>
-    <a:masterClrMapping/>
-  </p:clrMapOvr>
-</p:notes>
-</file>
-
 <file path=ppt/notesSlides/notesSlide16.xml><?xml version="1.0" encoding="utf-8"?>
 <p:notes xmlns:a="http://schemas.openxmlformats.org/drawingml/2006/main" xmlns:r="http://schemas.openxmlformats.org/officeDocument/2006/relationships" xmlns:p="http://schemas.openxmlformats.org/presentationml/2006/main">
   <p:cSld>
@@ -1576,6 +1579,90 @@
           <a:bodyPr/>
           <a:lstStyle/>
           <a:p>
+            <a:endParaRPr lang="en-TR" dirty="0"/>
+          </a:p>
+        </p:txBody>
+      </p:sp>
+      <p:sp>
+        <p:nvSpPr>
+          <p:cNvPr id="4" name="Slide Number Placeholder 3"/>
+          <p:cNvSpPr>
+            <a:spLocks noGrp="1"/>
+          </p:cNvSpPr>
+          <p:nvPr>
+            <p:ph type="sldNum" sz="quarter" idx="5"/>
+          </p:nvPr>
+        </p:nvSpPr>
+        <p:spPr/>
+        <p:txBody>
+          <a:bodyPr/>
+          <a:lstStyle/>
+          <a:p>
+            <a:fld id="{13276A65-8439-B544-9D9A-BA1E71117E1D}" type="slidenum">
+              <a:rPr lang="en-TR" smtClean="0"/>
+              <a:t>28</a:t>
+            </a:fld>
+            <a:endParaRPr lang="en-TR"/>
+          </a:p>
+        </p:txBody>
+      </p:sp>
+    </p:spTree>
+    <p:extLst>
+      <p:ext uri="{BB962C8B-B14F-4D97-AF65-F5344CB8AC3E}">
+        <p14:creationId xmlns:p14="http://schemas.microsoft.com/office/powerpoint/2010/main" val="2951919691"/>
+      </p:ext>
+    </p:extLst>
+  </p:cSld>
+  <p:clrMapOvr>
+    <a:masterClrMapping/>
+  </p:clrMapOvr>
+</p:notes>
+</file>
+
+<file path=ppt/notesSlides/notesSlide17.xml><?xml version="1.0" encoding="utf-8"?>
+<p:notes xmlns:a="http://schemas.openxmlformats.org/drawingml/2006/main" xmlns:r="http://schemas.openxmlformats.org/officeDocument/2006/relationships" xmlns:p="http://schemas.openxmlformats.org/presentationml/2006/main">
+  <p:cSld>
+    <p:spTree>
+      <p:nvGrpSpPr>
+        <p:cNvPr id="1" name=""/>
+        <p:cNvGrpSpPr/>
+        <p:nvPr/>
+      </p:nvGrpSpPr>
+      <p:grpSpPr>
+        <a:xfrm>
+          <a:off x="0" y="0"/>
+          <a:ext cx="0" cy="0"/>
+          <a:chOff x="0" y="0"/>
+          <a:chExt cx="0" cy="0"/>
+        </a:xfrm>
+      </p:grpSpPr>
+      <p:sp>
+        <p:nvSpPr>
+          <p:cNvPr id="2" name="Slide Image Placeholder 1"/>
+          <p:cNvSpPr>
+            <a:spLocks noGrp="1" noRot="1" noChangeAspect="1"/>
+          </p:cNvSpPr>
+          <p:nvPr>
+            <p:ph type="sldImg"/>
+          </p:nvPr>
+        </p:nvSpPr>
+        <p:spPr/>
+      </p:sp>
+      <p:sp>
+        <p:nvSpPr>
+          <p:cNvPr id="3" name="Notes Placeholder 2"/>
+          <p:cNvSpPr>
+            <a:spLocks noGrp="1"/>
+          </p:cNvSpPr>
+          <p:nvPr>
+            <p:ph type="body" idx="1"/>
+          </p:nvPr>
+        </p:nvSpPr>
+        <p:spPr/>
+        <p:txBody>
+          <a:bodyPr/>
+          <a:lstStyle/>
+          <a:p>
             <a:pPr marL="0" marR="0" lvl="0" indent="0" algn="l" defTabSz="914400" rtl="0" eaLnBrk="1" fontAlgn="auto" latinLnBrk="0" hangingPunct="1">
               <a:lnSpc>
                 <a:spcPct val="100000"/>
@@ -1658,7 +1745,7 @@
           <a:p>
             <a:fld id="{13276A65-8439-B544-9D9A-BA1E71117E1D}" type="slidenum">
               <a:rPr lang="en-TR" smtClean="0"/>
-              <a:t>27</a:t>
+              <a:t>30</a:t>
             </a:fld>
             <a:endParaRPr lang="en-TR"/>
           </a:p>
@@ -3108,7 +3195,7 @@
           <a:p>
             <a:fld id="{403CB87E-4591-47A1-9046-CF63F17215EF}" type="datetime2">
               <a:rPr lang="en-US" smtClean="0"/>
-              <a:t>Friday, July 14, 2023</a:t>
+              <a:t>Saturday, July 15, 2023</a:t>
             </a:fld>
             <a:endParaRPr lang="en-US" dirty="0"/>
           </a:p>
@@ -3330,7 +3417,7 @@
           <a:p>
             <a:fld id="{2FA17F0E-8070-4DFE-A821-9A699EDBAD7E}" type="datetime2">
               <a:rPr lang="en-US" smtClean="0"/>
-              <a:t>Friday, July 14, 2023</a:t>
+              <a:t>Saturday, July 15, 2023</a:t>
             </a:fld>
             <a:endParaRPr lang="en-US"/>
           </a:p>
@@ -3542,7 +3629,7 @@
           <a:p>
             <a:fld id="{D88D34AE-C7BF-46E5-A968-01C6641F6476}" type="datetime2">
               <a:rPr lang="en-US" smtClean="0"/>
-              <a:t>Friday, July 14, 2023</a:t>
+              <a:t>Saturday, July 15, 2023</a:t>
             </a:fld>
             <a:endParaRPr lang="en-US"/>
           </a:p>
@@ -4599,7 +4686,7 @@
           <a:p>
             <a:fld id="{F33DE70B-B772-416E-A790-995760B1742E}" type="datetime2">
               <a:rPr lang="en-US" smtClean="0"/>
-              <a:t>Friday, July 14, 2023</a:t>
+              <a:t>Saturday, July 15, 2023</a:t>
             </a:fld>
             <a:endParaRPr lang="en-US" dirty="0"/>
           </a:p>
@@ -4898,7 +4985,7 @@
           <a:p>
             <a:fld id="{76760CDE-A6F1-4138-AF12-ED09E8E5FB6B}" type="datetime2">
               <a:rPr lang="en-US" smtClean="0"/>
-              <a:t>Friday, July 14, 2023</a:t>
+              <a:t>Saturday, July 15, 2023</a:t>
             </a:fld>
             <a:endParaRPr lang="en-US"/>
           </a:p>
@@ -5230,7 +5317,7 @@
           <a:p>
             <a:fld id="{DB15F8B1-DB7B-4D28-A97D-40FB2DD1EF78}" type="datetime2">
               <a:rPr lang="en-US" smtClean="0"/>
-              <a:t>Friday, July 14, 2023</a:t>
+              <a:t>Saturday, July 15, 2023</a:t>
             </a:fld>
             <a:endParaRPr lang="en-US"/>
           </a:p>
@@ -5676,7 +5763,7 @@
           <a:p>
             <a:fld id="{14039161-23B8-4738-9069-73EBE8884FDD}" type="datetime2">
               <a:rPr lang="en-US" smtClean="0"/>
-              <a:t>Friday, July 14, 2023</a:t>
+              <a:t>Saturday, July 15, 2023</a:t>
             </a:fld>
             <a:endParaRPr lang="en-US"/>
           </a:p>
@@ -5832,7 +5919,7 @@
           <a:p>
             <a:fld id="{FA994D44-7693-499F-AC6C-11696134FE3F}" type="datetime2">
               <a:rPr lang="en-US" smtClean="0"/>
-              <a:t>Friday, July 14, 2023</a:t>
+              <a:t>Saturday, July 15, 2023</a:t>
             </a:fld>
             <a:endParaRPr lang="en-US"/>
           </a:p>
@@ -5949,7 +6036,7 @@
           <a:p>
             <a:fld id="{363AF2AE-472C-4EF3-ABB2-24BAA9AE3CF7}" type="datetime2">
               <a:rPr lang="en-US" smtClean="0"/>
-              <a:t>Friday, July 14, 2023</a:t>
+              <a:t>Saturday, July 15, 2023</a:t>
             </a:fld>
             <a:endParaRPr lang="en-US"/>
           </a:p>
@@ -6276,7 +6363,7 @@
           <a:p>
             <a:fld id="{EAEA162C-A7C1-4263-9453-1BAFF8C39559}" type="datetime2">
               <a:rPr lang="en-US" smtClean="0"/>
-              <a:t>Friday, July 14, 2023</a:t>
+              <a:t>Saturday, July 15, 2023</a:t>
             </a:fld>
             <a:endParaRPr lang="en-US"/>
           </a:p>
@@ -6582,7 +6669,7 @@
           <a:p>
             <a:fld id="{64DF6793-3458-4587-8168-65F0C37A92D2}" type="datetime2">
               <a:rPr lang="en-US" smtClean="0"/>
-              <a:t>Friday, July 14, 2023</a:t>
+              <a:t>Saturday, July 15, 2023</a:t>
             </a:fld>
             <a:endParaRPr lang="en-US"/>
           </a:p>
@@ -6935,7 +7022,7 @@
             <a:fld id="{E8352ED3-3C46-4C9A-9738-67B2D875E7E2}" type="datetime2">
               <a:rPr lang="en-US" smtClean="0"/>
               <a:pPr/>
-              <a:t>Friday, July 14, 2023</a:t>
+              <a:t>Saturday, July 15, 2023</a:t>
             </a:fld>
             <a:endParaRPr lang="en-US" dirty="0"/>
           </a:p>
@@ -9615,7 +9702,7 @@
           <p:nvPr/>
         </p:nvPicPr>
         <p:blipFill rotWithShape="1">
-          <a:blip r:embed="rId2"/>
+          <a:blip r:embed="rId3"/>
           <a:srcRect l="17908" r="26093" b="1"/>
           <a:stretch/>
         </p:blipFill>
@@ -9644,7 +9731,7 @@
           <p:nvPr/>
         </p:nvPicPr>
         <p:blipFill>
-          <a:blip r:embed="rId3">
+          <a:blip r:embed="rId4">
             <a:extLst>
               <a:ext uri="{28A0092B-C50C-407E-A947-70E740481C1C}">
                 <a14:useLocalDpi xmlns:a14="http://schemas.microsoft.com/office/drawing/2010/main" val="0"/>
@@ -9952,12 +10039,167 @@
           <a:chExt cx="0" cy="0"/>
         </a:xfrm>
       </p:grpSpPr>
+      <p:sp>
+        <p:nvSpPr>
+          <p:cNvPr id="2" name="Title 1">
+            <a:extLst>
+              <a:ext uri="{FF2B5EF4-FFF2-40B4-BE49-F238E27FC236}">
+                <a16:creationId xmlns:a16="http://schemas.microsoft.com/office/drawing/2014/main" id="{2B19CBE0-500B-2278-9224-5A02C2C68EFF}"/>
+              </a:ext>
+            </a:extLst>
+          </p:cNvPr>
+          <p:cNvSpPr>
+            <a:spLocks noGrp="1"/>
+          </p:cNvSpPr>
+          <p:nvPr>
+            <p:ph type="title"/>
+          </p:nvPr>
+        </p:nvSpPr>
+        <p:spPr/>
+        <p:txBody>
+          <a:bodyPr/>
+          <a:lstStyle/>
+          <a:p>
+            <a:r>
+              <a:rPr lang="en-TR" dirty="0"/>
+              <a:t>Checkout Practice</a:t>
+            </a:r>
+          </a:p>
+        </p:txBody>
+      </p:sp>
+      <p:cxnSp>
+        <p:nvCxnSpPr>
+          <p:cNvPr id="5" name="Straight Arrow Connector 4">
+            <a:extLst>
+              <a:ext uri="{FF2B5EF4-FFF2-40B4-BE49-F238E27FC236}">
+                <a16:creationId xmlns:a16="http://schemas.microsoft.com/office/drawing/2014/main" id="{AA4D9275-C294-4F2B-4AB9-9D5EB31A6AB9}"/>
+              </a:ext>
+            </a:extLst>
+          </p:cNvPr>
+          <p:cNvCxnSpPr/>
+          <p:nvPr/>
+        </p:nvCxnSpPr>
+        <p:spPr>
+          <a:xfrm>
+            <a:off x="1440382" y="3429000"/>
+            <a:ext cx="9176368" cy="0"/>
+          </a:xfrm>
+          <a:prstGeom prst="straightConnector1">
+            <a:avLst/>
+          </a:prstGeom>
+          <a:ln>
+            <a:tailEnd type="triangle"/>
+          </a:ln>
+        </p:spPr>
+        <p:style>
+          <a:lnRef idx="3">
+            <a:schemeClr val="accent1"/>
+          </a:lnRef>
+          <a:fillRef idx="0">
+            <a:schemeClr val="accent1"/>
+          </a:fillRef>
+          <a:effectRef idx="2">
+            <a:schemeClr val="accent1"/>
+          </a:effectRef>
+          <a:fontRef idx="minor">
+            <a:schemeClr val="tx1"/>
+          </a:fontRef>
+        </p:style>
+      </p:cxnSp>
+      <p:sp>
+        <p:nvSpPr>
+          <p:cNvPr id="6" name="TextBox 5">
+            <a:extLst>
+              <a:ext uri="{FF2B5EF4-FFF2-40B4-BE49-F238E27FC236}">
+                <a16:creationId xmlns:a16="http://schemas.microsoft.com/office/drawing/2014/main" id="{EF1A15FD-F760-41FF-7317-E20AB9B9DF19}"/>
+              </a:ext>
+            </a:extLst>
+          </p:cNvPr>
+          <p:cNvSpPr txBox="1"/>
+          <p:nvPr/>
+        </p:nvSpPr>
+        <p:spPr>
+          <a:xfrm>
+            <a:off x="10616750" y="3244334"/>
+            <a:ext cx="1470274" cy="369332"/>
+          </a:xfrm>
+          <a:prstGeom prst="rect">
+            <a:avLst/>
+          </a:prstGeom>
+          <a:noFill/>
+        </p:spPr>
+        <p:txBody>
+          <a:bodyPr wrap="none" rtlCol="0">
+            <a:spAutoFit/>
+          </a:bodyPr>
+          <a:lstStyle/>
+          <a:p>
+            <a:r>
+              <a:rPr lang="en-US" b="1" dirty="0"/>
+              <a:t>m</a:t>
+            </a:r>
+            <a:r>
+              <a:rPr lang="en-TR" b="1" dirty="0"/>
+              <a:t>ain / master</a:t>
+            </a:r>
+          </a:p>
+        </p:txBody>
+      </p:sp>
+      <p:sp>
+        <p:nvSpPr>
+          <p:cNvPr id="7" name="Oval 6">
+            <a:extLst>
+              <a:ext uri="{FF2B5EF4-FFF2-40B4-BE49-F238E27FC236}">
+                <a16:creationId xmlns:a16="http://schemas.microsoft.com/office/drawing/2014/main" id="{A2A34ED0-304F-A309-A217-AF1F945F778C}"/>
+              </a:ext>
+            </a:extLst>
+          </p:cNvPr>
+          <p:cNvSpPr/>
+          <p:nvPr/>
+        </p:nvSpPr>
+        <p:spPr>
+          <a:xfrm>
+            <a:off x="2419519" y="2987984"/>
+            <a:ext cx="882032" cy="882032"/>
+          </a:xfrm>
+          <a:prstGeom prst="ellipse">
+            <a:avLst/>
+          </a:prstGeom>
+        </p:spPr>
+        <p:style>
+          <a:lnRef idx="2">
+            <a:schemeClr val="accent1">
+              <a:shade val="15000"/>
+            </a:schemeClr>
+          </a:lnRef>
+          <a:fillRef idx="1">
+            <a:schemeClr val="accent1"/>
+          </a:fillRef>
+          <a:effectRef idx="0">
+            <a:schemeClr val="accent1"/>
+          </a:effectRef>
+          <a:fontRef idx="minor">
+            <a:schemeClr val="lt1"/>
+          </a:fontRef>
+        </p:style>
+        <p:txBody>
+          <a:bodyPr rtlCol="0" anchor="ctr"/>
+          <a:lstStyle/>
+          <a:p>
+            <a:pPr algn="ctr"/>
+            <a:r>
+              <a:rPr lang="en-TR" sz="1100" b="1" dirty="0"/>
+              <a:t>Version 1</a:t>
+            </a:r>
+          </a:p>
+        </p:txBody>
+      </p:sp>
       <p:pic>
         <p:nvPicPr>
-          <p:cNvPr id="4" name="Picture 4" descr="Techpro Education | Online It Courses &amp; Bootcamps">
-            <a:extLst>
-              <a:ext uri="{FF2B5EF4-FFF2-40B4-BE49-F238E27FC236}">
-                <a16:creationId xmlns:a16="http://schemas.microsoft.com/office/drawing/2014/main" id="{E33B55B5-34C1-9987-660E-4BF674EB9809}"/>
+          <p:cNvPr id="8" name="Picture 2" descr="Git — commands you need to git going! | by Dave O'Dea | Medium">
+            <a:extLst>
+              <a:ext uri="{FF2B5EF4-FFF2-40B4-BE49-F238E27FC236}">
+                <a16:creationId xmlns:a16="http://schemas.microsoft.com/office/drawing/2014/main" id="{8E75B341-304C-130F-5CE2-DB9BE417E617}"/>
               </a:ext>
             </a:extLst>
           </p:cNvPr>
@@ -9968,7 +10210,6 @@
         </p:nvPicPr>
         <p:blipFill>
           <a:blip r:embed="rId2">
-            <a:alphaModFix amt="11000"/>
             <a:extLst>
               <a:ext uri="{28A0092B-C50C-407E-A947-70E740481C1C}">
                 <a14:useLocalDpi xmlns:a14="http://schemas.microsoft.com/office/drawing/2010/main" val="0"/>
@@ -9982,8 +10223,8 @@
         </p:blipFill>
         <p:spPr bwMode="auto">
           <a:xfrm>
-            <a:off x="2815081" y="551941"/>
-            <a:ext cx="5754117" cy="5754117"/>
+            <a:off x="2099418" y="3951932"/>
+            <a:ext cx="1668934" cy="963408"/>
           </a:xfrm>
           <a:prstGeom prst="rect">
             <a:avLst/>
@@ -10002,171 +10243,62 @@
       </p:pic>
       <p:sp>
         <p:nvSpPr>
-          <p:cNvPr id="3" name="Title 1">
-            <a:extLst>
-              <a:ext uri="{FF2B5EF4-FFF2-40B4-BE49-F238E27FC236}">
-                <a16:creationId xmlns:a16="http://schemas.microsoft.com/office/drawing/2014/main" id="{87B6C64E-0795-6DBE-C426-84C825AB1E29}"/>
-              </a:ext>
-            </a:extLst>
-          </p:cNvPr>
-          <p:cNvSpPr>
-            <a:spLocks noGrp="1"/>
-          </p:cNvSpPr>
-          <p:nvPr>
-            <p:ph type="title"/>
-          </p:nvPr>
+          <p:cNvPr id="9" name="Oval 8">
+            <a:extLst>
+              <a:ext uri="{FF2B5EF4-FFF2-40B4-BE49-F238E27FC236}">
+                <a16:creationId xmlns:a16="http://schemas.microsoft.com/office/drawing/2014/main" id="{5CCFBDC1-24B7-093D-C3FE-E9BFE4E86814}"/>
+              </a:ext>
+            </a:extLst>
+          </p:cNvPr>
+          <p:cNvSpPr/>
+          <p:nvPr/>
         </p:nvSpPr>
         <p:spPr>
           <a:xfrm>
-            <a:off x="420624" y="365125"/>
-            <a:ext cx="10543032" cy="1325563"/>
-          </a:xfrm>
-        </p:spPr>
-        <p:txBody>
-          <a:bodyPr/>
+            <a:off x="5339970" y="2987984"/>
+            <a:ext cx="882032" cy="882032"/>
+          </a:xfrm>
+          <a:prstGeom prst="ellipse">
+            <a:avLst/>
+          </a:prstGeom>
+          <a:solidFill>
+            <a:srgbClr val="C00000"/>
+          </a:solidFill>
+        </p:spPr>
+        <p:style>
+          <a:lnRef idx="2">
+            <a:schemeClr val="accent1">
+              <a:shade val="15000"/>
+            </a:schemeClr>
+          </a:lnRef>
+          <a:fillRef idx="1">
+            <a:schemeClr val="accent1"/>
+          </a:fillRef>
+          <a:effectRef idx="0">
+            <a:schemeClr val="accent1"/>
+          </a:effectRef>
+          <a:fontRef idx="minor">
+            <a:schemeClr val="lt1"/>
+          </a:fontRef>
+        </p:style>
+        <p:txBody>
+          <a:bodyPr rtlCol="0" anchor="ctr"/>
           <a:lstStyle/>
           <a:p>
-            <a:r>
-              <a:rPr lang="en-TR" b="1" dirty="0"/>
-              <a:t>Github Watch | Star | Fork</a:t>
-            </a:r>
-          </a:p>
-        </p:txBody>
-      </p:sp>
-      <p:sp>
-        <p:nvSpPr>
-          <p:cNvPr id="5" name="Content Placeholder 2">
-            <a:extLst>
-              <a:ext uri="{FF2B5EF4-FFF2-40B4-BE49-F238E27FC236}">
-                <a16:creationId xmlns:a16="http://schemas.microsoft.com/office/drawing/2014/main" id="{AD4D72CB-A20C-6D7D-55C4-D224825053B4}"/>
-              </a:ext>
-            </a:extLst>
-          </p:cNvPr>
-          <p:cNvSpPr>
-            <a:spLocks noGrp="1"/>
-          </p:cNvSpPr>
-          <p:nvPr>
-            <p:ph idx="1"/>
-          </p:nvPr>
-        </p:nvSpPr>
-        <p:spPr>
-          <a:xfrm>
-            <a:off x="420626" y="1825625"/>
-            <a:ext cx="6294500" cy="4206383"/>
-          </a:xfrm>
-        </p:spPr>
-        <p:txBody>
-          <a:bodyPr>
-            <a:normAutofit fontScale="85000" lnSpcReduction="20000"/>
-          </a:bodyPr>
-          <a:lstStyle/>
-          <a:p>
-            <a:pPr algn="just"/>
-            <a:r>
-              <a:rPr lang="en-TR" sz="3200" b="1" dirty="0"/>
-              <a:t>Watch</a:t>
-            </a:r>
-            <a:r>
-              <a:rPr lang="en-TR" sz="3200" dirty="0"/>
-              <a:t> : </a:t>
-            </a:r>
-            <a:r>
-              <a:rPr lang="en-US" sz="3200" dirty="0"/>
-              <a:t>Kullanıcının belirli bir repo veya organizasyonu </a:t>
-            </a:r>
-            <a:r>
-              <a:rPr lang="en-US" sz="3200" b="1" dirty="0">
-                <a:highlight>
-                  <a:srgbClr val="FFFF00"/>
-                </a:highlight>
-              </a:rPr>
-              <a:t>takip etmek</a:t>
-            </a:r>
-            <a:r>
-              <a:rPr lang="en-US" sz="3200" b="1" dirty="0"/>
-              <a:t> </a:t>
-            </a:r>
-            <a:r>
-              <a:rPr lang="en-US" sz="3200" dirty="0"/>
-              <a:t>için kullandığı bir özelliktir.</a:t>
-            </a:r>
-          </a:p>
-          <a:p>
-            <a:pPr algn="just"/>
-            <a:r>
-              <a:rPr lang="en-TR" sz="3200" b="1" dirty="0"/>
-              <a:t>Star</a:t>
-            </a:r>
-            <a:r>
-              <a:rPr lang="en-TR" sz="3200" dirty="0"/>
-              <a:t> : </a:t>
-            </a:r>
-            <a:r>
-              <a:rPr lang="en-US" sz="3200" dirty="0"/>
-              <a:t>Kullanıcının beğendiği veya ilgi duyduğu bir repo’ yu </a:t>
-            </a:r>
-            <a:r>
-              <a:rPr lang="en-US" sz="3200" b="1" dirty="0">
-                <a:highlight>
-                  <a:srgbClr val="00FF00"/>
-                </a:highlight>
-              </a:rPr>
-              <a:t>işaretlemek</a:t>
-            </a:r>
-            <a:r>
-              <a:rPr lang="en-US" sz="3200" dirty="0"/>
-              <a:t> ve </a:t>
-            </a:r>
-            <a:r>
-              <a:rPr lang="en-US" sz="3200" b="1" dirty="0">
-                <a:highlight>
-                  <a:srgbClr val="00FF00"/>
-                </a:highlight>
-              </a:rPr>
-              <a:t>favorilerine eklemek</a:t>
-            </a:r>
-            <a:r>
-              <a:rPr lang="en-US" sz="3200" dirty="0"/>
-              <a:t> için kullandığı bir özelliktir.</a:t>
-            </a:r>
-            <a:endParaRPr lang="en-TR" sz="3200" dirty="0"/>
-          </a:p>
-          <a:p>
-            <a:pPr algn="just"/>
-            <a:r>
-              <a:rPr lang="en-TR" sz="3200" b="1" dirty="0"/>
-              <a:t>Fork</a:t>
-            </a:r>
-            <a:r>
-              <a:rPr lang="en-TR" sz="3200" dirty="0"/>
-              <a:t> : </a:t>
-            </a:r>
-            <a:r>
-              <a:rPr lang="en-US" sz="3200" dirty="0"/>
-              <a:t>Başka bir kullanıcının repo’ sunu kopyalayarak </a:t>
-            </a:r>
-            <a:r>
-              <a:rPr lang="en-US" sz="3200" b="1" dirty="0">
-                <a:highlight>
-                  <a:srgbClr val="FFFF00"/>
-                </a:highlight>
-              </a:rPr>
-              <a:t>kendi GitHub hesabına taşımak</a:t>
-            </a:r>
-            <a:r>
-              <a:rPr lang="en-US" sz="3200" dirty="0"/>
-              <a:t> ve bu kopya üzerinde bağımsız bir şekilde çalışmak için kullanılan bir işlemdir.</a:t>
-            </a:r>
-            <a:endParaRPr lang="en-TR" sz="3200" dirty="0"/>
+            <a:pPr algn="ctr"/>
+            <a:r>
+              <a:rPr lang="en-TR" sz="1100" b="1" dirty="0"/>
+              <a:t>Version 2</a:t>
+            </a:r>
           </a:p>
         </p:txBody>
       </p:sp>
       <p:pic>
         <p:nvPicPr>
-          <p:cNvPr id="1026" name="Picture 2" descr="GitHub右上角Watch、Star和Fork详解- 知乎">
-            <a:extLst>
-              <a:ext uri="{FF2B5EF4-FFF2-40B4-BE49-F238E27FC236}">
-                <a16:creationId xmlns:a16="http://schemas.microsoft.com/office/drawing/2014/main" id="{132A9A09-6729-D5C6-85A1-9C75197643DC}"/>
+          <p:cNvPr id="10" name="Picture 2" descr="Git — commands you need to git going! | by Dave O'Dea | Medium">
+            <a:extLst>
+              <a:ext uri="{FF2B5EF4-FFF2-40B4-BE49-F238E27FC236}">
+                <a16:creationId xmlns:a16="http://schemas.microsoft.com/office/drawing/2014/main" id="{AACBE867-6517-BC80-D11F-0D61A72C6D49}"/>
               </a:ext>
             </a:extLst>
           </p:cNvPr>
@@ -10176,7 +10308,7 @@
           <p:nvPr/>
         </p:nvPicPr>
         <p:blipFill>
-          <a:blip r:embed="rId3">
+          <a:blip r:embed="rId2">
             <a:extLst>
               <a:ext uri="{28A0092B-C50C-407E-A947-70E740481C1C}">
                 <a14:useLocalDpi xmlns:a14="http://schemas.microsoft.com/office/drawing/2010/main" val="0"/>
@@ -10190,8 +10322,8 @@
         </p:blipFill>
         <p:spPr bwMode="auto">
           <a:xfrm>
-            <a:off x="7200901" y="2158999"/>
-            <a:ext cx="4397374" cy="2762952"/>
+            <a:off x="5019869" y="3951932"/>
+            <a:ext cx="1668934" cy="963408"/>
           </a:xfrm>
           <a:prstGeom prst="rect">
             <a:avLst/>
@@ -10208,10 +10340,174 @@
           </a:extLst>
         </p:spPr>
       </p:pic>
+      <p:sp>
+        <p:nvSpPr>
+          <p:cNvPr id="11" name="Oval 10">
+            <a:extLst>
+              <a:ext uri="{FF2B5EF4-FFF2-40B4-BE49-F238E27FC236}">
+                <a16:creationId xmlns:a16="http://schemas.microsoft.com/office/drawing/2014/main" id="{C9B91D9C-A52E-09A5-EC75-F8E4B3729C2B}"/>
+              </a:ext>
+            </a:extLst>
+          </p:cNvPr>
+          <p:cNvSpPr/>
+          <p:nvPr/>
+        </p:nvSpPr>
+        <p:spPr>
+          <a:xfrm>
+            <a:off x="8260419" y="2987984"/>
+            <a:ext cx="882032" cy="882032"/>
+          </a:xfrm>
+          <a:prstGeom prst="ellipse">
+            <a:avLst/>
+          </a:prstGeom>
+          <a:solidFill>
+            <a:schemeClr val="accent5"/>
+          </a:solidFill>
+        </p:spPr>
+        <p:style>
+          <a:lnRef idx="2">
+            <a:schemeClr val="accent1">
+              <a:shade val="15000"/>
+            </a:schemeClr>
+          </a:lnRef>
+          <a:fillRef idx="1">
+            <a:schemeClr val="accent1"/>
+          </a:fillRef>
+          <a:effectRef idx="0">
+            <a:schemeClr val="accent1"/>
+          </a:effectRef>
+          <a:fontRef idx="minor">
+            <a:schemeClr val="lt1"/>
+          </a:fontRef>
+        </p:style>
+        <p:txBody>
+          <a:bodyPr rtlCol="0" anchor="ctr"/>
+          <a:lstStyle/>
+          <a:p>
+            <a:pPr algn="ctr"/>
+            <a:r>
+              <a:rPr lang="en-TR" sz="1100" b="1" dirty="0">
+                <a:solidFill>
+                  <a:schemeClr val="tx1"/>
+                </a:solidFill>
+              </a:rPr>
+              <a:t>Version 3</a:t>
+            </a:r>
+          </a:p>
+        </p:txBody>
+      </p:sp>
+      <p:pic>
+        <p:nvPicPr>
+          <p:cNvPr id="12" name="Picture 2" descr="Git — commands you need to git going! | by Dave O'Dea | Medium">
+            <a:extLst>
+              <a:ext uri="{FF2B5EF4-FFF2-40B4-BE49-F238E27FC236}">
+                <a16:creationId xmlns:a16="http://schemas.microsoft.com/office/drawing/2014/main" id="{A7CD3E19-64B4-0379-1037-949B9D7D9140}"/>
+              </a:ext>
+            </a:extLst>
+          </p:cNvPr>
+          <p:cNvPicPr>
+            <a:picLocks noChangeAspect="1" noChangeArrowheads="1"/>
+          </p:cNvPicPr>
+          <p:nvPr/>
+        </p:nvPicPr>
+        <p:blipFill>
+          <a:blip r:embed="rId2">
+            <a:extLst>
+              <a:ext uri="{28A0092B-C50C-407E-A947-70E740481C1C}">
+                <a14:useLocalDpi xmlns:a14="http://schemas.microsoft.com/office/drawing/2010/main" val="0"/>
+              </a:ext>
+            </a:extLst>
+          </a:blip>
+          <a:srcRect/>
+          <a:stretch>
+            <a:fillRect/>
+          </a:stretch>
+        </p:blipFill>
+        <p:spPr bwMode="auto">
+          <a:xfrm>
+            <a:off x="7940318" y="3951932"/>
+            <a:ext cx="1668934" cy="963408"/>
+          </a:xfrm>
+          <a:prstGeom prst="rect">
+            <a:avLst/>
+          </a:prstGeom>
+          <a:noFill/>
+          <a:extLst>
+            <a:ext uri="{909E8E84-426E-40DD-AFC4-6F175D3DCCD1}">
+              <a14:hiddenFill xmlns:a14="http://schemas.microsoft.com/office/drawing/2010/main">
+                <a:solidFill>
+                  <a:srgbClr val="FFFFFF"/>
+                </a:solidFill>
+              </a14:hiddenFill>
+            </a:ext>
+          </a:extLst>
+        </p:spPr>
+      </p:pic>
+      <p:sp>
+        <p:nvSpPr>
+          <p:cNvPr id="13" name="Down Arrow 12">
+            <a:extLst>
+              <a:ext uri="{FF2B5EF4-FFF2-40B4-BE49-F238E27FC236}">
+                <a16:creationId xmlns:a16="http://schemas.microsoft.com/office/drawing/2014/main" id="{A685F69C-3577-BB31-A324-FB0F1FE80950}"/>
+              </a:ext>
+            </a:extLst>
+          </p:cNvPr>
+          <p:cNvSpPr/>
+          <p:nvPr/>
+        </p:nvSpPr>
+        <p:spPr>
+          <a:xfrm>
+            <a:off x="7974013" y="1456575"/>
+            <a:ext cx="1454844" cy="1439076"/>
+          </a:xfrm>
+          <a:prstGeom prst="downArrow">
+            <a:avLst/>
+          </a:prstGeom>
+          <a:solidFill>
+            <a:srgbClr val="FFFF00"/>
+          </a:solidFill>
+        </p:spPr>
+        <p:style>
+          <a:lnRef idx="2">
+            <a:schemeClr val="accent1">
+              <a:shade val="15000"/>
+            </a:schemeClr>
+          </a:lnRef>
+          <a:fillRef idx="1">
+            <a:schemeClr val="accent1"/>
+          </a:fillRef>
+          <a:effectRef idx="0">
+            <a:schemeClr val="accent1"/>
+          </a:effectRef>
+          <a:fontRef idx="minor">
+            <a:schemeClr val="lt1"/>
+          </a:fontRef>
+        </p:style>
+        <p:txBody>
+          <a:bodyPr rtlCol="0" anchor="ctr"/>
+          <a:lstStyle/>
+          <a:p>
+            <a:pPr algn="ctr"/>
+            <a:r>
+              <a:rPr lang="en-TR" sz="1600" dirty="0">
+                <a:solidFill>
+                  <a:schemeClr val="tx1"/>
+                </a:solidFill>
+              </a:rPr>
+              <a:t>HEAD</a:t>
+            </a:r>
+            <a:endParaRPr lang="en-TR" sz="500" dirty="0">
+              <a:solidFill>
+                <a:schemeClr val="tx1"/>
+              </a:solidFill>
+            </a:endParaRPr>
+          </a:p>
+        </p:txBody>
+      </p:sp>
     </p:spTree>
     <p:extLst>
       <p:ext uri="{BB962C8B-B14F-4D97-AF65-F5344CB8AC3E}">
-        <p14:creationId xmlns:p14="http://schemas.microsoft.com/office/powerpoint/2010/main" val="3713516717"/>
+        <p14:creationId xmlns:p14="http://schemas.microsoft.com/office/powerpoint/2010/main" val="411598832"/>
       </p:ext>
     </p:extLst>
   </p:cSld>
@@ -10238,12 +10534,167 @@
           <a:chExt cx="0" cy="0"/>
         </a:xfrm>
       </p:grpSpPr>
+      <p:sp>
+        <p:nvSpPr>
+          <p:cNvPr id="2" name="Title 1">
+            <a:extLst>
+              <a:ext uri="{FF2B5EF4-FFF2-40B4-BE49-F238E27FC236}">
+                <a16:creationId xmlns:a16="http://schemas.microsoft.com/office/drawing/2014/main" id="{2B19CBE0-500B-2278-9224-5A02C2C68EFF}"/>
+              </a:ext>
+            </a:extLst>
+          </p:cNvPr>
+          <p:cNvSpPr>
+            <a:spLocks noGrp="1"/>
+          </p:cNvSpPr>
+          <p:nvPr>
+            <p:ph type="title"/>
+          </p:nvPr>
+        </p:nvSpPr>
+        <p:spPr/>
+        <p:txBody>
+          <a:bodyPr/>
+          <a:lstStyle/>
+          <a:p>
+            <a:r>
+              <a:rPr lang="en-TR" dirty="0"/>
+              <a:t>Branch &amp; Merge Practice</a:t>
+            </a:r>
+          </a:p>
+        </p:txBody>
+      </p:sp>
+      <p:cxnSp>
+        <p:nvCxnSpPr>
+          <p:cNvPr id="5" name="Straight Arrow Connector 4">
+            <a:extLst>
+              <a:ext uri="{FF2B5EF4-FFF2-40B4-BE49-F238E27FC236}">
+                <a16:creationId xmlns:a16="http://schemas.microsoft.com/office/drawing/2014/main" id="{AA4D9275-C294-4F2B-4AB9-9D5EB31A6AB9}"/>
+              </a:ext>
+            </a:extLst>
+          </p:cNvPr>
+          <p:cNvCxnSpPr/>
+          <p:nvPr/>
+        </p:nvCxnSpPr>
+        <p:spPr>
+          <a:xfrm>
+            <a:off x="1440382" y="3429000"/>
+            <a:ext cx="9176368" cy="0"/>
+          </a:xfrm>
+          <a:prstGeom prst="straightConnector1">
+            <a:avLst/>
+          </a:prstGeom>
+          <a:ln>
+            <a:tailEnd type="triangle"/>
+          </a:ln>
+        </p:spPr>
+        <p:style>
+          <a:lnRef idx="3">
+            <a:schemeClr val="accent1"/>
+          </a:lnRef>
+          <a:fillRef idx="0">
+            <a:schemeClr val="accent1"/>
+          </a:fillRef>
+          <a:effectRef idx="2">
+            <a:schemeClr val="accent1"/>
+          </a:effectRef>
+          <a:fontRef idx="minor">
+            <a:schemeClr val="tx1"/>
+          </a:fontRef>
+        </p:style>
+      </p:cxnSp>
+      <p:sp>
+        <p:nvSpPr>
+          <p:cNvPr id="6" name="TextBox 5">
+            <a:extLst>
+              <a:ext uri="{FF2B5EF4-FFF2-40B4-BE49-F238E27FC236}">
+                <a16:creationId xmlns:a16="http://schemas.microsoft.com/office/drawing/2014/main" id="{EF1A15FD-F760-41FF-7317-E20AB9B9DF19}"/>
+              </a:ext>
+            </a:extLst>
+          </p:cNvPr>
+          <p:cNvSpPr txBox="1"/>
+          <p:nvPr/>
+        </p:nvSpPr>
+        <p:spPr>
+          <a:xfrm>
+            <a:off x="10616750" y="3244334"/>
+            <a:ext cx="1470274" cy="369332"/>
+          </a:xfrm>
+          <a:prstGeom prst="rect">
+            <a:avLst/>
+          </a:prstGeom>
+          <a:noFill/>
+        </p:spPr>
+        <p:txBody>
+          <a:bodyPr wrap="none" rtlCol="0">
+            <a:spAutoFit/>
+          </a:bodyPr>
+          <a:lstStyle/>
+          <a:p>
+            <a:r>
+              <a:rPr lang="en-US" b="1" dirty="0"/>
+              <a:t>m</a:t>
+            </a:r>
+            <a:r>
+              <a:rPr lang="en-TR" b="1" dirty="0"/>
+              <a:t>ain / master</a:t>
+            </a:r>
+          </a:p>
+        </p:txBody>
+      </p:sp>
+      <p:sp>
+        <p:nvSpPr>
+          <p:cNvPr id="7" name="Oval 6">
+            <a:extLst>
+              <a:ext uri="{FF2B5EF4-FFF2-40B4-BE49-F238E27FC236}">
+                <a16:creationId xmlns:a16="http://schemas.microsoft.com/office/drawing/2014/main" id="{A2A34ED0-304F-A309-A217-AF1F945F778C}"/>
+              </a:ext>
+            </a:extLst>
+          </p:cNvPr>
+          <p:cNvSpPr/>
+          <p:nvPr/>
+        </p:nvSpPr>
+        <p:spPr>
+          <a:xfrm>
+            <a:off x="1717025" y="2967349"/>
+            <a:ext cx="923302" cy="923302"/>
+          </a:xfrm>
+          <a:prstGeom prst="ellipse">
+            <a:avLst/>
+          </a:prstGeom>
+        </p:spPr>
+        <p:style>
+          <a:lnRef idx="2">
+            <a:schemeClr val="accent1">
+              <a:shade val="15000"/>
+            </a:schemeClr>
+          </a:lnRef>
+          <a:fillRef idx="1">
+            <a:schemeClr val="accent1"/>
+          </a:fillRef>
+          <a:effectRef idx="0">
+            <a:schemeClr val="accent1"/>
+          </a:effectRef>
+          <a:fontRef idx="minor">
+            <a:schemeClr val="lt1"/>
+          </a:fontRef>
+        </p:style>
+        <p:txBody>
+          <a:bodyPr rtlCol="0" anchor="ctr"/>
+          <a:lstStyle/>
+          <a:p>
+            <a:pPr algn="ctr"/>
+            <a:r>
+              <a:rPr lang="en-TR" sz="1100" b="1" dirty="0"/>
+              <a:t>Version 1</a:t>
+            </a:r>
+          </a:p>
+        </p:txBody>
+      </p:sp>
       <p:pic>
         <p:nvPicPr>
-          <p:cNvPr id="4" name="Picture 4" descr="Techpro Education | Online It Courses &amp; Bootcamps">
-            <a:extLst>
-              <a:ext uri="{FF2B5EF4-FFF2-40B4-BE49-F238E27FC236}">
-                <a16:creationId xmlns:a16="http://schemas.microsoft.com/office/drawing/2014/main" id="{E33B55B5-34C1-9987-660E-4BF674EB9809}"/>
+          <p:cNvPr id="8" name="Picture 2" descr="Git — commands you need to git going! | by Dave O'Dea | Medium">
+            <a:extLst>
+              <a:ext uri="{FF2B5EF4-FFF2-40B4-BE49-F238E27FC236}">
+                <a16:creationId xmlns:a16="http://schemas.microsoft.com/office/drawing/2014/main" id="{8E75B341-304C-130F-5CE2-DB9BE417E617}"/>
               </a:ext>
             </a:extLst>
           </p:cNvPr>
@@ -10254,7 +10705,6 @@
         </p:nvPicPr>
         <p:blipFill>
           <a:blip r:embed="rId2">
-            <a:alphaModFix amt="11000"/>
             <a:extLst>
               <a:ext uri="{28A0092B-C50C-407E-A947-70E740481C1C}">
                 <a14:useLocalDpi xmlns:a14="http://schemas.microsoft.com/office/drawing/2010/main" val="0"/>
@@ -10268,8 +10718,8 @@
         </p:blipFill>
         <p:spPr bwMode="auto">
           <a:xfrm>
-            <a:off x="2815081" y="551941"/>
-            <a:ext cx="5754117" cy="5754117"/>
+            <a:off x="1396924" y="3931297"/>
+            <a:ext cx="1747024" cy="1008486"/>
           </a:xfrm>
           <a:prstGeom prst="rect">
             <a:avLst/>
@@ -10288,98 +10738,62 @@
       </p:pic>
       <p:sp>
         <p:nvSpPr>
-          <p:cNvPr id="3" name="Title 1">
-            <a:extLst>
-              <a:ext uri="{FF2B5EF4-FFF2-40B4-BE49-F238E27FC236}">
-                <a16:creationId xmlns:a16="http://schemas.microsoft.com/office/drawing/2014/main" id="{87B6C64E-0795-6DBE-C426-84C825AB1E29}"/>
-              </a:ext>
-            </a:extLst>
-          </p:cNvPr>
-          <p:cNvSpPr>
-            <a:spLocks noGrp="1"/>
-          </p:cNvSpPr>
-          <p:nvPr>
-            <p:ph type="title"/>
-          </p:nvPr>
+          <p:cNvPr id="9" name="Oval 8">
+            <a:extLst>
+              <a:ext uri="{FF2B5EF4-FFF2-40B4-BE49-F238E27FC236}">
+                <a16:creationId xmlns:a16="http://schemas.microsoft.com/office/drawing/2014/main" id="{5CCFBDC1-24B7-093D-C3FE-E9BFE4E86814}"/>
+              </a:ext>
+            </a:extLst>
+          </p:cNvPr>
+          <p:cNvSpPr/>
+          <p:nvPr/>
         </p:nvSpPr>
         <p:spPr>
           <a:xfrm>
-            <a:off x="420624" y="365125"/>
-            <a:ext cx="10543032" cy="1325563"/>
-          </a:xfrm>
-        </p:spPr>
-        <p:txBody>
-          <a:bodyPr/>
+            <a:off x="3305717" y="2967349"/>
+            <a:ext cx="923302" cy="923302"/>
+          </a:xfrm>
+          <a:prstGeom prst="ellipse">
+            <a:avLst/>
+          </a:prstGeom>
+          <a:solidFill>
+            <a:srgbClr val="C00000"/>
+          </a:solidFill>
+        </p:spPr>
+        <p:style>
+          <a:lnRef idx="2">
+            <a:schemeClr val="accent1">
+              <a:shade val="15000"/>
+            </a:schemeClr>
+          </a:lnRef>
+          <a:fillRef idx="1">
+            <a:schemeClr val="accent1"/>
+          </a:fillRef>
+          <a:effectRef idx="0">
+            <a:schemeClr val="accent1"/>
+          </a:effectRef>
+          <a:fontRef idx="minor">
+            <a:schemeClr val="lt1"/>
+          </a:fontRef>
+        </p:style>
+        <p:txBody>
+          <a:bodyPr rtlCol="0" anchor="ctr"/>
           <a:lstStyle/>
           <a:p>
-            <a:r>
-              <a:rPr lang="en-TR" b="1" dirty="0"/>
-              <a:t>Github Issues</a:t>
-            </a:r>
-          </a:p>
-        </p:txBody>
-      </p:sp>
-      <p:sp>
-        <p:nvSpPr>
-          <p:cNvPr id="5" name="Content Placeholder 2">
-            <a:extLst>
-              <a:ext uri="{FF2B5EF4-FFF2-40B4-BE49-F238E27FC236}">
-                <a16:creationId xmlns:a16="http://schemas.microsoft.com/office/drawing/2014/main" id="{AD4D72CB-A20C-6D7D-55C4-D224825053B4}"/>
-              </a:ext>
-            </a:extLst>
-          </p:cNvPr>
-          <p:cNvSpPr>
-            <a:spLocks noGrp="1"/>
-          </p:cNvSpPr>
-          <p:nvPr>
-            <p:ph idx="1"/>
-          </p:nvPr>
-        </p:nvSpPr>
-        <p:spPr>
-          <a:xfrm>
-            <a:off x="420626" y="1825625"/>
-            <a:ext cx="6294500" cy="4206383"/>
-          </a:xfrm>
-        </p:spPr>
-        <p:txBody>
-          <a:bodyPr>
-            <a:normAutofit fontScale="85000" lnSpcReduction="20000"/>
-          </a:bodyPr>
-          <a:lstStyle/>
-          <a:p>
-            <a:pPr algn="just"/>
-            <a:r>
-              <a:rPr lang="tr-TR" sz="3200" dirty="0"/>
-              <a:t>Bir </a:t>
-            </a:r>
-            <a:r>
-              <a:rPr lang="en-US" sz="3200" dirty="0"/>
-              <a:t>projede karşılaşılan sorunları, hataları veya önerileri takip etmek ve yönetmek için kullanılan bir özelliktir. </a:t>
-            </a:r>
-          </a:p>
-          <a:p>
-            <a:pPr algn="just"/>
-            <a:r>
-              <a:rPr lang="en-US" sz="3200" dirty="0"/>
-              <a:t>Kullanıcılar, projenin GitHub sayfasında issues bölümünden yeni bir issue açabilir, mevcut issue’ ları takip edebilir, yorumlar ekleyebilir ve issue’ ları kapatılana kadar ilerleyişini izleyebilir. </a:t>
-            </a:r>
-          </a:p>
-          <a:p>
-            <a:pPr algn="just"/>
-            <a:r>
-              <a:rPr lang="en-US" sz="3200" dirty="0"/>
-              <a:t>Bu, proje ekibi ve katkıda bulunanlar arasında iletişimi kolaylaştırarak projenin geliştirilmesine katkıda bulunur.</a:t>
-            </a:r>
-            <a:endParaRPr lang="en-TR" sz="3200" dirty="0"/>
+            <a:pPr algn="ctr"/>
+            <a:r>
+              <a:rPr lang="en-TR" sz="1100" b="1" dirty="0"/>
+              <a:t>Version 2</a:t>
+            </a:r>
           </a:p>
         </p:txBody>
       </p:sp>
       <p:pic>
         <p:nvPicPr>
-          <p:cNvPr id="2050" name="Picture 2" descr="Best Practices for Using GitHub Issues - Rewind">
-            <a:extLst>
-              <a:ext uri="{FF2B5EF4-FFF2-40B4-BE49-F238E27FC236}">
-                <a16:creationId xmlns:a16="http://schemas.microsoft.com/office/drawing/2014/main" id="{FB98E1D2-143B-2D5B-69F2-FB2BF5E83803}"/>
+          <p:cNvPr id="10" name="Picture 2" descr="Git — commands you need to git going! | by Dave O'Dea | Medium">
+            <a:extLst>
+              <a:ext uri="{FF2B5EF4-FFF2-40B4-BE49-F238E27FC236}">
+                <a16:creationId xmlns:a16="http://schemas.microsoft.com/office/drawing/2014/main" id="{AACBE867-6517-BC80-D11F-0D61A72C6D49}"/>
               </a:ext>
             </a:extLst>
           </p:cNvPr>
@@ -10389,7 +10803,7 @@
           <p:nvPr/>
         </p:nvPicPr>
         <p:blipFill>
-          <a:blip r:embed="rId3">
+          <a:blip r:embed="rId2">
             <a:extLst>
               <a:ext uri="{28A0092B-C50C-407E-A947-70E740481C1C}">
                 <a14:useLocalDpi xmlns:a14="http://schemas.microsoft.com/office/drawing/2010/main" val="0"/>
@@ -10403,8 +10817,8 @@
         </p:blipFill>
         <p:spPr bwMode="auto">
           <a:xfrm>
-            <a:off x="7442012" y="2228866"/>
-            <a:ext cx="4329362" cy="3399899"/>
+            <a:off x="2985616" y="3931297"/>
+            <a:ext cx="1747024" cy="1008486"/>
           </a:xfrm>
           <a:prstGeom prst="rect">
             <a:avLst/>
@@ -10421,10 +10835,504 @@
           </a:extLst>
         </p:spPr>
       </p:pic>
+      <p:sp>
+        <p:nvSpPr>
+          <p:cNvPr id="11" name="Oval 10">
+            <a:extLst>
+              <a:ext uri="{FF2B5EF4-FFF2-40B4-BE49-F238E27FC236}">
+                <a16:creationId xmlns:a16="http://schemas.microsoft.com/office/drawing/2014/main" id="{C9B91D9C-A52E-09A5-EC75-F8E4B3729C2B}"/>
+              </a:ext>
+            </a:extLst>
+          </p:cNvPr>
+          <p:cNvSpPr/>
+          <p:nvPr/>
+        </p:nvSpPr>
+        <p:spPr>
+          <a:xfrm>
+            <a:off x="5019047" y="2992348"/>
+            <a:ext cx="923302" cy="923302"/>
+          </a:xfrm>
+          <a:prstGeom prst="ellipse">
+            <a:avLst/>
+          </a:prstGeom>
+          <a:solidFill>
+            <a:schemeClr val="accent5"/>
+          </a:solidFill>
+        </p:spPr>
+        <p:style>
+          <a:lnRef idx="2">
+            <a:schemeClr val="accent1">
+              <a:shade val="15000"/>
+            </a:schemeClr>
+          </a:lnRef>
+          <a:fillRef idx="1">
+            <a:schemeClr val="accent1"/>
+          </a:fillRef>
+          <a:effectRef idx="0">
+            <a:schemeClr val="accent1"/>
+          </a:effectRef>
+          <a:fontRef idx="minor">
+            <a:schemeClr val="lt1"/>
+          </a:fontRef>
+        </p:style>
+        <p:txBody>
+          <a:bodyPr rtlCol="0" anchor="ctr"/>
+          <a:lstStyle/>
+          <a:p>
+            <a:pPr algn="ctr"/>
+            <a:r>
+              <a:rPr lang="en-TR" sz="1100" b="1" dirty="0">
+                <a:solidFill>
+                  <a:schemeClr val="tx1"/>
+                </a:solidFill>
+              </a:rPr>
+              <a:t>Version 3</a:t>
+            </a:r>
+          </a:p>
+        </p:txBody>
+      </p:sp>
+      <p:pic>
+        <p:nvPicPr>
+          <p:cNvPr id="12" name="Picture 2" descr="Git — commands you need to git going! | by Dave O'Dea | Medium">
+            <a:extLst>
+              <a:ext uri="{FF2B5EF4-FFF2-40B4-BE49-F238E27FC236}">
+                <a16:creationId xmlns:a16="http://schemas.microsoft.com/office/drawing/2014/main" id="{A7CD3E19-64B4-0379-1037-949B9D7D9140}"/>
+              </a:ext>
+            </a:extLst>
+          </p:cNvPr>
+          <p:cNvPicPr>
+            <a:picLocks noChangeAspect="1" noChangeArrowheads="1"/>
+          </p:cNvPicPr>
+          <p:nvPr/>
+        </p:nvPicPr>
+        <p:blipFill>
+          <a:blip r:embed="rId2">
+            <a:extLst>
+              <a:ext uri="{28A0092B-C50C-407E-A947-70E740481C1C}">
+                <a14:useLocalDpi xmlns:a14="http://schemas.microsoft.com/office/drawing/2010/main" val="0"/>
+              </a:ext>
+            </a:extLst>
+          </a:blip>
+          <a:srcRect/>
+          <a:stretch>
+            <a:fillRect/>
+          </a:stretch>
+        </p:blipFill>
+        <p:spPr bwMode="auto">
+          <a:xfrm>
+            <a:off x="4698946" y="3956296"/>
+            <a:ext cx="1747024" cy="1008486"/>
+          </a:xfrm>
+          <a:prstGeom prst="rect">
+            <a:avLst/>
+          </a:prstGeom>
+          <a:noFill/>
+          <a:extLst>
+            <a:ext uri="{909E8E84-426E-40DD-AFC4-6F175D3DCCD1}">
+              <a14:hiddenFill xmlns:a14="http://schemas.microsoft.com/office/drawing/2010/main">
+                <a:solidFill>
+                  <a:srgbClr val="FFFFFF"/>
+                </a:solidFill>
+              </a14:hiddenFill>
+            </a:ext>
+          </a:extLst>
+        </p:spPr>
+      </p:pic>
+      <p:sp>
+        <p:nvSpPr>
+          <p:cNvPr id="13" name="Down Arrow 12">
+            <a:extLst>
+              <a:ext uri="{FF2B5EF4-FFF2-40B4-BE49-F238E27FC236}">
+                <a16:creationId xmlns:a16="http://schemas.microsoft.com/office/drawing/2014/main" id="{A685F69C-3577-BB31-A324-FB0F1FE80950}"/>
+              </a:ext>
+            </a:extLst>
+          </p:cNvPr>
+          <p:cNvSpPr/>
+          <p:nvPr/>
+        </p:nvSpPr>
+        <p:spPr>
+          <a:xfrm>
+            <a:off x="7814613" y="184277"/>
+            <a:ext cx="1522917" cy="1506411"/>
+          </a:xfrm>
+          <a:prstGeom prst="downArrow">
+            <a:avLst/>
+          </a:prstGeom>
+          <a:solidFill>
+            <a:srgbClr val="FFFF00"/>
+          </a:solidFill>
+        </p:spPr>
+        <p:style>
+          <a:lnRef idx="2">
+            <a:schemeClr val="accent1">
+              <a:shade val="15000"/>
+            </a:schemeClr>
+          </a:lnRef>
+          <a:fillRef idx="1">
+            <a:schemeClr val="accent1"/>
+          </a:fillRef>
+          <a:effectRef idx="0">
+            <a:schemeClr val="accent1"/>
+          </a:effectRef>
+          <a:fontRef idx="minor">
+            <a:schemeClr val="lt1"/>
+          </a:fontRef>
+        </p:style>
+        <p:txBody>
+          <a:bodyPr rtlCol="0" anchor="ctr"/>
+          <a:lstStyle/>
+          <a:p>
+            <a:pPr algn="ctr"/>
+            <a:r>
+              <a:rPr lang="en-TR" sz="1600" dirty="0">
+                <a:solidFill>
+                  <a:schemeClr val="tx1"/>
+                </a:solidFill>
+              </a:rPr>
+              <a:t>HEAD</a:t>
+            </a:r>
+            <a:endParaRPr lang="en-TR" sz="500" dirty="0">
+              <a:solidFill>
+                <a:schemeClr val="tx1"/>
+              </a:solidFill>
+            </a:endParaRPr>
+          </a:p>
+        </p:txBody>
+      </p:sp>
+      <p:cxnSp>
+        <p:nvCxnSpPr>
+          <p:cNvPr id="4" name="Straight Connector 3">
+            <a:extLst>
+              <a:ext uri="{FF2B5EF4-FFF2-40B4-BE49-F238E27FC236}">
+                <a16:creationId xmlns:a16="http://schemas.microsoft.com/office/drawing/2014/main" id="{3290419D-6F83-5C30-69D5-2B10CAB24CC5}"/>
+              </a:ext>
+            </a:extLst>
+          </p:cNvPr>
+          <p:cNvCxnSpPr/>
+          <p:nvPr/>
+        </p:nvCxnSpPr>
+        <p:spPr>
+          <a:xfrm flipV="1">
+            <a:off x="6445970" y="1820708"/>
+            <a:ext cx="1184819" cy="1608292"/>
+          </a:xfrm>
+          <a:prstGeom prst="line">
+            <a:avLst/>
+          </a:prstGeom>
+        </p:spPr>
+        <p:style>
+          <a:lnRef idx="1">
+            <a:schemeClr val="accent1"/>
+          </a:lnRef>
+          <a:fillRef idx="0">
+            <a:schemeClr val="accent1"/>
+          </a:fillRef>
+          <a:effectRef idx="0">
+            <a:schemeClr val="accent1"/>
+          </a:effectRef>
+          <a:fontRef idx="minor">
+            <a:schemeClr val="tx1"/>
+          </a:fontRef>
+        </p:style>
+      </p:cxnSp>
+      <p:sp>
+        <p:nvSpPr>
+          <p:cNvPr id="14" name="TextBox 13">
+            <a:extLst>
+              <a:ext uri="{FF2B5EF4-FFF2-40B4-BE49-F238E27FC236}">
+                <a16:creationId xmlns:a16="http://schemas.microsoft.com/office/drawing/2014/main" id="{DAEFC417-9827-07AC-CC59-55E5E5F5B4C9}"/>
+              </a:ext>
+            </a:extLst>
+          </p:cNvPr>
+          <p:cNvSpPr txBox="1"/>
+          <p:nvPr/>
+        </p:nvSpPr>
+        <p:spPr>
+          <a:xfrm>
+            <a:off x="7113046" y="1232513"/>
+            <a:ext cx="917367" cy="646331"/>
+          </a:xfrm>
+          <a:prstGeom prst="rect">
+            <a:avLst/>
+          </a:prstGeom>
+          <a:noFill/>
+        </p:spPr>
+        <p:txBody>
+          <a:bodyPr wrap="none" rtlCol="0">
+            <a:spAutoFit/>
+          </a:bodyPr>
+          <a:lstStyle/>
+          <a:p>
+            <a:pPr algn="ctr"/>
+            <a:r>
+              <a:rPr lang="en-TR" dirty="0"/>
+              <a:t>DevOps</a:t>
+            </a:r>
+            <a:br>
+              <a:rPr lang="en-TR" dirty="0"/>
+            </a:br>
+            <a:r>
+              <a:rPr lang="en-TR" dirty="0"/>
+              <a:t>Branch</a:t>
+            </a:r>
+          </a:p>
+        </p:txBody>
+      </p:sp>
+      <p:cxnSp>
+        <p:nvCxnSpPr>
+          <p:cNvPr id="16" name="Straight Connector 15">
+            <a:extLst>
+              <a:ext uri="{FF2B5EF4-FFF2-40B4-BE49-F238E27FC236}">
+                <a16:creationId xmlns:a16="http://schemas.microsoft.com/office/drawing/2014/main" id="{E8EC7DD5-690F-9D8C-8C88-37A57936DB0F}"/>
+              </a:ext>
+            </a:extLst>
+          </p:cNvPr>
+          <p:cNvCxnSpPr/>
+          <p:nvPr/>
+        </p:nvCxnSpPr>
+        <p:spPr>
+          <a:xfrm>
+            <a:off x="7468949" y="3429000"/>
+            <a:ext cx="1353393" cy="1353393"/>
+          </a:xfrm>
+          <a:prstGeom prst="line">
+            <a:avLst/>
+          </a:prstGeom>
+        </p:spPr>
+        <p:style>
+          <a:lnRef idx="3">
+            <a:schemeClr val="accent3"/>
+          </a:lnRef>
+          <a:fillRef idx="0">
+            <a:schemeClr val="accent3"/>
+          </a:fillRef>
+          <a:effectRef idx="2">
+            <a:schemeClr val="accent3"/>
+          </a:effectRef>
+          <a:fontRef idx="minor">
+            <a:schemeClr val="tx1"/>
+          </a:fontRef>
+        </p:style>
+      </p:cxnSp>
+      <p:sp>
+        <p:nvSpPr>
+          <p:cNvPr id="17" name="TextBox 16">
+            <a:extLst>
+              <a:ext uri="{FF2B5EF4-FFF2-40B4-BE49-F238E27FC236}">
+                <a16:creationId xmlns:a16="http://schemas.microsoft.com/office/drawing/2014/main" id="{303DD36E-978B-D39F-D619-BBD467FE8C06}"/>
+              </a:ext>
+            </a:extLst>
+          </p:cNvPr>
+          <p:cNvSpPr txBox="1"/>
+          <p:nvPr/>
+        </p:nvSpPr>
+        <p:spPr>
+          <a:xfrm>
+            <a:off x="8474600" y="4782393"/>
+            <a:ext cx="918842" cy="646331"/>
+          </a:xfrm>
+          <a:prstGeom prst="rect">
+            <a:avLst/>
+          </a:prstGeom>
+          <a:noFill/>
+        </p:spPr>
+        <p:txBody>
+          <a:bodyPr wrap="none" rtlCol="0">
+            <a:spAutoFit/>
+          </a:bodyPr>
+          <a:lstStyle/>
+          <a:p>
+            <a:pPr algn="ctr"/>
+            <a:r>
+              <a:rPr lang="en-TR" dirty="0"/>
+              <a:t>Security</a:t>
+            </a:r>
+            <a:br>
+              <a:rPr lang="en-TR" dirty="0"/>
+            </a:br>
+            <a:r>
+              <a:rPr lang="en-TR" dirty="0"/>
+              <a:t>Branch</a:t>
+            </a:r>
+          </a:p>
+        </p:txBody>
+      </p:sp>
+      <p:sp>
+        <p:nvSpPr>
+          <p:cNvPr id="18" name="TextBox 17">
+            <a:extLst>
+              <a:ext uri="{FF2B5EF4-FFF2-40B4-BE49-F238E27FC236}">
+                <a16:creationId xmlns:a16="http://schemas.microsoft.com/office/drawing/2014/main" id="{98F65B61-5322-7363-0B7A-8D415FB6DA82}"/>
+              </a:ext>
+            </a:extLst>
+          </p:cNvPr>
+          <p:cNvSpPr txBox="1"/>
+          <p:nvPr/>
+        </p:nvSpPr>
+        <p:spPr>
+          <a:xfrm>
+            <a:off x="7957584" y="1636042"/>
+            <a:ext cx="1258934" cy="369332"/>
+          </a:xfrm>
+          <a:prstGeom prst="rect">
+            <a:avLst/>
+          </a:prstGeom>
+          <a:noFill/>
+        </p:spPr>
+        <p:txBody>
+          <a:bodyPr wrap="none" rtlCol="0">
+            <a:spAutoFit/>
+          </a:bodyPr>
+          <a:lstStyle/>
+          <a:p>
+            <a:r>
+              <a:rPr lang="en-US" dirty="0"/>
+              <a:t>t</a:t>
+            </a:r>
+            <a:r>
+              <a:rPr lang="en-TR" dirty="0"/>
+              <a:t>erraform.tf</a:t>
+            </a:r>
+          </a:p>
+        </p:txBody>
+      </p:sp>
+      <p:pic>
+        <p:nvPicPr>
+          <p:cNvPr id="19" name="Picture 2" descr="Git — commands you need to git going! | by Dave O'Dea | Medium">
+            <a:extLst>
+              <a:ext uri="{FF2B5EF4-FFF2-40B4-BE49-F238E27FC236}">
+                <a16:creationId xmlns:a16="http://schemas.microsoft.com/office/drawing/2014/main" id="{080A430E-3D1C-C2D3-2E2D-33FC292538E6}"/>
+              </a:ext>
+            </a:extLst>
+          </p:cNvPr>
+          <p:cNvPicPr>
+            <a:picLocks noChangeAspect="1" noChangeArrowheads="1"/>
+          </p:cNvPicPr>
+          <p:nvPr/>
+        </p:nvPicPr>
+        <p:blipFill>
+          <a:blip r:embed="rId2">
+            <a:extLst>
+              <a:ext uri="{28A0092B-C50C-407E-A947-70E740481C1C}">
+                <a14:useLocalDpi xmlns:a14="http://schemas.microsoft.com/office/drawing/2010/main" val="0"/>
+              </a:ext>
+            </a:extLst>
+          </a:blip>
+          <a:srcRect/>
+          <a:stretch>
+            <a:fillRect/>
+          </a:stretch>
+        </p:blipFill>
+        <p:spPr bwMode="auto">
+          <a:xfrm>
+            <a:off x="8015630" y="1963668"/>
+            <a:ext cx="1323349" cy="763916"/>
+          </a:xfrm>
+          <a:prstGeom prst="rect">
+            <a:avLst/>
+          </a:prstGeom>
+          <a:noFill/>
+          <a:extLst>
+            <a:ext uri="{909E8E84-426E-40DD-AFC4-6F175D3DCCD1}">
+              <a14:hiddenFill xmlns:a14="http://schemas.microsoft.com/office/drawing/2010/main">
+                <a:solidFill>
+                  <a:srgbClr val="FFFFFF"/>
+                </a:solidFill>
+              </a14:hiddenFill>
+            </a:ext>
+          </a:extLst>
+        </p:spPr>
+      </p:pic>
+      <p:sp>
+        <p:nvSpPr>
+          <p:cNvPr id="20" name="TextBox 19">
+            <a:extLst>
+              <a:ext uri="{FF2B5EF4-FFF2-40B4-BE49-F238E27FC236}">
+                <a16:creationId xmlns:a16="http://schemas.microsoft.com/office/drawing/2014/main" id="{9E912AE2-5579-7412-97DE-FD65DA1AF358}"/>
+              </a:ext>
+            </a:extLst>
+          </p:cNvPr>
+          <p:cNvSpPr txBox="1"/>
+          <p:nvPr/>
+        </p:nvSpPr>
+        <p:spPr>
+          <a:xfrm>
+            <a:off x="9475463" y="4570451"/>
+            <a:ext cx="1549463" cy="369332"/>
+          </a:xfrm>
+          <a:prstGeom prst="rect">
+            <a:avLst/>
+          </a:prstGeom>
+          <a:noFill/>
+        </p:spPr>
+        <p:txBody>
+          <a:bodyPr wrap="none" rtlCol="0">
+            <a:spAutoFit/>
+          </a:bodyPr>
+          <a:lstStyle/>
+          <a:p>
+            <a:r>
+              <a:rPr lang="en-US" dirty="0"/>
+              <a:t>s</a:t>
+            </a:r>
+            <a:r>
+              <a:rPr lang="en-TR" dirty="0"/>
+              <a:t>onarqube.json</a:t>
+            </a:r>
+          </a:p>
+        </p:txBody>
+      </p:sp>
+      <p:pic>
+        <p:nvPicPr>
+          <p:cNvPr id="21" name="Picture 2" descr="Git — commands you need to git going! | by Dave O'Dea | Medium">
+            <a:extLst>
+              <a:ext uri="{FF2B5EF4-FFF2-40B4-BE49-F238E27FC236}">
+                <a16:creationId xmlns:a16="http://schemas.microsoft.com/office/drawing/2014/main" id="{4D0CC061-30BF-FC67-5E3A-8BA2A00FE90F}"/>
+              </a:ext>
+            </a:extLst>
+          </p:cNvPr>
+          <p:cNvPicPr>
+            <a:picLocks noChangeAspect="1" noChangeArrowheads="1"/>
+          </p:cNvPicPr>
+          <p:nvPr/>
+        </p:nvPicPr>
+        <p:blipFill>
+          <a:blip r:embed="rId2">
+            <a:extLst>
+              <a:ext uri="{28A0092B-C50C-407E-A947-70E740481C1C}">
+                <a14:useLocalDpi xmlns:a14="http://schemas.microsoft.com/office/drawing/2010/main" val="0"/>
+              </a:ext>
+            </a:extLst>
+          </a:blip>
+          <a:srcRect/>
+          <a:stretch>
+            <a:fillRect/>
+          </a:stretch>
+        </p:blipFill>
+        <p:spPr bwMode="auto">
+          <a:xfrm>
+            <a:off x="9701577" y="4934875"/>
+            <a:ext cx="1323349" cy="763916"/>
+          </a:xfrm>
+          <a:prstGeom prst="rect">
+            <a:avLst/>
+          </a:prstGeom>
+          <a:noFill/>
+          <a:extLst>
+            <a:ext uri="{909E8E84-426E-40DD-AFC4-6F175D3DCCD1}">
+              <a14:hiddenFill xmlns:a14="http://schemas.microsoft.com/office/drawing/2010/main">
+                <a:solidFill>
+                  <a:srgbClr val="FFFFFF"/>
+                </a:solidFill>
+              </a14:hiddenFill>
+            </a:ext>
+          </a:extLst>
+        </p:spPr>
+      </p:pic>
     </p:spTree>
     <p:extLst>
       <p:ext uri="{BB962C8B-B14F-4D97-AF65-F5344CB8AC3E}">
-        <p14:creationId xmlns:p14="http://schemas.microsoft.com/office/powerpoint/2010/main" val="816515450"/>
+        <p14:creationId xmlns:p14="http://schemas.microsoft.com/office/powerpoint/2010/main" val="3913675296"/>
       </p:ext>
     </p:extLst>
   </p:cSld>
@@ -10522,20 +11430,13 @@
           </a:xfrm>
         </p:spPr>
         <p:txBody>
-          <a:bodyPr>
-            <a:normAutofit/>
-          </a:bodyPr>
+          <a:bodyPr/>
           <a:lstStyle/>
           <a:p>
             <a:r>
               <a:rPr lang="en-TR" b="1" dirty="0"/>
-              <a:t>Github </a:t>
-            </a:r>
-            <a:r>
-              <a:rPr lang="en-US" b="1" dirty="0"/>
-              <a:t>SSH Key &amp; Token Oluşturma</a:t>
-            </a:r>
-            <a:endParaRPr lang="en-TR" b="1" dirty="0"/>
+              <a:t>Github Watch | Star | Fork</a:t>
+            </a:r>
           </a:p>
         </p:txBody>
       </p:sp>
@@ -10558,7 +11459,7 @@
         <p:spPr>
           <a:xfrm>
             <a:off x="420626" y="1825625"/>
-            <a:ext cx="7494650" cy="4206383"/>
+            <a:ext cx="6294500" cy="4206383"/>
           </a:xfrm>
         </p:spPr>
         <p:txBody>
@@ -10567,116 +11468,112 @@
           </a:bodyPr>
           <a:lstStyle/>
           <a:p>
-            <a:r>
-              <a:rPr lang="tr-TR" sz="3200" dirty="0"/>
-              <a:t>GitHub’ da SSH anahtar çifti oluşturarak, SSH protokolünü kullanarak GitHub’ a güvenli bir şekilde erişebilirsiniz</a:t>
+            <a:pPr algn="just"/>
+            <a:r>
+              <a:rPr lang="en-TR" sz="3200" b="1" dirty="0"/>
+              <a:t>Watch</a:t>
+            </a:r>
+            <a:r>
+              <a:rPr lang="en-TR" sz="3200" dirty="0"/>
+              <a:t> : </a:t>
             </a:r>
             <a:r>
               <a:rPr lang="en-US" sz="3200" dirty="0"/>
-              <a:t>.</a:t>
-            </a:r>
-          </a:p>
-          <a:p>
-            <a:pPr lvl="1"/>
-            <a:r>
-              <a:rPr lang="en-US" sz="3000" dirty="0">
-                <a:solidFill>
-                  <a:srgbClr val="C00000"/>
-                </a:solidFill>
+              <a:t>Kullanıcının belirli bir repo veya organizasyonu </a:t>
+            </a:r>
+            <a:r>
+              <a:rPr lang="en-US" sz="3200" b="1" dirty="0">
+                <a:highlight>
+                  <a:srgbClr val="FFFF00"/>
+                </a:highlight>
               </a:rPr>
-              <a:t>ssh-keygen</a:t>
-            </a:r>
-          </a:p>
-          <a:p>
+              <a:t>takip etmek</a:t>
+            </a:r>
+            <a:r>
+              <a:rPr lang="en-US" sz="3200" b="1" dirty="0"/>
+              <a:t> </a:t>
+            </a:r>
             <a:r>
               <a:rPr lang="en-US" sz="3200" dirty="0"/>
-              <a:t>Örnek Token Kullanımı; komut satırında bir depoyu klonlamak için aşağıdaki komutu girersiniz git clone. Daha sonra kullanıcı adınızı ve şifrenizi girmeniz istenecektir. Parolanız istendiğinde, parola yerine kişisel erişim belirtecinizi girin.</a:t>
-            </a:r>
-          </a:p>
-          <a:p>
-            <a:pPr lvl="1"/>
-            <a:r>
-              <a:rPr lang="en-US" sz="2600" dirty="0">
-                <a:solidFill>
-                  <a:srgbClr val="C00000"/>
-                </a:solidFill>
+              <a:t>için kullandığı bir özelliktir.</a:t>
+            </a:r>
+          </a:p>
+          <a:p>
+            <a:pPr algn="just"/>
+            <a:r>
+              <a:rPr lang="en-TR" sz="3200" b="1" dirty="0"/>
+              <a:t>Star</a:t>
+            </a:r>
+            <a:r>
+              <a:rPr lang="en-TR" sz="3200" dirty="0"/>
+              <a:t> : </a:t>
+            </a:r>
+            <a:r>
+              <a:rPr lang="en-US" sz="3200" dirty="0"/>
+              <a:t>Kullanıcının beğendiği veya ilgi duyduğu bir repo’ yu </a:t>
+            </a:r>
+            <a:r>
+              <a:rPr lang="en-US" sz="3200" b="1" dirty="0">
+                <a:highlight>
+                  <a:srgbClr val="00FF00"/>
+                </a:highlight>
               </a:rPr>
-              <a:t>git clone </a:t>
-            </a:r>
-            <a:r>
-              <a:rPr lang="en-US" sz="2400" dirty="0">
-                <a:solidFill>
-                  <a:srgbClr val="C00000"/>
-                </a:solidFill>
-                <a:hlinkClick r:id="rId3">
-                  <a:extLst>
-                    <a:ext uri="{A12FA001-AC4F-418D-AE19-62706E023703}">
-                      <ahyp:hlinkClr xmlns:ahyp="http://schemas.microsoft.com/office/drawing/2018/hyperlinkcolor" val="tx"/>
-                    </a:ext>
-                  </a:extLst>
-                </a:hlinkClick>
+              <a:t>işaretlemek</a:t>
+            </a:r>
+            <a:r>
+              <a:rPr lang="en-US" sz="3200" dirty="0"/>
+              <a:t> ve </a:t>
+            </a:r>
+            <a:r>
+              <a:rPr lang="en-US" sz="3200" b="1" dirty="0">
+                <a:highlight>
+                  <a:srgbClr val="00FF00"/>
+                </a:highlight>
               </a:rPr>
-              <a:t>https://github.com/USERNAME/REPO.git</a:t>
-            </a:r>
-            <a:endParaRPr lang="en-US" sz="2400" dirty="0">
-              <a:solidFill>
-                <a:srgbClr val="C00000"/>
-              </a:solidFill>
-            </a:endParaRPr>
-          </a:p>
-          <a:p>
-            <a:pPr lvl="2"/>
-            <a:r>
-              <a:rPr lang="en-US" sz="2400" dirty="0">
-                <a:solidFill>
-                  <a:schemeClr val="tx1"/>
-                </a:solidFill>
+              <a:t>favorilerine eklemek</a:t>
+            </a:r>
+            <a:r>
+              <a:rPr lang="en-US" sz="3200" dirty="0"/>
+              <a:t> için kullandığı bir özelliktir.</a:t>
+            </a:r>
+            <a:endParaRPr lang="en-TR" sz="3200" dirty="0"/>
+          </a:p>
+          <a:p>
+            <a:pPr algn="just"/>
+            <a:r>
+              <a:rPr lang="en-TR" sz="3200" b="1" dirty="0"/>
+              <a:t>Fork</a:t>
+            </a:r>
+            <a:r>
+              <a:rPr lang="en-TR" sz="3200" dirty="0"/>
+              <a:t> : </a:t>
+            </a:r>
+            <a:r>
+              <a:rPr lang="en-US" sz="3200" dirty="0"/>
+              <a:t>Başka bir kullanıcının repo’ sunu kopyalayarak </a:t>
+            </a:r>
+            <a:r>
+              <a:rPr lang="en-US" sz="3200" b="1" dirty="0">
+                <a:highlight>
+                  <a:srgbClr val="FFFF00"/>
+                </a:highlight>
               </a:rPr>
-              <a:t>Username: </a:t>
-            </a:r>
-            <a:r>
-              <a:rPr lang="en-US" sz="2400" dirty="0">
-                <a:solidFill>
-                  <a:srgbClr val="C00000"/>
-                </a:solidFill>
-              </a:rPr>
-              <a:t>YOUR_USERNAME</a:t>
-            </a:r>
-          </a:p>
-          <a:p>
-            <a:pPr lvl="2"/>
-            <a:r>
-              <a:rPr lang="en-US" sz="2400" dirty="0">
-                <a:solidFill>
-                  <a:schemeClr val="tx1"/>
-                </a:solidFill>
-              </a:rPr>
-              <a:t>Password: </a:t>
-            </a:r>
-            <a:r>
-              <a:rPr lang="en-US" sz="2400" dirty="0">
-                <a:solidFill>
-                  <a:srgbClr val="C00000"/>
-                </a:solidFill>
-              </a:rPr>
-              <a:t>YOUR_PERSONAL_ACCESS_TOKEN</a:t>
-            </a:r>
-          </a:p>
-          <a:p>
-            <a:endParaRPr lang="en-TR" sz="3200" dirty="0">
-              <a:solidFill>
-                <a:srgbClr val="C00000"/>
-              </a:solidFill>
-            </a:endParaRPr>
+              <a:t>kendi GitHub hesabına taşımak</a:t>
+            </a:r>
+            <a:r>
+              <a:rPr lang="en-US" sz="3200" dirty="0"/>
+              <a:t> ve bu kopya üzerinde bağımsız bir şekilde çalışmak için kullanılan bir işlemdir.</a:t>
+            </a:r>
+            <a:endParaRPr lang="en-TR" sz="3200" dirty="0"/>
           </a:p>
         </p:txBody>
       </p:sp>
       <p:pic>
         <p:nvPicPr>
-          <p:cNvPr id="7170" name="Picture 2" descr="Adding SSH Keys to Your GitHub Account - DEV Community">
-            <a:extLst>
-              <a:ext uri="{FF2B5EF4-FFF2-40B4-BE49-F238E27FC236}">
-                <a16:creationId xmlns:a16="http://schemas.microsoft.com/office/drawing/2014/main" id="{5D40BDD7-6626-7B2E-4FCF-A48B878F3EEE}"/>
+          <p:cNvPr id="1026" name="Picture 2" descr="GitHub右上角Watch、Star和Fork详解- 知乎">
+            <a:extLst>
+              <a:ext uri="{FF2B5EF4-FFF2-40B4-BE49-F238E27FC236}">
+                <a16:creationId xmlns:a16="http://schemas.microsoft.com/office/drawing/2014/main" id="{132A9A09-6729-D5C6-85A1-9C75197643DC}"/>
               </a:ext>
             </a:extLst>
           </p:cNvPr>
@@ -10686,7 +11583,7 @@
           <p:nvPr/>
         </p:nvPicPr>
         <p:blipFill>
-          <a:blip r:embed="rId4">
+          <a:blip r:embed="rId3">
             <a:extLst>
               <a:ext uri="{28A0092B-C50C-407E-A947-70E740481C1C}">
                 <a14:useLocalDpi xmlns:a14="http://schemas.microsoft.com/office/drawing/2010/main" val="0"/>
@@ -10700,8 +11597,8 @@
         </p:blipFill>
         <p:spPr bwMode="auto">
           <a:xfrm>
-            <a:off x="7915276" y="2982580"/>
-            <a:ext cx="4103814" cy="1723815"/>
+            <a:off x="7200901" y="2158999"/>
+            <a:ext cx="4397374" cy="2762952"/>
           </a:xfrm>
           <a:prstGeom prst="rect">
             <a:avLst/>
@@ -10721,7 +11618,7 @@
     </p:spTree>
     <p:extLst>
       <p:ext uri="{BB962C8B-B14F-4D97-AF65-F5344CB8AC3E}">
-        <p14:creationId xmlns:p14="http://schemas.microsoft.com/office/powerpoint/2010/main" val="1865183689"/>
+        <p14:creationId xmlns:p14="http://schemas.microsoft.com/office/powerpoint/2010/main" val="3713516717"/>
       </p:ext>
     </p:extLst>
   </p:cSld>
@@ -11653,7 +12550,7 @@
           <a:p>
             <a:r>
               <a:rPr lang="en-TR" b="1" dirty="0"/>
-              <a:t>Github Push</a:t>
+              <a:t>Github Issues</a:t>
             </a:r>
           </a:p>
         </p:txBody>
@@ -11676,45 +12573,49 @@
         </p:nvSpPr>
         <p:spPr>
           <a:xfrm>
-            <a:off x="420625" y="1825625"/>
-            <a:ext cx="8956293" cy="4206383"/>
+            <a:off x="420626" y="1825625"/>
+            <a:ext cx="6294500" cy="4206383"/>
           </a:xfrm>
         </p:spPr>
         <p:txBody>
           <a:bodyPr>
-            <a:normAutofit/>
+            <a:normAutofit fontScale="85000" lnSpcReduction="20000"/>
           </a:bodyPr>
           <a:lstStyle/>
           <a:p>
             <a:pPr algn="just"/>
             <a:r>
               <a:rPr lang="tr-TR" sz="3200" dirty="0"/>
-              <a:t>Lokaldeki değişiklikleri GitHub veya başka bir uzak repo üzerine yükleyebilirsiniz. Bu işlem, yerelde yaptığınız commit’ leri uzak repo ile paylaşmanızı sağlar.</a:t>
-            </a:r>
-          </a:p>
-          <a:p>
-            <a:pPr lvl="1" algn="just"/>
-            <a:r>
-              <a:rPr lang="en-US" sz="3000" b="1" dirty="0">
-                <a:solidFill>
-                  <a:srgbClr val="C00000"/>
-                </a:solidFill>
-              </a:rPr>
-              <a:t>git push</a:t>
-            </a:r>
-          </a:p>
-          <a:p>
-            <a:pPr lvl="1" algn="just"/>
-            <a:endParaRPr lang="en-TR" sz="3000" dirty="0"/>
+              <a:t>Bir </a:t>
+            </a:r>
+            <a:r>
+              <a:rPr lang="en-US" sz="3200" dirty="0"/>
+              <a:t>projede karşılaşılan sorunları, hataları veya önerileri takip etmek ve yönetmek için kullanılan bir özelliktir. </a:t>
+            </a:r>
+          </a:p>
+          <a:p>
+            <a:pPr algn="just"/>
+            <a:r>
+              <a:rPr lang="en-US" sz="3200" dirty="0"/>
+              <a:t>Kullanıcılar, projenin GitHub sayfasında issues bölümünden yeni bir issue açabilir, mevcut issue’ ları takip edebilir, yorumlar ekleyebilir ve issue’ ları kapatılana kadar ilerleyişini izleyebilir. </a:t>
+            </a:r>
+          </a:p>
+          <a:p>
+            <a:pPr algn="just"/>
+            <a:r>
+              <a:rPr lang="en-US" sz="3200" dirty="0"/>
+              <a:t>Bu, proje ekibi ve katkıda bulunanlar arasında iletişimi kolaylaştırarak projenin geliştirilmesine katkıda bulunur.</a:t>
+            </a:r>
+            <a:endParaRPr lang="en-TR" sz="3200" dirty="0"/>
           </a:p>
         </p:txBody>
       </p:sp>
       <p:pic>
         <p:nvPicPr>
-          <p:cNvPr id="6146" name="Picture 2" descr="Git Push - javatpoint">
-            <a:extLst>
-              <a:ext uri="{FF2B5EF4-FFF2-40B4-BE49-F238E27FC236}">
-                <a16:creationId xmlns:a16="http://schemas.microsoft.com/office/drawing/2014/main" id="{2E95B5C1-7E5E-3F26-6D90-6D0016471661}"/>
+          <p:cNvPr id="2050" name="Picture 2" descr="Best Practices for Using GitHub Issues - Rewind">
+            <a:extLst>
+              <a:ext uri="{FF2B5EF4-FFF2-40B4-BE49-F238E27FC236}">
+                <a16:creationId xmlns:a16="http://schemas.microsoft.com/office/drawing/2014/main" id="{FB98E1D2-143B-2D5B-69F2-FB2BF5E83803}"/>
               </a:ext>
             </a:extLst>
           </p:cNvPr>
@@ -11738,8 +12639,8 @@
         </p:blipFill>
         <p:spPr bwMode="auto">
           <a:xfrm>
-            <a:off x="7554111" y="3614491"/>
-            <a:ext cx="4424633" cy="1954213"/>
+            <a:off x="7442012" y="2228866"/>
+            <a:ext cx="4329362" cy="3399899"/>
           </a:xfrm>
           <a:prstGeom prst="rect">
             <a:avLst/>
@@ -11759,7 +12660,7 @@
     </p:spTree>
     <p:extLst>
       <p:ext uri="{BB962C8B-B14F-4D97-AF65-F5344CB8AC3E}">
-        <p14:creationId xmlns:p14="http://schemas.microsoft.com/office/powerpoint/2010/main" val="1061848493"/>
+        <p14:creationId xmlns:p14="http://schemas.microsoft.com/office/powerpoint/2010/main" val="816515450"/>
       </p:ext>
     </p:extLst>
   </p:cSld>
@@ -11857,13 +12758,20 @@
           </a:xfrm>
         </p:spPr>
         <p:txBody>
-          <a:bodyPr/>
+          <a:bodyPr>
+            <a:normAutofit/>
+          </a:bodyPr>
           <a:lstStyle/>
           <a:p>
             <a:r>
               <a:rPr lang="en-TR" b="1" dirty="0"/>
-              <a:t>Github Proje Oluşturma</a:t>
-            </a:r>
+              <a:t>Github </a:t>
+            </a:r>
+            <a:r>
+              <a:rPr lang="en-US" b="1" dirty="0"/>
+              <a:t>SSH Key &amp; Token Oluşturma</a:t>
+            </a:r>
+            <a:endParaRPr lang="en-TR" b="1" dirty="0"/>
           </a:p>
         </p:txBody>
       </p:sp>
@@ -11886,96 +12794,125 @@
         <p:spPr>
           <a:xfrm>
             <a:off x="420626" y="1825625"/>
-            <a:ext cx="7780399" cy="4206383"/>
+            <a:ext cx="7494650" cy="4206383"/>
           </a:xfrm>
         </p:spPr>
         <p:txBody>
           <a:bodyPr>
-            <a:normAutofit fontScale="77500" lnSpcReduction="20000"/>
+            <a:normAutofit fontScale="85000" lnSpcReduction="20000"/>
           </a:bodyPr>
           <a:lstStyle/>
           <a:p>
-            <a:pPr algn="just"/>
-            <a:r>
-              <a:rPr lang="tr-TR" sz="4000" dirty="0"/>
-              <a:t>Github web sitesinden hesabınızı oluşturduktan sonra ilk Repository oluşturarak local oturumunuz ile entegre edebilirsiniz</a:t>
-            </a:r>
-            <a:r>
-              <a:rPr lang="en-TR" sz="4000" dirty="0"/>
+            <a:r>
+              <a:rPr lang="tr-TR" sz="3200" dirty="0"/>
+              <a:t>GitHub’ da SSH anahtar çifti oluşturarak, SSH protokolünü kullanarak GitHub’ a güvenli bir şekilde erişebilirsiniz</a:t>
+            </a:r>
+            <a:r>
+              <a:rPr lang="en-US" sz="3200" dirty="0"/>
               <a:t>.</a:t>
             </a:r>
           </a:p>
           <a:p>
-            <a:pPr marL="0" indent="0">
-              <a:buNone/>
-            </a:pPr>
-            <a:r>
-              <a:rPr lang="en-US" sz="4000" dirty="0">
+            <a:pPr lvl="1"/>
+            <a:r>
+              <a:rPr lang="en-US" sz="3000" dirty="0">
                 <a:solidFill>
                   <a:srgbClr val="C00000"/>
                 </a:solidFill>
               </a:rPr>
-              <a:t># Local ile Github Repo İlişkilendirme</a:t>
+              <a:t>ssh-keygen</a:t>
+            </a:r>
+          </a:p>
+          <a:p>
+            <a:r>
+              <a:rPr lang="en-US" sz="3200" dirty="0"/>
+              <a:t>Örnek Token Kullanımı; komut satırında bir depoyu klonlamak için aşağıdaki komutu girersiniz git clone. Daha sonra kullanıcı adınızı ve şifrenizi girmeniz istenecektir. Parolanız istendiğinde, parola yerine kişisel erişim belirtecinizi girin.</a:t>
             </a:r>
           </a:p>
           <a:p>
             <a:pPr lvl="1"/>
             <a:r>
-              <a:rPr lang="en-US" sz="2300" dirty="0"/>
-              <a:t>echo "# a" &gt;&gt; README.md</a:t>
-            </a:r>
-          </a:p>
-          <a:p>
-            <a:pPr lvl="1"/>
-            <a:r>
-              <a:rPr lang="en-US" sz="2300" dirty="0"/>
-              <a:t>git init</a:t>
-            </a:r>
-          </a:p>
-          <a:p>
-            <a:pPr lvl="1"/>
-            <a:r>
-              <a:rPr lang="en-US" sz="2300" dirty="0"/>
-              <a:t>git add README.md</a:t>
-            </a:r>
-          </a:p>
-          <a:p>
-            <a:pPr lvl="1"/>
-            <a:r>
-              <a:rPr lang="en-US" sz="2300" dirty="0"/>
-              <a:t>git commit -m "first commit"</a:t>
-            </a:r>
-          </a:p>
-          <a:p>
-            <a:pPr lvl="1"/>
-            <a:r>
-              <a:rPr lang="en-US" sz="2300" dirty="0"/>
-              <a:t>git branch -M main</a:t>
-            </a:r>
-          </a:p>
-          <a:p>
-            <a:pPr lvl="1"/>
-            <a:r>
-              <a:rPr lang="en-US" sz="2300" dirty="0"/>
-              <a:t>git remote add origin https://github.com/&lt;username&gt;/&lt;repo_name&gt;.git</a:t>
-            </a:r>
-          </a:p>
-          <a:p>
-            <a:pPr lvl="1"/>
-            <a:r>
-              <a:rPr lang="en-US" sz="2300" dirty="0"/>
-              <a:t>git push -u origin main</a:t>
-            </a:r>
-            <a:endParaRPr lang="en-TR" sz="2300" dirty="0"/>
+              <a:rPr lang="en-US" sz="2600" dirty="0">
+                <a:solidFill>
+                  <a:srgbClr val="C00000"/>
+                </a:solidFill>
+              </a:rPr>
+              <a:t>git clone </a:t>
+            </a:r>
+            <a:r>
+              <a:rPr lang="en-US" sz="2400" dirty="0">
+                <a:solidFill>
+                  <a:srgbClr val="C00000"/>
+                </a:solidFill>
+                <a:hlinkClick r:id="rId3">
+                  <a:extLst>
+                    <a:ext uri="{A12FA001-AC4F-418D-AE19-62706E023703}">
+                      <ahyp:hlinkClr xmlns:ahyp="http://schemas.microsoft.com/office/drawing/2018/hyperlinkcolor" val="tx"/>
+                    </a:ext>
+                  </a:extLst>
+                </a:hlinkClick>
+              </a:rPr>
+              <a:t>https://github.com/USERNAME/REPO.git</a:t>
+            </a:r>
+            <a:endParaRPr lang="en-US" sz="2400" dirty="0">
+              <a:solidFill>
+                <a:srgbClr val="C00000"/>
+              </a:solidFill>
+            </a:endParaRPr>
+          </a:p>
+          <a:p>
+            <a:pPr lvl="2"/>
+            <a:r>
+              <a:rPr lang="en-US" sz="2400" dirty="0">
+                <a:solidFill>
+                  <a:schemeClr val="tx1"/>
+                </a:solidFill>
+              </a:rPr>
+              <a:t>Username: </a:t>
+            </a:r>
+            <a:r>
+              <a:rPr lang="en-US" sz="2400" dirty="0">
+                <a:solidFill>
+                  <a:srgbClr val="C00000"/>
+                </a:solidFill>
+              </a:rPr>
+              <a:t>YOUR_USERNAME</a:t>
+            </a:r>
+          </a:p>
+          <a:p>
+            <a:pPr lvl="2"/>
+            <a:r>
+              <a:rPr lang="en-US" sz="2400" dirty="0">
+                <a:solidFill>
+                  <a:schemeClr val="tx1"/>
+                </a:solidFill>
+              </a:rPr>
+              <a:t>Password: </a:t>
+            </a:r>
+            <a:r>
+              <a:rPr lang="en-US" sz="2400" dirty="0">
+                <a:solidFill>
+                  <a:srgbClr val="C00000"/>
+                </a:solidFill>
+              </a:rPr>
+              <a:t>YOUR_PERSONAL_ACCESS_TOKEN</a:t>
+            </a:r>
+          </a:p>
+          <a:p>
+            <a:endParaRPr lang="en-TR" sz="3200" dirty="0">
+              <a:solidFill>
+                <a:srgbClr val="C00000"/>
+              </a:solidFill>
+            </a:endParaRPr>
           </a:p>
         </p:txBody>
       </p:sp>
       <p:pic>
         <p:nvPicPr>
-          <p:cNvPr id="3074" name="Picture 2" descr="Git - Maintaining a Project">
-            <a:extLst>
-              <a:ext uri="{FF2B5EF4-FFF2-40B4-BE49-F238E27FC236}">
-                <a16:creationId xmlns:a16="http://schemas.microsoft.com/office/drawing/2014/main" id="{FE6ACB6E-40A6-E348-61CA-26982FCB7778}"/>
+          <p:cNvPr id="7170" name="Picture 2" descr="Adding SSH Keys to Your GitHub Account - DEV Community">
+            <a:extLst>
+              <a:ext uri="{FF2B5EF4-FFF2-40B4-BE49-F238E27FC236}">
+                <a16:creationId xmlns:a16="http://schemas.microsoft.com/office/drawing/2014/main" id="{5D40BDD7-6626-7B2E-4FCF-A48B878F3EEE}"/>
               </a:ext>
             </a:extLst>
           </p:cNvPr>
@@ -11985,7 +12922,7 @@
           <p:nvPr/>
         </p:nvPicPr>
         <p:blipFill>
-          <a:blip r:embed="rId3">
+          <a:blip r:embed="rId4">
             <a:extLst>
               <a:ext uri="{28A0092B-C50C-407E-A947-70E740481C1C}">
                 <a14:useLocalDpi xmlns:a14="http://schemas.microsoft.com/office/drawing/2010/main" val="0"/>
@@ -11999,8 +12936,8 @@
         </p:blipFill>
         <p:spPr bwMode="auto">
           <a:xfrm>
-            <a:off x="7979475" y="2684630"/>
-            <a:ext cx="3975420" cy="2488372"/>
+            <a:off x="7915276" y="2982580"/>
+            <a:ext cx="4103814" cy="1723815"/>
           </a:xfrm>
           <a:prstGeom prst="rect">
             <a:avLst/>
@@ -12020,7 +12957,7 @@
     </p:spTree>
     <p:extLst>
       <p:ext uri="{BB962C8B-B14F-4D97-AF65-F5344CB8AC3E}">
-        <p14:creationId xmlns:p14="http://schemas.microsoft.com/office/powerpoint/2010/main" val="2879462409"/>
+        <p14:creationId xmlns:p14="http://schemas.microsoft.com/office/powerpoint/2010/main" val="1865183689"/>
       </p:ext>
     </p:extLst>
   </p:cSld>
@@ -12123,7 +13060,7 @@
           <a:p>
             <a:r>
               <a:rPr lang="en-TR" b="1" dirty="0"/>
-              <a:t>Github Pull</a:t>
+              <a:t>Github Push</a:t>
             </a:r>
           </a:p>
         </p:txBody>
@@ -12146,62 +13083,45 @@
         </p:nvSpPr>
         <p:spPr>
           <a:xfrm>
-            <a:off x="420626" y="1825625"/>
-            <a:ext cx="6294500" cy="4206383"/>
+            <a:off x="420625" y="1825625"/>
+            <a:ext cx="8956293" cy="4206383"/>
           </a:xfrm>
         </p:spPr>
         <p:txBody>
           <a:bodyPr>
-            <a:normAutofit fontScale="77500" lnSpcReduction="20000"/>
+            <a:normAutofit/>
           </a:bodyPr>
           <a:lstStyle/>
           <a:p>
+            <a:pPr algn="just"/>
             <a:r>
               <a:rPr lang="tr-TR" sz="3200" dirty="0"/>
-              <a:t>GitHub’ da </a:t>
-            </a:r>
-            <a:r>
-              <a:rPr lang="tr-TR" sz="3200" b="1" dirty="0">
-                <a:highlight>
-                  <a:srgbClr val="FFFF00"/>
-                </a:highlight>
+              <a:t>Lokaldeki değişiklikleri GitHub veya başka bir uzak repo üzerine yükleyebilirsiniz. Bu işlem, yerelde yaptığınız commit’ leri uzak repo ile paylaşmanızı sağlar.</a:t>
+            </a:r>
+          </a:p>
+          <a:p>
+            <a:pPr lvl="1" algn="just"/>
+            <a:r>
+              <a:rPr lang="en-US" sz="3000" b="1" dirty="0">
+                <a:solidFill>
+                  <a:srgbClr val="C00000"/>
+                </a:solidFill>
               </a:rPr>
-              <a:t>git pull</a:t>
-            </a:r>
-            <a:r>
-              <a:rPr lang="tr-TR" sz="3200" dirty="0"/>
-              <a:t> komutunu kullanarak, lokalde bulunan bir repo ile GitHub’ daki uzak repo arasındaki değişiklikleri senkronize edebilirsiniz. Bu işlem, GitHub’ daki güncellemeleri lokaldeki çalışma kopyanıza entegre etmenizi sağlar. </a:t>
-            </a:r>
-          </a:p>
-          <a:p>
-            <a:pPr lvl="1"/>
-            <a:r>
-              <a:rPr lang="en-US" sz="3000" dirty="0">
-                <a:solidFill>
-                  <a:srgbClr val="C00000"/>
-                </a:solidFill>
-              </a:rPr>
-              <a:t>git pull</a:t>
-            </a:r>
-          </a:p>
-          <a:p>
-            <a:r>
-              <a:rPr lang="en-US" sz="3200" dirty="0"/>
-              <a:t>Bu komut, lokaldeki çalışma kopyanızı GitHub’ daki uzak repo ile senkronize eder. Eğer uzak repo ile local repo arasında farklılıklar varsa, git pull komutu bu farklılıkları birleştirir veya günceller.</a:t>
-            </a:r>
-          </a:p>
-          <a:p>
-            <a:pPr lvl="1"/>
+              <a:t>git push</a:t>
+            </a:r>
+          </a:p>
+          <a:p>
+            <a:pPr lvl="1" algn="just"/>
             <a:endParaRPr lang="en-TR" sz="3000" dirty="0"/>
           </a:p>
         </p:txBody>
       </p:sp>
       <p:pic>
         <p:nvPicPr>
-          <p:cNvPr id="5122" name="Picture 2" descr="How to do Git push pull requests - YouTube">
-            <a:extLst>
-              <a:ext uri="{FF2B5EF4-FFF2-40B4-BE49-F238E27FC236}">
-                <a16:creationId xmlns:a16="http://schemas.microsoft.com/office/drawing/2014/main" id="{AAE8EE21-3B31-B801-1E36-B6C801EA1C74}"/>
+          <p:cNvPr id="6146" name="Picture 2" descr="Git Push - javatpoint">
+            <a:extLst>
+              <a:ext uri="{FF2B5EF4-FFF2-40B4-BE49-F238E27FC236}">
+                <a16:creationId xmlns:a16="http://schemas.microsoft.com/office/drawing/2014/main" id="{2E95B5C1-7E5E-3F26-6D90-6D0016471661}"/>
               </a:ext>
             </a:extLst>
           </p:cNvPr>
@@ -12225,8 +13145,8 @@
         </p:blipFill>
         <p:spPr bwMode="auto">
           <a:xfrm>
-            <a:off x="7103400" y="2400053"/>
-            <a:ext cx="4547038" cy="2557709"/>
+            <a:off x="7554111" y="3614491"/>
+            <a:ext cx="4424633" cy="1954213"/>
           </a:xfrm>
           <a:prstGeom prst="rect">
             <a:avLst/>
@@ -12246,7 +13166,7 @@
     </p:spTree>
     <p:extLst>
       <p:ext uri="{BB962C8B-B14F-4D97-AF65-F5344CB8AC3E}">
-        <p14:creationId xmlns:p14="http://schemas.microsoft.com/office/powerpoint/2010/main" val="2664004737"/>
+        <p14:creationId xmlns:p14="http://schemas.microsoft.com/office/powerpoint/2010/main" val="1061848493"/>
       </p:ext>
     </p:extLst>
   </p:cSld>
@@ -12349,6 +13269,267 @@
           <a:p>
             <a:r>
               <a:rPr lang="en-TR" b="1" dirty="0"/>
+              <a:t>Github Proje Oluşturma</a:t>
+            </a:r>
+          </a:p>
+        </p:txBody>
+      </p:sp>
+      <p:sp>
+        <p:nvSpPr>
+          <p:cNvPr id="5" name="Content Placeholder 2">
+            <a:extLst>
+              <a:ext uri="{FF2B5EF4-FFF2-40B4-BE49-F238E27FC236}">
+                <a16:creationId xmlns:a16="http://schemas.microsoft.com/office/drawing/2014/main" id="{AD4D72CB-A20C-6D7D-55C4-D224825053B4}"/>
+              </a:ext>
+            </a:extLst>
+          </p:cNvPr>
+          <p:cNvSpPr>
+            <a:spLocks noGrp="1"/>
+          </p:cNvSpPr>
+          <p:nvPr>
+            <p:ph idx="1"/>
+          </p:nvPr>
+        </p:nvSpPr>
+        <p:spPr>
+          <a:xfrm>
+            <a:off x="420626" y="1825625"/>
+            <a:ext cx="7780399" cy="4206383"/>
+          </a:xfrm>
+        </p:spPr>
+        <p:txBody>
+          <a:bodyPr>
+            <a:normAutofit fontScale="77500" lnSpcReduction="20000"/>
+          </a:bodyPr>
+          <a:lstStyle/>
+          <a:p>
+            <a:pPr algn="just"/>
+            <a:r>
+              <a:rPr lang="tr-TR" sz="4000" dirty="0"/>
+              <a:t>Github web sitesinden hesabınızı oluşturduktan sonra ilk Repository oluşturarak local oturumunuz ile entegre edebilirsiniz</a:t>
+            </a:r>
+            <a:r>
+              <a:rPr lang="en-TR" sz="4000" dirty="0"/>
+              <a:t>.</a:t>
+            </a:r>
+          </a:p>
+          <a:p>
+            <a:pPr marL="0" indent="0">
+              <a:buNone/>
+            </a:pPr>
+            <a:r>
+              <a:rPr lang="en-US" sz="4000" dirty="0">
+                <a:solidFill>
+                  <a:srgbClr val="C00000"/>
+                </a:solidFill>
+              </a:rPr>
+              <a:t># Local ile Github Repo İlişkilendirme</a:t>
+            </a:r>
+          </a:p>
+          <a:p>
+            <a:pPr lvl="1"/>
+            <a:r>
+              <a:rPr lang="en-US" sz="2300" dirty="0"/>
+              <a:t>echo "# a" &gt;&gt; README.md</a:t>
+            </a:r>
+          </a:p>
+          <a:p>
+            <a:pPr lvl="1"/>
+            <a:r>
+              <a:rPr lang="en-US" sz="2300" dirty="0"/>
+              <a:t>git init</a:t>
+            </a:r>
+          </a:p>
+          <a:p>
+            <a:pPr lvl="1"/>
+            <a:r>
+              <a:rPr lang="en-US" sz="2300" dirty="0"/>
+              <a:t>git add README.md</a:t>
+            </a:r>
+          </a:p>
+          <a:p>
+            <a:pPr lvl="1"/>
+            <a:r>
+              <a:rPr lang="en-US" sz="2300" dirty="0"/>
+              <a:t>git commit -m "first commit"</a:t>
+            </a:r>
+          </a:p>
+          <a:p>
+            <a:pPr lvl="1"/>
+            <a:r>
+              <a:rPr lang="en-US" sz="2300" dirty="0"/>
+              <a:t>git branch -M main</a:t>
+            </a:r>
+          </a:p>
+          <a:p>
+            <a:pPr lvl="1"/>
+            <a:r>
+              <a:rPr lang="en-US" sz="2300" dirty="0"/>
+              <a:t>git remote add origin https://github.com/&lt;username&gt;/&lt;repo_name&gt;.git</a:t>
+            </a:r>
+          </a:p>
+          <a:p>
+            <a:pPr lvl="1"/>
+            <a:r>
+              <a:rPr lang="en-US" sz="2300" dirty="0"/>
+              <a:t>git push -u origin main</a:t>
+            </a:r>
+            <a:endParaRPr lang="en-TR" sz="2300" dirty="0"/>
+          </a:p>
+        </p:txBody>
+      </p:sp>
+      <p:pic>
+        <p:nvPicPr>
+          <p:cNvPr id="3074" name="Picture 2" descr="Git - Maintaining a Project">
+            <a:extLst>
+              <a:ext uri="{FF2B5EF4-FFF2-40B4-BE49-F238E27FC236}">
+                <a16:creationId xmlns:a16="http://schemas.microsoft.com/office/drawing/2014/main" id="{FE6ACB6E-40A6-E348-61CA-26982FCB7778}"/>
+              </a:ext>
+            </a:extLst>
+          </p:cNvPr>
+          <p:cNvPicPr>
+            <a:picLocks noChangeAspect="1" noChangeArrowheads="1"/>
+          </p:cNvPicPr>
+          <p:nvPr/>
+        </p:nvPicPr>
+        <p:blipFill>
+          <a:blip r:embed="rId3">
+            <a:extLst>
+              <a:ext uri="{28A0092B-C50C-407E-A947-70E740481C1C}">
+                <a14:useLocalDpi xmlns:a14="http://schemas.microsoft.com/office/drawing/2010/main" val="0"/>
+              </a:ext>
+            </a:extLst>
+          </a:blip>
+          <a:srcRect/>
+          <a:stretch>
+            <a:fillRect/>
+          </a:stretch>
+        </p:blipFill>
+        <p:spPr bwMode="auto">
+          <a:xfrm>
+            <a:off x="7979475" y="2684630"/>
+            <a:ext cx="3975420" cy="2488372"/>
+          </a:xfrm>
+          <a:prstGeom prst="rect">
+            <a:avLst/>
+          </a:prstGeom>
+          <a:noFill/>
+          <a:extLst>
+            <a:ext uri="{909E8E84-426E-40DD-AFC4-6F175D3DCCD1}">
+              <a14:hiddenFill xmlns:a14="http://schemas.microsoft.com/office/drawing/2010/main">
+                <a:solidFill>
+                  <a:srgbClr val="FFFFFF"/>
+                </a:solidFill>
+              </a14:hiddenFill>
+            </a:ext>
+          </a:extLst>
+        </p:spPr>
+      </p:pic>
+    </p:spTree>
+    <p:extLst>
+      <p:ext uri="{BB962C8B-B14F-4D97-AF65-F5344CB8AC3E}">
+        <p14:creationId xmlns:p14="http://schemas.microsoft.com/office/powerpoint/2010/main" val="2879462409"/>
+      </p:ext>
+    </p:extLst>
+  </p:cSld>
+  <p:clrMapOvr>
+    <a:masterClrMapping/>
+  </p:clrMapOvr>
+</p:sld>
+</file>
+
+<file path=ppt/slides/slide24.xml><?xml version="1.0" encoding="utf-8"?>
+<p:sld xmlns:a="http://schemas.openxmlformats.org/drawingml/2006/main" xmlns:r="http://schemas.openxmlformats.org/officeDocument/2006/relationships" xmlns:p="http://schemas.openxmlformats.org/presentationml/2006/main">
+  <p:cSld>
+    <p:spTree>
+      <p:nvGrpSpPr>
+        <p:cNvPr id="1" name=""/>
+        <p:cNvGrpSpPr/>
+        <p:nvPr/>
+      </p:nvGrpSpPr>
+      <p:grpSpPr>
+        <a:xfrm>
+          <a:off x="0" y="0"/>
+          <a:ext cx="0" cy="0"/>
+          <a:chOff x="0" y="0"/>
+          <a:chExt cx="0" cy="0"/>
+        </a:xfrm>
+      </p:grpSpPr>
+      <p:pic>
+        <p:nvPicPr>
+          <p:cNvPr id="4" name="Picture 4" descr="Techpro Education | Online It Courses &amp; Bootcamps">
+            <a:extLst>
+              <a:ext uri="{FF2B5EF4-FFF2-40B4-BE49-F238E27FC236}">
+                <a16:creationId xmlns:a16="http://schemas.microsoft.com/office/drawing/2014/main" id="{E33B55B5-34C1-9987-660E-4BF674EB9809}"/>
+              </a:ext>
+            </a:extLst>
+          </p:cNvPr>
+          <p:cNvPicPr>
+            <a:picLocks noChangeAspect="1" noChangeArrowheads="1"/>
+          </p:cNvPicPr>
+          <p:nvPr/>
+        </p:nvPicPr>
+        <p:blipFill>
+          <a:blip r:embed="rId2">
+            <a:alphaModFix amt="11000"/>
+            <a:extLst>
+              <a:ext uri="{28A0092B-C50C-407E-A947-70E740481C1C}">
+                <a14:useLocalDpi xmlns:a14="http://schemas.microsoft.com/office/drawing/2010/main" val="0"/>
+              </a:ext>
+            </a:extLst>
+          </a:blip>
+          <a:srcRect/>
+          <a:stretch>
+            <a:fillRect/>
+          </a:stretch>
+        </p:blipFill>
+        <p:spPr bwMode="auto">
+          <a:xfrm>
+            <a:off x="2815081" y="551941"/>
+            <a:ext cx="5754117" cy="5754117"/>
+          </a:xfrm>
+          <a:prstGeom prst="rect">
+            <a:avLst/>
+          </a:prstGeom>
+          <a:noFill/>
+          <a:extLst>
+            <a:ext uri="{909E8E84-426E-40DD-AFC4-6F175D3DCCD1}">
+              <a14:hiddenFill xmlns:a14="http://schemas.microsoft.com/office/drawing/2010/main">
+                <a:solidFill>
+                  <a:srgbClr val="FFFFFF"/>
+                </a:solidFill>
+              </a14:hiddenFill>
+            </a:ext>
+          </a:extLst>
+        </p:spPr>
+      </p:pic>
+      <p:sp>
+        <p:nvSpPr>
+          <p:cNvPr id="3" name="Title 1">
+            <a:extLst>
+              <a:ext uri="{FF2B5EF4-FFF2-40B4-BE49-F238E27FC236}">
+                <a16:creationId xmlns:a16="http://schemas.microsoft.com/office/drawing/2014/main" id="{87B6C64E-0795-6DBE-C426-84C825AB1E29}"/>
+              </a:ext>
+            </a:extLst>
+          </p:cNvPr>
+          <p:cNvSpPr>
+            <a:spLocks noGrp="1"/>
+          </p:cNvSpPr>
+          <p:nvPr>
+            <p:ph type="title"/>
+          </p:nvPr>
+        </p:nvSpPr>
+        <p:spPr>
+          <a:xfrm>
+            <a:off x="420624" y="365125"/>
+            <a:ext cx="10543032" cy="1325563"/>
+          </a:xfrm>
+        </p:spPr>
+        <p:txBody>
+          <a:bodyPr/>
+          <a:lstStyle/>
+          <a:p>
+            <a:r>
+              <a:rPr lang="en-TR" b="1" dirty="0"/>
               <a:t>Github Clone</a:t>
             </a:r>
           </a:p>
@@ -12505,7 +13686,490 @@
 </p:sld>
 </file>
 
-<file path=ppt/slides/slide24.xml><?xml version="1.0" encoding="utf-8"?>
+<file path=ppt/slides/slide25.xml><?xml version="1.0" encoding="utf-8"?>
+<p:sld xmlns:a="http://schemas.openxmlformats.org/drawingml/2006/main" xmlns:r="http://schemas.openxmlformats.org/officeDocument/2006/relationships" xmlns:p="http://schemas.openxmlformats.org/presentationml/2006/main">
+  <p:cSld>
+    <p:spTree>
+      <p:nvGrpSpPr>
+        <p:cNvPr id="1" name=""/>
+        <p:cNvGrpSpPr/>
+        <p:nvPr/>
+      </p:nvGrpSpPr>
+      <p:grpSpPr>
+        <a:xfrm>
+          <a:off x="0" y="0"/>
+          <a:ext cx="0" cy="0"/>
+          <a:chOff x="0" y="0"/>
+          <a:chExt cx="0" cy="0"/>
+        </a:xfrm>
+      </p:grpSpPr>
+      <p:pic>
+        <p:nvPicPr>
+          <p:cNvPr id="4" name="Picture 4" descr="Techpro Education | Online It Courses &amp; Bootcamps">
+            <a:extLst>
+              <a:ext uri="{FF2B5EF4-FFF2-40B4-BE49-F238E27FC236}">
+                <a16:creationId xmlns:a16="http://schemas.microsoft.com/office/drawing/2014/main" id="{E33B55B5-34C1-9987-660E-4BF674EB9809}"/>
+              </a:ext>
+            </a:extLst>
+          </p:cNvPr>
+          <p:cNvPicPr>
+            <a:picLocks noChangeAspect="1" noChangeArrowheads="1"/>
+          </p:cNvPicPr>
+          <p:nvPr/>
+        </p:nvPicPr>
+        <p:blipFill>
+          <a:blip r:embed="rId2">
+            <a:alphaModFix amt="11000"/>
+            <a:extLst>
+              <a:ext uri="{28A0092B-C50C-407E-A947-70E740481C1C}">
+                <a14:useLocalDpi xmlns:a14="http://schemas.microsoft.com/office/drawing/2010/main" val="0"/>
+              </a:ext>
+            </a:extLst>
+          </a:blip>
+          <a:srcRect/>
+          <a:stretch>
+            <a:fillRect/>
+          </a:stretch>
+        </p:blipFill>
+        <p:spPr bwMode="auto">
+          <a:xfrm>
+            <a:off x="2815081" y="551941"/>
+            <a:ext cx="5754117" cy="5754117"/>
+          </a:xfrm>
+          <a:prstGeom prst="rect">
+            <a:avLst/>
+          </a:prstGeom>
+          <a:noFill/>
+          <a:extLst>
+            <a:ext uri="{909E8E84-426E-40DD-AFC4-6F175D3DCCD1}">
+              <a14:hiddenFill xmlns:a14="http://schemas.microsoft.com/office/drawing/2010/main">
+                <a:solidFill>
+                  <a:srgbClr val="FFFFFF"/>
+                </a:solidFill>
+              </a14:hiddenFill>
+            </a:ext>
+          </a:extLst>
+        </p:spPr>
+      </p:pic>
+      <p:sp>
+        <p:nvSpPr>
+          <p:cNvPr id="3" name="Title 1">
+            <a:extLst>
+              <a:ext uri="{FF2B5EF4-FFF2-40B4-BE49-F238E27FC236}">
+                <a16:creationId xmlns:a16="http://schemas.microsoft.com/office/drawing/2014/main" id="{87B6C64E-0795-6DBE-C426-84C825AB1E29}"/>
+              </a:ext>
+            </a:extLst>
+          </p:cNvPr>
+          <p:cNvSpPr>
+            <a:spLocks noGrp="1"/>
+          </p:cNvSpPr>
+          <p:nvPr>
+            <p:ph type="title"/>
+          </p:nvPr>
+        </p:nvSpPr>
+        <p:spPr>
+          <a:xfrm>
+            <a:off x="420624" y="365125"/>
+            <a:ext cx="10543032" cy="1325563"/>
+          </a:xfrm>
+        </p:spPr>
+        <p:txBody>
+          <a:bodyPr/>
+          <a:lstStyle/>
+          <a:p>
+            <a:r>
+              <a:rPr lang="en-TR" b="1" dirty="0"/>
+              <a:t>Github Pull</a:t>
+            </a:r>
+          </a:p>
+        </p:txBody>
+      </p:sp>
+      <p:sp>
+        <p:nvSpPr>
+          <p:cNvPr id="5" name="Content Placeholder 2">
+            <a:extLst>
+              <a:ext uri="{FF2B5EF4-FFF2-40B4-BE49-F238E27FC236}">
+                <a16:creationId xmlns:a16="http://schemas.microsoft.com/office/drawing/2014/main" id="{AD4D72CB-A20C-6D7D-55C4-D224825053B4}"/>
+              </a:ext>
+            </a:extLst>
+          </p:cNvPr>
+          <p:cNvSpPr>
+            <a:spLocks noGrp="1"/>
+          </p:cNvSpPr>
+          <p:nvPr>
+            <p:ph idx="1"/>
+          </p:nvPr>
+        </p:nvSpPr>
+        <p:spPr>
+          <a:xfrm>
+            <a:off x="420626" y="1825625"/>
+            <a:ext cx="6294500" cy="4206383"/>
+          </a:xfrm>
+        </p:spPr>
+        <p:txBody>
+          <a:bodyPr>
+            <a:normAutofit fontScale="77500" lnSpcReduction="20000"/>
+          </a:bodyPr>
+          <a:lstStyle/>
+          <a:p>
+            <a:r>
+              <a:rPr lang="tr-TR" sz="3200" dirty="0"/>
+              <a:t>GitHub’ da </a:t>
+            </a:r>
+            <a:r>
+              <a:rPr lang="tr-TR" sz="3200" b="1" dirty="0">
+                <a:highlight>
+                  <a:srgbClr val="FFFF00"/>
+                </a:highlight>
+              </a:rPr>
+              <a:t>git pull</a:t>
+            </a:r>
+            <a:r>
+              <a:rPr lang="tr-TR" sz="3200" dirty="0"/>
+              <a:t> komutunu kullanarak, lokalde bulunan bir repo ile GitHub’ daki uzak repo arasındaki değişiklikleri senkronize edebilirsiniz. Bu işlem, GitHub’ daki güncellemeleri lokaldeki çalışma kopyanıza entegre etmenizi sağlar. </a:t>
+            </a:r>
+          </a:p>
+          <a:p>
+            <a:pPr lvl="1"/>
+            <a:r>
+              <a:rPr lang="en-US" sz="3000" dirty="0">
+                <a:solidFill>
+                  <a:srgbClr val="C00000"/>
+                </a:solidFill>
+              </a:rPr>
+              <a:t>git pull</a:t>
+            </a:r>
+          </a:p>
+          <a:p>
+            <a:r>
+              <a:rPr lang="en-US" sz="3200" dirty="0"/>
+              <a:t>Bu komut, lokaldeki çalışma kopyanızı GitHub’ daki uzak repo ile senkronize eder. Eğer uzak repo ile local repo arasında farklılıklar varsa, git pull komutu bu farklılıkları birleştirir veya günceller.</a:t>
+            </a:r>
+          </a:p>
+          <a:p>
+            <a:pPr lvl="1"/>
+            <a:endParaRPr lang="en-TR" sz="3000" dirty="0"/>
+          </a:p>
+        </p:txBody>
+      </p:sp>
+      <p:pic>
+        <p:nvPicPr>
+          <p:cNvPr id="5122" name="Picture 2" descr="How to do Git push pull requests - YouTube">
+            <a:extLst>
+              <a:ext uri="{FF2B5EF4-FFF2-40B4-BE49-F238E27FC236}">
+                <a16:creationId xmlns:a16="http://schemas.microsoft.com/office/drawing/2014/main" id="{AAE8EE21-3B31-B801-1E36-B6C801EA1C74}"/>
+              </a:ext>
+            </a:extLst>
+          </p:cNvPr>
+          <p:cNvPicPr>
+            <a:picLocks noChangeAspect="1" noChangeArrowheads="1"/>
+          </p:cNvPicPr>
+          <p:nvPr/>
+        </p:nvPicPr>
+        <p:blipFill>
+          <a:blip r:embed="rId3">
+            <a:extLst>
+              <a:ext uri="{28A0092B-C50C-407E-A947-70E740481C1C}">
+                <a14:useLocalDpi xmlns:a14="http://schemas.microsoft.com/office/drawing/2010/main" val="0"/>
+              </a:ext>
+            </a:extLst>
+          </a:blip>
+          <a:srcRect/>
+          <a:stretch>
+            <a:fillRect/>
+          </a:stretch>
+        </p:blipFill>
+        <p:spPr bwMode="auto">
+          <a:xfrm>
+            <a:off x="7103400" y="2400053"/>
+            <a:ext cx="4547038" cy="2557709"/>
+          </a:xfrm>
+          <a:prstGeom prst="rect">
+            <a:avLst/>
+          </a:prstGeom>
+          <a:noFill/>
+          <a:extLst>
+            <a:ext uri="{909E8E84-426E-40DD-AFC4-6F175D3DCCD1}">
+              <a14:hiddenFill xmlns:a14="http://schemas.microsoft.com/office/drawing/2010/main">
+                <a:solidFill>
+                  <a:srgbClr val="FFFFFF"/>
+                </a:solidFill>
+              </a14:hiddenFill>
+            </a:ext>
+          </a:extLst>
+        </p:spPr>
+      </p:pic>
+    </p:spTree>
+    <p:extLst>
+      <p:ext uri="{BB962C8B-B14F-4D97-AF65-F5344CB8AC3E}">
+        <p14:creationId xmlns:p14="http://schemas.microsoft.com/office/powerpoint/2010/main" val="2664004737"/>
+      </p:ext>
+    </p:extLst>
+  </p:cSld>
+  <p:clrMapOvr>
+    <a:masterClrMapping/>
+  </p:clrMapOvr>
+</p:sld>
+</file>
+
+<file path=ppt/slides/slide26.xml><?xml version="1.0" encoding="utf-8"?>
+<p:sld xmlns:a="http://schemas.openxmlformats.org/drawingml/2006/main" xmlns:r="http://schemas.openxmlformats.org/officeDocument/2006/relationships" xmlns:p="http://schemas.openxmlformats.org/presentationml/2006/main">
+  <p:cSld>
+    <p:spTree>
+      <p:nvGrpSpPr>
+        <p:cNvPr id="1" name=""/>
+        <p:cNvGrpSpPr/>
+        <p:nvPr/>
+      </p:nvGrpSpPr>
+      <p:grpSpPr>
+        <a:xfrm>
+          <a:off x="0" y="0"/>
+          <a:ext cx="0" cy="0"/>
+          <a:chOff x="0" y="0"/>
+          <a:chExt cx="0" cy="0"/>
+        </a:xfrm>
+      </p:grpSpPr>
+      <p:pic>
+        <p:nvPicPr>
+          <p:cNvPr id="4" name="Picture 4" descr="Techpro Education | Online It Courses &amp; Bootcamps">
+            <a:extLst>
+              <a:ext uri="{FF2B5EF4-FFF2-40B4-BE49-F238E27FC236}">
+                <a16:creationId xmlns:a16="http://schemas.microsoft.com/office/drawing/2014/main" id="{E33B55B5-34C1-9987-660E-4BF674EB9809}"/>
+              </a:ext>
+            </a:extLst>
+          </p:cNvPr>
+          <p:cNvPicPr>
+            <a:picLocks noChangeAspect="1" noChangeArrowheads="1"/>
+          </p:cNvPicPr>
+          <p:nvPr/>
+        </p:nvPicPr>
+        <p:blipFill>
+          <a:blip r:embed="rId2">
+            <a:alphaModFix amt="11000"/>
+            <a:extLst>
+              <a:ext uri="{28A0092B-C50C-407E-A947-70E740481C1C}">
+                <a14:useLocalDpi xmlns:a14="http://schemas.microsoft.com/office/drawing/2010/main" val="0"/>
+              </a:ext>
+            </a:extLst>
+          </a:blip>
+          <a:srcRect/>
+          <a:stretch>
+            <a:fillRect/>
+          </a:stretch>
+        </p:blipFill>
+        <p:spPr bwMode="auto">
+          <a:xfrm>
+            <a:off x="2815081" y="551941"/>
+            <a:ext cx="5754117" cy="5754117"/>
+          </a:xfrm>
+          <a:prstGeom prst="rect">
+            <a:avLst/>
+          </a:prstGeom>
+          <a:noFill/>
+          <a:extLst>
+            <a:ext uri="{909E8E84-426E-40DD-AFC4-6F175D3DCCD1}">
+              <a14:hiddenFill xmlns:a14="http://schemas.microsoft.com/office/drawing/2010/main">
+                <a:solidFill>
+                  <a:srgbClr val="FFFFFF"/>
+                </a:solidFill>
+              </a14:hiddenFill>
+            </a:ext>
+          </a:extLst>
+        </p:spPr>
+      </p:pic>
+      <p:sp>
+        <p:nvSpPr>
+          <p:cNvPr id="3" name="Title 1">
+            <a:extLst>
+              <a:ext uri="{FF2B5EF4-FFF2-40B4-BE49-F238E27FC236}">
+                <a16:creationId xmlns:a16="http://schemas.microsoft.com/office/drawing/2014/main" id="{87B6C64E-0795-6DBE-C426-84C825AB1E29}"/>
+              </a:ext>
+            </a:extLst>
+          </p:cNvPr>
+          <p:cNvSpPr>
+            <a:spLocks noGrp="1"/>
+          </p:cNvSpPr>
+          <p:nvPr>
+            <p:ph type="title"/>
+          </p:nvPr>
+        </p:nvSpPr>
+        <p:spPr>
+          <a:xfrm>
+            <a:off x="420624" y="365125"/>
+            <a:ext cx="10543032" cy="1325563"/>
+          </a:xfrm>
+        </p:spPr>
+        <p:txBody>
+          <a:bodyPr/>
+          <a:lstStyle/>
+          <a:p>
+            <a:r>
+              <a:rPr lang="en-TR" b="1" dirty="0"/>
+              <a:t>.gitignore</a:t>
+            </a:r>
+          </a:p>
+        </p:txBody>
+      </p:sp>
+      <p:sp>
+        <p:nvSpPr>
+          <p:cNvPr id="5" name="Content Placeholder 2">
+            <a:extLst>
+              <a:ext uri="{FF2B5EF4-FFF2-40B4-BE49-F238E27FC236}">
+                <a16:creationId xmlns:a16="http://schemas.microsoft.com/office/drawing/2014/main" id="{AD4D72CB-A20C-6D7D-55C4-D224825053B4}"/>
+              </a:ext>
+            </a:extLst>
+          </p:cNvPr>
+          <p:cNvSpPr>
+            <a:spLocks noGrp="1"/>
+          </p:cNvSpPr>
+          <p:nvPr>
+            <p:ph idx="1"/>
+          </p:nvPr>
+        </p:nvSpPr>
+        <p:spPr>
+          <a:xfrm>
+            <a:off x="420625" y="1825625"/>
+            <a:ext cx="10867764" cy="4206383"/>
+          </a:xfrm>
+        </p:spPr>
+        <p:txBody>
+          <a:bodyPr>
+            <a:normAutofit lnSpcReduction="10000"/>
+          </a:bodyPr>
+          <a:lstStyle/>
+          <a:p>
+            <a:r>
+              <a:rPr lang="en-US" sz="3100" dirty="0"/>
+              <a:t># Belirli bir dosyayı </a:t>
+            </a:r>
+            <a:r>
+              <a:rPr lang="en-US" sz="3100" b="1" dirty="0">
+                <a:highlight>
+                  <a:srgbClr val="FFFF00"/>
+                </a:highlight>
+              </a:rPr>
+              <a:t>isim</a:t>
+            </a:r>
+            <a:r>
+              <a:rPr lang="en-US" sz="3100" dirty="0"/>
+              <a:t> olarak belirleyebilirsiniz.</a:t>
+            </a:r>
+          </a:p>
+          <a:p>
+            <a:pPr lvl="1"/>
+            <a:r>
+              <a:rPr lang="en-US" sz="2900" dirty="0">
+                <a:solidFill>
+                  <a:srgbClr val="C00000"/>
+                </a:solidFill>
+              </a:rPr>
+              <a:t>new.txt </a:t>
+            </a:r>
+          </a:p>
+          <a:p>
+            <a:r>
+              <a:rPr lang="en-US" sz="3100" dirty="0"/>
+              <a:t># Belirli bir </a:t>
+            </a:r>
+            <a:r>
+              <a:rPr lang="en-US" sz="3100" b="1" dirty="0">
+                <a:highlight>
+                  <a:srgbClr val="FFFF00"/>
+                </a:highlight>
+              </a:rPr>
+              <a:t>dosya yolunu</a:t>
+            </a:r>
+            <a:r>
+              <a:rPr lang="en-US" sz="3100" dirty="0"/>
+              <a:t> belirleyebilirsiniz.</a:t>
+            </a:r>
+          </a:p>
+          <a:p>
+            <a:pPr lvl="1"/>
+            <a:r>
+              <a:rPr lang="en-US" sz="2900" dirty="0">
+                <a:solidFill>
+                  <a:srgbClr val="C00000"/>
+                </a:solidFill>
+              </a:rPr>
+              <a:t>doc/*</a:t>
+            </a:r>
+          </a:p>
+          <a:p>
+            <a:r>
+              <a:rPr lang="en-US" sz="3100" dirty="0"/>
+              <a:t># Belirli bir </a:t>
+            </a:r>
+            <a:r>
+              <a:rPr lang="en-US" sz="3100" b="1" dirty="0">
+                <a:highlight>
+                  <a:srgbClr val="FFFF00"/>
+                </a:highlight>
+              </a:rPr>
+              <a:t>dosya formatını (bulunduğu dizinde)</a:t>
+            </a:r>
+            <a:r>
+              <a:rPr lang="en-US" sz="3100" dirty="0"/>
+              <a:t> belirleyebilirsiniz.</a:t>
+            </a:r>
+            <a:endParaRPr lang="en-US" sz="2900" dirty="0"/>
+          </a:p>
+          <a:p>
+            <a:pPr lvl="1"/>
+            <a:r>
+              <a:rPr lang="en-US" sz="2900" dirty="0">
+                <a:solidFill>
+                  <a:srgbClr val="C00000"/>
+                </a:solidFill>
+              </a:rPr>
+              <a:t>*.txt</a:t>
+            </a:r>
+          </a:p>
+          <a:p>
+            <a:r>
+              <a:rPr lang="en-US" sz="3100" dirty="0"/>
+              <a:t># Belirli bir </a:t>
+            </a:r>
+            <a:r>
+              <a:rPr lang="en-US" sz="3100" b="1" dirty="0">
+                <a:highlight>
+                  <a:srgbClr val="FFFF00"/>
+                </a:highlight>
+              </a:rPr>
+              <a:t>dosya formatını (tüm dizinde)</a:t>
+            </a:r>
+            <a:r>
+              <a:rPr lang="en-US" sz="3100" dirty="0"/>
+              <a:t> belirleyebilirsiniz.</a:t>
+            </a:r>
+          </a:p>
+          <a:p>
+            <a:pPr lvl="1"/>
+            <a:r>
+              <a:rPr lang="en-US" sz="2900" dirty="0">
+                <a:solidFill>
+                  <a:srgbClr val="C00000"/>
+                </a:solidFill>
+              </a:rPr>
+              <a:t>**.txt</a:t>
+            </a:r>
+          </a:p>
+        </p:txBody>
+      </p:sp>
+    </p:spTree>
+    <p:extLst>
+      <p:ext uri="{BB962C8B-B14F-4D97-AF65-F5344CB8AC3E}">
+        <p14:creationId xmlns:p14="http://schemas.microsoft.com/office/powerpoint/2010/main" val="3934226540"/>
+      </p:ext>
+    </p:extLst>
+  </p:cSld>
+  <p:clrMapOvr>
+    <a:masterClrMapping/>
+  </p:clrMapOvr>
+</p:sld>
+</file>
+
+<file path=ppt/slides/slide27.xml><?xml version="1.0" encoding="utf-8"?>
 <p:sld xmlns:a="http://schemas.openxmlformats.org/drawingml/2006/main" xmlns:r="http://schemas.openxmlformats.org/officeDocument/2006/relationships" xmlns:p="http://schemas.openxmlformats.org/presentationml/2006/main">
   <p:cSld>
     <p:spTree>
@@ -13008,826 +14672,6 @@
 </p:sld>
 </file>
 
-<file path=ppt/slides/slide25.xml><?xml version="1.0" encoding="utf-8"?>
-<p:sld xmlns:a="http://schemas.openxmlformats.org/drawingml/2006/main" xmlns:r="http://schemas.openxmlformats.org/officeDocument/2006/relationships" xmlns:p="http://schemas.openxmlformats.org/presentationml/2006/main">
-  <p:cSld>
-    <p:spTree>
-      <p:nvGrpSpPr>
-        <p:cNvPr id="1" name=""/>
-        <p:cNvGrpSpPr/>
-        <p:nvPr/>
-      </p:nvGrpSpPr>
-      <p:grpSpPr>
-        <a:xfrm>
-          <a:off x="0" y="0"/>
-          <a:ext cx="0" cy="0"/>
-          <a:chOff x="0" y="0"/>
-          <a:chExt cx="0" cy="0"/>
-        </a:xfrm>
-      </p:grpSpPr>
-      <p:sp>
-        <p:nvSpPr>
-          <p:cNvPr id="2" name="Title 1">
-            <a:extLst>
-              <a:ext uri="{FF2B5EF4-FFF2-40B4-BE49-F238E27FC236}">
-                <a16:creationId xmlns:a16="http://schemas.microsoft.com/office/drawing/2014/main" id="{C1E5738B-027B-A246-F4A7-201E7F4C3236}"/>
-              </a:ext>
-            </a:extLst>
-          </p:cNvPr>
-          <p:cNvSpPr>
-            <a:spLocks noGrp="1"/>
-          </p:cNvSpPr>
-          <p:nvPr>
-            <p:ph type="ctrTitle"/>
-          </p:nvPr>
-        </p:nvSpPr>
-        <p:spPr>
-          <a:xfrm>
-            <a:off x="5989319" y="576263"/>
-            <a:ext cx="5054196" cy="2967606"/>
-          </a:xfrm>
-        </p:spPr>
-        <p:txBody>
-          <a:bodyPr anchor="b">
-            <a:normAutofit/>
-          </a:bodyPr>
-          <a:lstStyle/>
-          <a:p>
-            <a:pPr algn="l"/>
-            <a:r>
-              <a:rPr lang="en-TR" sz="6600" dirty="0">
-                <a:solidFill>
-                  <a:srgbClr val="C00000"/>
-                </a:solidFill>
-              </a:rPr>
-              <a:t>Git</a:t>
-            </a:r>
-            <a:br>
-              <a:rPr lang="en-TR" sz="4800" dirty="0">
-                <a:solidFill>
-                  <a:srgbClr val="C00000"/>
-                </a:solidFill>
-              </a:rPr>
-            </a:br>
-            <a:r>
-              <a:rPr lang="en-TR" sz="6600" dirty="0">
-                <a:solidFill>
-                  <a:srgbClr val="C00000"/>
-                </a:solidFill>
-              </a:rPr>
-              <a:t>Github</a:t>
-            </a:r>
-          </a:p>
-        </p:txBody>
-      </p:sp>
-      <p:sp>
-        <p:nvSpPr>
-          <p:cNvPr id="3" name="Subtitle 2">
-            <a:extLst>
-              <a:ext uri="{FF2B5EF4-FFF2-40B4-BE49-F238E27FC236}">
-                <a16:creationId xmlns:a16="http://schemas.microsoft.com/office/drawing/2014/main" id="{5F15582A-A49F-2033-70C2-DB99A372C7FC}"/>
-              </a:ext>
-            </a:extLst>
-          </p:cNvPr>
-          <p:cNvSpPr>
-            <a:spLocks noGrp="1"/>
-          </p:cNvSpPr>
-          <p:nvPr>
-            <p:ph type="subTitle" idx="1"/>
-          </p:nvPr>
-        </p:nvSpPr>
-        <p:spPr>
-          <a:xfrm>
-            <a:off x="5989319" y="3764975"/>
-            <a:ext cx="5054196" cy="2192683"/>
-          </a:xfrm>
-        </p:spPr>
-        <p:txBody>
-          <a:bodyPr>
-            <a:normAutofit/>
-          </a:bodyPr>
-          <a:lstStyle/>
-          <a:p>
-            <a:pPr algn="l"/>
-            <a:r>
-              <a:rPr lang="en-US" sz="2800" b="1" dirty="0"/>
-              <a:t>3. Ders</a:t>
-            </a:r>
-            <a:br>
-              <a:rPr lang="en-US" sz="2800" b="1" dirty="0"/>
-            </a:br>
-            <a:r>
-              <a:rPr lang="en-US" sz="2800" b="1" dirty="0"/>
-              <a:t>15.07.2023</a:t>
-            </a:r>
-          </a:p>
-          <a:p>
-            <a:pPr algn="l"/>
-            <a:r>
-              <a:rPr lang="en-US" sz="2200" dirty="0">
-                <a:solidFill>
-                  <a:schemeClr val="tx2">
-                    <a:lumMod val="60000"/>
-                    <a:lumOff val="40000"/>
-                  </a:schemeClr>
-                </a:solidFill>
-              </a:rPr>
-              <a:t>B149 AWS &amp; DevOps</a:t>
-            </a:r>
-            <a:br>
-              <a:rPr lang="en-US" sz="2200" dirty="0">
-                <a:solidFill>
-                  <a:schemeClr val="tx2">
-                    <a:lumMod val="60000"/>
-                    <a:lumOff val="40000"/>
-                  </a:schemeClr>
-                </a:solidFill>
-              </a:rPr>
-            </a:br>
-            <a:r>
-              <a:rPr lang="en-US" sz="2200" dirty="0">
-                <a:solidFill>
-                  <a:schemeClr val="tx2">
-                    <a:lumMod val="60000"/>
-                    <a:lumOff val="40000"/>
-                  </a:schemeClr>
-                </a:solidFill>
-              </a:rPr>
-              <a:t>B146 Cyber Security</a:t>
-            </a:r>
-            <a:endParaRPr lang="en-US" sz="2200" dirty="0"/>
-          </a:p>
-          <a:p>
-            <a:pPr algn="l"/>
-            <a:endParaRPr lang="en-TR" sz="2200" dirty="0"/>
-          </a:p>
-        </p:txBody>
-      </p:sp>
-      <p:pic>
-        <p:nvPicPr>
-          <p:cNvPr id="16" name="Picture 3" descr="A colorful light bulb with business icons">
-            <a:extLst>
-              <a:ext uri="{FF2B5EF4-FFF2-40B4-BE49-F238E27FC236}">
-                <a16:creationId xmlns:a16="http://schemas.microsoft.com/office/drawing/2014/main" id="{225EE30B-71B7-236B-E02F-D7A3C2383EDD}"/>
-              </a:ext>
-            </a:extLst>
-          </p:cNvPr>
-          <p:cNvPicPr>
-            <a:picLocks noChangeAspect="1"/>
-          </p:cNvPicPr>
-          <p:nvPr/>
-        </p:nvPicPr>
-        <p:blipFill rotWithShape="1">
-          <a:blip r:embed="rId3"/>
-          <a:srcRect l="17908" r="26093" b="1"/>
-          <a:stretch/>
-        </p:blipFill>
-        <p:spPr>
-          <a:xfrm>
-            <a:off x="-6472" y="10"/>
-            <a:ext cx="5486394" cy="6857982"/>
-          </a:xfrm>
-          <a:prstGeom prst="rect">
-            <a:avLst/>
-          </a:prstGeom>
-        </p:spPr>
-      </p:pic>
-      <p:pic>
-        <p:nvPicPr>
-          <p:cNvPr id="1030" name="Picture 6" descr="Institutional | Techpro Education">
-            <a:extLst>
-              <a:ext uri="{FF2B5EF4-FFF2-40B4-BE49-F238E27FC236}">
-                <a16:creationId xmlns:a16="http://schemas.microsoft.com/office/drawing/2014/main" id="{FC920835-2593-77EA-3C70-51EB45776591}"/>
-              </a:ext>
-            </a:extLst>
-          </p:cNvPr>
-          <p:cNvPicPr>
-            <a:picLocks noChangeAspect="1" noChangeArrowheads="1"/>
-          </p:cNvPicPr>
-          <p:nvPr/>
-        </p:nvPicPr>
-        <p:blipFill>
-          <a:blip r:embed="rId4">
-            <a:extLst>
-              <a:ext uri="{28A0092B-C50C-407E-A947-70E740481C1C}">
-                <a14:useLocalDpi xmlns:a14="http://schemas.microsoft.com/office/drawing/2010/main" val="0"/>
-              </a:ext>
-            </a:extLst>
-          </a:blip>
-          <a:srcRect/>
-          <a:stretch>
-            <a:fillRect/>
-          </a:stretch>
-        </p:blipFill>
-        <p:spPr bwMode="auto">
-          <a:xfrm>
-            <a:off x="9562707" y="685799"/>
-            <a:ext cx="1941969" cy="901701"/>
-          </a:xfrm>
-          <a:prstGeom prst="rect">
-            <a:avLst/>
-          </a:prstGeom>
-          <a:noFill/>
-          <a:extLst>
-            <a:ext uri="{909E8E84-426E-40DD-AFC4-6F175D3DCCD1}">
-              <a14:hiddenFill xmlns:a14="http://schemas.microsoft.com/office/drawing/2010/main">
-                <a:solidFill>
-                  <a:srgbClr val="FFFFFF"/>
-                </a:solidFill>
-              </a14:hiddenFill>
-            </a:ext>
-          </a:extLst>
-        </p:spPr>
-      </p:pic>
-    </p:spTree>
-    <p:extLst>
-      <p:ext uri="{BB962C8B-B14F-4D97-AF65-F5344CB8AC3E}">
-        <p14:creationId xmlns:p14="http://schemas.microsoft.com/office/powerpoint/2010/main" val="1989029220"/>
-      </p:ext>
-    </p:extLst>
-  </p:cSld>
-  <p:clrMapOvr>
-    <a:masterClrMapping/>
-  </p:clrMapOvr>
-</p:sld>
-</file>
-
-<file path=ppt/slides/slide26.xml><?xml version="1.0" encoding="utf-8"?>
-<p:sld xmlns:a="http://schemas.openxmlformats.org/drawingml/2006/main" xmlns:r="http://schemas.openxmlformats.org/officeDocument/2006/relationships" xmlns:p="http://schemas.openxmlformats.org/presentationml/2006/main">
-  <p:cSld>
-    <p:spTree>
-      <p:nvGrpSpPr>
-        <p:cNvPr id="1" name=""/>
-        <p:cNvGrpSpPr/>
-        <p:nvPr/>
-      </p:nvGrpSpPr>
-      <p:grpSpPr>
-        <a:xfrm>
-          <a:off x="0" y="0"/>
-          <a:ext cx="0" cy="0"/>
-          <a:chOff x="0" y="0"/>
-          <a:chExt cx="0" cy="0"/>
-        </a:xfrm>
-      </p:grpSpPr>
-      <p:sp>
-        <p:nvSpPr>
-          <p:cNvPr id="2" name="Title 1">
-            <a:extLst>
-              <a:ext uri="{FF2B5EF4-FFF2-40B4-BE49-F238E27FC236}">
-                <a16:creationId xmlns:a16="http://schemas.microsoft.com/office/drawing/2014/main" id="{6B7DCCED-E2F4-5AF6-37CF-35D1887C6475}"/>
-              </a:ext>
-            </a:extLst>
-          </p:cNvPr>
-          <p:cNvSpPr>
-            <a:spLocks noGrp="1"/>
-          </p:cNvSpPr>
-          <p:nvPr>
-            <p:ph type="title"/>
-          </p:nvPr>
-        </p:nvSpPr>
-        <p:spPr/>
-        <p:txBody>
-          <a:bodyPr/>
-          <a:lstStyle/>
-          <a:p>
-            <a:r>
-              <a:rPr lang="en-TR" b="1" dirty="0"/>
-              <a:t>Bugün ne yapıyoruz?</a:t>
-            </a:r>
-          </a:p>
-        </p:txBody>
-      </p:sp>
-      <p:pic>
-        <p:nvPicPr>
-          <p:cNvPr id="4" name="Picture 4" descr="Techpro Education | Online It Courses &amp; Bootcamps">
-            <a:extLst>
-              <a:ext uri="{FF2B5EF4-FFF2-40B4-BE49-F238E27FC236}">
-                <a16:creationId xmlns:a16="http://schemas.microsoft.com/office/drawing/2014/main" id="{E33B55B5-34C1-9987-660E-4BF674EB9809}"/>
-              </a:ext>
-            </a:extLst>
-          </p:cNvPr>
-          <p:cNvPicPr>
-            <a:picLocks noChangeAspect="1" noChangeArrowheads="1"/>
-          </p:cNvPicPr>
-          <p:nvPr/>
-        </p:nvPicPr>
-        <p:blipFill>
-          <a:blip r:embed="rId2">
-            <a:alphaModFix amt="11000"/>
-            <a:extLst>
-              <a:ext uri="{28A0092B-C50C-407E-A947-70E740481C1C}">
-                <a14:useLocalDpi xmlns:a14="http://schemas.microsoft.com/office/drawing/2010/main" val="0"/>
-              </a:ext>
-            </a:extLst>
-          </a:blip>
-          <a:srcRect/>
-          <a:stretch>
-            <a:fillRect/>
-          </a:stretch>
-        </p:blipFill>
-        <p:spPr bwMode="auto">
-          <a:xfrm>
-            <a:off x="2815081" y="551941"/>
-            <a:ext cx="5754117" cy="5754117"/>
-          </a:xfrm>
-          <a:prstGeom prst="rect">
-            <a:avLst/>
-          </a:prstGeom>
-          <a:noFill/>
-          <a:extLst>
-            <a:ext uri="{909E8E84-426E-40DD-AFC4-6F175D3DCCD1}">
-              <a14:hiddenFill xmlns:a14="http://schemas.microsoft.com/office/drawing/2010/main">
-                <a:solidFill>
-                  <a:srgbClr val="FFFFFF"/>
-                </a:solidFill>
-              </a14:hiddenFill>
-            </a:ext>
-          </a:extLst>
-        </p:spPr>
-      </p:pic>
-      <p:sp>
-        <p:nvSpPr>
-          <p:cNvPr id="3" name="Content Placeholder 2">
-            <a:extLst>
-              <a:ext uri="{FF2B5EF4-FFF2-40B4-BE49-F238E27FC236}">
-                <a16:creationId xmlns:a16="http://schemas.microsoft.com/office/drawing/2014/main" id="{3BC2725C-CB06-63E9-488B-11108EB6647E}"/>
-              </a:ext>
-            </a:extLst>
-          </p:cNvPr>
-          <p:cNvSpPr>
-            <a:spLocks noGrp="1"/>
-          </p:cNvSpPr>
-          <p:nvPr>
-            <p:ph idx="1"/>
-          </p:nvPr>
-        </p:nvSpPr>
-        <p:spPr/>
-        <p:txBody>
-          <a:bodyPr>
-            <a:normAutofit/>
-          </a:bodyPr>
-          <a:lstStyle/>
-          <a:p>
-            <a:r>
-              <a:rPr lang="tr-TR" sz="4000" dirty="0"/>
-              <a:t>Github Desktop Kurulum</a:t>
-            </a:r>
-          </a:p>
-          <a:p>
-            <a:r>
-              <a:rPr lang="tr-TR" sz="4000" dirty="0"/>
-              <a:t>Github </a:t>
-            </a:r>
-            <a:r>
-              <a:rPr lang="tr-TR" sz="4000" dirty="0" err="1"/>
-              <a:t>Readme.md</a:t>
-            </a:r>
-            <a:r>
-              <a:rPr lang="tr-TR" sz="4000" dirty="0"/>
-              <a:t> Oluşturma</a:t>
-            </a:r>
-          </a:p>
-          <a:p>
-            <a:r>
-              <a:rPr lang="tr-TR" sz="4000" dirty="0"/>
-              <a:t>Tüm Ders Depoları Oluşturma</a:t>
-            </a:r>
-          </a:p>
-          <a:p>
-            <a:r>
-              <a:rPr lang="tr-TR" sz="4000" dirty="0"/>
-              <a:t>Yararlı Linkler</a:t>
-            </a:r>
-          </a:p>
-          <a:p>
-            <a:r>
-              <a:rPr lang="tr-TR" sz="4000" dirty="0" err="1"/>
-              <a:t>GitLab</a:t>
-            </a:r>
-            <a:r>
-              <a:rPr lang="tr-TR" sz="4000" dirty="0"/>
-              <a:t> ve </a:t>
-            </a:r>
-            <a:r>
-              <a:rPr lang="tr-TR" sz="4000" dirty="0" err="1"/>
-              <a:t>Bitbucket</a:t>
-            </a:r>
-            <a:r>
-              <a:rPr lang="tr-TR" sz="4000" dirty="0"/>
-              <a:t> </a:t>
-            </a:r>
-            <a:endParaRPr lang="en-TR" sz="4000" dirty="0"/>
-          </a:p>
-        </p:txBody>
-      </p:sp>
-      <p:pic>
-        <p:nvPicPr>
-          <p:cNvPr id="1028" name="Picture 4" descr="Of Git and GitHub, Master and Main - BiTE Interactive">
-            <a:extLst>
-              <a:ext uri="{FF2B5EF4-FFF2-40B4-BE49-F238E27FC236}">
-                <a16:creationId xmlns:a16="http://schemas.microsoft.com/office/drawing/2014/main" id="{7712ED1A-FB03-FFEC-3F4A-5B7EA07F7F88}"/>
-              </a:ext>
-            </a:extLst>
-          </p:cNvPr>
-          <p:cNvPicPr>
-            <a:picLocks noChangeAspect="1" noChangeArrowheads="1"/>
-          </p:cNvPicPr>
-          <p:nvPr/>
-        </p:nvPicPr>
-        <p:blipFill>
-          <a:blip r:embed="rId3">
-            <a:extLst>
-              <a:ext uri="{28A0092B-C50C-407E-A947-70E740481C1C}">
-                <a14:useLocalDpi xmlns:a14="http://schemas.microsoft.com/office/drawing/2010/main" val="0"/>
-              </a:ext>
-            </a:extLst>
-          </a:blip>
-          <a:srcRect/>
-          <a:stretch>
-            <a:fillRect/>
-          </a:stretch>
-        </p:blipFill>
-        <p:spPr bwMode="auto">
-          <a:xfrm>
-            <a:off x="7193281" y="2040465"/>
-            <a:ext cx="4421954" cy="3321078"/>
-          </a:xfrm>
-          <a:prstGeom prst="rect">
-            <a:avLst/>
-          </a:prstGeom>
-          <a:noFill/>
-          <a:extLst>
-            <a:ext uri="{909E8E84-426E-40DD-AFC4-6F175D3DCCD1}">
-              <a14:hiddenFill xmlns:a14="http://schemas.microsoft.com/office/drawing/2010/main">
-                <a:solidFill>
-                  <a:srgbClr val="FFFFFF"/>
-                </a:solidFill>
-              </a14:hiddenFill>
-            </a:ext>
-          </a:extLst>
-        </p:spPr>
-      </p:pic>
-    </p:spTree>
-    <p:extLst>
-      <p:ext uri="{BB962C8B-B14F-4D97-AF65-F5344CB8AC3E}">
-        <p14:creationId xmlns:p14="http://schemas.microsoft.com/office/powerpoint/2010/main" val="1548472447"/>
-      </p:ext>
-    </p:extLst>
-  </p:cSld>
-  <p:clrMapOvr>
-    <a:masterClrMapping/>
-  </p:clrMapOvr>
-</p:sld>
-</file>
-
-<file path=ppt/slides/slide27.xml><?xml version="1.0" encoding="utf-8"?>
-<p:sld xmlns:a="http://schemas.openxmlformats.org/drawingml/2006/main" xmlns:r="http://schemas.openxmlformats.org/officeDocument/2006/relationships" xmlns:p="http://schemas.openxmlformats.org/presentationml/2006/main">
-  <p:cSld>
-    <p:spTree>
-      <p:nvGrpSpPr>
-        <p:cNvPr id="1" name=""/>
-        <p:cNvGrpSpPr/>
-        <p:nvPr/>
-      </p:nvGrpSpPr>
-      <p:grpSpPr>
-        <a:xfrm>
-          <a:off x="0" y="0"/>
-          <a:ext cx="0" cy="0"/>
-          <a:chOff x="0" y="0"/>
-          <a:chExt cx="0" cy="0"/>
-        </a:xfrm>
-      </p:grpSpPr>
-      <p:sp>
-        <p:nvSpPr>
-          <p:cNvPr id="2" name="Title 1">
-            <a:extLst>
-              <a:ext uri="{FF2B5EF4-FFF2-40B4-BE49-F238E27FC236}">
-                <a16:creationId xmlns:a16="http://schemas.microsoft.com/office/drawing/2014/main" id="{6B7DCCED-E2F4-5AF6-37CF-35D1887C6475}"/>
-              </a:ext>
-            </a:extLst>
-          </p:cNvPr>
-          <p:cNvSpPr>
-            <a:spLocks noGrp="1"/>
-          </p:cNvSpPr>
-          <p:nvPr>
-            <p:ph type="title"/>
-          </p:nvPr>
-        </p:nvSpPr>
-        <p:spPr/>
-        <p:txBody>
-          <a:bodyPr/>
-          <a:lstStyle/>
-          <a:p>
-            <a:r>
-              <a:rPr lang="en-TR" b="1" dirty="0"/>
-              <a:t>Github Desktop Kurulumu</a:t>
-            </a:r>
-          </a:p>
-        </p:txBody>
-      </p:sp>
-      <p:pic>
-        <p:nvPicPr>
-          <p:cNvPr id="4" name="Picture 4" descr="Techpro Education | Online It Courses &amp; Bootcamps">
-            <a:extLst>
-              <a:ext uri="{FF2B5EF4-FFF2-40B4-BE49-F238E27FC236}">
-                <a16:creationId xmlns:a16="http://schemas.microsoft.com/office/drawing/2014/main" id="{E33B55B5-34C1-9987-660E-4BF674EB9809}"/>
-              </a:ext>
-            </a:extLst>
-          </p:cNvPr>
-          <p:cNvPicPr>
-            <a:picLocks noChangeAspect="1" noChangeArrowheads="1"/>
-          </p:cNvPicPr>
-          <p:nvPr/>
-        </p:nvPicPr>
-        <p:blipFill>
-          <a:blip r:embed="rId3">
-            <a:alphaModFix amt="11000"/>
-            <a:extLst>
-              <a:ext uri="{28A0092B-C50C-407E-A947-70E740481C1C}">
-                <a14:useLocalDpi xmlns:a14="http://schemas.microsoft.com/office/drawing/2010/main" val="0"/>
-              </a:ext>
-            </a:extLst>
-          </a:blip>
-          <a:srcRect/>
-          <a:stretch>
-            <a:fillRect/>
-          </a:stretch>
-        </p:blipFill>
-        <p:spPr bwMode="auto">
-          <a:xfrm>
-            <a:off x="2815081" y="551941"/>
-            <a:ext cx="5754117" cy="5754117"/>
-          </a:xfrm>
-          <a:prstGeom prst="rect">
-            <a:avLst/>
-          </a:prstGeom>
-          <a:noFill/>
-          <a:extLst>
-            <a:ext uri="{909E8E84-426E-40DD-AFC4-6F175D3DCCD1}">
-              <a14:hiddenFill xmlns:a14="http://schemas.microsoft.com/office/drawing/2010/main">
-                <a:solidFill>
-                  <a:srgbClr val="FFFFFF"/>
-                </a:solidFill>
-              </a14:hiddenFill>
-            </a:ext>
-          </a:extLst>
-        </p:spPr>
-      </p:pic>
-      <p:sp>
-        <p:nvSpPr>
-          <p:cNvPr id="7" name="AutoShape 2">
-            <a:extLst>
-              <a:ext uri="{FF2B5EF4-FFF2-40B4-BE49-F238E27FC236}">
-                <a16:creationId xmlns:a16="http://schemas.microsoft.com/office/drawing/2014/main" id="{88280B46-2E3B-CD5E-BE78-B8DA5334B6C7}"/>
-              </a:ext>
-            </a:extLst>
-          </p:cNvPr>
-          <p:cNvSpPr>
-            <a:spLocks noChangeAspect="1" noChangeArrowheads="1"/>
-          </p:cNvSpPr>
-          <p:nvPr/>
-        </p:nvSpPr>
-        <p:spPr bwMode="auto">
-          <a:xfrm>
-            <a:off x="5943600" y="3276600"/>
-            <a:ext cx="304800" cy="304800"/>
-          </a:xfrm>
-          <a:prstGeom prst="rect">
-            <a:avLst/>
-          </a:prstGeom>
-          <a:noFill/>
-          <a:extLst>
-            <a:ext uri="{909E8E84-426E-40DD-AFC4-6F175D3DCCD1}">
-              <a14:hiddenFill xmlns:a14="http://schemas.microsoft.com/office/drawing/2010/main">
-                <a:solidFill>
-                  <a:srgbClr val="FFFFFF"/>
-                </a:solidFill>
-              </a14:hiddenFill>
-            </a:ext>
-          </a:extLst>
-        </p:spPr>
-        <p:txBody>
-          <a:bodyPr vert="horz" wrap="square" lIns="91440" tIns="45720" rIns="91440" bIns="45720" numCol="1" anchor="t" anchorCtr="0" compatLnSpc="1">
-            <a:prstTxWarp prst="textNoShape">
-              <a:avLst/>
-            </a:prstTxWarp>
-          </a:bodyPr>
-          <a:lstStyle/>
-          <a:p>
-            <a:endParaRPr lang="en-TR"/>
-          </a:p>
-        </p:txBody>
-      </p:sp>
-      <p:pic>
-        <p:nvPicPr>
-          <p:cNvPr id="3084" name="Picture 12" descr="Jual Logo Apple untuk Macbook - 3M Clear Matte - Jakarta Barat -  Warungkomplit | Tokopedia">
-            <a:extLst>
-              <a:ext uri="{FF2B5EF4-FFF2-40B4-BE49-F238E27FC236}">
-                <a16:creationId xmlns:a16="http://schemas.microsoft.com/office/drawing/2014/main" id="{497C0734-5E5D-8A6B-973B-B29828F15BA3}"/>
-              </a:ext>
-            </a:extLst>
-          </p:cNvPr>
-          <p:cNvPicPr>
-            <a:picLocks noChangeAspect="1" noChangeArrowheads="1"/>
-          </p:cNvPicPr>
-          <p:nvPr/>
-        </p:nvPicPr>
-        <p:blipFill>
-          <a:blip r:embed="rId4">
-            <a:extLst>
-              <a:ext uri="{28A0092B-C50C-407E-A947-70E740481C1C}">
-                <a14:useLocalDpi xmlns:a14="http://schemas.microsoft.com/office/drawing/2010/main" val="0"/>
-              </a:ext>
-            </a:extLst>
-          </a:blip>
-          <a:srcRect/>
-          <a:stretch>
-            <a:fillRect/>
-          </a:stretch>
-        </p:blipFill>
-        <p:spPr bwMode="auto">
-          <a:xfrm>
-            <a:off x="8572443" y="1135154"/>
-            <a:ext cx="1739714" cy="1737302"/>
-          </a:xfrm>
-          <a:prstGeom prst="rect">
-            <a:avLst/>
-          </a:prstGeom>
-          <a:noFill/>
-          <a:extLst>
-            <a:ext uri="{909E8E84-426E-40DD-AFC4-6F175D3DCCD1}">
-              <a14:hiddenFill xmlns:a14="http://schemas.microsoft.com/office/drawing/2010/main">
-                <a:solidFill>
-                  <a:srgbClr val="FFFFFF"/>
-                </a:solidFill>
-              </a14:hiddenFill>
-            </a:ext>
-          </a:extLst>
-        </p:spPr>
-      </p:pic>
-      <p:pic>
-        <p:nvPicPr>
-          <p:cNvPr id="3086" name="Picture 14">
-            <a:extLst>
-              <a:ext uri="{FF2B5EF4-FFF2-40B4-BE49-F238E27FC236}">
-                <a16:creationId xmlns:a16="http://schemas.microsoft.com/office/drawing/2014/main" id="{FE57CFA2-CB30-CC3E-1B59-27D2846F5EFA}"/>
-              </a:ext>
-            </a:extLst>
-          </p:cNvPr>
-          <p:cNvPicPr>
-            <a:picLocks noChangeAspect="1" noChangeArrowheads="1"/>
-          </p:cNvPicPr>
-          <p:nvPr/>
-        </p:nvPicPr>
-        <p:blipFill>
-          <a:blip r:embed="rId5">
-            <a:extLst>
-              <a:ext uri="{28A0092B-C50C-407E-A947-70E740481C1C}">
-                <a14:useLocalDpi xmlns:a14="http://schemas.microsoft.com/office/drawing/2010/main" val="0"/>
-              </a:ext>
-            </a:extLst>
-          </a:blip>
-          <a:srcRect/>
-          <a:stretch>
-            <a:fillRect/>
-          </a:stretch>
-        </p:blipFill>
-        <p:spPr bwMode="auto">
-          <a:xfrm>
-            <a:off x="1821632" y="1370963"/>
-            <a:ext cx="1621026" cy="1621026"/>
-          </a:xfrm>
-          <a:prstGeom prst="rect">
-            <a:avLst/>
-          </a:prstGeom>
-          <a:noFill/>
-          <a:extLst>
-            <a:ext uri="{909E8E84-426E-40DD-AFC4-6F175D3DCCD1}">
-              <a14:hiddenFill xmlns:a14="http://schemas.microsoft.com/office/drawing/2010/main">
-                <a:solidFill>
-                  <a:srgbClr val="FFFFFF"/>
-                </a:solidFill>
-              </a14:hiddenFill>
-            </a:ext>
-          </a:extLst>
-        </p:spPr>
-      </p:pic>
-      <p:sp>
-        <p:nvSpPr>
-          <p:cNvPr id="10" name="TextBox 9">
-            <a:extLst>
-              <a:ext uri="{FF2B5EF4-FFF2-40B4-BE49-F238E27FC236}">
-                <a16:creationId xmlns:a16="http://schemas.microsoft.com/office/drawing/2014/main" id="{B8ADBFB7-3E23-29E9-F6AA-902B5705C408}"/>
-              </a:ext>
-            </a:extLst>
-          </p:cNvPr>
-          <p:cNvSpPr txBox="1"/>
-          <p:nvPr/>
-        </p:nvSpPr>
-        <p:spPr>
-          <a:xfrm>
-            <a:off x="2647041" y="2684214"/>
-            <a:ext cx="6897917" cy="1446550"/>
-          </a:xfrm>
-          <a:prstGeom prst="rect">
-            <a:avLst/>
-          </a:prstGeom>
-          <a:noFill/>
-        </p:spPr>
-        <p:txBody>
-          <a:bodyPr wrap="square" rtlCol="0">
-            <a:spAutoFit/>
-          </a:bodyPr>
-          <a:lstStyle/>
-          <a:p>
-            <a:pPr algn="ctr"/>
-            <a:r>
-              <a:rPr lang="en-US" sz="4400" b="1" dirty="0">
-                <a:solidFill>
-                  <a:srgbClr val="C00000"/>
-                </a:solidFill>
-              </a:rPr>
-              <a:t>Kurulum Linki</a:t>
-            </a:r>
-          </a:p>
-          <a:p>
-            <a:pPr algn="ctr"/>
-            <a:r>
-              <a:rPr lang="en-US" sz="4400" b="1" dirty="0">
-                <a:solidFill>
-                  <a:schemeClr val="tx2"/>
-                </a:solidFill>
-              </a:rPr>
-              <a:t>https://desktop.github.com/</a:t>
-            </a:r>
-            <a:endParaRPr lang="en-TR" sz="4400" b="1" dirty="0">
-              <a:solidFill>
-                <a:schemeClr val="tx2"/>
-              </a:solidFill>
-            </a:endParaRPr>
-          </a:p>
-        </p:txBody>
-      </p:sp>
-      <p:pic>
-        <p:nvPicPr>
-          <p:cNvPr id="8194" name="Picture 2">
-            <a:extLst>
-              <a:ext uri="{FF2B5EF4-FFF2-40B4-BE49-F238E27FC236}">
-                <a16:creationId xmlns:a16="http://schemas.microsoft.com/office/drawing/2014/main" id="{C91F425D-B901-2E39-B4C7-3DF6745FA3E8}"/>
-              </a:ext>
-            </a:extLst>
-          </p:cNvPr>
-          <p:cNvPicPr>
-            <a:picLocks noChangeAspect="1" noChangeArrowheads="1"/>
-          </p:cNvPicPr>
-          <p:nvPr/>
-        </p:nvPicPr>
-        <p:blipFill>
-          <a:blip r:embed="rId6">
-            <a:extLst>
-              <a:ext uri="{28A0092B-C50C-407E-A947-70E740481C1C}">
-                <a14:useLocalDpi xmlns:a14="http://schemas.microsoft.com/office/drawing/2010/main" val="0"/>
-              </a:ext>
-            </a:extLst>
-          </a:blip>
-          <a:srcRect/>
-          <a:stretch>
-            <a:fillRect/>
-          </a:stretch>
-        </p:blipFill>
-        <p:spPr bwMode="auto">
-          <a:xfrm>
-            <a:off x="5180975" y="4056865"/>
-            <a:ext cx="2134850" cy="2134850"/>
-          </a:xfrm>
-          <a:prstGeom prst="rect">
-            <a:avLst/>
-          </a:prstGeom>
-          <a:noFill/>
-          <a:extLst>
-            <a:ext uri="{909E8E84-426E-40DD-AFC4-6F175D3DCCD1}">
-              <a14:hiddenFill xmlns:a14="http://schemas.microsoft.com/office/drawing/2010/main">
-                <a:solidFill>
-                  <a:srgbClr val="FFFFFF"/>
-                </a:solidFill>
-              </a14:hiddenFill>
-            </a:ext>
-          </a:extLst>
-        </p:spPr>
-      </p:pic>
-    </p:spTree>
-    <p:extLst>
-      <p:ext uri="{BB962C8B-B14F-4D97-AF65-F5344CB8AC3E}">
-        <p14:creationId xmlns:p14="http://schemas.microsoft.com/office/powerpoint/2010/main" val="3581937710"/>
-      </p:ext>
-    </p:extLst>
-  </p:cSld>
-  <p:clrMapOvr>
-    <a:masterClrMapping/>
-  </p:clrMapOvr>
-</p:sld>
-</file>
-
 <file path=ppt/slides/slide28.xml><?xml version="1.0" encoding="utf-8"?>
 <p:sld xmlns:a="http://schemas.openxmlformats.org/drawingml/2006/main" xmlns:r="http://schemas.openxmlformats.org/officeDocument/2006/relationships" xmlns:p="http://schemas.openxmlformats.org/presentationml/2006/main">
   <p:cSld>
@@ -13850,7 +14694,7 @@
           <p:cNvPr id="2" name="Title 1">
             <a:extLst>
               <a:ext uri="{FF2B5EF4-FFF2-40B4-BE49-F238E27FC236}">
-                <a16:creationId xmlns:a16="http://schemas.microsoft.com/office/drawing/2014/main" id="{6B7DCCED-E2F4-5AF6-37CF-35D1887C6475}"/>
+                <a16:creationId xmlns:a16="http://schemas.microsoft.com/office/drawing/2014/main" id="{C1E5738B-027B-A246-F4A7-201E7F4C3236}"/>
               </a:ext>
             </a:extLst>
           </p:cNvPr>
@@ -13858,27 +14702,166 @@
             <a:spLocks noGrp="1"/>
           </p:cNvSpPr>
           <p:nvPr>
-            <p:ph type="title"/>
+            <p:ph type="ctrTitle"/>
           </p:nvPr>
         </p:nvSpPr>
-        <p:spPr/>
-        <p:txBody>
-          <a:bodyPr/>
+        <p:spPr>
+          <a:xfrm>
+            <a:off x="5989319" y="576263"/>
+            <a:ext cx="5054196" cy="2967606"/>
+          </a:xfrm>
+        </p:spPr>
+        <p:txBody>
+          <a:bodyPr anchor="b">
+            <a:normAutofit/>
+          </a:bodyPr>
           <a:lstStyle/>
           <a:p>
-            <a:r>
-              <a:rPr lang="en-TR" b="1" dirty="0"/>
-              <a:t>Github Readme.md Dosyası Oluşturma</a:t>
-            </a:r>
+            <a:pPr algn="l"/>
+            <a:r>
+              <a:rPr lang="en-TR" sz="6600" dirty="0">
+                <a:solidFill>
+                  <a:srgbClr val="C00000"/>
+                </a:solidFill>
+              </a:rPr>
+              <a:t>Git</a:t>
+            </a:r>
+            <a:br>
+              <a:rPr lang="en-TR" sz="4800" dirty="0">
+                <a:solidFill>
+                  <a:srgbClr val="C00000"/>
+                </a:solidFill>
+              </a:rPr>
+            </a:br>
+            <a:r>
+              <a:rPr lang="en-TR" sz="6600" dirty="0">
+                <a:solidFill>
+                  <a:srgbClr val="C00000"/>
+                </a:solidFill>
+              </a:rPr>
+              <a:t>Github</a:t>
+            </a:r>
+          </a:p>
+        </p:txBody>
+      </p:sp>
+      <p:sp>
+        <p:nvSpPr>
+          <p:cNvPr id="3" name="Subtitle 2">
+            <a:extLst>
+              <a:ext uri="{FF2B5EF4-FFF2-40B4-BE49-F238E27FC236}">
+                <a16:creationId xmlns:a16="http://schemas.microsoft.com/office/drawing/2014/main" id="{5F15582A-A49F-2033-70C2-DB99A372C7FC}"/>
+              </a:ext>
+            </a:extLst>
+          </p:cNvPr>
+          <p:cNvSpPr>
+            <a:spLocks noGrp="1"/>
+          </p:cNvSpPr>
+          <p:nvPr>
+            <p:ph type="subTitle" idx="1"/>
+          </p:nvPr>
+        </p:nvSpPr>
+        <p:spPr>
+          <a:xfrm>
+            <a:off x="5989319" y="3764975"/>
+            <a:ext cx="5054196" cy="2192683"/>
+          </a:xfrm>
+        </p:spPr>
+        <p:txBody>
+          <a:bodyPr>
+            <a:normAutofit/>
+          </a:bodyPr>
+          <a:lstStyle/>
+          <a:p>
+            <a:pPr algn="l"/>
+            <a:r>
+              <a:rPr lang="en-US" sz="2800" b="1" dirty="0"/>
+              <a:t>3. Ders</a:t>
+            </a:r>
+            <a:br>
+              <a:rPr lang="en-US" sz="2800" b="1" dirty="0"/>
+            </a:br>
+            <a:r>
+              <a:rPr lang="en-US" sz="2800" b="1" dirty="0"/>
+              <a:t>15.07.2023</a:t>
+            </a:r>
+          </a:p>
+          <a:p>
+            <a:pPr algn="l"/>
+            <a:r>
+              <a:rPr lang="en-US" sz="2200" dirty="0">
+                <a:solidFill>
+                  <a:schemeClr val="tx2">
+                    <a:lumMod val="60000"/>
+                    <a:lumOff val="40000"/>
+                  </a:schemeClr>
+                </a:solidFill>
+              </a:rPr>
+              <a:t>B149 AWS &amp; DevOps</a:t>
+            </a:r>
+            <a:br>
+              <a:rPr lang="en-US" sz="2200" dirty="0">
+                <a:solidFill>
+                  <a:schemeClr val="tx2">
+                    <a:lumMod val="60000"/>
+                    <a:lumOff val="40000"/>
+                  </a:schemeClr>
+                </a:solidFill>
+              </a:rPr>
+            </a:br>
+            <a:r>
+              <a:rPr lang="en-US" sz="2200" dirty="0">
+                <a:solidFill>
+                  <a:schemeClr val="tx2">
+                    <a:lumMod val="60000"/>
+                    <a:lumOff val="40000"/>
+                  </a:schemeClr>
+                </a:solidFill>
+              </a:rPr>
+              <a:t>B146 Cyber Security</a:t>
+            </a:r>
+            <a:endParaRPr lang="en-US" sz="2200" dirty="0"/>
+          </a:p>
+          <a:p>
+            <a:pPr algn="l"/>
+            <a:endParaRPr lang="en-TR" sz="2200" dirty="0"/>
           </a:p>
         </p:txBody>
       </p:sp>
       <p:pic>
         <p:nvPicPr>
-          <p:cNvPr id="4" name="Picture 4" descr="Techpro Education | Online It Courses &amp; Bootcamps">
-            <a:extLst>
-              <a:ext uri="{FF2B5EF4-FFF2-40B4-BE49-F238E27FC236}">
-                <a16:creationId xmlns:a16="http://schemas.microsoft.com/office/drawing/2014/main" id="{E33B55B5-34C1-9987-660E-4BF674EB9809}"/>
+          <p:cNvPr id="16" name="Picture 3" descr="A colorful light bulb with business icons">
+            <a:extLst>
+              <a:ext uri="{FF2B5EF4-FFF2-40B4-BE49-F238E27FC236}">
+                <a16:creationId xmlns:a16="http://schemas.microsoft.com/office/drawing/2014/main" id="{225EE30B-71B7-236B-E02F-D7A3C2383EDD}"/>
+              </a:ext>
+            </a:extLst>
+          </p:cNvPr>
+          <p:cNvPicPr>
+            <a:picLocks noChangeAspect="1"/>
+          </p:cNvPicPr>
+          <p:nvPr/>
+        </p:nvPicPr>
+        <p:blipFill rotWithShape="1">
+          <a:blip r:embed="rId3"/>
+          <a:srcRect l="17908" r="26093" b="1"/>
+          <a:stretch/>
+        </p:blipFill>
+        <p:spPr>
+          <a:xfrm>
+            <a:off x="-6472" y="10"/>
+            <a:ext cx="5486394" cy="6857982"/>
+          </a:xfrm>
+          <a:prstGeom prst="rect">
+            <a:avLst/>
+          </a:prstGeom>
+        </p:spPr>
+      </p:pic>
+      <p:pic>
+        <p:nvPicPr>
+          <p:cNvPr id="1030" name="Picture 6" descr="Institutional | Techpro Education">
+            <a:extLst>
+              <a:ext uri="{FF2B5EF4-FFF2-40B4-BE49-F238E27FC236}">
+                <a16:creationId xmlns:a16="http://schemas.microsoft.com/office/drawing/2014/main" id="{FC920835-2593-77EA-3C70-51EB45776591}"/>
               </a:ext>
             </a:extLst>
           </p:cNvPr>
@@ -13888,8 +14871,7 @@
           <p:nvPr/>
         </p:nvPicPr>
         <p:blipFill>
-          <a:blip r:embed="rId2">
-            <a:alphaModFix amt="11000"/>
+          <a:blip r:embed="rId4">
             <a:extLst>
               <a:ext uri="{28A0092B-C50C-407E-A947-70E740481C1C}">
                 <a14:useLocalDpi xmlns:a14="http://schemas.microsoft.com/office/drawing/2010/main" val="0"/>
@@ -13903,8 +14885,8 @@
         </p:blipFill>
         <p:spPr bwMode="auto">
           <a:xfrm>
-            <a:off x="2815081" y="551941"/>
-            <a:ext cx="5754117" cy="5754117"/>
+            <a:off x="9562707" y="685799"/>
+            <a:ext cx="1941969" cy="901701"/>
           </a:xfrm>
           <a:prstGeom prst="rect">
             <a:avLst/>
@@ -13921,80 +14903,10 @@
           </a:extLst>
         </p:spPr>
       </p:pic>
-      <p:pic>
-        <p:nvPicPr>
-          <p:cNvPr id="7" name="Picture 6">
-            <a:extLst>
-              <a:ext uri="{FF2B5EF4-FFF2-40B4-BE49-F238E27FC236}">
-                <a16:creationId xmlns:a16="http://schemas.microsoft.com/office/drawing/2014/main" id="{AAA663EE-7C19-8F0C-77D7-860D6515192A}"/>
-              </a:ext>
-            </a:extLst>
-          </p:cNvPr>
-          <p:cNvPicPr>
-            <a:picLocks noChangeAspect="1"/>
-          </p:cNvPicPr>
-          <p:nvPr/>
-        </p:nvPicPr>
-        <p:blipFill>
-          <a:blip r:embed="rId3"/>
-          <a:stretch>
-            <a:fillRect/>
-          </a:stretch>
-        </p:blipFill>
-        <p:spPr>
-          <a:xfrm>
-            <a:off x="3697289" y="2275463"/>
-            <a:ext cx="4797422" cy="3612177"/>
-          </a:xfrm>
-          <a:prstGeom prst="rect">
-            <a:avLst/>
-          </a:prstGeom>
-        </p:spPr>
-      </p:pic>
-      <p:sp>
-        <p:nvSpPr>
-          <p:cNvPr id="8" name="TextBox 7">
-            <a:extLst>
-              <a:ext uri="{FF2B5EF4-FFF2-40B4-BE49-F238E27FC236}">
-                <a16:creationId xmlns:a16="http://schemas.microsoft.com/office/drawing/2014/main" id="{86E26375-159F-ECAB-C09F-F835A009342B}"/>
-              </a:ext>
-            </a:extLst>
-          </p:cNvPr>
-          <p:cNvSpPr txBox="1"/>
-          <p:nvPr/>
-        </p:nvSpPr>
-        <p:spPr>
-          <a:xfrm>
-            <a:off x="4107592" y="1690688"/>
-            <a:ext cx="3686175" cy="584775"/>
-          </a:xfrm>
-          <a:prstGeom prst="rect">
-            <a:avLst/>
-          </a:prstGeom>
-          <a:noFill/>
-        </p:spPr>
-        <p:txBody>
-          <a:bodyPr wrap="square" rtlCol="0">
-            <a:spAutoFit/>
-          </a:bodyPr>
-          <a:lstStyle/>
-          <a:p>
-            <a:pPr algn="ctr"/>
-            <a:r>
-              <a:rPr lang="tr-TR" sz="3200" b="1" dirty="0">
-                <a:solidFill>
-                  <a:srgbClr val="C00000"/>
-                </a:solidFill>
-              </a:rPr>
-              <a:t>Readme Generator</a:t>
-            </a:r>
-          </a:p>
-        </p:txBody>
-      </p:sp>
     </p:spTree>
     <p:extLst>
       <p:ext uri="{BB962C8B-B14F-4D97-AF65-F5344CB8AC3E}">
-        <p14:creationId xmlns:p14="http://schemas.microsoft.com/office/powerpoint/2010/main" val="237697515"/>
+        <p14:creationId xmlns:p14="http://schemas.microsoft.com/office/powerpoint/2010/main" val="1989029220"/>
       </p:ext>
     </p:extLst>
   </p:cSld>
@@ -14044,7 +14956,7 @@
           <a:p>
             <a:r>
               <a:rPr lang="en-TR" b="1" dirty="0"/>
-              <a:t>Github Collabrations</a:t>
+              <a:t>Bugün ne yapıyoruz?</a:t>
             </a:r>
           </a:p>
         </p:txBody>
@@ -14097,12 +15009,87 @@
           </a:extLst>
         </p:spPr>
       </p:pic>
+      <p:sp>
+        <p:nvSpPr>
+          <p:cNvPr id="3" name="Content Placeholder 2">
+            <a:extLst>
+              <a:ext uri="{FF2B5EF4-FFF2-40B4-BE49-F238E27FC236}">
+                <a16:creationId xmlns:a16="http://schemas.microsoft.com/office/drawing/2014/main" id="{3BC2725C-CB06-63E9-488B-11108EB6647E}"/>
+              </a:ext>
+            </a:extLst>
+          </p:cNvPr>
+          <p:cNvSpPr>
+            <a:spLocks noGrp="1"/>
+          </p:cNvSpPr>
+          <p:nvPr>
+            <p:ph idx="1"/>
+          </p:nvPr>
+        </p:nvSpPr>
+        <p:spPr/>
+        <p:txBody>
+          <a:bodyPr>
+            <a:normAutofit/>
+          </a:bodyPr>
+          <a:lstStyle/>
+          <a:p>
+            <a:r>
+              <a:rPr lang="tr-TR" sz="4000" dirty="0"/>
+              <a:t>Github Desktop Kurulum</a:t>
+            </a:r>
+          </a:p>
+          <a:p>
+            <a:r>
+              <a:rPr lang="tr-TR" sz="4000" dirty="0"/>
+              <a:t>Github </a:t>
+            </a:r>
+            <a:r>
+              <a:rPr lang="tr-TR" sz="4000" dirty="0" err="1"/>
+              <a:t>Readme.md</a:t>
+            </a:r>
+            <a:r>
+              <a:rPr lang="tr-TR" sz="4000" dirty="0"/>
+              <a:t> Oluşturma</a:t>
+            </a:r>
+          </a:p>
+          <a:p>
+            <a:r>
+              <a:rPr lang="tr-TR" sz="4000" dirty="0"/>
+              <a:t>Tüm Ders Depoları Oluşturma</a:t>
+            </a:r>
+          </a:p>
+          <a:p>
+            <a:r>
+              <a:rPr lang="tr-TR" sz="4000" dirty="0"/>
+              <a:t>Yararlı Linkler</a:t>
+            </a:r>
+          </a:p>
+          <a:p>
+            <a:r>
+              <a:rPr lang="tr-TR" sz="4000" dirty="0" err="1"/>
+              <a:t>GitLab</a:t>
+            </a:r>
+            <a:r>
+              <a:rPr lang="tr-TR" sz="4000" dirty="0"/>
+              <a:t> ve </a:t>
+            </a:r>
+            <a:r>
+              <a:rPr lang="tr-TR" sz="4000" dirty="0" err="1"/>
+              <a:t>Bitbucket</a:t>
+            </a:r>
+            <a:r>
+              <a:rPr lang="tr-TR" sz="4000" dirty="0"/>
+              <a:t> </a:t>
+            </a:r>
+            <a:endParaRPr lang="en-TR" sz="4000" dirty="0"/>
+          </a:p>
+        </p:txBody>
+      </p:sp>
       <p:pic>
         <p:nvPicPr>
-          <p:cNvPr id="1026" name="Picture 2" descr="GitHub for teams · Build like the best teams on the planet · GitHub">
-            <a:extLst>
-              <a:ext uri="{FF2B5EF4-FFF2-40B4-BE49-F238E27FC236}">
-                <a16:creationId xmlns:a16="http://schemas.microsoft.com/office/drawing/2014/main" id="{0332CBFA-CC18-D1FB-722D-138B692AEBCA}"/>
+          <p:cNvPr id="1028" name="Picture 4" descr="Of Git and GitHub, Master and Main - BiTE Interactive">
+            <a:extLst>
+              <a:ext uri="{FF2B5EF4-FFF2-40B4-BE49-F238E27FC236}">
+                <a16:creationId xmlns:a16="http://schemas.microsoft.com/office/drawing/2014/main" id="{7712ED1A-FB03-FFEC-3F4A-5B7EA07F7F88}"/>
               </a:ext>
             </a:extLst>
           </p:cNvPr>
@@ -14126,8 +15113,8 @@
         </p:blipFill>
         <p:spPr bwMode="auto">
           <a:xfrm>
-            <a:off x="2452590" y="1877504"/>
-            <a:ext cx="7286819" cy="3856890"/>
+            <a:off x="7193281" y="2040465"/>
+            <a:ext cx="4421954" cy="3321078"/>
           </a:xfrm>
           <a:prstGeom prst="rect">
             <a:avLst/>
@@ -14147,7 +15134,7 @@
     </p:spTree>
     <p:extLst>
       <p:ext uri="{BB962C8B-B14F-4D97-AF65-F5344CB8AC3E}">
-        <p14:creationId xmlns:p14="http://schemas.microsoft.com/office/powerpoint/2010/main" val="3410591055"/>
+        <p14:creationId xmlns:p14="http://schemas.microsoft.com/office/powerpoint/2010/main" val="1548472447"/>
       </p:ext>
     </p:extLst>
   </p:cSld>
@@ -14393,6 +15380,382 @@
           <a:chExt cx="0" cy="0"/>
         </a:xfrm>
       </p:grpSpPr>
+      <p:sp>
+        <p:nvSpPr>
+          <p:cNvPr id="2" name="Title 1">
+            <a:extLst>
+              <a:ext uri="{FF2B5EF4-FFF2-40B4-BE49-F238E27FC236}">
+                <a16:creationId xmlns:a16="http://schemas.microsoft.com/office/drawing/2014/main" id="{6B7DCCED-E2F4-5AF6-37CF-35D1887C6475}"/>
+              </a:ext>
+            </a:extLst>
+          </p:cNvPr>
+          <p:cNvSpPr>
+            <a:spLocks noGrp="1"/>
+          </p:cNvSpPr>
+          <p:nvPr>
+            <p:ph type="title"/>
+          </p:nvPr>
+        </p:nvSpPr>
+        <p:spPr/>
+        <p:txBody>
+          <a:bodyPr/>
+          <a:lstStyle/>
+          <a:p>
+            <a:r>
+              <a:rPr lang="en-TR" b="1" dirty="0"/>
+              <a:t>Github Desktop Kurulumu</a:t>
+            </a:r>
+          </a:p>
+        </p:txBody>
+      </p:sp>
+      <p:pic>
+        <p:nvPicPr>
+          <p:cNvPr id="4" name="Picture 4" descr="Techpro Education | Online It Courses &amp; Bootcamps">
+            <a:extLst>
+              <a:ext uri="{FF2B5EF4-FFF2-40B4-BE49-F238E27FC236}">
+                <a16:creationId xmlns:a16="http://schemas.microsoft.com/office/drawing/2014/main" id="{E33B55B5-34C1-9987-660E-4BF674EB9809}"/>
+              </a:ext>
+            </a:extLst>
+          </p:cNvPr>
+          <p:cNvPicPr>
+            <a:picLocks noChangeAspect="1" noChangeArrowheads="1"/>
+          </p:cNvPicPr>
+          <p:nvPr/>
+        </p:nvPicPr>
+        <p:blipFill>
+          <a:blip r:embed="rId3">
+            <a:alphaModFix amt="11000"/>
+            <a:extLst>
+              <a:ext uri="{28A0092B-C50C-407E-A947-70E740481C1C}">
+                <a14:useLocalDpi xmlns:a14="http://schemas.microsoft.com/office/drawing/2010/main" val="0"/>
+              </a:ext>
+            </a:extLst>
+          </a:blip>
+          <a:srcRect/>
+          <a:stretch>
+            <a:fillRect/>
+          </a:stretch>
+        </p:blipFill>
+        <p:spPr bwMode="auto">
+          <a:xfrm>
+            <a:off x="2815081" y="551941"/>
+            <a:ext cx="5754117" cy="5754117"/>
+          </a:xfrm>
+          <a:prstGeom prst="rect">
+            <a:avLst/>
+          </a:prstGeom>
+          <a:noFill/>
+          <a:extLst>
+            <a:ext uri="{909E8E84-426E-40DD-AFC4-6F175D3DCCD1}">
+              <a14:hiddenFill xmlns:a14="http://schemas.microsoft.com/office/drawing/2010/main">
+                <a:solidFill>
+                  <a:srgbClr val="FFFFFF"/>
+                </a:solidFill>
+              </a14:hiddenFill>
+            </a:ext>
+          </a:extLst>
+        </p:spPr>
+      </p:pic>
+      <p:sp>
+        <p:nvSpPr>
+          <p:cNvPr id="7" name="AutoShape 2">
+            <a:extLst>
+              <a:ext uri="{FF2B5EF4-FFF2-40B4-BE49-F238E27FC236}">
+                <a16:creationId xmlns:a16="http://schemas.microsoft.com/office/drawing/2014/main" id="{88280B46-2E3B-CD5E-BE78-B8DA5334B6C7}"/>
+              </a:ext>
+            </a:extLst>
+          </p:cNvPr>
+          <p:cNvSpPr>
+            <a:spLocks noChangeAspect="1" noChangeArrowheads="1"/>
+          </p:cNvSpPr>
+          <p:nvPr/>
+        </p:nvSpPr>
+        <p:spPr bwMode="auto">
+          <a:xfrm>
+            <a:off x="5943600" y="3276600"/>
+            <a:ext cx="304800" cy="304800"/>
+          </a:xfrm>
+          <a:prstGeom prst="rect">
+            <a:avLst/>
+          </a:prstGeom>
+          <a:noFill/>
+          <a:extLst>
+            <a:ext uri="{909E8E84-426E-40DD-AFC4-6F175D3DCCD1}">
+              <a14:hiddenFill xmlns:a14="http://schemas.microsoft.com/office/drawing/2010/main">
+                <a:solidFill>
+                  <a:srgbClr val="FFFFFF"/>
+                </a:solidFill>
+              </a14:hiddenFill>
+            </a:ext>
+          </a:extLst>
+        </p:spPr>
+        <p:txBody>
+          <a:bodyPr vert="horz" wrap="square" lIns="91440" tIns="45720" rIns="91440" bIns="45720" numCol="1" anchor="t" anchorCtr="0" compatLnSpc="1">
+            <a:prstTxWarp prst="textNoShape">
+              <a:avLst/>
+            </a:prstTxWarp>
+          </a:bodyPr>
+          <a:lstStyle/>
+          <a:p>
+            <a:endParaRPr lang="en-TR"/>
+          </a:p>
+        </p:txBody>
+      </p:sp>
+      <p:pic>
+        <p:nvPicPr>
+          <p:cNvPr id="3084" name="Picture 12" descr="Jual Logo Apple untuk Macbook - 3M Clear Matte - Jakarta Barat -  Warungkomplit | Tokopedia">
+            <a:extLst>
+              <a:ext uri="{FF2B5EF4-FFF2-40B4-BE49-F238E27FC236}">
+                <a16:creationId xmlns:a16="http://schemas.microsoft.com/office/drawing/2014/main" id="{497C0734-5E5D-8A6B-973B-B29828F15BA3}"/>
+              </a:ext>
+            </a:extLst>
+          </p:cNvPr>
+          <p:cNvPicPr>
+            <a:picLocks noChangeAspect="1" noChangeArrowheads="1"/>
+          </p:cNvPicPr>
+          <p:nvPr/>
+        </p:nvPicPr>
+        <p:blipFill>
+          <a:blip r:embed="rId4">
+            <a:extLst>
+              <a:ext uri="{28A0092B-C50C-407E-A947-70E740481C1C}">
+                <a14:useLocalDpi xmlns:a14="http://schemas.microsoft.com/office/drawing/2010/main" val="0"/>
+              </a:ext>
+            </a:extLst>
+          </a:blip>
+          <a:srcRect/>
+          <a:stretch>
+            <a:fillRect/>
+          </a:stretch>
+        </p:blipFill>
+        <p:spPr bwMode="auto">
+          <a:xfrm>
+            <a:off x="8572443" y="1135154"/>
+            <a:ext cx="1739714" cy="1737302"/>
+          </a:xfrm>
+          <a:prstGeom prst="rect">
+            <a:avLst/>
+          </a:prstGeom>
+          <a:noFill/>
+          <a:extLst>
+            <a:ext uri="{909E8E84-426E-40DD-AFC4-6F175D3DCCD1}">
+              <a14:hiddenFill xmlns:a14="http://schemas.microsoft.com/office/drawing/2010/main">
+                <a:solidFill>
+                  <a:srgbClr val="FFFFFF"/>
+                </a:solidFill>
+              </a14:hiddenFill>
+            </a:ext>
+          </a:extLst>
+        </p:spPr>
+      </p:pic>
+      <p:pic>
+        <p:nvPicPr>
+          <p:cNvPr id="3086" name="Picture 14">
+            <a:extLst>
+              <a:ext uri="{FF2B5EF4-FFF2-40B4-BE49-F238E27FC236}">
+                <a16:creationId xmlns:a16="http://schemas.microsoft.com/office/drawing/2014/main" id="{FE57CFA2-CB30-CC3E-1B59-27D2846F5EFA}"/>
+              </a:ext>
+            </a:extLst>
+          </p:cNvPr>
+          <p:cNvPicPr>
+            <a:picLocks noChangeAspect="1" noChangeArrowheads="1"/>
+          </p:cNvPicPr>
+          <p:nvPr/>
+        </p:nvPicPr>
+        <p:blipFill>
+          <a:blip r:embed="rId5">
+            <a:extLst>
+              <a:ext uri="{28A0092B-C50C-407E-A947-70E740481C1C}">
+                <a14:useLocalDpi xmlns:a14="http://schemas.microsoft.com/office/drawing/2010/main" val="0"/>
+              </a:ext>
+            </a:extLst>
+          </a:blip>
+          <a:srcRect/>
+          <a:stretch>
+            <a:fillRect/>
+          </a:stretch>
+        </p:blipFill>
+        <p:spPr bwMode="auto">
+          <a:xfrm>
+            <a:off x="1821632" y="1370963"/>
+            <a:ext cx="1621026" cy="1621026"/>
+          </a:xfrm>
+          <a:prstGeom prst="rect">
+            <a:avLst/>
+          </a:prstGeom>
+          <a:noFill/>
+          <a:extLst>
+            <a:ext uri="{909E8E84-426E-40DD-AFC4-6F175D3DCCD1}">
+              <a14:hiddenFill xmlns:a14="http://schemas.microsoft.com/office/drawing/2010/main">
+                <a:solidFill>
+                  <a:srgbClr val="FFFFFF"/>
+                </a:solidFill>
+              </a14:hiddenFill>
+            </a:ext>
+          </a:extLst>
+        </p:spPr>
+      </p:pic>
+      <p:sp>
+        <p:nvSpPr>
+          <p:cNvPr id="10" name="TextBox 9">
+            <a:extLst>
+              <a:ext uri="{FF2B5EF4-FFF2-40B4-BE49-F238E27FC236}">
+                <a16:creationId xmlns:a16="http://schemas.microsoft.com/office/drawing/2014/main" id="{B8ADBFB7-3E23-29E9-F6AA-902B5705C408}"/>
+              </a:ext>
+            </a:extLst>
+          </p:cNvPr>
+          <p:cNvSpPr txBox="1"/>
+          <p:nvPr/>
+        </p:nvSpPr>
+        <p:spPr>
+          <a:xfrm>
+            <a:off x="2647041" y="2684214"/>
+            <a:ext cx="6897917" cy="1446550"/>
+          </a:xfrm>
+          <a:prstGeom prst="rect">
+            <a:avLst/>
+          </a:prstGeom>
+          <a:noFill/>
+        </p:spPr>
+        <p:txBody>
+          <a:bodyPr wrap="square" rtlCol="0">
+            <a:spAutoFit/>
+          </a:bodyPr>
+          <a:lstStyle/>
+          <a:p>
+            <a:pPr algn="ctr"/>
+            <a:r>
+              <a:rPr lang="en-US" sz="4400" b="1" dirty="0">
+                <a:solidFill>
+                  <a:srgbClr val="C00000"/>
+                </a:solidFill>
+              </a:rPr>
+              <a:t>Kurulum Linki</a:t>
+            </a:r>
+          </a:p>
+          <a:p>
+            <a:pPr algn="ctr"/>
+            <a:r>
+              <a:rPr lang="en-US" sz="4400" b="1" dirty="0">
+                <a:solidFill>
+                  <a:schemeClr val="tx2"/>
+                </a:solidFill>
+              </a:rPr>
+              <a:t>https://desktop.github.com/</a:t>
+            </a:r>
+            <a:endParaRPr lang="en-TR" sz="4400" b="1" dirty="0">
+              <a:solidFill>
+                <a:schemeClr val="tx2"/>
+              </a:solidFill>
+            </a:endParaRPr>
+          </a:p>
+        </p:txBody>
+      </p:sp>
+      <p:pic>
+        <p:nvPicPr>
+          <p:cNvPr id="8194" name="Picture 2">
+            <a:extLst>
+              <a:ext uri="{FF2B5EF4-FFF2-40B4-BE49-F238E27FC236}">
+                <a16:creationId xmlns:a16="http://schemas.microsoft.com/office/drawing/2014/main" id="{C91F425D-B901-2E39-B4C7-3DF6745FA3E8}"/>
+              </a:ext>
+            </a:extLst>
+          </p:cNvPr>
+          <p:cNvPicPr>
+            <a:picLocks noChangeAspect="1" noChangeArrowheads="1"/>
+          </p:cNvPicPr>
+          <p:nvPr/>
+        </p:nvPicPr>
+        <p:blipFill>
+          <a:blip r:embed="rId6">
+            <a:extLst>
+              <a:ext uri="{28A0092B-C50C-407E-A947-70E740481C1C}">
+                <a14:useLocalDpi xmlns:a14="http://schemas.microsoft.com/office/drawing/2010/main" val="0"/>
+              </a:ext>
+            </a:extLst>
+          </a:blip>
+          <a:srcRect/>
+          <a:stretch>
+            <a:fillRect/>
+          </a:stretch>
+        </p:blipFill>
+        <p:spPr bwMode="auto">
+          <a:xfrm>
+            <a:off x="5180975" y="4056865"/>
+            <a:ext cx="2134850" cy="2134850"/>
+          </a:xfrm>
+          <a:prstGeom prst="rect">
+            <a:avLst/>
+          </a:prstGeom>
+          <a:noFill/>
+          <a:extLst>
+            <a:ext uri="{909E8E84-426E-40DD-AFC4-6F175D3DCCD1}">
+              <a14:hiddenFill xmlns:a14="http://schemas.microsoft.com/office/drawing/2010/main">
+                <a:solidFill>
+                  <a:srgbClr val="FFFFFF"/>
+                </a:solidFill>
+              </a14:hiddenFill>
+            </a:ext>
+          </a:extLst>
+        </p:spPr>
+      </p:pic>
+    </p:spTree>
+    <p:extLst>
+      <p:ext uri="{BB962C8B-B14F-4D97-AF65-F5344CB8AC3E}">
+        <p14:creationId xmlns:p14="http://schemas.microsoft.com/office/powerpoint/2010/main" val="3581937710"/>
+      </p:ext>
+    </p:extLst>
+  </p:cSld>
+  <p:clrMapOvr>
+    <a:masterClrMapping/>
+  </p:clrMapOvr>
+</p:sld>
+</file>
+
+<file path=ppt/slides/slide31.xml><?xml version="1.0" encoding="utf-8"?>
+<p:sld xmlns:a="http://schemas.openxmlformats.org/drawingml/2006/main" xmlns:r="http://schemas.openxmlformats.org/officeDocument/2006/relationships" xmlns:p="http://schemas.openxmlformats.org/presentationml/2006/main">
+  <p:cSld>
+    <p:spTree>
+      <p:nvGrpSpPr>
+        <p:cNvPr id="1" name=""/>
+        <p:cNvGrpSpPr/>
+        <p:nvPr/>
+      </p:nvGrpSpPr>
+      <p:grpSpPr>
+        <a:xfrm>
+          <a:off x="0" y="0"/>
+          <a:ext cx="0" cy="0"/>
+          <a:chOff x="0" y="0"/>
+          <a:chExt cx="0" cy="0"/>
+        </a:xfrm>
+      </p:grpSpPr>
+      <p:sp>
+        <p:nvSpPr>
+          <p:cNvPr id="2" name="Title 1">
+            <a:extLst>
+              <a:ext uri="{FF2B5EF4-FFF2-40B4-BE49-F238E27FC236}">
+                <a16:creationId xmlns:a16="http://schemas.microsoft.com/office/drawing/2014/main" id="{6B7DCCED-E2F4-5AF6-37CF-35D1887C6475}"/>
+              </a:ext>
+            </a:extLst>
+          </p:cNvPr>
+          <p:cNvSpPr>
+            <a:spLocks noGrp="1"/>
+          </p:cNvSpPr>
+          <p:nvPr>
+            <p:ph type="title"/>
+          </p:nvPr>
+        </p:nvSpPr>
+        <p:spPr/>
+        <p:txBody>
+          <a:bodyPr/>
+          <a:lstStyle/>
+          <a:p>
+            <a:r>
+              <a:rPr lang="en-TR" b="1" dirty="0"/>
+              <a:t>Github Readme.md Dosyası Oluşturma</a:t>
+            </a:r>
+          </a:p>
+        </p:txBody>
+      </p:sp>
       <p:pic>
         <p:nvPicPr>
           <p:cNvPr id="4" name="Picture 4" descr="Techpro Education | Online It Courses &amp; Bootcamps">
@@ -14441,12 +15804,112 @@
           </a:extLst>
         </p:spPr>
       </p:pic>
-      <p:sp>
-        <p:nvSpPr>
-          <p:cNvPr id="3" name="Title 1">
-            <a:extLst>
-              <a:ext uri="{FF2B5EF4-FFF2-40B4-BE49-F238E27FC236}">
-                <a16:creationId xmlns:a16="http://schemas.microsoft.com/office/drawing/2014/main" id="{87B6C64E-0795-6DBE-C426-84C825AB1E29}"/>
+      <p:pic>
+        <p:nvPicPr>
+          <p:cNvPr id="7" name="Picture 6">
+            <a:extLst>
+              <a:ext uri="{FF2B5EF4-FFF2-40B4-BE49-F238E27FC236}">
+                <a16:creationId xmlns:a16="http://schemas.microsoft.com/office/drawing/2014/main" id="{AAA663EE-7C19-8F0C-77D7-860D6515192A}"/>
+              </a:ext>
+            </a:extLst>
+          </p:cNvPr>
+          <p:cNvPicPr>
+            <a:picLocks noChangeAspect="1"/>
+          </p:cNvPicPr>
+          <p:nvPr/>
+        </p:nvPicPr>
+        <p:blipFill>
+          <a:blip r:embed="rId3"/>
+          <a:stretch>
+            <a:fillRect/>
+          </a:stretch>
+        </p:blipFill>
+        <p:spPr>
+          <a:xfrm>
+            <a:off x="3697289" y="2275463"/>
+            <a:ext cx="4797422" cy="3612177"/>
+          </a:xfrm>
+          <a:prstGeom prst="rect">
+            <a:avLst/>
+          </a:prstGeom>
+        </p:spPr>
+      </p:pic>
+      <p:sp>
+        <p:nvSpPr>
+          <p:cNvPr id="8" name="TextBox 7">
+            <a:extLst>
+              <a:ext uri="{FF2B5EF4-FFF2-40B4-BE49-F238E27FC236}">
+                <a16:creationId xmlns:a16="http://schemas.microsoft.com/office/drawing/2014/main" id="{86E26375-159F-ECAB-C09F-F835A009342B}"/>
+              </a:ext>
+            </a:extLst>
+          </p:cNvPr>
+          <p:cNvSpPr txBox="1"/>
+          <p:nvPr/>
+        </p:nvSpPr>
+        <p:spPr>
+          <a:xfrm>
+            <a:off x="4107592" y="1690688"/>
+            <a:ext cx="3686175" cy="584775"/>
+          </a:xfrm>
+          <a:prstGeom prst="rect">
+            <a:avLst/>
+          </a:prstGeom>
+          <a:noFill/>
+        </p:spPr>
+        <p:txBody>
+          <a:bodyPr wrap="square" rtlCol="0">
+            <a:spAutoFit/>
+          </a:bodyPr>
+          <a:lstStyle/>
+          <a:p>
+            <a:pPr algn="ctr"/>
+            <a:r>
+              <a:rPr lang="tr-TR" sz="3200" b="1" dirty="0">
+                <a:solidFill>
+                  <a:srgbClr val="C00000"/>
+                </a:solidFill>
+              </a:rPr>
+              <a:t>Readme Generator</a:t>
+            </a:r>
+          </a:p>
+        </p:txBody>
+      </p:sp>
+    </p:spTree>
+    <p:extLst>
+      <p:ext uri="{BB962C8B-B14F-4D97-AF65-F5344CB8AC3E}">
+        <p14:creationId xmlns:p14="http://schemas.microsoft.com/office/powerpoint/2010/main" val="237697515"/>
+      </p:ext>
+    </p:extLst>
+  </p:cSld>
+  <p:clrMapOvr>
+    <a:masterClrMapping/>
+  </p:clrMapOvr>
+</p:sld>
+</file>
+
+<file path=ppt/slides/slide32.xml><?xml version="1.0" encoding="utf-8"?>
+<p:sld xmlns:a="http://schemas.openxmlformats.org/drawingml/2006/main" xmlns:r="http://schemas.openxmlformats.org/officeDocument/2006/relationships" xmlns:p="http://schemas.openxmlformats.org/presentationml/2006/main">
+  <p:cSld>
+    <p:spTree>
+      <p:nvGrpSpPr>
+        <p:cNvPr id="1" name=""/>
+        <p:cNvGrpSpPr/>
+        <p:nvPr/>
+      </p:nvGrpSpPr>
+      <p:grpSpPr>
+        <a:xfrm>
+          <a:off x="0" y="0"/>
+          <a:ext cx="0" cy="0"/>
+          <a:chOff x="0" y="0"/>
+          <a:chExt cx="0" cy="0"/>
+        </a:xfrm>
+      </p:grpSpPr>
+      <p:sp>
+        <p:nvSpPr>
+          <p:cNvPr id="2" name="Title 1">
+            <a:extLst>
+              <a:ext uri="{FF2B5EF4-FFF2-40B4-BE49-F238E27FC236}">
+                <a16:creationId xmlns:a16="http://schemas.microsoft.com/office/drawing/2014/main" id="{6B7DCCED-E2F4-5AF6-37CF-35D1887C6475}"/>
               </a:ext>
             </a:extLst>
           </p:cNvPr>
@@ -14457,29 +15920,72 @@
             <p:ph type="title"/>
           </p:nvPr>
         </p:nvSpPr>
-        <p:spPr>
-          <a:xfrm>
-            <a:off x="420624" y="365125"/>
-            <a:ext cx="10543032" cy="1325563"/>
-          </a:xfrm>
-        </p:spPr>
+        <p:spPr/>
         <p:txBody>
           <a:bodyPr/>
           <a:lstStyle/>
           <a:p>
             <a:r>
               <a:rPr lang="en-TR" b="1" dirty="0"/>
-              <a:t>Github Yararlı Linkler</a:t>
-            </a:r>
-          </a:p>
-        </p:txBody>
-      </p:sp>
-      <p:sp>
-        <p:nvSpPr>
-          <p:cNvPr id="5" name="Content Placeholder 2">
-            <a:extLst>
-              <a:ext uri="{FF2B5EF4-FFF2-40B4-BE49-F238E27FC236}">
-                <a16:creationId xmlns:a16="http://schemas.microsoft.com/office/drawing/2014/main" id="{AD4D72CB-A20C-6D7D-55C4-D224825053B4}"/>
+              <a:t>Github Collabrations Practice</a:t>
+            </a:r>
+          </a:p>
+        </p:txBody>
+      </p:sp>
+      <p:pic>
+        <p:nvPicPr>
+          <p:cNvPr id="4" name="Picture 4" descr="Techpro Education | Online It Courses &amp; Bootcamps">
+            <a:extLst>
+              <a:ext uri="{FF2B5EF4-FFF2-40B4-BE49-F238E27FC236}">
+                <a16:creationId xmlns:a16="http://schemas.microsoft.com/office/drawing/2014/main" id="{E33B55B5-34C1-9987-660E-4BF674EB9809}"/>
+              </a:ext>
+            </a:extLst>
+          </p:cNvPr>
+          <p:cNvPicPr>
+            <a:picLocks noChangeAspect="1" noChangeArrowheads="1"/>
+          </p:cNvPicPr>
+          <p:nvPr/>
+        </p:nvPicPr>
+        <p:blipFill>
+          <a:blip r:embed="rId2">
+            <a:alphaModFix amt="11000"/>
+            <a:extLst>
+              <a:ext uri="{28A0092B-C50C-407E-A947-70E740481C1C}">
+                <a14:useLocalDpi xmlns:a14="http://schemas.microsoft.com/office/drawing/2010/main" val="0"/>
+              </a:ext>
+            </a:extLst>
+          </a:blip>
+          <a:srcRect/>
+          <a:stretch>
+            <a:fillRect/>
+          </a:stretch>
+        </p:blipFill>
+        <p:spPr bwMode="auto">
+          <a:xfrm>
+            <a:off x="2815081" y="551941"/>
+            <a:ext cx="5754117" cy="5754117"/>
+          </a:xfrm>
+          <a:prstGeom prst="rect">
+            <a:avLst/>
+          </a:prstGeom>
+          <a:noFill/>
+          <a:extLst>
+            <a:ext uri="{909E8E84-426E-40DD-AFC4-6F175D3DCCD1}">
+              <a14:hiddenFill xmlns:a14="http://schemas.microsoft.com/office/drawing/2010/main">
+                <a:solidFill>
+                  <a:srgbClr val="FFFFFF"/>
+                </a:solidFill>
+              </a14:hiddenFill>
+            </a:ext>
+          </a:extLst>
+        </p:spPr>
+      </p:pic>
+      <p:sp>
+        <p:nvSpPr>
+          <p:cNvPr id="3" name="Content Placeholder 2">
+            <a:extLst>
+              <a:ext uri="{FF2B5EF4-FFF2-40B4-BE49-F238E27FC236}">
+                <a16:creationId xmlns:a16="http://schemas.microsoft.com/office/drawing/2014/main" id="{BF00F37C-8483-02D7-A1CC-32C3AA35C7EC}"/>
               </a:ext>
             </a:extLst>
           </p:cNvPr>
@@ -14492,286 +15998,697 @@
         </p:nvSpPr>
         <p:spPr>
           <a:xfrm>
-            <a:off x="420625" y="1825625"/>
-            <a:ext cx="10543031" cy="4206383"/>
+            <a:off x="420626" y="1825625"/>
+            <a:ext cx="7096456" cy="4206383"/>
           </a:xfrm>
         </p:spPr>
         <p:txBody>
           <a:bodyPr>
-            <a:normAutofit/>
+            <a:normAutofit fontScale="47500" lnSpcReduction="20000"/>
           </a:bodyPr>
           <a:lstStyle/>
           <a:p>
             <a:r>
-              <a:rPr lang="tr-TR" sz="4000" dirty="0">
+              <a:rPr lang="tr-TR" sz="4000" dirty="0"/>
+              <a:t>Git Clone sonrası oluşan repo klasörüne giriniz</a:t>
+            </a:r>
+          </a:p>
+          <a:p>
+            <a:pPr lvl="1"/>
+            <a:r>
+              <a:rPr lang="tr-TR" sz="3800" dirty="0">
                 <a:solidFill>
                   <a:srgbClr val="C00000"/>
                 </a:solidFill>
               </a:rPr>
-              <a:t>Github.com -&gt; Github.dev</a:t>
-            </a:r>
-          </a:p>
-          <a:p>
-            <a:r>
-              <a:rPr lang="tr-TR" sz="4000" dirty="0">
+              <a:t>cd </a:t>
+            </a:r>
+            <a:r>
+              <a:rPr lang="tr-TR" sz="3800" dirty="0" err="1">
                 <a:solidFill>
                   <a:srgbClr val="C00000"/>
                 </a:solidFill>
               </a:rPr>
-              <a:t>Arama çubuğuna </a:t>
-            </a:r>
-            <a:br>
-              <a:rPr lang="tr-TR" sz="4000" dirty="0">
-                <a:solidFill>
-                  <a:srgbClr val="C00000"/>
-                </a:solidFill>
-              </a:rPr>
-            </a:br>
-            <a:r>
-              <a:rPr lang="tr-TR" sz="4000" dirty="0">
-                <a:solidFill>
-                  <a:srgbClr val="C00000"/>
-                </a:solidFill>
-              </a:rPr>
-              <a:t>awesome-cybersecurity | awesome-devops</a:t>
-            </a:r>
-          </a:p>
-          <a:p>
-            <a:r>
-              <a:rPr lang="tr-TR" sz="4000" dirty="0">
-                <a:solidFill>
-                  <a:srgbClr val="C00000"/>
-                </a:solidFill>
-              </a:rPr>
-              <a:t>Github </a:t>
-            </a:r>
-            <a:r>
-              <a:rPr lang="tr-TR" sz="4000" dirty="0" err="1">
-                <a:solidFill>
-                  <a:srgbClr val="C00000"/>
-                </a:solidFill>
-              </a:rPr>
-              <a:t>Gists</a:t>
-            </a:r>
-            <a:endParaRPr lang="en-TR" sz="4000" dirty="0">
+              <a:t>repoadı</a:t>
+            </a:r>
+            <a:endParaRPr lang="tr-TR" sz="3800" dirty="0">
               <a:solidFill>
                 <a:srgbClr val="C00000"/>
               </a:solidFill>
             </a:endParaRPr>
           </a:p>
-        </p:txBody>
-      </p:sp>
-      <p:sp>
-        <p:nvSpPr>
-          <p:cNvPr id="2" name="Content Placeholder 2">
-            <a:extLst>
-              <a:ext uri="{FF2B5EF4-FFF2-40B4-BE49-F238E27FC236}">
-                <a16:creationId xmlns:a16="http://schemas.microsoft.com/office/drawing/2014/main" id="{05BB9F8A-F0D4-E0C1-63D2-A89CF3C6087E}"/>
-              </a:ext>
-            </a:extLst>
-          </p:cNvPr>
-          <p:cNvSpPr txBox="1">
-            <a:spLocks/>
-          </p:cNvSpPr>
+          <a:p>
+            <a:r>
+              <a:rPr lang="tr-TR" sz="4000" dirty="0"/>
+              <a:t>Kendi adınız ile Branch Oluşturun</a:t>
+            </a:r>
+            <a:endParaRPr lang="tr-TR" sz="4000" dirty="0">
+              <a:solidFill>
+                <a:srgbClr val="C00000"/>
+              </a:solidFill>
+            </a:endParaRPr>
+          </a:p>
+          <a:p>
+            <a:pPr lvl="1"/>
+            <a:r>
+              <a:rPr lang="tr-TR" sz="3800" dirty="0">
+                <a:solidFill>
+                  <a:srgbClr val="C00000"/>
+                </a:solidFill>
+              </a:rPr>
+              <a:t>git branch </a:t>
+            </a:r>
+            <a:r>
+              <a:rPr lang="tr-TR" sz="3800" dirty="0" err="1">
+                <a:solidFill>
+                  <a:srgbClr val="C00000"/>
+                </a:solidFill>
+              </a:rPr>
+              <a:t>adsoyad</a:t>
+            </a:r>
+            <a:endParaRPr lang="tr-TR" sz="3800" dirty="0">
+              <a:solidFill>
+                <a:srgbClr val="C00000"/>
+              </a:solidFill>
+            </a:endParaRPr>
+          </a:p>
+          <a:p>
+            <a:r>
+              <a:rPr lang="tr-TR" sz="4000" dirty="0"/>
+              <a:t>Kendi adınız ile dosya Oluşturun</a:t>
+            </a:r>
+          </a:p>
+          <a:p>
+            <a:pPr lvl="1"/>
+            <a:r>
+              <a:rPr lang="tr-TR" sz="3800" dirty="0">
+                <a:solidFill>
+                  <a:srgbClr val="C00000"/>
+                </a:solidFill>
+              </a:rPr>
+              <a:t>touch adsoyad.txt</a:t>
+            </a:r>
+          </a:p>
+          <a:p>
+            <a:r>
+              <a:rPr lang="tr-TR" sz="4000" dirty="0"/>
+              <a:t>Branch değiştirmeden Push işlemini yapın</a:t>
+            </a:r>
+          </a:p>
+          <a:p>
+            <a:pPr lvl="1"/>
+            <a:r>
+              <a:rPr lang="tr-TR" sz="3800" dirty="0">
+                <a:solidFill>
+                  <a:srgbClr val="C00000"/>
+                </a:solidFill>
+              </a:rPr>
+              <a:t>git add .</a:t>
+            </a:r>
+          </a:p>
+          <a:p>
+            <a:pPr lvl="1"/>
+            <a:r>
+              <a:rPr lang="tr-TR" sz="3800" dirty="0">
+                <a:solidFill>
+                  <a:srgbClr val="C00000"/>
+                </a:solidFill>
+              </a:rPr>
+              <a:t>git commit –m «</a:t>
+            </a:r>
+            <a:r>
+              <a:rPr lang="tr-TR" sz="3800" dirty="0" err="1">
+                <a:solidFill>
+                  <a:srgbClr val="C00000"/>
+                </a:solidFill>
+              </a:rPr>
+              <a:t>adsoyad</a:t>
+            </a:r>
+            <a:r>
+              <a:rPr lang="tr-TR" sz="3800" dirty="0">
+                <a:solidFill>
+                  <a:srgbClr val="C00000"/>
+                </a:solidFill>
+              </a:rPr>
+              <a:t>»</a:t>
+            </a:r>
+          </a:p>
+          <a:p>
+            <a:pPr lvl="1"/>
+            <a:r>
+              <a:rPr lang="tr-TR" sz="3800" dirty="0">
+                <a:solidFill>
+                  <a:srgbClr val="C00000"/>
+                </a:solidFill>
+              </a:rPr>
+              <a:t>git push --set-</a:t>
+            </a:r>
+            <a:r>
+              <a:rPr lang="tr-TR" sz="3800" dirty="0" err="1">
+                <a:solidFill>
+                  <a:srgbClr val="C00000"/>
+                </a:solidFill>
+              </a:rPr>
+              <a:t>upstream</a:t>
+            </a:r>
+            <a:r>
+              <a:rPr lang="tr-TR" sz="3800" dirty="0">
+                <a:solidFill>
+                  <a:srgbClr val="C00000"/>
+                </a:solidFill>
+              </a:rPr>
+              <a:t> </a:t>
+            </a:r>
+            <a:r>
+              <a:rPr lang="tr-TR" sz="3800" dirty="0" err="1">
+                <a:solidFill>
+                  <a:srgbClr val="C00000"/>
+                </a:solidFill>
+              </a:rPr>
+              <a:t>origin</a:t>
+            </a:r>
+            <a:r>
+              <a:rPr lang="tr-TR" sz="3800" dirty="0">
+                <a:solidFill>
+                  <a:srgbClr val="C00000"/>
+                </a:solidFill>
+              </a:rPr>
+              <a:t> </a:t>
+            </a:r>
+            <a:r>
+              <a:rPr lang="tr-TR" sz="3800" dirty="0" err="1">
+                <a:solidFill>
+                  <a:srgbClr val="C00000"/>
+                </a:solidFill>
+              </a:rPr>
+              <a:t>branchadı</a:t>
+            </a:r>
+            <a:endParaRPr lang="tr-TR" sz="3800" dirty="0">
+              <a:solidFill>
+                <a:srgbClr val="C00000"/>
+              </a:solidFill>
+            </a:endParaRPr>
+          </a:p>
+          <a:p>
+            <a:pPr lvl="1"/>
+            <a:r>
+              <a:rPr lang="tr-TR" sz="3600" dirty="0"/>
+              <a:t>Önemli Not: Yukardaki push komutu </a:t>
+            </a:r>
+            <a:r>
+              <a:rPr lang="tr-TR" sz="3600" b="1" dirty="0">
+                <a:highlight>
+                  <a:srgbClr val="FFFF00"/>
+                </a:highlight>
+              </a:rPr>
+              <a:t>ilk kez yapılan</a:t>
+            </a:r>
+            <a:r>
+              <a:rPr lang="tr-TR" sz="3600" b="1" dirty="0"/>
+              <a:t> </a:t>
+            </a:r>
+            <a:r>
+              <a:rPr lang="tr-TR" sz="3600" dirty="0"/>
+              <a:t>push işlemlerinde kullanılmaktadır.</a:t>
+            </a:r>
+          </a:p>
+          <a:p>
+            <a:pPr lvl="1"/>
+            <a:r>
+              <a:rPr lang="tr-TR" sz="3600" dirty="0"/>
+              <a:t>Sonrası Push işlemlerinde sadece </a:t>
+            </a:r>
+            <a:r>
+              <a:rPr lang="tr-TR" sz="3600" b="1" dirty="0">
+                <a:highlight>
+                  <a:srgbClr val="FFFF00"/>
+                </a:highlight>
+              </a:rPr>
+              <a:t>git push</a:t>
+            </a:r>
+            <a:r>
+              <a:rPr lang="tr-TR" sz="3600" dirty="0"/>
+              <a:t> demeniz yeterlidir.</a:t>
+            </a:r>
+          </a:p>
+          <a:p>
+            <a:pPr marL="457200" lvl="1" indent="0">
+              <a:buNone/>
+            </a:pPr>
+            <a:endParaRPr lang="en-TR" sz="3800" dirty="0">
+              <a:solidFill>
+                <a:srgbClr val="C00000"/>
+              </a:solidFill>
+            </a:endParaRPr>
+          </a:p>
+        </p:txBody>
+      </p:sp>
+      <p:pic>
+        <p:nvPicPr>
+          <p:cNvPr id="9" name="Picture 8">
+            <a:extLst>
+              <a:ext uri="{FF2B5EF4-FFF2-40B4-BE49-F238E27FC236}">
+                <a16:creationId xmlns:a16="http://schemas.microsoft.com/office/drawing/2014/main" id="{00DBD018-D729-5F19-2C8C-165EDE26C39B}"/>
+              </a:ext>
+            </a:extLst>
+          </p:cNvPr>
+          <p:cNvPicPr>
+            <a:picLocks noChangeAspect="1"/>
+          </p:cNvPicPr>
           <p:nvPr/>
-        </p:nvSpPr>
+        </p:nvPicPr>
+        <p:blipFill>
+          <a:blip r:embed="rId3"/>
+          <a:stretch>
+            <a:fillRect/>
+          </a:stretch>
+        </p:blipFill>
         <p:spPr>
           <a:xfrm>
-            <a:off x="573025" y="1978026"/>
-            <a:ext cx="5933181" cy="2367178"/>
+            <a:off x="7315201" y="1902904"/>
+            <a:ext cx="4456174" cy="3515119"/>
           </a:xfrm>
           <a:prstGeom prst="rect">
             <a:avLst/>
           </a:prstGeom>
         </p:spPr>
-        <p:txBody>
-          <a:bodyPr vert="horz" lIns="91440" tIns="45720" rIns="91440" bIns="45720" rtlCol="0">
-            <a:normAutofit/>
+      </p:pic>
+      <p:sp>
+        <p:nvSpPr>
+          <p:cNvPr id="10" name="Down Arrow 9">
+            <a:extLst>
+              <a:ext uri="{FF2B5EF4-FFF2-40B4-BE49-F238E27FC236}">
+                <a16:creationId xmlns:a16="http://schemas.microsoft.com/office/drawing/2014/main" id="{88F6541B-A977-E379-985A-6AFD19C69D98}"/>
+              </a:ext>
+            </a:extLst>
+          </p:cNvPr>
+          <p:cNvSpPr/>
+          <p:nvPr/>
+        </p:nvSpPr>
+        <p:spPr>
+          <a:xfrm>
+            <a:off x="10576303" y="2123763"/>
+            <a:ext cx="774700" cy="1536700"/>
+          </a:xfrm>
+          <a:prstGeom prst="downArrow">
+            <a:avLst/>
+          </a:prstGeom>
+        </p:spPr>
+        <p:style>
+          <a:lnRef idx="2">
+            <a:schemeClr val="accent1">
+              <a:shade val="15000"/>
+            </a:schemeClr>
+          </a:lnRef>
+          <a:fillRef idx="1">
+            <a:schemeClr val="accent1"/>
+          </a:fillRef>
+          <a:effectRef idx="0">
+            <a:schemeClr val="accent1"/>
+          </a:effectRef>
+          <a:fontRef idx="minor">
+            <a:schemeClr val="lt1"/>
+          </a:fontRef>
+        </p:style>
+        <p:txBody>
+          <a:bodyPr vert="vert" rtlCol="0" anchor="ctr"/>
+          <a:lstStyle/>
+          <a:p>
+            <a:pPr algn="ctr"/>
+            <a:r>
+              <a:rPr lang="en-TR" sz="1400" b="1" dirty="0"/>
+              <a:t>CLONE</a:t>
+            </a:r>
+          </a:p>
+        </p:txBody>
+      </p:sp>
+      <p:sp>
+        <p:nvSpPr>
+          <p:cNvPr id="12" name="Down Arrow 11">
+            <a:extLst>
+              <a:ext uri="{FF2B5EF4-FFF2-40B4-BE49-F238E27FC236}">
+                <a16:creationId xmlns:a16="http://schemas.microsoft.com/office/drawing/2014/main" id="{EA24E97B-F6A2-22D5-8098-2CF38A1B4A2D}"/>
+              </a:ext>
+            </a:extLst>
+          </p:cNvPr>
+          <p:cNvSpPr/>
+          <p:nvPr/>
+        </p:nvSpPr>
+        <p:spPr>
+          <a:xfrm rot="10800000">
+            <a:off x="7606002" y="2123763"/>
+            <a:ext cx="874275" cy="1536700"/>
+          </a:xfrm>
+          <a:prstGeom prst="downArrow">
+            <a:avLst/>
+          </a:prstGeom>
+          <a:solidFill>
+            <a:srgbClr val="C00000"/>
+          </a:solidFill>
+        </p:spPr>
+        <p:style>
+          <a:lnRef idx="2">
+            <a:schemeClr val="accent1">
+              <a:shade val="15000"/>
+            </a:schemeClr>
+          </a:lnRef>
+          <a:fillRef idx="1">
+            <a:schemeClr val="accent1"/>
+          </a:fillRef>
+          <a:effectRef idx="0">
+            <a:schemeClr val="accent1"/>
+          </a:effectRef>
+          <a:fontRef idx="minor">
+            <a:schemeClr val="lt1"/>
+          </a:fontRef>
+        </p:style>
+        <p:txBody>
+          <a:bodyPr vert="vert" rtlCol="0" anchor="ctr"/>
+          <a:lstStyle/>
+          <a:p>
+            <a:pPr algn="ctr"/>
+            <a:r>
+              <a:rPr lang="en-TR" sz="1400" b="1" dirty="0"/>
+              <a:t>PUSH</a:t>
+            </a:r>
+          </a:p>
+        </p:txBody>
+      </p:sp>
+      <p:sp>
+        <p:nvSpPr>
+          <p:cNvPr id="13" name="TextBox 12">
+            <a:extLst>
+              <a:ext uri="{FF2B5EF4-FFF2-40B4-BE49-F238E27FC236}">
+                <a16:creationId xmlns:a16="http://schemas.microsoft.com/office/drawing/2014/main" id="{B985567B-B6AB-D286-D030-EA90F7B642C9}"/>
+              </a:ext>
+            </a:extLst>
+          </p:cNvPr>
+          <p:cNvSpPr txBox="1"/>
+          <p:nvPr/>
+        </p:nvSpPr>
+        <p:spPr>
+          <a:xfrm>
+            <a:off x="7696113" y="5171017"/>
+            <a:ext cx="824521" cy="369332"/>
+          </a:xfrm>
+          <a:prstGeom prst="rect">
+            <a:avLst/>
+          </a:prstGeom>
+          <a:noFill/>
+        </p:spPr>
+        <p:txBody>
+          <a:bodyPr wrap="none" rtlCol="0">
+            <a:spAutoFit/>
           </a:bodyPr>
-          <a:lstStyle>
-            <a:lvl1pPr marL="228600" indent="-228600" algn="l" defTabSz="914400" rtl="0" eaLnBrk="1" latinLnBrk="0" hangingPunct="1">
-              <a:lnSpc>
-                <a:spcPct val="100000"/>
-              </a:lnSpc>
-              <a:spcBef>
-                <a:spcPts val="1000"/>
-              </a:spcBef>
-              <a:buClr>
-                <a:schemeClr val="accent2"/>
-              </a:buClr>
-              <a:buFont typeface="Wingdings 2" panose="05020102010507070707" pitchFamily="18" charset="2"/>
-              <a:buChar char=""/>
-              <a:defRPr sz="2400" kern="1200">
-                <a:solidFill>
-                  <a:schemeClr val="tx2"/>
-                </a:solidFill>
-                <a:latin typeface="+mn-lt"/>
-                <a:ea typeface="+mn-ea"/>
-                <a:cs typeface="+mn-cs"/>
-              </a:defRPr>
-            </a:lvl1pPr>
-            <a:lvl2pPr marL="685800" indent="-228600" algn="l" defTabSz="914400" rtl="0" eaLnBrk="1" latinLnBrk="0" hangingPunct="1">
-              <a:lnSpc>
-                <a:spcPct val="100000"/>
-              </a:lnSpc>
-              <a:spcBef>
-                <a:spcPts val="500"/>
-              </a:spcBef>
-              <a:buClr>
-                <a:schemeClr val="accent2"/>
-              </a:buClr>
-              <a:buFont typeface="Wingdings 2" panose="05020102010507070707" pitchFamily="18" charset="2"/>
-              <a:buChar char=""/>
-              <a:defRPr sz="2200" kern="1200">
-                <a:solidFill>
-                  <a:schemeClr val="tx2"/>
-                </a:solidFill>
-                <a:latin typeface="+mn-lt"/>
-                <a:ea typeface="+mn-ea"/>
-                <a:cs typeface="+mn-cs"/>
-              </a:defRPr>
-            </a:lvl2pPr>
-            <a:lvl3pPr marL="1143000" indent="-228600" algn="l" defTabSz="914400" rtl="0" eaLnBrk="1" latinLnBrk="0" hangingPunct="1">
-              <a:lnSpc>
-                <a:spcPct val="100000"/>
-              </a:lnSpc>
-              <a:spcBef>
-                <a:spcPts val="500"/>
-              </a:spcBef>
-              <a:buClr>
-                <a:schemeClr val="accent2"/>
-              </a:buClr>
-              <a:buFont typeface="Wingdings 2" panose="05020102010507070707" pitchFamily="18" charset="2"/>
-              <a:buChar char=""/>
-              <a:defRPr sz="1800" kern="1200">
-                <a:solidFill>
-                  <a:schemeClr val="tx2"/>
-                </a:solidFill>
-                <a:latin typeface="+mn-lt"/>
-                <a:ea typeface="+mn-ea"/>
-                <a:cs typeface="+mn-cs"/>
-              </a:defRPr>
-            </a:lvl3pPr>
-            <a:lvl4pPr marL="1600200" indent="-228600" algn="l" defTabSz="914400" rtl="0" eaLnBrk="1" latinLnBrk="0" hangingPunct="1">
-              <a:lnSpc>
-                <a:spcPct val="100000"/>
-              </a:lnSpc>
-              <a:spcBef>
-                <a:spcPts val="500"/>
-              </a:spcBef>
-              <a:buClr>
-                <a:schemeClr val="accent2"/>
-              </a:buClr>
-              <a:buFont typeface="Wingdings 2" panose="05020102010507070707" pitchFamily="18" charset="2"/>
-              <a:buChar char=""/>
-              <a:defRPr sz="1600" kern="1200">
-                <a:solidFill>
-                  <a:schemeClr val="tx2"/>
-                </a:solidFill>
-                <a:latin typeface="+mn-lt"/>
-                <a:ea typeface="+mn-ea"/>
-                <a:cs typeface="+mn-cs"/>
-              </a:defRPr>
-            </a:lvl4pPr>
-            <a:lvl5pPr marL="2057400" indent="-228600" algn="l" defTabSz="914400" rtl="0" eaLnBrk="1" latinLnBrk="0" hangingPunct="1">
-              <a:lnSpc>
-                <a:spcPct val="100000"/>
-              </a:lnSpc>
-              <a:spcBef>
-                <a:spcPts val="500"/>
-              </a:spcBef>
-              <a:buClr>
-                <a:schemeClr val="accent2"/>
-              </a:buClr>
-              <a:buFont typeface="Wingdings 2" panose="05020102010507070707" pitchFamily="18" charset="2"/>
-              <a:buChar char=""/>
-              <a:defRPr sz="1400" kern="1200">
-                <a:solidFill>
-                  <a:schemeClr val="tx2"/>
-                </a:solidFill>
-                <a:latin typeface="+mn-lt"/>
-                <a:ea typeface="+mn-ea"/>
-                <a:cs typeface="+mn-cs"/>
-              </a:defRPr>
-            </a:lvl5pPr>
-            <a:lvl6pPr marL="2514600" indent="-228600" algn="l" defTabSz="914400" rtl="0" eaLnBrk="1" latinLnBrk="0" hangingPunct="1">
-              <a:lnSpc>
-                <a:spcPct val="90000"/>
-              </a:lnSpc>
-              <a:spcBef>
-                <a:spcPts val="500"/>
-              </a:spcBef>
-              <a:buFont typeface="Arial" panose="020B0604020202020204" pitchFamily="34" charset="0"/>
-              <a:buChar char="•"/>
-              <a:defRPr sz="1800" kern="1200">
-                <a:solidFill>
-                  <a:schemeClr val="tx1"/>
-                </a:solidFill>
-                <a:latin typeface="+mn-lt"/>
-                <a:ea typeface="+mn-ea"/>
-                <a:cs typeface="+mn-cs"/>
-              </a:defRPr>
-            </a:lvl6pPr>
-            <a:lvl7pPr marL="2971800" indent="-228600" algn="l" defTabSz="914400" rtl="0" eaLnBrk="1" latinLnBrk="0" hangingPunct="1">
-              <a:lnSpc>
-                <a:spcPct val="90000"/>
-              </a:lnSpc>
-              <a:spcBef>
-                <a:spcPts val="500"/>
-              </a:spcBef>
-              <a:buFont typeface="Arial" panose="020B0604020202020204" pitchFamily="34" charset="0"/>
-              <a:buChar char="•"/>
-              <a:defRPr sz="1800" kern="1200">
-                <a:solidFill>
-                  <a:schemeClr val="tx1"/>
-                </a:solidFill>
-                <a:latin typeface="+mn-lt"/>
-                <a:ea typeface="+mn-ea"/>
-                <a:cs typeface="+mn-cs"/>
-              </a:defRPr>
-            </a:lvl7pPr>
-            <a:lvl8pPr marL="3429000" indent="-228600" algn="l" defTabSz="914400" rtl="0" eaLnBrk="1" latinLnBrk="0" hangingPunct="1">
-              <a:lnSpc>
-                <a:spcPct val="90000"/>
-              </a:lnSpc>
-              <a:spcBef>
-                <a:spcPts val="500"/>
-              </a:spcBef>
-              <a:buFont typeface="Arial" panose="020B0604020202020204" pitchFamily="34" charset="0"/>
-              <a:buChar char="•"/>
-              <a:defRPr sz="1800" kern="1200">
-                <a:solidFill>
-                  <a:schemeClr val="tx1"/>
-                </a:solidFill>
-                <a:latin typeface="+mn-lt"/>
-                <a:ea typeface="+mn-ea"/>
-                <a:cs typeface="+mn-cs"/>
-              </a:defRPr>
-            </a:lvl8pPr>
-            <a:lvl9pPr marL="3886200" indent="-228600" algn="l" defTabSz="914400" rtl="0" eaLnBrk="1" latinLnBrk="0" hangingPunct="1">
-              <a:lnSpc>
-                <a:spcPct val="90000"/>
-              </a:lnSpc>
-              <a:spcBef>
-                <a:spcPts val="500"/>
-              </a:spcBef>
-              <a:buFont typeface="Arial" panose="020B0604020202020204" pitchFamily="34" charset="0"/>
-              <a:buChar char="•"/>
-              <a:defRPr sz="1800" kern="1200">
-                <a:solidFill>
-                  <a:schemeClr val="tx1"/>
-                </a:solidFill>
-                <a:latin typeface="+mn-lt"/>
-                <a:ea typeface="+mn-ea"/>
-                <a:cs typeface="+mn-cs"/>
-              </a:defRPr>
-            </a:lvl9pPr>
-          </a:lstStyle>
-          <a:p>
-            <a:endParaRPr lang="tr-TR" sz="4000" dirty="0"/>
-          </a:p>
-          <a:p>
-            <a:endParaRPr lang="en-TR" sz="4000" dirty="0">
+          <a:lstStyle/>
+          <a:p>
+            <a:r>
+              <a:rPr lang="en-TR" b="1" dirty="0">
+                <a:solidFill>
+                  <a:schemeClr val="accent2">
+                    <a:lumMod val="50000"/>
+                  </a:schemeClr>
+                </a:solidFill>
+              </a:rPr>
+              <a:t>Branch</a:t>
+            </a:r>
+          </a:p>
+        </p:txBody>
+      </p:sp>
+      <p:sp>
+        <p:nvSpPr>
+          <p:cNvPr id="14" name="TextBox 13">
+            <a:extLst>
+              <a:ext uri="{FF2B5EF4-FFF2-40B4-BE49-F238E27FC236}">
+                <a16:creationId xmlns:a16="http://schemas.microsoft.com/office/drawing/2014/main" id="{C92BD836-5A0F-D094-38CB-66E0FB0880DD}"/>
+              </a:ext>
+            </a:extLst>
+          </p:cNvPr>
+          <p:cNvSpPr txBox="1"/>
+          <p:nvPr/>
+        </p:nvSpPr>
+        <p:spPr>
+          <a:xfrm>
+            <a:off x="9131027" y="5171017"/>
+            <a:ext cx="824521" cy="369332"/>
+          </a:xfrm>
+          <a:prstGeom prst="rect">
+            <a:avLst/>
+          </a:prstGeom>
+          <a:noFill/>
+        </p:spPr>
+        <p:txBody>
+          <a:bodyPr wrap="none" rtlCol="0">
+            <a:spAutoFit/>
+          </a:bodyPr>
+          <a:lstStyle/>
+          <a:p>
+            <a:r>
+              <a:rPr lang="en-TR" b="1" dirty="0">
+                <a:solidFill>
+                  <a:schemeClr val="accent5">
+                    <a:lumMod val="75000"/>
+                  </a:schemeClr>
+                </a:solidFill>
+              </a:rPr>
+              <a:t>Branch</a:t>
+            </a:r>
+          </a:p>
+        </p:txBody>
+      </p:sp>
+      <p:sp>
+        <p:nvSpPr>
+          <p:cNvPr id="15" name="TextBox 14">
+            <a:extLst>
+              <a:ext uri="{FF2B5EF4-FFF2-40B4-BE49-F238E27FC236}">
+                <a16:creationId xmlns:a16="http://schemas.microsoft.com/office/drawing/2014/main" id="{5D905752-6B79-F22D-8C68-B4F420BE25CD}"/>
+              </a:ext>
+            </a:extLst>
+          </p:cNvPr>
+          <p:cNvSpPr txBox="1"/>
+          <p:nvPr/>
+        </p:nvSpPr>
+        <p:spPr>
+          <a:xfrm>
+            <a:off x="10550903" y="5171017"/>
+            <a:ext cx="824521" cy="369332"/>
+          </a:xfrm>
+          <a:prstGeom prst="rect">
+            <a:avLst/>
+          </a:prstGeom>
+          <a:noFill/>
+        </p:spPr>
+        <p:txBody>
+          <a:bodyPr wrap="none" rtlCol="0">
+            <a:spAutoFit/>
+          </a:bodyPr>
+          <a:lstStyle/>
+          <a:p>
+            <a:r>
+              <a:rPr lang="en-TR" b="1" dirty="0">
+                <a:solidFill>
+                  <a:srgbClr val="00B0F0"/>
+                </a:solidFill>
+              </a:rPr>
+              <a:t>Branch</a:t>
+            </a:r>
+          </a:p>
+        </p:txBody>
+      </p:sp>
+    </p:spTree>
+    <p:extLst>
+      <p:ext uri="{BB962C8B-B14F-4D97-AF65-F5344CB8AC3E}">
+        <p14:creationId xmlns:p14="http://schemas.microsoft.com/office/powerpoint/2010/main" val="3410591055"/>
+      </p:ext>
+    </p:extLst>
+  </p:cSld>
+  <p:clrMapOvr>
+    <a:masterClrMapping/>
+  </p:clrMapOvr>
+</p:sld>
+</file>
+
+<file path=ppt/slides/slide33.xml><?xml version="1.0" encoding="utf-8"?>
+<p:sld xmlns:a="http://schemas.openxmlformats.org/drawingml/2006/main" xmlns:r="http://schemas.openxmlformats.org/officeDocument/2006/relationships" xmlns:p="http://schemas.openxmlformats.org/presentationml/2006/main">
+  <p:cSld>
+    <p:spTree>
+      <p:nvGrpSpPr>
+        <p:cNvPr id="1" name=""/>
+        <p:cNvGrpSpPr/>
+        <p:nvPr/>
+      </p:nvGrpSpPr>
+      <p:grpSpPr>
+        <a:xfrm>
+          <a:off x="0" y="0"/>
+          <a:ext cx="0" cy="0"/>
+          <a:chOff x="0" y="0"/>
+          <a:chExt cx="0" cy="0"/>
+        </a:xfrm>
+      </p:grpSpPr>
+      <p:pic>
+        <p:nvPicPr>
+          <p:cNvPr id="4" name="Picture 4" descr="Techpro Education | Online It Courses &amp; Bootcamps">
+            <a:extLst>
+              <a:ext uri="{FF2B5EF4-FFF2-40B4-BE49-F238E27FC236}">
+                <a16:creationId xmlns:a16="http://schemas.microsoft.com/office/drawing/2014/main" id="{E33B55B5-34C1-9987-660E-4BF674EB9809}"/>
+              </a:ext>
+            </a:extLst>
+          </p:cNvPr>
+          <p:cNvPicPr>
+            <a:picLocks noChangeAspect="1" noChangeArrowheads="1"/>
+          </p:cNvPicPr>
+          <p:nvPr/>
+        </p:nvPicPr>
+        <p:blipFill>
+          <a:blip r:embed="rId2">
+            <a:alphaModFix amt="11000"/>
+            <a:extLst>
+              <a:ext uri="{28A0092B-C50C-407E-A947-70E740481C1C}">
+                <a14:useLocalDpi xmlns:a14="http://schemas.microsoft.com/office/drawing/2010/main" val="0"/>
+              </a:ext>
+            </a:extLst>
+          </a:blip>
+          <a:srcRect/>
+          <a:stretch>
+            <a:fillRect/>
+          </a:stretch>
+        </p:blipFill>
+        <p:spPr bwMode="auto">
+          <a:xfrm>
+            <a:off x="2815081" y="551941"/>
+            <a:ext cx="5754117" cy="5754117"/>
+          </a:xfrm>
+          <a:prstGeom prst="rect">
+            <a:avLst/>
+          </a:prstGeom>
+          <a:noFill/>
+          <a:extLst>
+            <a:ext uri="{909E8E84-426E-40DD-AFC4-6F175D3DCCD1}">
+              <a14:hiddenFill xmlns:a14="http://schemas.microsoft.com/office/drawing/2010/main">
+                <a:solidFill>
+                  <a:srgbClr val="FFFFFF"/>
+                </a:solidFill>
+              </a14:hiddenFill>
+            </a:ext>
+          </a:extLst>
+        </p:spPr>
+      </p:pic>
+      <p:sp>
+        <p:nvSpPr>
+          <p:cNvPr id="3" name="Title 1">
+            <a:extLst>
+              <a:ext uri="{FF2B5EF4-FFF2-40B4-BE49-F238E27FC236}">
+                <a16:creationId xmlns:a16="http://schemas.microsoft.com/office/drawing/2014/main" id="{87B6C64E-0795-6DBE-C426-84C825AB1E29}"/>
+              </a:ext>
+            </a:extLst>
+          </p:cNvPr>
+          <p:cNvSpPr>
+            <a:spLocks noGrp="1"/>
+          </p:cNvSpPr>
+          <p:nvPr>
+            <p:ph type="title"/>
+          </p:nvPr>
+        </p:nvSpPr>
+        <p:spPr>
+          <a:xfrm>
+            <a:off x="420624" y="365125"/>
+            <a:ext cx="10543032" cy="1325563"/>
+          </a:xfrm>
+        </p:spPr>
+        <p:txBody>
+          <a:bodyPr/>
+          <a:lstStyle/>
+          <a:p>
+            <a:r>
+              <a:rPr lang="en-TR" b="1" dirty="0"/>
+              <a:t>Github Bonus</a:t>
+            </a:r>
+          </a:p>
+        </p:txBody>
+      </p:sp>
+      <p:sp>
+        <p:nvSpPr>
+          <p:cNvPr id="5" name="Content Placeholder 2">
+            <a:extLst>
+              <a:ext uri="{FF2B5EF4-FFF2-40B4-BE49-F238E27FC236}">
+                <a16:creationId xmlns:a16="http://schemas.microsoft.com/office/drawing/2014/main" id="{AD4D72CB-A20C-6D7D-55C4-D224825053B4}"/>
+              </a:ext>
+            </a:extLst>
+          </p:cNvPr>
+          <p:cNvSpPr>
+            <a:spLocks noGrp="1"/>
+          </p:cNvSpPr>
+          <p:nvPr>
+            <p:ph idx="1"/>
+          </p:nvPr>
+        </p:nvSpPr>
+        <p:spPr>
+          <a:xfrm>
+            <a:off x="420625" y="1825625"/>
+            <a:ext cx="10543031" cy="4206383"/>
+          </a:xfrm>
+        </p:spPr>
+        <p:txBody>
+          <a:bodyPr>
+            <a:normAutofit fontScale="92500" lnSpcReduction="20000"/>
+          </a:bodyPr>
+          <a:lstStyle/>
+          <a:p>
+            <a:r>
+              <a:rPr lang="tr-TR" sz="4000" dirty="0"/>
+              <a:t>İlgili Repo yu Visual Studio da açmak için</a:t>
+            </a:r>
+            <a:endParaRPr lang="tr-TR" sz="4000" dirty="0">
+              <a:solidFill>
+                <a:srgbClr val="C00000"/>
+              </a:solidFill>
+            </a:endParaRPr>
+          </a:p>
+          <a:p>
+            <a:pPr lvl="1"/>
+            <a:r>
+              <a:rPr lang="tr-TR" sz="3800" dirty="0">
+                <a:solidFill>
+                  <a:srgbClr val="C00000"/>
+                </a:solidFill>
+              </a:rPr>
+              <a:t>Github.com -&gt; Github.dev</a:t>
+            </a:r>
+          </a:p>
+          <a:p>
+            <a:r>
+              <a:rPr lang="tr-TR" sz="4000" dirty="0"/>
+              <a:t>İlgili konu veya konsepte odaklanan projeleri bulmak için </a:t>
+            </a:r>
+          </a:p>
+          <a:p>
+            <a:pPr lvl="1"/>
+            <a:r>
+              <a:rPr lang="tr-TR" sz="3800" dirty="0">
+                <a:solidFill>
+                  <a:srgbClr val="C00000"/>
+                </a:solidFill>
+              </a:rPr>
+              <a:t>awesome-&lt;keyword&gt;</a:t>
+            </a:r>
+          </a:p>
+          <a:p>
+            <a:r>
+              <a:rPr lang="tr-TR" sz="4000" dirty="0"/>
+              <a:t>Kodlarınızı diğer kişiler ile paylaşarak feedback almak için</a:t>
+            </a:r>
+          </a:p>
+          <a:p>
+            <a:pPr lvl="1"/>
+            <a:r>
+              <a:rPr lang="tr-TR" sz="3800" dirty="0">
+                <a:solidFill>
+                  <a:srgbClr val="C00000"/>
+                </a:solidFill>
+              </a:rPr>
+              <a:t>Github Gists</a:t>
+            </a:r>
+            <a:endParaRPr lang="en-TR" sz="3800" dirty="0">
               <a:solidFill>
                 <a:srgbClr val="C00000"/>
               </a:solidFill>
@@ -14792,7 +16709,7 @@
 </p:sld>
 </file>
 
-<file path=ppt/slides/slide31.xml><?xml version="1.0" encoding="utf-8"?>
+<file path=ppt/slides/slide34.xml><?xml version="1.0" encoding="utf-8"?>
 <p:sld xmlns:a="http://schemas.openxmlformats.org/drawingml/2006/main" xmlns:r="http://schemas.openxmlformats.org/officeDocument/2006/relationships" xmlns:p="http://schemas.openxmlformats.org/presentationml/2006/main">
   <p:cSld>
     <p:spTree>
@@ -16487,7 +18404,7 @@
         </p:blipFill>
         <p:spPr bwMode="auto">
           <a:xfrm>
-            <a:off x="3644931" y="1877504"/>
+            <a:off x="3644931" y="1690688"/>
             <a:ext cx="4902137" cy="4095125"/>
           </a:xfrm>
           <a:prstGeom prst="rect">
